--- a/content/talks/posts/2024-aaai/poster.pptx
+++ b/content/talks/posts/2024-aaai/poster.pptx
@@ -10,10 +10,10 @@
   <p:sldIdLst>
     <p:sldId id="256" r:id="rId2"/>
   </p:sldIdLst>
-  <p:sldSz cx="21945600" cy="32918400"/>
+  <p:sldSz cx="24688800" cy="36576000"/>
   <p:notesSz cx="6858000" cy="9144000"/>
   <p:defaultTextStyle>
-    <a:defPPr marL="0" marR="0" indent="0" algn="l" defTabSz="914254" rtl="0" fontAlgn="auto" latinLnBrk="1" hangingPunct="0">
+    <a:defPPr marL="0" marR="0" indent="0" algn="l" defTabSz="1020856" rtl="0" fontAlgn="auto" latinLnBrk="1" hangingPunct="0">
       <a:lnSpc>
         <a:spcPct val="100000"/>
       </a:lnSpc>
@@ -28,7 +28,7 @@
       <a:buFontTx/>
       <a:buNone/>
       <a:tabLst/>
-      <a:defRPr kumimoji="0" sz="1800" b="0" i="0" u="none" strike="noStrike" cap="none" spc="0" normalizeH="0" baseline="0">
+      <a:defRPr kumimoji="0" sz="2010" b="0" i="0" u="none" strike="noStrike" cap="none" spc="0" normalizeH="0" baseline="0">
         <a:ln>
           <a:noFill/>
         </a:ln>
@@ -39,7 +39,7 @@
         <a:uFillTx/>
       </a:defRPr>
     </a:defPPr>
-    <a:lvl1pPr marL="0" marR="0" indent="0" algn="l" defTabSz="326479" rtl="0" fontAlgn="auto" latinLnBrk="0" hangingPunct="0">
+    <a:lvl1pPr marL="0" marR="0" indent="0" algn="l" defTabSz="364546" rtl="0" fontAlgn="auto" latinLnBrk="0" hangingPunct="0">
       <a:lnSpc>
         <a:spcPct val="100000"/>
       </a:lnSpc>
@@ -54,7 +54,7 @@
       <a:buFontTx/>
       <a:buNone/>
       <a:tabLst/>
-      <a:defRPr kumimoji="0" sz="1200" b="0" i="0" u="none" strike="noStrike" cap="none" spc="0" normalizeH="0" baseline="0">
+      <a:defRPr kumimoji="0" sz="1340" b="0" i="0" u="none" strike="noStrike" cap="none" spc="0" normalizeH="0" baseline="0">
         <a:ln>
           <a:noFill/>
         </a:ln>
@@ -69,7 +69,7 @@
         <a:sym typeface="Calibri"/>
       </a:defRPr>
     </a:lvl1pPr>
-    <a:lvl2pPr marL="0" marR="0" indent="326479" algn="l" defTabSz="326479" rtl="0" fontAlgn="auto" latinLnBrk="0" hangingPunct="0">
+    <a:lvl2pPr marL="0" marR="0" indent="364546" algn="l" defTabSz="364546" rtl="0" fontAlgn="auto" latinLnBrk="0" hangingPunct="0">
       <a:lnSpc>
         <a:spcPct val="100000"/>
       </a:lnSpc>
@@ -84,7 +84,7 @@
       <a:buFontTx/>
       <a:buNone/>
       <a:tabLst/>
-      <a:defRPr kumimoji="0" sz="1200" b="0" i="0" u="none" strike="noStrike" cap="none" spc="0" normalizeH="0" baseline="0">
+      <a:defRPr kumimoji="0" sz="1340" b="0" i="0" u="none" strike="noStrike" cap="none" spc="0" normalizeH="0" baseline="0">
         <a:ln>
           <a:noFill/>
         </a:ln>
@@ -99,7 +99,7 @@
         <a:sym typeface="Calibri"/>
       </a:defRPr>
     </a:lvl2pPr>
-    <a:lvl3pPr marL="0" marR="0" indent="652958" algn="l" defTabSz="326479" rtl="0" fontAlgn="auto" latinLnBrk="0" hangingPunct="0">
+    <a:lvl3pPr marL="0" marR="0" indent="729093" algn="l" defTabSz="364546" rtl="0" fontAlgn="auto" latinLnBrk="0" hangingPunct="0">
       <a:lnSpc>
         <a:spcPct val="100000"/>
       </a:lnSpc>
@@ -114,7 +114,7 @@
       <a:buFontTx/>
       <a:buNone/>
       <a:tabLst/>
-      <a:defRPr kumimoji="0" sz="1200" b="0" i="0" u="none" strike="noStrike" cap="none" spc="0" normalizeH="0" baseline="0">
+      <a:defRPr kumimoji="0" sz="1340" b="0" i="0" u="none" strike="noStrike" cap="none" spc="0" normalizeH="0" baseline="0">
         <a:ln>
           <a:noFill/>
         </a:ln>
@@ -129,7 +129,7 @@
         <a:sym typeface="Calibri"/>
       </a:defRPr>
     </a:lvl3pPr>
-    <a:lvl4pPr marL="0" marR="0" indent="979438" algn="l" defTabSz="326479" rtl="0" fontAlgn="auto" latinLnBrk="0" hangingPunct="0">
+    <a:lvl4pPr marL="0" marR="0" indent="1093640" algn="l" defTabSz="364546" rtl="0" fontAlgn="auto" latinLnBrk="0" hangingPunct="0">
       <a:lnSpc>
         <a:spcPct val="100000"/>
       </a:lnSpc>
@@ -144,7 +144,7 @@
       <a:buFontTx/>
       <a:buNone/>
       <a:tabLst/>
-      <a:defRPr kumimoji="0" sz="1200" b="0" i="0" u="none" strike="noStrike" cap="none" spc="0" normalizeH="0" baseline="0">
+      <a:defRPr kumimoji="0" sz="1340" b="0" i="0" u="none" strike="noStrike" cap="none" spc="0" normalizeH="0" baseline="0">
         <a:ln>
           <a:noFill/>
         </a:ln>
@@ -159,7 +159,7 @@
         <a:sym typeface="Calibri"/>
       </a:defRPr>
     </a:lvl4pPr>
-    <a:lvl5pPr marL="0" marR="0" indent="1305917" algn="l" defTabSz="326479" rtl="0" fontAlgn="auto" latinLnBrk="0" hangingPunct="0">
+    <a:lvl5pPr marL="0" marR="0" indent="1458187" algn="l" defTabSz="364546" rtl="0" fontAlgn="auto" latinLnBrk="0" hangingPunct="0">
       <a:lnSpc>
         <a:spcPct val="100000"/>
       </a:lnSpc>
@@ -174,7 +174,7 @@
       <a:buFontTx/>
       <a:buNone/>
       <a:tabLst/>
-      <a:defRPr kumimoji="0" sz="1200" b="0" i="0" u="none" strike="noStrike" cap="none" spc="0" normalizeH="0" baseline="0">
+      <a:defRPr kumimoji="0" sz="1340" b="0" i="0" u="none" strike="noStrike" cap="none" spc="0" normalizeH="0" baseline="0">
         <a:ln>
           <a:noFill/>
         </a:ln>
@@ -189,7 +189,7 @@
         <a:sym typeface="Calibri"/>
       </a:defRPr>
     </a:lvl5pPr>
-    <a:lvl6pPr marL="0" marR="0" indent="1632396" algn="l" defTabSz="326479" rtl="0" fontAlgn="auto" latinLnBrk="0" hangingPunct="0">
+    <a:lvl6pPr marL="0" marR="0" indent="1822733" algn="l" defTabSz="364546" rtl="0" fontAlgn="auto" latinLnBrk="0" hangingPunct="0">
       <a:lnSpc>
         <a:spcPct val="100000"/>
       </a:lnSpc>
@@ -204,7 +204,7 @@
       <a:buFontTx/>
       <a:buNone/>
       <a:tabLst/>
-      <a:defRPr kumimoji="0" sz="1200" b="0" i="0" u="none" strike="noStrike" cap="none" spc="0" normalizeH="0" baseline="0">
+      <a:defRPr kumimoji="0" sz="1340" b="0" i="0" u="none" strike="noStrike" cap="none" spc="0" normalizeH="0" baseline="0">
         <a:ln>
           <a:noFill/>
         </a:ln>
@@ -219,7 +219,7 @@
         <a:sym typeface="Calibri"/>
       </a:defRPr>
     </a:lvl6pPr>
-    <a:lvl7pPr marL="0" marR="0" indent="1958877" algn="l" defTabSz="326479" rtl="0" fontAlgn="auto" latinLnBrk="0" hangingPunct="0">
+    <a:lvl7pPr marL="0" marR="0" indent="2187282" algn="l" defTabSz="364546" rtl="0" fontAlgn="auto" latinLnBrk="0" hangingPunct="0">
       <a:lnSpc>
         <a:spcPct val="100000"/>
       </a:lnSpc>
@@ -234,7 +234,7 @@
       <a:buFontTx/>
       <a:buNone/>
       <a:tabLst/>
-      <a:defRPr kumimoji="0" sz="1200" b="0" i="0" u="none" strike="noStrike" cap="none" spc="0" normalizeH="0" baseline="0">
+      <a:defRPr kumimoji="0" sz="1340" b="0" i="0" u="none" strike="noStrike" cap="none" spc="0" normalizeH="0" baseline="0">
         <a:ln>
           <a:noFill/>
         </a:ln>
@@ -249,7 +249,7 @@
         <a:sym typeface="Calibri"/>
       </a:defRPr>
     </a:lvl7pPr>
-    <a:lvl8pPr marL="0" marR="0" indent="2285357" algn="l" defTabSz="326479" rtl="0" fontAlgn="auto" latinLnBrk="0" hangingPunct="0">
+    <a:lvl8pPr marL="0" marR="0" indent="2551830" algn="l" defTabSz="364546" rtl="0" fontAlgn="auto" latinLnBrk="0" hangingPunct="0">
       <a:lnSpc>
         <a:spcPct val="100000"/>
       </a:lnSpc>
@@ -264,7 +264,7 @@
       <a:buFontTx/>
       <a:buNone/>
       <a:tabLst/>
-      <a:defRPr kumimoji="0" sz="1200" b="0" i="0" u="none" strike="noStrike" cap="none" spc="0" normalizeH="0" baseline="0">
+      <a:defRPr kumimoji="0" sz="1340" b="0" i="0" u="none" strike="noStrike" cap="none" spc="0" normalizeH="0" baseline="0">
         <a:ln>
           <a:noFill/>
         </a:ln>
@@ -279,7 +279,7 @@
         <a:sym typeface="Calibri"/>
       </a:defRPr>
     </a:lvl8pPr>
-    <a:lvl9pPr marL="0" marR="0" indent="2611835" algn="l" defTabSz="326479" rtl="0" fontAlgn="auto" latinLnBrk="0" hangingPunct="0">
+    <a:lvl9pPr marL="0" marR="0" indent="2916375" algn="l" defTabSz="364546" rtl="0" fontAlgn="auto" latinLnBrk="0" hangingPunct="0">
       <a:lnSpc>
         <a:spcPct val="100000"/>
       </a:lnSpc>
@@ -294,7 +294,7 @@
       <a:buFontTx/>
       <a:buNone/>
       <a:tabLst/>
-      <a:defRPr kumimoji="0" sz="1200" b="0" i="0" u="none" strike="noStrike" cap="none" spc="0" normalizeH="0" baseline="0">
+      <a:defRPr kumimoji="0" sz="1340" b="0" i="0" u="none" strike="noStrike" cap="none" spc="0" normalizeH="0" baseline="0">
         <a:ln>
           <a:noFill/>
         </a:ln>
@@ -313,12 +313,12 @@
   <p:extLst>
     <p:ext uri="{EFAFB233-063F-42B5-8137-9DF3F51BA10A}">
       <p15:sldGuideLst xmlns:p15="http://schemas.microsoft.com/office/powerpoint/2012/main">
-        <p15:guide id="1" orient="horz" pos="10368" userDrawn="1">
+        <p15:guide id="1" orient="horz" pos="11520" userDrawn="1">
           <p15:clr>
             <a:srgbClr val="A4A3A4"/>
           </p15:clr>
         </p15:guide>
-        <p15:guide id="2" pos="6912" userDrawn="1">
+        <p15:guide id="2" pos="7776" userDrawn="1">
           <p15:clr>
             <a:srgbClr val="A4A3A4"/>
           </p15:clr>
@@ -363,8 +363,8 @@
         </p:nvSpPr>
         <p:spPr>
           <a:xfrm>
-            <a:off x="2286000" y="685800"/>
-            <a:ext cx="2286000" cy="3429000"/>
+            <a:off x="2271713" y="685800"/>
+            <a:ext cx="2314575" cy="3429000"/>
           </a:xfrm>
           <a:prstGeom prst="rect">
             <a:avLst/>
@@ -409,72 +409,72 @@
   </p:cSld>
   <p:clrMap bg1="lt1" tx1="dk1" bg2="lt2" tx2="dk2" accent1="accent1" accent2="accent2" accent3="accent3" accent4="accent4" accent5="accent5" accent6="accent6" hlink="hlink" folHlink="folHlink"/>
   <p:notesStyle>
-    <a:lvl1pPr defTabSz="2632729" latinLnBrk="0">
-      <a:defRPr sz="3399">
+    <a:lvl1pPr defTabSz="2939705" latinLnBrk="0">
+      <a:defRPr sz="3795">
         <a:latin typeface="+mn-lt"/>
         <a:ea typeface="+mn-ea"/>
         <a:cs typeface="+mn-cs"/>
         <a:sym typeface="Calibri"/>
       </a:defRPr>
     </a:lvl1pPr>
-    <a:lvl2pPr indent="228562" defTabSz="2632729" latinLnBrk="0">
-      <a:defRPr sz="3399">
+    <a:lvl2pPr indent="255212" defTabSz="2939705" latinLnBrk="0">
+      <a:defRPr sz="3795">
         <a:latin typeface="+mn-lt"/>
         <a:ea typeface="+mn-ea"/>
         <a:cs typeface="+mn-cs"/>
         <a:sym typeface="Calibri"/>
       </a:defRPr>
     </a:lvl2pPr>
-    <a:lvl3pPr indent="457127" defTabSz="2632729" latinLnBrk="0">
-      <a:defRPr sz="3399">
+    <a:lvl3pPr indent="510428" defTabSz="2939705" latinLnBrk="0">
+      <a:defRPr sz="3795">
         <a:latin typeface="+mn-lt"/>
         <a:ea typeface="+mn-ea"/>
         <a:cs typeface="+mn-cs"/>
         <a:sym typeface="Calibri"/>
       </a:defRPr>
     </a:lvl3pPr>
-    <a:lvl4pPr indent="685689" defTabSz="2632729" latinLnBrk="0">
-      <a:defRPr sz="3399">
+    <a:lvl4pPr indent="765640" defTabSz="2939705" latinLnBrk="0">
+      <a:defRPr sz="3795">
         <a:latin typeface="+mn-lt"/>
         <a:ea typeface="+mn-ea"/>
         <a:cs typeface="+mn-cs"/>
         <a:sym typeface="Calibri"/>
       </a:defRPr>
     </a:lvl4pPr>
-    <a:lvl5pPr indent="914254" defTabSz="2632729" latinLnBrk="0">
-      <a:defRPr sz="3399">
+    <a:lvl5pPr indent="1020856" defTabSz="2939705" latinLnBrk="0">
+      <a:defRPr sz="3795">
         <a:latin typeface="+mn-lt"/>
         <a:ea typeface="+mn-ea"/>
         <a:cs typeface="+mn-cs"/>
         <a:sym typeface="Calibri"/>
       </a:defRPr>
     </a:lvl5pPr>
-    <a:lvl6pPr indent="1142815" defTabSz="2632729" latinLnBrk="0">
-      <a:defRPr sz="3399">
+    <a:lvl6pPr indent="1276067" defTabSz="2939705" latinLnBrk="0">
+      <a:defRPr sz="3795">
         <a:latin typeface="+mn-lt"/>
         <a:ea typeface="+mn-ea"/>
         <a:cs typeface="+mn-cs"/>
         <a:sym typeface="Calibri"/>
       </a:defRPr>
     </a:lvl6pPr>
-    <a:lvl7pPr indent="1371377" defTabSz="2632729" latinLnBrk="0">
-      <a:defRPr sz="3399">
+    <a:lvl7pPr indent="1531280" defTabSz="2939705" latinLnBrk="0">
+      <a:defRPr sz="3795">
         <a:latin typeface="+mn-lt"/>
         <a:ea typeface="+mn-ea"/>
         <a:cs typeface="+mn-cs"/>
         <a:sym typeface="Calibri"/>
       </a:defRPr>
     </a:lvl7pPr>
-    <a:lvl8pPr indent="1599942" defTabSz="2632729" latinLnBrk="0">
-      <a:defRPr sz="3399">
+    <a:lvl8pPr indent="1786495" defTabSz="2939705" latinLnBrk="0">
+      <a:defRPr sz="3795">
         <a:latin typeface="+mn-lt"/>
         <a:ea typeface="+mn-ea"/>
         <a:cs typeface="+mn-cs"/>
         <a:sym typeface="Calibri"/>
       </a:defRPr>
     </a:lvl8pPr>
-    <a:lvl9pPr indent="1828504" defTabSz="2632729" latinLnBrk="0">
-      <a:defRPr sz="3399">
+    <a:lvl9pPr indent="2041708" defTabSz="2939705" latinLnBrk="0">
+      <a:defRPr sz="3795">
         <a:latin typeface="+mn-lt"/>
         <a:ea typeface="+mn-ea"/>
         <a:cs typeface="+mn-cs"/>
@@ -514,8 +514,8 @@
         </p:nvSpPr>
         <p:spPr>
           <a:xfrm>
-            <a:off x="2286000" y="685800"/>
-            <a:ext cx="2286000" cy="3429000"/>
+            <a:off x="2271713" y="685800"/>
+            <a:ext cx="2314575" cy="3429000"/>
           </a:xfrm>
         </p:spPr>
       </p:sp>
@@ -692,8 +692,8 @@
         </p:nvSpPr>
         <p:spPr>
           <a:xfrm>
-            <a:off x="1097280" y="441963"/>
-            <a:ext cx="19751040" cy="7239001"/>
+            <a:off x="1234440" y="491071"/>
+            <a:ext cx="22219920" cy="8043334"/>
           </a:xfrm>
           <a:prstGeom prst="rect">
             <a:avLst/>
@@ -703,7 +703,7 @@
           </a:ln>
           <a:extLst>
             <a:ext uri="{C572A759-6A51-4108-AA02-DFA0A04FC94B}">
-              <ma14:wrappingTextBoxFlag xmlns="" xmlns:m="http://schemas.openxmlformats.org/officeDocument/2006/math" xmlns:a14="http://schemas.microsoft.com/office/drawing/2010/main" xmlns:ma14="http://schemas.microsoft.com/office/mac/drawingml/2011/main" val="1"/>
+              <ma14:wrappingTextBoxFlag xmlns:ma14="http://schemas.microsoft.com/office/mac/drawingml/2011/main" xmlns:a14="http://schemas.microsoft.com/office/drawing/2010/main" xmlns:m="http://schemas.openxmlformats.org/officeDocument/2006/math" xmlns="" val="1"/>
             </a:ext>
           </a:extLst>
         </p:spPr>
@@ -729,8 +729,8 @@
         </p:nvSpPr>
         <p:spPr>
           <a:xfrm>
-            <a:off x="1097280" y="7680961"/>
-            <a:ext cx="19751040" cy="25237443"/>
+            <a:off x="1234440" y="8534402"/>
+            <a:ext cx="22219920" cy="28041603"/>
           </a:xfrm>
           <a:prstGeom prst="rect">
             <a:avLst/>
@@ -740,7 +740,7 @@
           </a:ln>
           <a:extLst>
             <a:ext uri="{C572A759-6A51-4108-AA02-DFA0A04FC94B}">
-              <ma14:wrappingTextBoxFlag xmlns="" xmlns:m="http://schemas.openxmlformats.org/officeDocument/2006/math" xmlns:a14="http://schemas.microsoft.com/office/drawing/2010/main" xmlns:ma14="http://schemas.microsoft.com/office/mac/drawingml/2011/main" val="1"/>
+              <ma14:wrappingTextBoxFlag xmlns:ma14="http://schemas.microsoft.com/office/mac/drawingml/2011/main" xmlns:a14="http://schemas.microsoft.com/office/drawing/2010/main" xmlns:m="http://schemas.openxmlformats.org/officeDocument/2006/math" xmlns="" val="1"/>
             </a:ext>
           </a:extLst>
         </p:spPr>
@@ -790,8 +790,8 @@
         </p:nvSpPr>
         <p:spPr>
           <a:xfrm>
-            <a:off x="15452609" y="30371979"/>
-            <a:ext cx="275073" cy="276999"/>
+            <a:off x="17400936" y="33751261"/>
+            <a:ext cx="292707" cy="298543"/>
           </a:xfrm>
           <a:prstGeom prst="rect">
             <a:avLst/>
@@ -825,7 +825,7 @@
   <p:transition spd="med"/>
   <p:txStyles>
     <p:titleStyle>
-      <a:lvl1pPr marL="0" marR="0" indent="0" algn="l" defTabSz="1951136" rtl="0" latinLnBrk="0">
+      <a:lvl1pPr marL="0" marR="0" indent="0" algn="l" defTabSz="2167907" rtl="0" latinLnBrk="0">
         <a:lnSpc>
           <a:spcPct val="90000"/>
         </a:lnSpc>
@@ -840,7 +840,7 @@
         <a:buFontTx/>
         <a:buNone/>
         <a:tabLst/>
-        <a:defRPr sz="9335" b="0" i="0" u="none" strike="noStrike" cap="none" spc="0" baseline="0">
+        <a:defRPr sz="10372" b="0" i="0" u="none" strike="noStrike" cap="none" spc="0" baseline="0">
           <a:solidFill>
             <a:srgbClr val="000000"/>
           </a:solidFill>
@@ -851,7 +851,7 @@
           <a:sym typeface="Calibri Light"/>
         </a:defRPr>
       </a:lvl1pPr>
-      <a:lvl2pPr marL="0" marR="0" indent="0" algn="l" defTabSz="1951136" rtl="0" latinLnBrk="0">
+      <a:lvl2pPr marL="0" marR="0" indent="0" algn="l" defTabSz="2167907" rtl="0" latinLnBrk="0">
         <a:lnSpc>
           <a:spcPct val="90000"/>
         </a:lnSpc>
@@ -866,7 +866,7 @@
         <a:buFontTx/>
         <a:buNone/>
         <a:tabLst/>
-        <a:defRPr sz="9335" b="0" i="0" u="none" strike="noStrike" cap="none" spc="0" baseline="0">
+        <a:defRPr sz="10372" b="0" i="0" u="none" strike="noStrike" cap="none" spc="0" baseline="0">
           <a:solidFill>
             <a:srgbClr val="000000"/>
           </a:solidFill>
@@ -877,7 +877,7 @@
           <a:sym typeface="Calibri Light"/>
         </a:defRPr>
       </a:lvl2pPr>
-      <a:lvl3pPr marL="0" marR="0" indent="0" algn="l" defTabSz="1951136" rtl="0" latinLnBrk="0">
+      <a:lvl3pPr marL="0" marR="0" indent="0" algn="l" defTabSz="2167907" rtl="0" latinLnBrk="0">
         <a:lnSpc>
           <a:spcPct val="90000"/>
         </a:lnSpc>
@@ -892,7 +892,7 @@
         <a:buFontTx/>
         <a:buNone/>
         <a:tabLst/>
-        <a:defRPr sz="9335" b="0" i="0" u="none" strike="noStrike" cap="none" spc="0" baseline="0">
+        <a:defRPr sz="10372" b="0" i="0" u="none" strike="noStrike" cap="none" spc="0" baseline="0">
           <a:solidFill>
             <a:srgbClr val="000000"/>
           </a:solidFill>
@@ -903,7 +903,7 @@
           <a:sym typeface="Calibri Light"/>
         </a:defRPr>
       </a:lvl3pPr>
-      <a:lvl4pPr marL="0" marR="0" indent="0" algn="l" defTabSz="1951136" rtl="0" latinLnBrk="0">
+      <a:lvl4pPr marL="0" marR="0" indent="0" algn="l" defTabSz="2167907" rtl="0" latinLnBrk="0">
         <a:lnSpc>
           <a:spcPct val="90000"/>
         </a:lnSpc>
@@ -918,7 +918,7 @@
         <a:buFontTx/>
         <a:buNone/>
         <a:tabLst/>
-        <a:defRPr sz="9335" b="0" i="0" u="none" strike="noStrike" cap="none" spc="0" baseline="0">
+        <a:defRPr sz="10372" b="0" i="0" u="none" strike="noStrike" cap="none" spc="0" baseline="0">
           <a:solidFill>
             <a:srgbClr val="000000"/>
           </a:solidFill>
@@ -929,7 +929,7 @@
           <a:sym typeface="Calibri Light"/>
         </a:defRPr>
       </a:lvl4pPr>
-      <a:lvl5pPr marL="0" marR="0" indent="0" algn="l" defTabSz="1951136" rtl="0" latinLnBrk="0">
+      <a:lvl5pPr marL="0" marR="0" indent="0" algn="l" defTabSz="2167907" rtl="0" latinLnBrk="0">
         <a:lnSpc>
           <a:spcPct val="90000"/>
         </a:lnSpc>
@@ -944,7 +944,7 @@
         <a:buFontTx/>
         <a:buNone/>
         <a:tabLst/>
-        <a:defRPr sz="9335" b="0" i="0" u="none" strike="noStrike" cap="none" spc="0" baseline="0">
+        <a:defRPr sz="10372" b="0" i="0" u="none" strike="noStrike" cap="none" spc="0" baseline="0">
           <a:solidFill>
             <a:srgbClr val="000000"/>
           </a:solidFill>
@@ -955,7 +955,7 @@
           <a:sym typeface="Calibri Light"/>
         </a:defRPr>
       </a:lvl5pPr>
-      <a:lvl6pPr marL="0" marR="0" indent="0" algn="l" defTabSz="1951136" rtl="0" latinLnBrk="0">
+      <a:lvl6pPr marL="0" marR="0" indent="0" algn="l" defTabSz="2167907" rtl="0" latinLnBrk="0">
         <a:lnSpc>
           <a:spcPct val="90000"/>
         </a:lnSpc>
@@ -970,7 +970,7 @@
         <a:buFontTx/>
         <a:buNone/>
         <a:tabLst/>
-        <a:defRPr sz="9335" b="0" i="0" u="none" strike="noStrike" cap="none" spc="0" baseline="0">
+        <a:defRPr sz="10372" b="0" i="0" u="none" strike="noStrike" cap="none" spc="0" baseline="0">
           <a:solidFill>
             <a:srgbClr val="000000"/>
           </a:solidFill>
@@ -981,7 +981,7 @@
           <a:sym typeface="Calibri Light"/>
         </a:defRPr>
       </a:lvl6pPr>
-      <a:lvl7pPr marL="0" marR="0" indent="0" algn="l" defTabSz="1951136" rtl="0" latinLnBrk="0">
+      <a:lvl7pPr marL="0" marR="0" indent="0" algn="l" defTabSz="2167907" rtl="0" latinLnBrk="0">
         <a:lnSpc>
           <a:spcPct val="90000"/>
         </a:lnSpc>
@@ -996,7 +996,7 @@
         <a:buFontTx/>
         <a:buNone/>
         <a:tabLst/>
-        <a:defRPr sz="9335" b="0" i="0" u="none" strike="noStrike" cap="none" spc="0" baseline="0">
+        <a:defRPr sz="10372" b="0" i="0" u="none" strike="noStrike" cap="none" spc="0" baseline="0">
           <a:solidFill>
             <a:srgbClr val="000000"/>
           </a:solidFill>
@@ -1007,7 +1007,7 @@
           <a:sym typeface="Calibri Light"/>
         </a:defRPr>
       </a:lvl7pPr>
-      <a:lvl8pPr marL="0" marR="0" indent="0" algn="l" defTabSz="1951136" rtl="0" latinLnBrk="0">
+      <a:lvl8pPr marL="0" marR="0" indent="0" algn="l" defTabSz="2167907" rtl="0" latinLnBrk="0">
         <a:lnSpc>
           <a:spcPct val="90000"/>
         </a:lnSpc>
@@ -1022,7 +1022,7 @@
         <a:buFontTx/>
         <a:buNone/>
         <a:tabLst/>
-        <a:defRPr sz="9335" b="0" i="0" u="none" strike="noStrike" cap="none" spc="0" baseline="0">
+        <a:defRPr sz="10372" b="0" i="0" u="none" strike="noStrike" cap="none" spc="0" baseline="0">
           <a:solidFill>
             <a:srgbClr val="000000"/>
           </a:solidFill>
@@ -1033,7 +1033,7 @@
           <a:sym typeface="Calibri Light"/>
         </a:defRPr>
       </a:lvl8pPr>
-      <a:lvl9pPr marL="0" marR="0" indent="0" algn="l" defTabSz="1951136" rtl="0" latinLnBrk="0">
+      <a:lvl9pPr marL="0" marR="0" indent="0" algn="l" defTabSz="2167907" rtl="0" latinLnBrk="0">
         <a:lnSpc>
           <a:spcPct val="90000"/>
         </a:lnSpc>
@@ -1048,7 +1048,7 @@
         <a:buFontTx/>
         <a:buNone/>
         <a:tabLst/>
-        <a:defRPr sz="9335" b="0" i="0" u="none" strike="noStrike" cap="none" spc="0" baseline="0">
+        <a:defRPr sz="10372" b="0" i="0" u="none" strike="noStrike" cap="none" spc="0" baseline="0">
           <a:solidFill>
             <a:srgbClr val="000000"/>
           </a:solidFill>
@@ -1061,12 +1061,12 @@
       </a:lvl9pPr>
     </p:titleStyle>
     <p:bodyStyle>
-      <a:lvl1pPr marL="487784" marR="0" indent="-487784" algn="l" defTabSz="1951136" rtl="0" latinLnBrk="0">
+      <a:lvl1pPr marL="541977" marR="0" indent="-541977" algn="l" defTabSz="2167907" rtl="0" latinLnBrk="0">
         <a:lnSpc>
           <a:spcPct val="90000"/>
         </a:lnSpc>
         <a:spcBef>
-          <a:spcPts val="2133"/>
+          <a:spcPts val="2370"/>
         </a:spcBef>
         <a:spcAft>
           <a:spcPts val="0"/>
@@ -1076,7 +1076,7 @@
         <a:buFont typeface="Arial"/>
         <a:buChar char="•"/>
         <a:tabLst/>
-        <a:defRPr sz="5934" b="0" i="0" u="none" strike="noStrike" cap="none" spc="0" baseline="0">
+        <a:defRPr sz="6593" b="0" i="0" u="none" strike="noStrike" cap="none" spc="0" baseline="0">
           <a:solidFill>
             <a:srgbClr val="000000"/>
           </a:solidFill>
@@ -1087,12 +1087,12 @@
           <a:sym typeface="Calibri"/>
         </a:defRPr>
       </a:lvl1pPr>
-      <a:lvl2pPr marL="1546789" marR="0" indent="-571221" algn="l" defTabSz="1951136" rtl="0" latinLnBrk="0">
+      <a:lvl2pPr marL="1718637" marR="0" indent="-634684" algn="l" defTabSz="2167907" rtl="0" latinLnBrk="0">
         <a:lnSpc>
           <a:spcPct val="90000"/>
         </a:lnSpc>
         <a:spcBef>
-          <a:spcPts val="2133"/>
+          <a:spcPts val="2370"/>
         </a:spcBef>
         <a:spcAft>
           <a:spcPts val="0"/>
@@ -1102,7 +1102,7 @@
         <a:buFont typeface="Arial"/>
         <a:buChar char="•"/>
         <a:tabLst/>
-        <a:defRPr sz="5934" b="0" i="0" u="none" strike="noStrike" cap="none" spc="0" baseline="0">
+        <a:defRPr sz="6593" b="0" i="0" u="none" strike="noStrike" cap="none" spc="0" baseline="0">
           <a:solidFill>
             <a:srgbClr val="000000"/>
           </a:solidFill>
@@ -1113,12 +1113,12 @@
           <a:sym typeface="Calibri"/>
         </a:defRPr>
       </a:lvl2pPr>
-      <a:lvl3pPr marL="2629462" marR="0" indent="-678326" algn="l" defTabSz="1951136" rtl="0" latinLnBrk="0">
+      <a:lvl3pPr marL="2921595" marR="0" indent="-753688" algn="l" defTabSz="2167907" rtl="0" latinLnBrk="0">
         <a:lnSpc>
           <a:spcPct val="90000"/>
         </a:lnSpc>
         <a:spcBef>
-          <a:spcPts val="2133"/>
+          <a:spcPts val="2370"/>
         </a:spcBef>
         <a:spcAft>
           <a:spcPts val="0"/>
@@ -1128,7 +1128,7 @@
         <a:buFont typeface="Arial"/>
         <a:buChar char="•"/>
         <a:tabLst/>
-        <a:defRPr sz="5934" b="0" i="0" u="none" strike="noStrike" cap="none" spc="0" baseline="0">
+        <a:defRPr sz="6593" b="0" i="0" u="none" strike="noStrike" cap="none" spc="0" baseline="0">
           <a:solidFill>
             <a:srgbClr val="000000"/>
           </a:solidFill>
@@ -1139,12 +1139,12 @@
           <a:sym typeface="Calibri"/>
         </a:defRPr>
       </a:lvl3pPr>
-      <a:lvl4pPr marL="3688333" marR="0" indent="-761629" algn="l" defTabSz="1951136" rtl="0" latinLnBrk="0">
+      <a:lvl4pPr marL="4098107" marR="0" indent="-846246" algn="l" defTabSz="2167907" rtl="0" latinLnBrk="0">
         <a:lnSpc>
           <a:spcPct val="90000"/>
         </a:lnSpc>
         <a:spcBef>
-          <a:spcPts val="2133"/>
+          <a:spcPts val="2370"/>
         </a:spcBef>
         <a:spcAft>
           <a:spcPts val="0"/>
@@ -1154,7 +1154,7 @@
         <a:buFont typeface="Arial"/>
         <a:buChar char="•"/>
         <a:tabLst/>
-        <a:defRPr sz="5934" b="0" i="0" u="none" strike="noStrike" cap="none" spc="0" baseline="0">
+        <a:defRPr sz="6593" b="0" i="0" u="none" strike="noStrike" cap="none" spc="0" baseline="0">
           <a:solidFill>
             <a:srgbClr val="000000"/>
           </a:solidFill>
@@ -1165,12 +1165,12 @@
           <a:sym typeface="Calibri"/>
         </a:defRPr>
       </a:lvl4pPr>
-      <a:lvl5pPr marL="4663901" marR="0" indent="-761629" algn="l" defTabSz="1951136" rtl="0" latinLnBrk="0">
+      <a:lvl5pPr marL="5182060" marR="0" indent="-846246" algn="l" defTabSz="2167907" rtl="0" latinLnBrk="0">
         <a:lnSpc>
           <a:spcPct val="90000"/>
         </a:lnSpc>
         <a:spcBef>
-          <a:spcPts val="2133"/>
+          <a:spcPts val="2370"/>
         </a:spcBef>
         <a:spcAft>
           <a:spcPts val="0"/>
@@ -1180,7 +1180,7 @@
         <a:buFont typeface="Arial"/>
         <a:buChar char="•"/>
         <a:tabLst/>
-        <a:defRPr sz="5934" b="0" i="0" u="none" strike="noStrike" cap="none" spc="0" baseline="0">
+        <a:defRPr sz="6593" b="0" i="0" u="none" strike="noStrike" cap="none" spc="0" baseline="0">
           <a:solidFill>
             <a:srgbClr val="000000"/>
           </a:solidFill>
@@ -1191,12 +1191,12 @@
           <a:sym typeface="Calibri"/>
         </a:defRPr>
       </a:lvl5pPr>
-      <a:lvl6pPr marL="5639469" marR="0" indent="-761629" algn="l" defTabSz="1951136" rtl="0" latinLnBrk="0">
+      <a:lvl6pPr marL="6266014" marR="0" indent="-846246" algn="l" defTabSz="2167907" rtl="0" latinLnBrk="0">
         <a:lnSpc>
           <a:spcPct val="90000"/>
         </a:lnSpc>
         <a:spcBef>
-          <a:spcPts val="2133"/>
+          <a:spcPts val="2370"/>
         </a:spcBef>
         <a:spcAft>
           <a:spcPts val="0"/>
@@ -1206,7 +1206,7 @@
         <a:buFont typeface="Arial"/>
         <a:buChar char="•"/>
         <a:tabLst/>
-        <a:defRPr sz="5934" b="0" i="0" u="none" strike="noStrike" cap="none" spc="0" baseline="0">
+        <a:defRPr sz="6593" b="0" i="0" u="none" strike="noStrike" cap="none" spc="0" baseline="0">
           <a:solidFill>
             <a:srgbClr val="000000"/>
           </a:solidFill>
@@ -1217,12 +1217,12 @@
           <a:sym typeface="Calibri"/>
         </a:defRPr>
       </a:lvl6pPr>
-      <a:lvl7pPr marL="6615037" marR="0" indent="-761629" algn="l" defTabSz="1951136" rtl="0" latinLnBrk="0">
+      <a:lvl7pPr marL="7349968" marR="0" indent="-846246" algn="l" defTabSz="2167907" rtl="0" latinLnBrk="0">
         <a:lnSpc>
           <a:spcPct val="90000"/>
         </a:lnSpc>
         <a:spcBef>
-          <a:spcPts val="2133"/>
+          <a:spcPts val="2370"/>
         </a:spcBef>
         <a:spcAft>
           <a:spcPts val="0"/>
@@ -1232,7 +1232,7 @@
         <a:buFont typeface="Arial"/>
         <a:buChar char="•"/>
         <a:tabLst/>
-        <a:defRPr sz="5934" b="0" i="0" u="none" strike="noStrike" cap="none" spc="0" baseline="0">
+        <a:defRPr sz="6593" b="0" i="0" u="none" strike="noStrike" cap="none" spc="0" baseline="0">
           <a:solidFill>
             <a:srgbClr val="000000"/>
           </a:solidFill>
@@ -1243,12 +1243,12 @@
           <a:sym typeface="Calibri"/>
         </a:defRPr>
       </a:lvl7pPr>
-      <a:lvl8pPr marL="7590608" marR="0" indent="-761629" algn="l" defTabSz="1951136" rtl="0" latinLnBrk="0">
+      <a:lvl8pPr marL="8433925" marR="0" indent="-846246" algn="l" defTabSz="2167907" rtl="0" latinLnBrk="0">
         <a:lnSpc>
           <a:spcPct val="90000"/>
         </a:lnSpc>
         <a:spcBef>
-          <a:spcPts val="2133"/>
+          <a:spcPts val="2370"/>
         </a:spcBef>
         <a:spcAft>
           <a:spcPts val="0"/>
@@ -1258,7 +1258,7 @@
         <a:buFont typeface="Arial"/>
         <a:buChar char="•"/>
         <a:tabLst/>
-        <a:defRPr sz="5934" b="0" i="0" u="none" strike="noStrike" cap="none" spc="0" baseline="0">
+        <a:defRPr sz="6593" b="0" i="0" u="none" strike="noStrike" cap="none" spc="0" baseline="0">
           <a:solidFill>
             <a:srgbClr val="000000"/>
           </a:solidFill>
@@ -1269,12 +1269,12 @@
           <a:sym typeface="Calibri"/>
         </a:defRPr>
       </a:lvl8pPr>
-      <a:lvl9pPr marL="8566176" marR="0" indent="-761629" algn="l" defTabSz="1951136" rtl="0" latinLnBrk="0">
+      <a:lvl9pPr marL="9517878" marR="0" indent="-846246" algn="l" defTabSz="2167907" rtl="0" latinLnBrk="0">
         <a:lnSpc>
           <a:spcPct val="90000"/>
         </a:lnSpc>
         <a:spcBef>
-          <a:spcPts val="2133"/>
+          <a:spcPts val="2370"/>
         </a:spcBef>
         <a:spcAft>
           <a:spcPts val="0"/>
@@ -1284,7 +1284,7 @@
         <a:buFont typeface="Arial"/>
         <a:buChar char="•"/>
         <a:tabLst/>
-        <a:defRPr sz="5934" b="0" i="0" u="none" strike="noStrike" cap="none" spc="0" baseline="0">
+        <a:defRPr sz="6593" b="0" i="0" u="none" strike="noStrike" cap="none" spc="0" baseline="0">
           <a:solidFill>
             <a:srgbClr val="000000"/>
           </a:solidFill>
@@ -1297,7 +1297,7 @@
       </a:lvl9pPr>
     </p:bodyStyle>
     <p:otherStyle>
-      <a:lvl1pPr marL="0" marR="0" indent="0" algn="r" defTabSz="217723" rtl="0" latinLnBrk="0">
+      <a:lvl1pPr marL="0" marR="0" indent="0" algn="r" defTabSz="241912" rtl="0" latinLnBrk="0">
         <a:lnSpc>
           <a:spcPct val="100000"/>
         </a:lnSpc>
@@ -1312,7 +1312,7 @@
         <a:buFontTx/>
         <a:buNone/>
         <a:tabLst/>
-        <a:defRPr sz="800" b="0" i="0" u="none" strike="noStrike" cap="none" spc="0" baseline="0">
+        <a:defRPr sz="889" b="0" i="0" u="none" strike="noStrike" cap="none" spc="0" baseline="0">
           <a:solidFill>
             <a:schemeClr val="tx1"/>
           </a:solidFill>
@@ -1323,7 +1323,7 @@
           <a:sym typeface="Calibri"/>
         </a:defRPr>
       </a:lvl1pPr>
-      <a:lvl2pPr marL="0" marR="0" indent="217723" algn="r" defTabSz="217723" rtl="0" latinLnBrk="0">
+      <a:lvl2pPr marL="0" marR="0" indent="241912" algn="r" defTabSz="241912" rtl="0" latinLnBrk="0">
         <a:lnSpc>
           <a:spcPct val="100000"/>
         </a:lnSpc>
@@ -1338,7 +1338,7 @@
         <a:buFontTx/>
         <a:buNone/>
         <a:tabLst/>
-        <a:defRPr sz="800" b="0" i="0" u="none" strike="noStrike" cap="none" spc="0" baseline="0">
+        <a:defRPr sz="889" b="0" i="0" u="none" strike="noStrike" cap="none" spc="0" baseline="0">
           <a:solidFill>
             <a:schemeClr val="tx1"/>
           </a:solidFill>
@@ -1349,7 +1349,7 @@
           <a:sym typeface="Calibri"/>
         </a:defRPr>
       </a:lvl2pPr>
-      <a:lvl3pPr marL="0" marR="0" indent="435447" algn="r" defTabSz="217723" rtl="0" latinLnBrk="0">
+      <a:lvl3pPr marL="0" marR="0" indent="483825" algn="r" defTabSz="241912" rtl="0" latinLnBrk="0">
         <a:lnSpc>
           <a:spcPct val="100000"/>
         </a:lnSpc>
@@ -1364,7 +1364,7 @@
         <a:buFontTx/>
         <a:buNone/>
         <a:tabLst/>
-        <a:defRPr sz="800" b="0" i="0" u="none" strike="noStrike" cap="none" spc="0" baseline="0">
+        <a:defRPr sz="889" b="0" i="0" u="none" strike="noStrike" cap="none" spc="0" baseline="0">
           <a:solidFill>
             <a:schemeClr val="tx1"/>
           </a:solidFill>
@@ -1375,7 +1375,7 @@
           <a:sym typeface="Calibri"/>
         </a:defRPr>
       </a:lvl3pPr>
-      <a:lvl4pPr marL="0" marR="0" indent="653170" algn="r" defTabSz="217723" rtl="0" latinLnBrk="0">
+      <a:lvl4pPr marL="0" marR="0" indent="725737" algn="r" defTabSz="241912" rtl="0" latinLnBrk="0">
         <a:lnSpc>
           <a:spcPct val="100000"/>
         </a:lnSpc>
@@ -1390,7 +1390,7 @@
         <a:buFontTx/>
         <a:buNone/>
         <a:tabLst/>
-        <a:defRPr sz="800" b="0" i="0" u="none" strike="noStrike" cap="none" spc="0" baseline="0">
+        <a:defRPr sz="889" b="0" i="0" u="none" strike="noStrike" cap="none" spc="0" baseline="0">
           <a:solidFill>
             <a:schemeClr val="tx1"/>
           </a:solidFill>
@@ -1401,7 +1401,7 @@
           <a:sym typeface="Calibri"/>
         </a:defRPr>
       </a:lvl4pPr>
-      <a:lvl5pPr marL="0" marR="0" indent="870896" algn="r" defTabSz="217723" rtl="0" latinLnBrk="0">
+      <a:lvl5pPr marL="0" marR="0" indent="967653" algn="r" defTabSz="241912" rtl="0" latinLnBrk="0">
         <a:lnSpc>
           <a:spcPct val="100000"/>
         </a:lnSpc>
@@ -1416,7 +1416,7 @@
         <a:buFontTx/>
         <a:buNone/>
         <a:tabLst/>
-        <a:defRPr sz="800" b="0" i="0" u="none" strike="noStrike" cap="none" spc="0" baseline="0">
+        <a:defRPr sz="889" b="0" i="0" u="none" strike="noStrike" cap="none" spc="0" baseline="0">
           <a:solidFill>
             <a:schemeClr val="tx1"/>
           </a:solidFill>
@@ -1427,7 +1427,7 @@
           <a:sym typeface="Calibri"/>
         </a:defRPr>
       </a:lvl5pPr>
-      <a:lvl6pPr marL="0" marR="0" indent="1088619" algn="r" defTabSz="217723" rtl="0" latinLnBrk="0">
+      <a:lvl6pPr marL="0" marR="0" indent="1209565" algn="r" defTabSz="241912" rtl="0" latinLnBrk="0">
         <a:lnSpc>
           <a:spcPct val="100000"/>
         </a:lnSpc>
@@ -1442,7 +1442,7 @@
         <a:buFontTx/>
         <a:buNone/>
         <a:tabLst/>
-        <a:defRPr sz="800" b="0" i="0" u="none" strike="noStrike" cap="none" spc="0" baseline="0">
+        <a:defRPr sz="889" b="0" i="0" u="none" strike="noStrike" cap="none" spc="0" baseline="0">
           <a:solidFill>
             <a:schemeClr val="tx1"/>
           </a:solidFill>
@@ -1453,7 +1453,7 @@
           <a:sym typeface="Calibri"/>
         </a:defRPr>
       </a:lvl6pPr>
-      <a:lvl7pPr marL="0" marR="0" indent="1306343" algn="r" defTabSz="217723" rtl="0" latinLnBrk="0">
+      <a:lvl7pPr marL="0" marR="0" indent="1451478" algn="r" defTabSz="241912" rtl="0" latinLnBrk="0">
         <a:lnSpc>
           <a:spcPct val="100000"/>
         </a:lnSpc>
@@ -1468,7 +1468,7 @@
         <a:buFontTx/>
         <a:buNone/>
         <a:tabLst/>
-        <a:defRPr sz="800" b="0" i="0" u="none" strike="noStrike" cap="none" spc="0" baseline="0">
+        <a:defRPr sz="889" b="0" i="0" u="none" strike="noStrike" cap="none" spc="0" baseline="0">
           <a:solidFill>
             <a:schemeClr val="tx1"/>
           </a:solidFill>
@@ -1479,7 +1479,7 @@
           <a:sym typeface="Calibri"/>
         </a:defRPr>
       </a:lvl7pPr>
-      <a:lvl8pPr marL="0" marR="0" indent="1524066" algn="r" defTabSz="217723" rtl="0" latinLnBrk="0">
+      <a:lvl8pPr marL="0" marR="0" indent="1693390" algn="r" defTabSz="241912" rtl="0" latinLnBrk="0">
         <a:lnSpc>
           <a:spcPct val="100000"/>
         </a:lnSpc>
@@ -1494,7 +1494,7 @@
         <a:buFontTx/>
         <a:buNone/>
         <a:tabLst/>
-        <a:defRPr sz="800" b="0" i="0" u="none" strike="noStrike" cap="none" spc="0" baseline="0">
+        <a:defRPr sz="889" b="0" i="0" u="none" strike="noStrike" cap="none" spc="0" baseline="0">
           <a:solidFill>
             <a:schemeClr val="tx1"/>
           </a:solidFill>
@@ -1505,7 +1505,7 @@
           <a:sym typeface="Calibri"/>
         </a:defRPr>
       </a:lvl8pPr>
-      <a:lvl9pPr marL="0" marR="0" indent="1741789" algn="r" defTabSz="217723" rtl="0" latinLnBrk="0">
+      <a:lvl9pPr marL="0" marR="0" indent="1935302" algn="r" defTabSz="241912" rtl="0" latinLnBrk="0">
         <a:lnSpc>
           <a:spcPct val="100000"/>
         </a:lnSpc>
@@ -1520,7 +1520,7 @@
         <a:buFontTx/>
         <a:buNone/>
         <a:tabLst/>
-        <a:defRPr sz="800" b="0" i="0" u="none" strike="noStrike" cap="none" spc="0" baseline="0">
+        <a:defRPr sz="889" b="0" i="0" u="none" strike="noStrike" cap="none" spc="0" baseline="0">
           <a:solidFill>
             <a:schemeClr val="tx1"/>
           </a:solidFill>
@@ -1565,12 +1565,61 @@
           <a:chExt cx="0" cy="0"/>
         </a:xfrm>
       </p:grpSpPr>
+      <p:cxnSp>
+        <p:nvCxnSpPr>
+          <p:cNvPr id="103" name="Curved Connector 102">
+            <a:extLst>
+              <a:ext uri="{FF2B5EF4-FFF2-40B4-BE49-F238E27FC236}">
+                <a16:creationId xmlns:a16="http://schemas.microsoft.com/office/drawing/2014/main" id="{61D42071-3931-2F8B-FA72-ECB058251272}"/>
+              </a:ext>
+            </a:extLst>
+          </p:cNvPr>
+          <p:cNvCxnSpPr>
+            <a:cxnSpLocks/>
+          </p:cNvCxnSpPr>
+          <p:nvPr/>
+        </p:nvCxnSpPr>
+        <p:spPr>
+          <a:xfrm rot="10800000" flipV="1">
+            <a:off x="6412919" y="22854347"/>
+            <a:ext cx="9257566" cy="2714344"/>
+          </a:xfrm>
+          <a:prstGeom prst="curvedConnector3">
+            <a:avLst>
+              <a:gd name="adj1" fmla="val 30520"/>
+            </a:avLst>
+          </a:prstGeom>
+          <a:noFill/>
+          <a:ln w="101600" cap="flat">
+            <a:solidFill>
+              <a:schemeClr val="accent1"/>
+            </a:solidFill>
+            <a:prstDash val="solid"/>
+            <a:miter lim="800000"/>
+            <a:tailEnd type="triangle"/>
+          </a:ln>
+          <a:effectLst/>
+          <a:sp3d/>
+        </p:spPr>
+        <p:style>
+          <a:lnRef idx="0">
+            <a:scrgbClr r="0" g="0" b="0"/>
+          </a:lnRef>
+          <a:fillRef idx="0">
+            <a:scrgbClr r="0" g="0" b="0"/>
+          </a:fillRef>
+          <a:effectRef idx="0">
+            <a:scrgbClr r="0" g="0" b="0"/>
+          </a:effectRef>
+          <a:fontRef idx="none"/>
+        </p:style>
+      </p:cxnSp>
       <p:sp>
         <p:nvSpPr>
-          <p:cNvPr id="8" name="Rectangle 7">
+          <p:cNvPr id="47" name="Rectangle 46">
             <a:extLst>
               <a:ext uri="{FF2B5EF4-FFF2-40B4-BE49-F238E27FC236}">
-                <a16:creationId xmlns:a16="http://schemas.microsoft.com/office/drawing/2014/main" id="{65B3403B-2B48-81C9-84A4-7BDD675BC63C}"/>
+                <a16:creationId xmlns:a16="http://schemas.microsoft.com/office/drawing/2014/main" id="{8EAB9B59-66D5-B7CF-95E9-48A10AB617B2}"/>
               </a:ext>
             </a:extLst>
           </p:cNvPr>
@@ -1579,8 +1628,8 @@
         </p:nvSpPr>
         <p:spPr>
           <a:xfrm>
-            <a:off x="312515" y="2487162"/>
-            <a:ext cx="21259941" cy="4593739"/>
+            <a:off x="567004" y="2487162"/>
+            <a:ext cx="23554794" cy="5954647"/>
           </a:xfrm>
           <a:prstGeom prst="rect">
             <a:avLst/>
@@ -1630,201 +1679,6 @@
           </a:p>
         </p:txBody>
       </p:sp>
-      <p:grpSp>
-        <p:nvGrpSpPr>
-          <p:cNvPr id="23" name="Group 22">
-            <a:extLst>
-              <a:ext uri="{FF2B5EF4-FFF2-40B4-BE49-F238E27FC236}">
-                <a16:creationId xmlns:a16="http://schemas.microsoft.com/office/drawing/2014/main" id="{EB98764D-0A21-3082-6327-215ECDB849B0}"/>
-              </a:ext>
-            </a:extLst>
-          </p:cNvPr>
-          <p:cNvGrpSpPr/>
-          <p:nvPr/>
-        </p:nvGrpSpPr>
-        <p:grpSpPr>
-          <a:xfrm>
-            <a:off x="7602930" y="2600986"/>
-            <a:ext cx="6907095" cy="2413100"/>
-            <a:chOff x="6345141" y="803610"/>
-            <a:chExt cx="2636520" cy="1055731"/>
-          </a:xfrm>
-        </p:grpSpPr>
-        <p:sp>
-          <p:nvSpPr>
-            <p:cNvPr id="24" name="TextBox 51">
-              <a:extLst>
-                <a:ext uri="{FF2B5EF4-FFF2-40B4-BE49-F238E27FC236}">
-                  <a16:creationId xmlns:a16="http://schemas.microsoft.com/office/drawing/2014/main" id="{67C80C3D-A02D-4313-63C5-917D6A7F51FB}"/>
-                </a:ext>
-              </a:extLst>
-            </p:cNvPr>
-            <p:cNvSpPr txBox="1"/>
-            <p:nvPr/>
-          </p:nvSpPr>
-          <p:spPr>
-            <a:xfrm>
-              <a:off x="6346570" y="803610"/>
-              <a:ext cx="2633663" cy="193030"/>
-            </a:xfrm>
-            <a:prstGeom prst="rect">
-              <a:avLst/>
-            </a:prstGeom>
-            <a:ln w="12700">
-              <a:miter lim="400000"/>
-            </a:ln>
-            <a:extLst>
-              <a:ext uri="{C572A759-6A51-4108-AA02-DFA0A04FC94B}">
-                <ma14:wrappingTextBoxFlag xmlns="" xmlns:m="http://schemas.openxmlformats.org/officeDocument/2006/math" xmlns:a14="http://schemas.microsoft.com/office/drawing/2010/main" xmlns:ma14="http://schemas.microsoft.com/office/mac/drawingml/2011/main" val="1"/>
-              </a:ext>
-            </a:extLst>
-          </p:spPr>
-          <p:txBody>
-            <a:bodyPr lIns="30480" rIns="30480">
-              <a:spAutoFit/>
-            </a:bodyPr>
-            <a:lstStyle>
-              <a:lvl1pPr>
-                <a:defRPr sz="3400">
-                  <a:latin typeface="Arial"/>
-                  <a:ea typeface="Arial"/>
-                  <a:cs typeface="Arial"/>
-                  <a:sym typeface="Arial"/>
-                </a:defRPr>
-              </a:lvl1pPr>
-            </a:lstStyle>
-            <a:p>
-              <a:r>
-                <a:rPr lang="en-US" sz="2267" dirty="0"/>
-                <a:t>Proof-of-Concept</a:t>
-              </a:r>
-            </a:p>
-          </p:txBody>
-        </p:sp>
-        <p:sp>
-          <p:nvSpPr>
-            <p:cNvPr id="25" name="TextBox 53">
-              <a:extLst>
-                <a:ext uri="{FF2B5EF4-FFF2-40B4-BE49-F238E27FC236}">
-                  <a16:creationId xmlns:a16="http://schemas.microsoft.com/office/drawing/2014/main" id="{3A247DA7-42D4-D0BF-F668-3CDBA4D65ACC}"/>
-                </a:ext>
-              </a:extLst>
-            </p:cNvPr>
-            <p:cNvSpPr txBox="1"/>
-            <p:nvPr/>
-          </p:nvSpPr>
-          <p:spPr>
-            <a:xfrm>
-              <a:off x="6345141" y="988422"/>
-              <a:ext cx="2636520" cy="870919"/>
-            </a:xfrm>
-            <a:prstGeom prst="rect">
-              <a:avLst/>
-            </a:prstGeom>
-            <a:ln w="12700">
-              <a:miter lim="400000"/>
-            </a:ln>
-            <a:extLst>
-              <a:ext uri="{C572A759-6A51-4108-AA02-DFA0A04FC94B}">
-                <ma14:wrappingTextBoxFlag xmlns="" xmlns:m="http://schemas.openxmlformats.org/officeDocument/2006/math" xmlns:a14="http://schemas.microsoft.com/office/drawing/2010/main" xmlns:ma14="http://schemas.microsoft.com/office/mac/drawingml/2011/main" val="1"/>
-              </a:ext>
-            </a:extLst>
-          </p:spPr>
-          <p:txBody>
-            <a:bodyPr lIns="30480" rIns="30480">
-              <a:spAutoFit/>
-            </a:bodyPr>
-            <a:lstStyle>
-              <a:lvl1pPr>
-                <a:lnSpc>
-                  <a:spcPct val="120000"/>
-                </a:lnSpc>
-                <a:defRPr sz="2100">
-                  <a:solidFill>
-                    <a:srgbClr val="344854"/>
-                  </a:solidFill>
-                  <a:latin typeface="Arial"/>
-                  <a:ea typeface="Arial"/>
-                  <a:cs typeface="Arial"/>
-                  <a:sym typeface="Arial"/>
-                </a:defRPr>
-              </a:lvl1pPr>
-            </a:lstStyle>
-            <a:p>
-              <a:r>
-                <a:rPr lang="en-GB" sz="1740" b="1" dirty="0">
-                  <a:sym typeface="Calibri"/>
-                </a:rPr>
-                <a:t>Figure 1 </a:t>
-              </a:r>
-              <a:r>
-                <a:rPr lang="en-GB" sz="1740" dirty="0">
-                  <a:sym typeface="Calibri"/>
-                </a:rPr>
-                <a:t>illustrates the what we understand as Endogenous </a:t>
-              </a:r>
-              <a:r>
-                <a:rPr lang="en-GB" sz="1740" dirty="0" err="1">
-                  <a:sym typeface="Calibri"/>
-                </a:rPr>
-                <a:t>Macrodynamics</a:t>
-              </a:r>
-              <a:r>
-                <a:rPr lang="en-GB" sz="1740" dirty="0">
-                  <a:sym typeface="Calibri"/>
-                </a:rPr>
-                <a:t> in Algorithmic Recourse:</a:t>
-              </a:r>
-            </a:p>
-            <a:p>
-              <a:pPr marL="331424" indent="-331424">
-                <a:buFont typeface="+mj-lt"/>
-                <a:buAutoNum type="alphaLcParenR"/>
-              </a:pPr>
-              <a:r>
-                <a:rPr lang="en-GB" sz="1740" dirty="0">
-                  <a:sym typeface="Calibri"/>
-                </a:rPr>
-                <a:t>Simple linear classifier trained for binary classification.</a:t>
-              </a:r>
-            </a:p>
-            <a:p>
-              <a:pPr marL="331424" indent="-331424">
-                <a:buFont typeface="+mj-lt"/>
-                <a:buAutoNum type="alphaLcParenR"/>
-              </a:pPr>
-              <a:r>
-                <a:rPr lang="en-GB" sz="1740" dirty="0">
-                  <a:sym typeface="Calibri"/>
-                </a:rPr>
-                <a:t>Implementation of AR leads to a domain shift.</a:t>
-              </a:r>
-            </a:p>
-            <a:p>
-              <a:pPr marL="331424" indent="-331424">
-                <a:buFont typeface="+mj-lt"/>
-                <a:buAutoNum type="alphaLcParenR"/>
-              </a:pPr>
-              <a:r>
-                <a:rPr lang="en-GB" sz="1740" dirty="0"/>
-                <a:t>Classifier retraining leads to corresponding model shift.</a:t>
-              </a:r>
-            </a:p>
-            <a:p>
-              <a:pPr marL="331424" indent="-331424">
-                <a:buFont typeface="+mj-lt"/>
-                <a:buAutoNum type="alphaLcParenR"/>
-              </a:pPr>
-              <a:r>
-                <a:rPr lang="en-GB" sz="1740" dirty="0">
-                  <a:sym typeface="Calibri"/>
-                </a:rPr>
-                <a:t>Over time decision boundary moves away from target class (blue).</a:t>
-              </a:r>
-            </a:p>
-          </p:txBody>
-        </p:sp>
-      </p:grpSp>
       <p:sp>
         <p:nvSpPr>
           <p:cNvPr id="30" name="TextBox 35"/>
@@ -1833,8 +1687,8 @@
         </p:nvSpPr>
         <p:spPr>
           <a:xfrm>
-            <a:off x="648162" y="399038"/>
-            <a:ext cx="9961091" cy="1220975"/>
+            <a:off x="872581" y="443376"/>
+            <a:ext cx="11067879" cy="1346266"/>
           </a:xfrm>
           <a:prstGeom prst="rect">
             <a:avLst/>
@@ -1844,12 +1698,12 @@
           </a:ln>
           <a:extLst>
             <a:ext uri="{C572A759-6A51-4108-AA02-DFA0A04FC94B}">
-              <ma14:wrappingTextBoxFlag xmlns="" xmlns:m="http://schemas.openxmlformats.org/officeDocument/2006/math" xmlns:a14="http://schemas.microsoft.com/office/drawing/2010/main" xmlns:ma14="http://schemas.microsoft.com/office/mac/drawingml/2011/main" val="1"/>
+              <ma14:wrappingTextBoxFlag xmlns:ma14="http://schemas.microsoft.com/office/mac/drawingml/2011/main" xmlns:a14="http://schemas.microsoft.com/office/drawing/2010/main" xmlns:m="http://schemas.openxmlformats.org/officeDocument/2006/math" xmlns="" val="1"/>
             </a:ext>
           </a:extLst>
         </p:spPr>
         <p:txBody>
-          <a:bodyPr wrap="square" lIns="30480" rIns="30480">
+          <a:bodyPr wrap="square" lIns="33867" rIns="33867">
             <a:spAutoFit/>
           </a:bodyPr>
           <a:lstStyle>
@@ -1864,608 +1718,12 @@
           </a:lstStyle>
           <a:p>
             <a:r>
-              <a:rPr lang="en-GB" sz="3667" dirty="0"/>
-              <a:t>Endogenous </a:t>
-            </a:r>
-            <a:r>
-              <a:rPr lang="en-GB" sz="3667" dirty="0" err="1"/>
-              <a:t>Macrodynamics</a:t>
-            </a:r>
-            <a:r>
-              <a:rPr lang="en-GB" sz="3667" dirty="0"/>
-              <a:t> in Algorithmic Recourse</a:t>
+              <a:rPr lang="en-GB" sz="4074" dirty="0"/>
+              <a:t>Faithful Model Explanations through Energy-Constrained Conformal Counterfactuals</a:t>
             </a:r>
           </a:p>
         </p:txBody>
       </p:sp>
-      <p:grpSp>
-        <p:nvGrpSpPr>
-          <p:cNvPr id="2" name="Group 1">
-            <a:extLst>
-              <a:ext uri="{FF2B5EF4-FFF2-40B4-BE49-F238E27FC236}">
-                <a16:creationId xmlns:a16="http://schemas.microsoft.com/office/drawing/2014/main" id="{BBC569E0-D64B-B1E4-EB90-49CD1EFC507E}"/>
-              </a:ext>
-            </a:extLst>
-          </p:cNvPr>
-          <p:cNvGrpSpPr/>
-          <p:nvPr/>
-        </p:nvGrpSpPr>
-        <p:grpSpPr>
-          <a:xfrm>
-            <a:off x="706337" y="2608890"/>
-            <a:ext cx="6545740" cy="4711497"/>
-            <a:chOff x="993360" y="3735937"/>
-            <a:chExt cx="8336695" cy="5531033"/>
-          </a:xfrm>
-        </p:grpSpPr>
-        <p:sp>
-          <p:nvSpPr>
-            <p:cNvPr id="33" name="TextBox 38"/>
-            <p:cNvSpPr txBox="1"/>
-            <p:nvPr/>
-          </p:nvSpPr>
-          <p:spPr>
-            <a:xfrm>
-              <a:off x="993360" y="3735937"/>
-              <a:ext cx="8336695" cy="927519"/>
-            </a:xfrm>
-            <a:prstGeom prst="rect">
-              <a:avLst/>
-            </a:prstGeom>
-            <a:ln w="12700">
-              <a:miter lim="400000"/>
-            </a:ln>
-            <a:extLst>
-              <a:ext uri="{C572A759-6A51-4108-AA02-DFA0A04FC94B}">
-                <ma14:wrappingTextBoxFlag xmlns="" xmlns:m="http://schemas.openxmlformats.org/officeDocument/2006/math" xmlns:a14="http://schemas.microsoft.com/office/drawing/2010/main" xmlns:ma14="http://schemas.microsoft.com/office/mac/drawingml/2011/main" val="1"/>
-              </a:ext>
-            </a:extLst>
-          </p:spPr>
-          <p:txBody>
-            <a:bodyPr lIns="30480" rIns="30480">
-              <a:spAutoFit/>
-            </a:bodyPr>
-            <a:lstStyle>
-              <a:lvl1pPr>
-                <a:defRPr sz="3400">
-                  <a:latin typeface="Arial"/>
-                  <a:ea typeface="Arial"/>
-                  <a:cs typeface="Arial"/>
-                  <a:sym typeface="Arial"/>
-                </a:defRPr>
-              </a:lvl1pPr>
-            </a:lstStyle>
-            <a:p>
-              <a:r>
-                <a:rPr lang="en-US" sz="2267" dirty="0"/>
-                <a:t>In a nutshell …</a:t>
-              </a:r>
-            </a:p>
-            <a:p>
-              <a:endParaRPr sz="2267" dirty="0"/>
-            </a:p>
-          </p:txBody>
-        </p:sp>
-        <p:sp>
-          <p:nvSpPr>
-            <p:cNvPr id="34" name="TextBox 39"/>
-            <p:cNvSpPr txBox="1"/>
-            <p:nvPr/>
-          </p:nvSpPr>
-          <p:spPr>
-            <a:xfrm>
-              <a:off x="1372862" y="4358089"/>
-              <a:ext cx="7657450" cy="4908881"/>
-            </a:xfrm>
-            <a:prstGeom prst="rect">
-              <a:avLst/>
-            </a:prstGeom>
-            <a:ln w="12700">
-              <a:noFill/>
-              <a:miter lim="400000"/>
-            </a:ln>
-            <a:extLst>
-              <a:ext uri="{C572A759-6A51-4108-AA02-DFA0A04FC94B}">
-                <ma14:wrappingTextBoxFlag xmlns="" xmlns:m="http://schemas.openxmlformats.org/officeDocument/2006/math" xmlns:a14="http://schemas.microsoft.com/office/drawing/2010/main" xmlns:ma14="http://schemas.microsoft.com/office/mac/drawingml/2011/main" val="1"/>
-              </a:ext>
-            </a:extLst>
-          </p:spPr>
-          <p:txBody>
-            <a:bodyPr wrap="square" lIns="30480" rIns="30480">
-              <a:spAutoFit/>
-            </a:bodyPr>
-            <a:lstStyle>
-              <a:lvl1pPr>
-                <a:lnSpc>
-                  <a:spcPct val="120000"/>
-                </a:lnSpc>
-                <a:defRPr sz="2100">
-                  <a:solidFill>
-                    <a:srgbClr val="344854"/>
-                  </a:solidFill>
-                  <a:latin typeface="Arial"/>
-                  <a:ea typeface="Arial"/>
-                  <a:cs typeface="Arial"/>
-                  <a:sym typeface="Arial"/>
-                </a:defRPr>
-              </a:lvl1pPr>
-            </a:lstStyle>
-            <a:p>
-              <a:r>
-                <a:rPr lang="en-GB" sz="2610" i="1" dirty="0">
-                  <a:sym typeface="Calibri"/>
-                </a:rPr>
-                <a:t>“[…] we run experiments that simulate the application of recourse in practice using various state-of-the-art counterfactual generators and find that [they] induce substantial domain and model shifts.”</a:t>
-              </a:r>
-            </a:p>
-            <a:p>
-              <a:r>
-                <a:rPr lang="en-GB" sz="2610" i="1" dirty="0">
-                  <a:sym typeface="Calibri"/>
-                </a:rPr>
-                <a:t>－ </a:t>
-              </a:r>
-              <a:r>
-                <a:rPr lang="en-GB" sz="2610" i="1" dirty="0" err="1">
-                  <a:sym typeface="Calibri"/>
-                </a:rPr>
-                <a:t>Altmeyer</a:t>
-              </a:r>
-              <a:r>
-                <a:rPr lang="en-GB" sz="2610" i="1" dirty="0">
-                  <a:sym typeface="Calibri"/>
-                </a:rPr>
-                <a:t> et. al (2023)</a:t>
-              </a:r>
-            </a:p>
-            <a:p>
-              <a:pPr algn="ctr"/>
-              <a:endParaRPr lang="en-GB" sz="2030" i="1" dirty="0">
-                <a:sym typeface="Calibri"/>
-              </a:endParaRPr>
-            </a:p>
-            <a:p>
-              <a:endParaRPr lang="en-GB" sz="2030" i="1" dirty="0">
-                <a:sym typeface="Calibri"/>
-              </a:endParaRPr>
-            </a:p>
-          </p:txBody>
-        </p:sp>
-      </p:grpSp>
-      <p:sp>
-        <p:nvSpPr>
-          <p:cNvPr id="39" name="TextBox 45"/>
-          <p:cNvSpPr txBox="1"/>
-          <p:nvPr/>
-        </p:nvSpPr>
-        <p:spPr>
-          <a:xfrm>
-            <a:off x="526858" y="8736292"/>
-            <a:ext cx="9827443" cy="449354"/>
-          </a:xfrm>
-          <a:prstGeom prst="rect">
-            <a:avLst/>
-          </a:prstGeom>
-          <a:ln w="12700">
-            <a:miter lim="400000"/>
-          </a:ln>
-          <a:extLst>
-            <a:ext uri="{C572A759-6A51-4108-AA02-DFA0A04FC94B}">
-              <ma14:wrappingTextBoxFlag xmlns="" xmlns:m="http://schemas.openxmlformats.org/officeDocument/2006/math" xmlns:a14="http://schemas.microsoft.com/office/drawing/2010/main" xmlns:ma14="http://schemas.microsoft.com/office/mac/drawingml/2011/main" val="1"/>
-            </a:ext>
-          </a:extLst>
-        </p:spPr>
-        <p:txBody>
-          <a:bodyPr lIns="30480" rIns="30480">
-            <a:spAutoFit/>
-          </a:bodyPr>
-          <a:lstStyle>
-            <a:lvl1pPr>
-              <a:defRPr sz="3400">
-                <a:latin typeface="Arial"/>
-                <a:ea typeface="Arial"/>
-                <a:cs typeface="Arial"/>
-                <a:sym typeface="Arial"/>
-              </a:defRPr>
-            </a:lvl1pPr>
-          </a:lstStyle>
-          <a:p>
-            <a:endParaRPr sz="2320" dirty="0"/>
-          </a:p>
-        </p:txBody>
-      </p:sp>
-      <p:sp>
-        <p:nvSpPr>
-          <p:cNvPr id="50" name="TextBox 37"/>
-          <p:cNvSpPr txBox="1"/>
-          <p:nvPr/>
-        </p:nvSpPr>
-        <p:spPr>
-          <a:xfrm>
-            <a:off x="11231522" y="445870"/>
-            <a:ext cx="4496187" cy="1872436"/>
-          </a:xfrm>
-          <a:prstGeom prst="rect">
-            <a:avLst/>
-          </a:prstGeom>
-          <a:ln w="12700">
-            <a:miter lim="400000"/>
-          </a:ln>
-          <a:extLst>
-            <a:ext uri="{C572A759-6A51-4108-AA02-DFA0A04FC94B}">
-              <ma14:wrappingTextBoxFlag xmlns="" xmlns:m="http://schemas.openxmlformats.org/officeDocument/2006/math" xmlns:a14="http://schemas.microsoft.com/office/drawing/2010/main" xmlns:ma14="http://schemas.microsoft.com/office/mac/drawingml/2011/main" val="1"/>
-            </a:ext>
-          </a:extLst>
-        </p:spPr>
-        <p:txBody>
-          <a:bodyPr wrap="square" lIns="30480" rIns="30480">
-            <a:spAutoFit/>
-          </a:bodyPr>
-          <a:lstStyle/>
-          <a:p>
-            <a:pPr>
-              <a:spcBef>
-                <a:spcPts val="668"/>
-              </a:spcBef>
-              <a:defRPr sz="2100">
-                <a:latin typeface="Arial"/>
-                <a:ea typeface="Arial"/>
-                <a:cs typeface="Arial"/>
-                <a:sym typeface="Arial"/>
-              </a:defRPr>
-            </a:pPr>
-            <a:r>
-              <a:rPr lang="en-US" sz="1450" b="1" dirty="0"/>
-              <a:t>Patrick </a:t>
-            </a:r>
-            <a:r>
-              <a:rPr lang="en-US" sz="1450" b="1" dirty="0" err="1"/>
-              <a:t>Altmeyer</a:t>
-            </a:r>
-            <a:r>
-              <a:rPr lang="en-US" sz="1450" b="1" dirty="0"/>
-              <a:t> (</a:t>
-            </a:r>
-            <a:r>
-              <a:rPr lang="en-US" sz="1450" b="1" dirty="0">
-                <a:hlinkClick r:id="rId3"/>
-              </a:rPr>
-              <a:t>p.altmeyer@tudelft.nl</a:t>
-            </a:r>
-            <a:r>
-              <a:rPr lang="en-US" sz="1450" b="1" dirty="0"/>
-              <a:t>)</a:t>
-            </a:r>
-          </a:p>
-          <a:p>
-            <a:pPr>
-              <a:spcBef>
-                <a:spcPts val="668"/>
-              </a:spcBef>
-              <a:defRPr sz="2100">
-                <a:latin typeface="Arial"/>
-                <a:ea typeface="Arial"/>
-                <a:cs typeface="Arial"/>
-                <a:sym typeface="Arial"/>
-              </a:defRPr>
-            </a:pPr>
-            <a:r>
-              <a:rPr lang="en-US" sz="1160" dirty="0" err="1"/>
-              <a:t>Giovan</a:t>
-            </a:r>
-            <a:r>
-              <a:rPr lang="en-US" sz="1160" dirty="0"/>
-              <a:t> Angela (</a:t>
-            </a:r>
-            <a:r>
-              <a:rPr lang="en-US" sz="1160" dirty="0" err="1"/>
-              <a:t>g.j.a.angela@student.tudelft.nl</a:t>
-            </a:r>
-            <a:r>
-              <a:rPr lang="en-US" sz="1160" dirty="0"/>
-              <a:t>)</a:t>
-            </a:r>
-            <a:endParaRPr lang="en-US" sz="1160" b="1" dirty="0"/>
-          </a:p>
-          <a:p>
-            <a:pPr>
-              <a:spcBef>
-                <a:spcPts val="668"/>
-              </a:spcBef>
-              <a:defRPr sz="2100">
-                <a:latin typeface="Arial"/>
-                <a:ea typeface="Arial"/>
-                <a:cs typeface="Arial"/>
-                <a:sym typeface="Arial"/>
-              </a:defRPr>
-            </a:pPr>
-            <a:r>
-              <a:rPr lang="en-US" sz="1160" dirty="0"/>
-              <a:t>Aleksander </a:t>
-            </a:r>
-            <a:r>
-              <a:rPr lang="en-US" sz="1160" dirty="0" err="1"/>
-              <a:t>Buszydlik</a:t>
-            </a:r>
-            <a:r>
-              <a:rPr lang="en-US" sz="1160" dirty="0"/>
-              <a:t> (</a:t>
-            </a:r>
-            <a:r>
-              <a:rPr lang="en-US" sz="1160" dirty="0" err="1"/>
-              <a:t>a.j.buszydlik@student.tudelft.nl</a:t>
-            </a:r>
-            <a:r>
-              <a:rPr lang="en-US" sz="1160" dirty="0"/>
-              <a:t>)</a:t>
-            </a:r>
-            <a:endParaRPr lang="en-US" sz="1160" b="1" dirty="0"/>
-          </a:p>
-          <a:p>
-            <a:pPr>
-              <a:spcBef>
-                <a:spcPts val="668"/>
-              </a:spcBef>
-              <a:defRPr sz="2100">
-                <a:latin typeface="Arial"/>
-                <a:ea typeface="Arial"/>
-                <a:cs typeface="Arial"/>
-                <a:sym typeface="Arial"/>
-              </a:defRPr>
-            </a:pPr>
-            <a:r>
-              <a:rPr lang="en-US" sz="1160" dirty="0"/>
-              <a:t>Karol </a:t>
-            </a:r>
-            <a:r>
-              <a:rPr lang="en-US" sz="1160" dirty="0" err="1"/>
-              <a:t>Dobiczek</a:t>
-            </a:r>
-            <a:r>
-              <a:rPr lang="en-US" sz="1160" dirty="0"/>
-              <a:t> (</a:t>
-            </a:r>
-            <a:r>
-              <a:rPr lang="en-US" sz="1160" dirty="0" err="1"/>
-              <a:t>k.t.dobiczek@student.tudelft.nl</a:t>
-            </a:r>
-            <a:r>
-              <a:rPr lang="en-US" sz="1160" dirty="0"/>
-              <a:t>)</a:t>
-            </a:r>
-            <a:endParaRPr lang="en-US" sz="1160" b="1" dirty="0"/>
-          </a:p>
-          <a:p>
-            <a:pPr>
-              <a:spcBef>
-                <a:spcPts val="668"/>
-              </a:spcBef>
-              <a:defRPr sz="2100">
-                <a:latin typeface="Arial"/>
-                <a:ea typeface="Arial"/>
-                <a:cs typeface="Arial"/>
-                <a:sym typeface="Arial"/>
-              </a:defRPr>
-            </a:pPr>
-            <a:r>
-              <a:rPr lang="en-US" sz="1160" dirty="0"/>
-              <a:t>Arie van </a:t>
-            </a:r>
-            <a:r>
-              <a:rPr lang="en-US" sz="1160" dirty="0" err="1"/>
-              <a:t>Deursen</a:t>
-            </a:r>
-            <a:r>
-              <a:rPr lang="en-US" sz="1160" dirty="0"/>
-              <a:t> (</a:t>
-            </a:r>
-            <a:r>
-              <a:rPr lang="en-US" sz="1160" dirty="0" err="1"/>
-              <a:t>arie.vandeursen@tudelft.nl</a:t>
-            </a:r>
-            <a:r>
-              <a:rPr lang="en-US" sz="1160" dirty="0"/>
-              <a:t>)</a:t>
-            </a:r>
-          </a:p>
-          <a:p>
-            <a:pPr>
-              <a:spcBef>
-                <a:spcPts val="668"/>
-              </a:spcBef>
-              <a:defRPr sz="2100">
-                <a:latin typeface="Arial"/>
-                <a:ea typeface="Arial"/>
-                <a:cs typeface="Arial"/>
-                <a:sym typeface="Arial"/>
-              </a:defRPr>
-            </a:pPr>
-            <a:r>
-              <a:rPr lang="en-US" sz="1160" dirty="0"/>
-              <a:t>Cynthia C. S. </a:t>
-            </a:r>
-            <a:r>
-              <a:rPr lang="en-US" sz="1160" dirty="0" err="1"/>
-              <a:t>Liem</a:t>
-            </a:r>
-            <a:r>
-              <a:rPr lang="en-US" sz="1160" dirty="0"/>
-              <a:t> (</a:t>
-            </a:r>
-            <a:r>
-              <a:rPr lang="en-US" sz="1160" dirty="0" err="1"/>
-              <a:t>c.c.s.liem@tudelft.nl</a:t>
-            </a:r>
-            <a:r>
-              <a:rPr lang="en-US" sz="1160" dirty="0"/>
-              <a:t>)</a:t>
-            </a:r>
-            <a:br>
-              <a:rPr sz="1401" dirty="0"/>
-            </a:br>
-            <a:endParaRPr sz="1401" dirty="0"/>
-          </a:p>
-        </p:txBody>
-      </p:sp>
-      <p:grpSp>
-        <p:nvGrpSpPr>
-          <p:cNvPr id="14" name="Group 13">
-            <a:extLst>
-              <a:ext uri="{FF2B5EF4-FFF2-40B4-BE49-F238E27FC236}">
-                <a16:creationId xmlns:a16="http://schemas.microsoft.com/office/drawing/2014/main" id="{8B0BB105-07B2-784A-9B21-B7E3E6629E7F}"/>
-              </a:ext>
-            </a:extLst>
-          </p:cNvPr>
-          <p:cNvGrpSpPr/>
-          <p:nvPr/>
-        </p:nvGrpSpPr>
-        <p:grpSpPr>
-          <a:xfrm>
-            <a:off x="15185393" y="2607139"/>
-            <a:ext cx="6233350" cy="3377019"/>
-            <a:chOff x="6345141" y="803610"/>
-            <a:chExt cx="2636520" cy="1477445"/>
-          </a:xfrm>
-        </p:grpSpPr>
-        <p:sp>
-          <p:nvSpPr>
-            <p:cNvPr id="42" name="TextBox 51"/>
-            <p:cNvSpPr txBox="1"/>
-            <p:nvPr/>
-          </p:nvSpPr>
-          <p:spPr>
-            <a:xfrm>
-              <a:off x="6346570" y="803610"/>
-              <a:ext cx="2633663" cy="193030"/>
-            </a:xfrm>
-            <a:prstGeom prst="rect">
-              <a:avLst/>
-            </a:prstGeom>
-            <a:ln w="12700">
-              <a:miter lim="400000"/>
-            </a:ln>
-            <a:extLst>
-              <a:ext uri="{C572A759-6A51-4108-AA02-DFA0A04FC94B}">
-                <ma14:wrappingTextBoxFlag xmlns="" xmlns:m="http://schemas.openxmlformats.org/officeDocument/2006/math" xmlns:a14="http://schemas.microsoft.com/office/drawing/2010/main" xmlns:ma14="http://schemas.microsoft.com/office/mac/drawingml/2011/main" val="1"/>
-              </a:ext>
-            </a:extLst>
-          </p:spPr>
-          <p:txBody>
-            <a:bodyPr lIns="30480" rIns="30480">
-              <a:spAutoFit/>
-            </a:bodyPr>
-            <a:lstStyle>
-              <a:lvl1pPr>
-                <a:defRPr sz="3400">
-                  <a:latin typeface="Arial"/>
-                  <a:ea typeface="Arial"/>
-                  <a:cs typeface="Arial"/>
-                  <a:sym typeface="Arial"/>
-                </a:defRPr>
-              </a:lvl1pPr>
-            </a:lstStyle>
-            <a:p>
-              <a:r>
-                <a:rPr lang="en-US" sz="2267" dirty="0"/>
-                <a:t>Key Takeaways</a:t>
-              </a:r>
-            </a:p>
-          </p:txBody>
-        </p:sp>
-        <p:sp>
-          <p:nvSpPr>
-            <p:cNvPr id="44" name="TextBox 53"/>
-            <p:cNvSpPr txBox="1"/>
-            <p:nvPr/>
-          </p:nvSpPr>
-          <p:spPr>
-            <a:xfrm>
-              <a:off x="6345141" y="988422"/>
-              <a:ext cx="2636520" cy="1292633"/>
-            </a:xfrm>
-            <a:prstGeom prst="rect">
-              <a:avLst/>
-            </a:prstGeom>
-            <a:ln w="12700">
-              <a:miter lim="400000"/>
-            </a:ln>
-            <a:extLst>
-              <a:ext uri="{C572A759-6A51-4108-AA02-DFA0A04FC94B}">
-                <ma14:wrappingTextBoxFlag xmlns="" xmlns:m="http://schemas.openxmlformats.org/officeDocument/2006/math" xmlns:a14="http://schemas.microsoft.com/office/drawing/2010/main" xmlns:ma14="http://schemas.microsoft.com/office/mac/drawingml/2011/main" val="1"/>
-              </a:ext>
-            </a:extLst>
-          </p:spPr>
-          <p:txBody>
-            <a:bodyPr lIns="30480" rIns="30480">
-              <a:spAutoFit/>
-            </a:bodyPr>
-            <a:lstStyle>
-              <a:lvl1pPr>
-                <a:lnSpc>
-                  <a:spcPct val="120000"/>
-                </a:lnSpc>
-                <a:defRPr sz="2100">
-                  <a:solidFill>
-                    <a:srgbClr val="344854"/>
-                  </a:solidFill>
-                  <a:latin typeface="Arial"/>
-                  <a:ea typeface="Arial"/>
-                  <a:cs typeface="Arial"/>
-                  <a:sym typeface="Arial"/>
-                </a:defRPr>
-              </a:lvl1pPr>
-            </a:lstStyle>
-            <a:p>
-              <a:pPr marL="325671" indent="-325671">
-                <a:buFont typeface=".Apple Color Emoji UI"/>
-                <a:buChar char="🔑"/>
-              </a:pPr>
-              <a:r>
-                <a:rPr lang="en-GB" sz="1740" dirty="0"/>
-                <a:t>Our findings indicate that state-of-the-art approaches to Algorithmic Recourse induce substantial domain and model shifts.</a:t>
-              </a:r>
-              <a:endParaRPr lang="en-GB" sz="1740" dirty="0">
-                <a:sym typeface="Calibri"/>
-              </a:endParaRPr>
-            </a:p>
-            <a:p>
-              <a:pPr marL="325671" indent="-325671">
-                <a:buFont typeface=".Apple Color Emoji UI"/>
-                <a:buChar char="🔑"/>
-              </a:pPr>
-              <a:r>
-                <a:rPr lang="en-GB" sz="1740" dirty="0">
-                  <a:sym typeface="Calibri"/>
-                </a:rPr>
-                <a:t>We would argue that the expected external costs of individual recourse should be shared by all stakeholders.</a:t>
-              </a:r>
-            </a:p>
-            <a:p>
-              <a:pPr marL="325671" indent="-325671">
-                <a:buFont typeface=".Apple Color Emoji UI"/>
-                <a:buChar char="🔑"/>
-              </a:pPr>
-              <a:r>
-                <a:rPr lang="en-GB" sz="1740" dirty="0"/>
-                <a:t>A straightforward way to achieve this is to penalize external costs in the counterfactual search objective function.</a:t>
-              </a:r>
-            </a:p>
-            <a:p>
-              <a:pPr marL="325671" indent="-325671">
-                <a:buFont typeface=".Apple Color Emoji UI"/>
-                <a:buChar char="🔑"/>
-              </a:pPr>
-              <a:r>
-                <a:rPr lang="en-GB" sz="1740" dirty="0"/>
-                <a:t>Various simple strategies based on this notion can be effectively used to mitigate shifts.</a:t>
-              </a:r>
-              <a:endParaRPr lang="en-GB" sz="1740" dirty="0">
-                <a:sym typeface="Calibri"/>
-              </a:endParaRPr>
-            </a:p>
-          </p:txBody>
-        </p:sp>
-      </p:grpSp>
       <p:pic>
         <p:nvPicPr>
           <p:cNvPr id="9" name="Picture 8">
@@ -2481,7 +1739,7 @@
           <p:nvPr/>
         </p:nvPicPr>
         <p:blipFill rotWithShape="1">
-          <a:blip r:embed="rId4">
+          <a:blip r:embed="rId3">
             <a:extLst>
               <a:ext uri="{28A0092B-C50C-407E-A947-70E740481C1C}">
                 <a14:useLocalDpi xmlns:a14="http://schemas.microsoft.com/office/drawing/2010/main" val="0"/>
@@ -2493,8 +1751,8 @@
         </p:blipFill>
         <p:spPr>
           <a:xfrm>
-            <a:off x="15185392" y="404882"/>
-            <a:ext cx="3467451" cy="1418944"/>
+            <a:off x="13087254" y="555917"/>
+            <a:ext cx="3852723" cy="1576604"/>
           </a:xfrm>
           <a:prstGeom prst="rect">
             <a:avLst/>
@@ -2516,13 +1774,13 @@
           <p:nvPr/>
         </p:nvPicPr>
         <p:blipFill>
-          <a:blip r:embed="rId5">
+          <a:blip r:embed="rId4">
             <a:extLst>
               <a:ext uri="{28A0092B-C50C-407E-A947-70E740481C1C}">
                 <a14:useLocalDpi xmlns:a14="http://schemas.microsoft.com/office/drawing/2010/main" val="0"/>
               </a:ext>
               <a:ext uri="{96DAC541-7B7A-43D3-8B79-37D633B846F1}">
-                <asvg:svgBlip xmlns:asvg="http://schemas.microsoft.com/office/drawing/2016/SVG/main" r:embed="rId6"/>
+                <asvg:svgBlip xmlns:asvg="http://schemas.microsoft.com/office/drawing/2016/SVG/main" r:embed="rId5"/>
               </a:ext>
             </a:extLst>
           </a:blip>
@@ -2532,8 +1790,8 @@
         </p:blipFill>
         <p:spPr>
           <a:xfrm>
-            <a:off x="19004553" y="732488"/>
-            <a:ext cx="2151495" cy="947342"/>
+            <a:off x="21242005" y="812985"/>
+            <a:ext cx="2390550" cy="1052602"/>
           </a:xfrm>
           <a:prstGeom prst="rect">
             <a:avLst/>
@@ -2554,10 +1812,10 @@
         </p:nvGrpSpPr>
         <p:grpSpPr>
           <a:xfrm>
-            <a:off x="526858" y="17626315"/>
-            <a:ext cx="9931089" cy="7657858"/>
-            <a:chOff x="726831" y="10039801"/>
-            <a:chExt cx="13700506" cy="10564454"/>
+            <a:off x="12611656" y="16354258"/>
+            <a:ext cx="11430520" cy="8498387"/>
+            <a:chOff x="726830" y="10039801"/>
+            <a:chExt cx="14192152" cy="10551610"/>
           </a:xfrm>
         </p:grpSpPr>
         <p:sp>
@@ -2568,8 +1826,8 @@
           </p:nvSpPr>
           <p:spPr>
             <a:xfrm>
-              <a:off x="726831" y="10757231"/>
-              <a:ext cx="13557520" cy="2665487"/>
+              <a:off x="9412593" y="11243581"/>
+              <a:ext cx="5506389" cy="6273955"/>
             </a:xfrm>
             <a:prstGeom prst="rect">
               <a:avLst/>
@@ -2579,12 +1837,12 @@
             </a:ln>
             <a:extLst>
               <a:ext uri="{C572A759-6A51-4108-AA02-DFA0A04FC94B}">
-                <ma14:wrappingTextBoxFlag xmlns="" xmlns:m="http://schemas.openxmlformats.org/officeDocument/2006/math" xmlns:a14="http://schemas.microsoft.com/office/drawing/2010/main" xmlns:ma14="http://schemas.microsoft.com/office/mac/drawingml/2011/main" val="1"/>
+                <ma14:wrappingTextBoxFlag xmlns:ma14="http://schemas.microsoft.com/office/mac/drawingml/2011/main" xmlns:a14="http://schemas.microsoft.com/office/drawing/2010/main" xmlns:m="http://schemas.openxmlformats.org/officeDocument/2006/math" xmlns="" val="1"/>
               </a:ext>
             </a:extLst>
           </p:spPr>
           <p:txBody>
-            <a:bodyPr lIns="30480" rIns="30480">
+            <a:bodyPr wrap="square" lIns="33867" rIns="33867">
               <a:spAutoFit/>
             </a:bodyPr>
             <a:lstStyle>
@@ -2604,43 +1862,43 @@
               </a:lvl1pPr>
             </a:lstStyle>
             <a:p>
-              <a:pPr marL="331424" indent="-331424" fontAlgn="base">
+              <a:pPr marL="368245" indent="-368245" fontAlgn="base">
                 <a:buFont typeface="Arial" panose="020B0604020202020204" pitchFamily="34" charset="0"/>
                 <a:buChar char="•"/>
               </a:pPr>
               <a:r>
-                <a:rPr lang="en-GB" sz="2030" b="1" dirty="0"/>
+                <a:rPr lang="en-GB" sz="2256" b="1" dirty="0"/>
                 <a:t>Counterfactual Explanation </a:t>
               </a:r>
               <a:r>
-                <a:rPr lang="en-GB" sz="2030" dirty="0"/>
+                <a:rPr lang="en-GB" sz="2256" dirty="0"/>
                 <a:t>(CE) explain how inputs into a model need to change for it to produce different outputs.</a:t>
               </a:r>
             </a:p>
             <a:p>
-              <a:pPr marL="331424" indent="-331424" fontAlgn="base">
+              <a:pPr marL="368245" indent="-368245" fontAlgn="base">
                 <a:buFont typeface="Arial" panose="020B0604020202020204" pitchFamily="34" charset="0"/>
                 <a:buChar char="•"/>
               </a:pPr>
               <a:r>
-                <a:rPr lang="en-GB" sz="2030" dirty="0"/>
+                <a:rPr lang="en-GB" sz="2256" dirty="0"/>
                 <a:t>Counterfactual Explanations that involve realistic and actionable changes can be used for the purpose of </a:t>
               </a:r>
               <a:r>
-                <a:rPr lang="en-GB" sz="2030" b="1" dirty="0"/>
+                <a:rPr lang="en-GB" sz="2256" b="1" dirty="0"/>
                 <a:t>Algorithmic Recourse </a:t>
               </a:r>
               <a:r>
-                <a:rPr lang="en-GB" sz="2030" dirty="0"/>
+                <a:rPr lang="en-GB" sz="2256" dirty="0"/>
                 <a:t>(AR).</a:t>
               </a:r>
             </a:p>
             <a:p>
-              <a:pPr marL="331424" indent="-331424" fontAlgn="base">
+              <a:pPr marL="368245" indent="-368245" fontAlgn="base">
                 <a:buFont typeface="Arial" panose="020B0604020202020204" pitchFamily="34" charset="0"/>
                 <a:buChar char="•"/>
               </a:pPr>
-              <a:endParaRPr lang="en-GB" sz="2030" dirty="0"/>
+              <a:endParaRPr lang="en-GB" sz="2256" dirty="0"/>
             </a:p>
           </p:txBody>
         </p:sp>
@@ -2658,10 +1916,10 @@
           </p:nvGrpSpPr>
           <p:grpSpPr>
             <a:xfrm>
-              <a:off x="1385503" y="13056366"/>
-              <a:ext cx="12240173" cy="7547889"/>
-              <a:chOff x="16719226" y="9957247"/>
-              <a:chExt cx="12240173" cy="7547889"/>
+              <a:off x="726830" y="10846872"/>
+              <a:ext cx="12898846" cy="9744539"/>
+              <a:chOff x="16060553" y="7747753"/>
+              <a:chExt cx="12898846" cy="9744539"/>
             </a:xfrm>
           </p:grpSpPr>
           <p:sp>
@@ -2673,7 +1931,7 @@
             <p:spPr>
               <a:xfrm>
                 <a:off x="16719226" y="16762094"/>
-                <a:ext cx="12240173" cy="743042"/>
+                <a:ext cx="12240173" cy="730198"/>
               </a:xfrm>
               <a:prstGeom prst="rect">
                 <a:avLst/>
@@ -2683,12 +1941,12 @@
               </a:ln>
               <a:extLst>
                 <a:ext uri="{C572A759-6A51-4108-AA02-DFA0A04FC94B}">
-                  <ma14:wrappingTextBoxFlag xmlns="" xmlns:m="http://schemas.openxmlformats.org/officeDocument/2006/math" xmlns:a14="http://schemas.microsoft.com/office/drawing/2010/main" xmlns:ma14="http://schemas.microsoft.com/office/mac/drawingml/2011/main" val="1"/>
+                  <ma14:wrappingTextBoxFlag xmlns:ma14="http://schemas.microsoft.com/office/mac/drawingml/2011/main" xmlns:a14="http://schemas.microsoft.com/office/drawing/2010/main" xmlns:m="http://schemas.openxmlformats.org/officeDocument/2006/math" xmlns="" val="1"/>
                 </a:ext>
               </a:extLst>
             </p:spPr>
             <p:txBody>
-              <a:bodyPr wrap="square" lIns="30480" rIns="30480">
+              <a:bodyPr wrap="square" lIns="33867" rIns="33867">
                 <a:spAutoFit/>
               </a:bodyPr>
               <a:lstStyle>
@@ -2706,15 +1964,15 @@
               </a:lstStyle>
               <a:p>
                 <a:r>
-                  <a:rPr lang="en-GB" sz="1450" dirty="0"/>
+                  <a:rPr lang="en-GB" sz="1611" dirty="0"/>
                   <a:t>Figure 2: Generating a counterfactual for </a:t>
                 </a:r>
                 <a:r>
-                  <a:rPr lang="en-NL" sz="1450" dirty="0"/>
+                  <a:rPr lang="en-NL" sz="1611" dirty="0"/>
                   <a:t>🐱 following Wachter et al. (2018)</a:t>
                 </a:r>
                 <a:r>
-                  <a:rPr lang="en-GB" sz="1450" dirty="0"/>
+                  <a:rPr lang="en-GB" sz="1611" dirty="0"/>
                   <a:t>. The contour shows the predictions of a simple multi-layer perceptron (MLP).</a:t>
                 </a:r>
               </a:p>
@@ -2735,7 +1993,7 @@
               <p:nvPr/>
             </p:nvPicPr>
             <p:blipFill>
-              <a:blip r:embed="rId7">
+              <a:blip r:embed="rId6">
                 <a:extLst>
                   <a:ext uri="{28A0092B-C50C-407E-A947-70E740481C1C}">
                     <a14:useLocalDpi xmlns:a14="http://schemas.microsoft.com/office/drawing/2010/main" val="0"/>
@@ -2747,8 +2005,8 @@
             </p:blipFill>
             <p:spPr bwMode="auto">
               <a:xfrm>
-                <a:off x="18328518" y="9957247"/>
-                <a:ext cx="9014002" cy="6760502"/>
+                <a:off x="16060553" y="7747753"/>
+                <a:ext cx="8629422" cy="8629421"/>
               </a:xfrm>
               <a:prstGeom prst="rect">
                 <a:avLst/>
@@ -2781,7 +2039,7 @@
           <p:spPr>
             <a:xfrm>
               <a:off x="726831" y="10039801"/>
-              <a:ext cx="13700506" cy="743042"/>
+              <a:ext cx="13700506" cy="730278"/>
             </a:xfrm>
             <a:prstGeom prst="rect">
               <a:avLst/>
@@ -2791,12 +2049,12 @@
             </a:ln>
             <a:extLst>
               <a:ext uri="{C572A759-6A51-4108-AA02-DFA0A04FC94B}">
-                <ma14:wrappingTextBoxFlag xmlns="" xmlns:m="http://schemas.openxmlformats.org/officeDocument/2006/math" xmlns:a14="http://schemas.microsoft.com/office/drawing/2010/main" xmlns:ma14="http://schemas.microsoft.com/office/mac/drawingml/2011/main" val="1"/>
+                <ma14:wrappingTextBoxFlag xmlns:ma14="http://schemas.microsoft.com/office/mac/drawingml/2011/main" xmlns:a14="http://schemas.microsoft.com/office/drawing/2010/main" xmlns:m="http://schemas.openxmlformats.org/officeDocument/2006/math" xmlns="" val="1"/>
               </a:ext>
             </a:extLst>
           </p:spPr>
           <p:txBody>
-            <a:bodyPr lIns="30480" rIns="30480">
+            <a:bodyPr lIns="33867" rIns="33867">
               <a:spAutoFit/>
             </a:bodyPr>
             <a:lstStyle>
@@ -2811,264 +2069,14 @@
             </a:lstStyle>
             <a:p>
               <a:r>
-                <a:rPr lang="en-US" sz="2900" dirty="0"/>
-                <a:t>BACKGROUND</a:t>
+                <a:rPr lang="en-US" sz="3222" dirty="0"/>
+                <a:t>FAITHFULNESS</a:t>
               </a:r>
-              <a:endParaRPr sz="2900" dirty="0"/>
+              <a:endParaRPr sz="3222" dirty="0"/>
             </a:p>
           </p:txBody>
         </p:sp>
       </p:grpSp>
-      <p:sp>
-        <p:nvSpPr>
-          <p:cNvPr id="56" name="TextBox 47">
-            <a:extLst>
-              <a:ext uri="{FF2B5EF4-FFF2-40B4-BE49-F238E27FC236}">
-                <a16:creationId xmlns:a16="http://schemas.microsoft.com/office/drawing/2014/main" id="{B0F644D0-BD91-22FD-D40F-AA4FA1B90279}"/>
-              </a:ext>
-            </a:extLst>
-          </p:cNvPr>
-          <p:cNvSpPr txBox="1"/>
-          <p:nvPr/>
-        </p:nvSpPr>
-        <p:spPr>
-          <a:xfrm>
-            <a:off x="11641369" y="8824294"/>
-            <a:ext cx="9827443" cy="4449103"/>
-          </a:xfrm>
-          <a:prstGeom prst="rect">
-            <a:avLst/>
-          </a:prstGeom>
-          <a:ln w="12700">
-            <a:miter lim="400000"/>
-          </a:ln>
-          <a:extLst>
-            <a:ext uri="{C572A759-6A51-4108-AA02-DFA0A04FC94B}">
-              <ma14:wrappingTextBoxFlag xmlns="" xmlns:m="http://schemas.openxmlformats.org/officeDocument/2006/math" xmlns:a14="http://schemas.microsoft.com/office/drawing/2010/main" xmlns:ma14="http://schemas.microsoft.com/office/mac/drawingml/2011/main" val="1"/>
-            </a:ext>
-          </a:extLst>
-        </p:spPr>
-        <p:txBody>
-          <a:bodyPr lIns="30480" rIns="30480">
-            <a:spAutoFit/>
-          </a:bodyPr>
-          <a:lstStyle>
-            <a:lvl1pPr>
-              <a:lnSpc>
-                <a:spcPct val="120000"/>
-              </a:lnSpc>
-              <a:defRPr sz="2100">
-                <a:solidFill>
-                  <a:srgbClr val="344854"/>
-                </a:solidFill>
-                <a:latin typeface="Arial"/>
-                <a:ea typeface="Arial"/>
-                <a:cs typeface="Arial"/>
-                <a:sym typeface="Arial"/>
-              </a:defRPr>
-            </a:lvl1pPr>
-          </a:lstStyle>
-          <a:p>
-            <a:pPr marL="331424" indent="-331424">
-              <a:buSzPct val="150000"/>
-              <a:buBlip>
-                <a:blip r:embed="rId8"/>
-              </a:buBlip>
-            </a:pPr>
-            <a:r>
-              <a:rPr lang="en-US" sz="2030" dirty="0"/>
-              <a:t>Endogenous Shifts</a:t>
-            </a:r>
-          </a:p>
-          <a:p>
-            <a:pPr marL="515549" lvl="4" indent="0"/>
-            <a:r>
-              <a:rPr lang="en-US" sz="1740" dirty="0">
-                <a:solidFill>
-                  <a:srgbClr val="344854"/>
-                </a:solidFill>
-                <a:latin typeface="Arial"/>
-                <a:cs typeface="Arial"/>
-                <a:sym typeface="Arial"/>
-              </a:rPr>
-              <a:t>Does the repeated implementation of recourse provided by state-of-the-art generators lead to shifts in the domain and model?</a:t>
-            </a:r>
-            <a:endParaRPr lang="en-GB" sz="1740" dirty="0">
-              <a:solidFill>
-                <a:srgbClr val="344854"/>
-              </a:solidFill>
-              <a:latin typeface="Arial"/>
-              <a:cs typeface="Arial"/>
-              <a:sym typeface="Arial"/>
-            </a:endParaRPr>
-          </a:p>
-          <a:p>
-            <a:pPr marL="331424" indent="-331424">
-              <a:buSzPct val="150000"/>
-              <a:buBlip>
-                <a:blip r:embed="rId8"/>
-              </a:buBlip>
-            </a:pPr>
-            <a:r>
-              <a:rPr lang="en-US" sz="2030" dirty="0"/>
-              <a:t>Costs</a:t>
-            </a:r>
-          </a:p>
-          <a:p>
-            <a:pPr marL="515549" lvl="4" indent="0"/>
-            <a:r>
-              <a:rPr lang="en-US" sz="1740" dirty="0">
-                <a:solidFill>
-                  <a:srgbClr val="344854"/>
-                </a:solidFill>
-                <a:latin typeface="Arial"/>
-                <a:cs typeface="Arial"/>
-                <a:sym typeface="Arial"/>
-              </a:rPr>
-              <a:t>If so, are these dynamics substantial enough to be considered costly to stakeholders involved in real-world automated decision-making processes?</a:t>
-            </a:r>
-            <a:endParaRPr lang="en-GB" sz="1740" dirty="0">
-              <a:solidFill>
-                <a:srgbClr val="344854"/>
-              </a:solidFill>
-              <a:latin typeface="Arial"/>
-              <a:cs typeface="Arial"/>
-              <a:sym typeface="Arial"/>
-            </a:endParaRPr>
-          </a:p>
-          <a:p>
-            <a:pPr marL="331424" indent="-331424">
-              <a:buSzPct val="150000"/>
-              <a:buBlip>
-                <a:blip r:embed="rId8"/>
-              </a:buBlip>
-            </a:pPr>
-            <a:r>
-              <a:rPr lang="en-US" sz="2030" dirty="0"/>
-              <a:t>Heterogeneity</a:t>
-            </a:r>
-          </a:p>
-          <a:p>
-            <a:pPr marL="515549" lvl="4" indent="0"/>
-            <a:r>
-              <a:rPr lang="en-US" sz="1740" dirty="0">
-                <a:solidFill>
-                  <a:srgbClr val="344854"/>
-                </a:solidFill>
-                <a:latin typeface="Arial"/>
-                <a:cs typeface="Arial"/>
-                <a:sym typeface="Arial"/>
-              </a:rPr>
-              <a:t>Do different counterfactual generators yield significantly different outcomes in this context? Furthermore, is there any heterogeneity concerning the chosen classifier and dataset?</a:t>
-            </a:r>
-            <a:endParaRPr lang="en-GB" sz="1740" dirty="0">
-              <a:solidFill>
-                <a:srgbClr val="344854"/>
-              </a:solidFill>
-              <a:latin typeface="Arial"/>
-              <a:cs typeface="Arial"/>
-              <a:sym typeface="Arial"/>
-            </a:endParaRPr>
-          </a:p>
-          <a:p>
-            <a:pPr marL="331424" indent="-331424">
-              <a:buSzPct val="150000"/>
-              <a:buBlip>
-                <a:blip r:embed="rId8"/>
-              </a:buBlip>
-            </a:pPr>
-            <a:r>
-              <a:rPr lang="en-US" sz="2030" dirty="0"/>
-              <a:t>Drivers</a:t>
-            </a:r>
-          </a:p>
-          <a:p>
-            <a:pPr marL="515549" lvl="4" indent="0"/>
-            <a:r>
-              <a:rPr lang="en-US" sz="1740" dirty="0">
-                <a:solidFill>
-                  <a:srgbClr val="344854"/>
-                </a:solidFill>
-                <a:latin typeface="Arial"/>
-                <a:cs typeface="Arial"/>
-                <a:sym typeface="Arial"/>
-              </a:rPr>
-              <a:t>What are the drivers of endogenous dynamics in Algorithmic Recourse?</a:t>
-            </a:r>
-            <a:endParaRPr lang="en-GB" sz="1740" dirty="0">
-              <a:solidFill>
-                <a:srgbClr val="344854"/>
-              </a:solidFill>
-              <a:latin typeface="Arial"/>
-              <a:cs typeface="Arial"/>
-              <a:sym typeface="Arial"/>
-            </a:endParaRPr>
-          </a:p>
-          <a:p>
-            <a:pPr marL="331424" indent="-331424">
-              <a:buSzPct val="150000"/>
-              <a:buBlip>
-                <a:blip r:embed="rId8"/>
-              </a:buBlip>
-            </a:pPr>
-            <a:r>
-              <a:rPr lang="en-US" sz="2030" dirty="0"/>
-              <a:t>Mitigation Strategies</a:t>
-            </a:r>
-          </a:p>
-          <a:p>
-            <a:pPr marL="515549" lvl="4" indent="0"/>
-            <a:r>
-              <a:rPr lang="en-GB" sz="1740" dirty="0">
-                <a:solidFill>
-                  <a:srgbClr val="344854"/>
-                </a:solidFill>
-                <a:latin typeface="Arial"/>
-                <a:cs typeface="Arial"/>
-              </a:rPr>
-              <a:t>What are potential mitigation strategies with respect to endogenous </a:t>
-            </a:r>
-            <a:r>
-              <a:rPr lang="en-GB" sz="1740" dirty="0" err="1">
-                <a:solidFill>
-                  <a:srgbClr val="344854"/>
-                </a:solidFill>
-                <a:latin typeface="Arial"/>
-                <a:cs typeface="Arial"/>
-              </a:rPr>
-              <a:t>macrodynamics</a:t>
-            </a:r>
-            <a:r>
-              <a:rPr lang="en-GB" sz="1740" dirty="0">
-                <a:solidFill>
-                  <a:srgbClr val="344854"/>
-                </a:solidFill>
-                <a:latin typeface="Arial"/>
-                <a:cs typeface="Arial"/>
-              </a:rPr>
-              <a:t> in AR?</a:t>
-            </a:r>
-            <a:endParaRPr lang="en-GB" sz="1740" dirty="0">
-              <a:solidFill>
-                <a:srgbClr val="344854"/>
-              </a:solidFill>
-              <a:latin typeface="Arial"/>
-              <a:cs typeface="Arial"/>
-              <a:sym typeface="Arial"/>
-            </a:endParaRPr>
-          </a:p>
-          <a:p>
-            <a:pPr marL="331424" indent="-331424">
-              <a:buFont typeface=".Apple Color Emoji UI"/>
-              <a:buChar char="❓"/>
-              <a:defRPr/>
-            </a:pPr>
-            <a:endParaRPr lang="en-US" sz="2030" dirty="0">
-              <a:sym typeface="Calibri"/>
-            </a:endParaRPr>
-          </a:p>
-        </p:txBody>
-      </p:sp>
       <p:pic>
         <p:nvPicPr>
           <p:cNvPr id="1028" name="Picture 4" descr="About CC Licenses - Creative Commons">
@@ -3084,7 +2092,7 @@
           <p:nvPr/>
         </p:nvPicPr>
         <p:blipFill>
-          <a:blip r:embed="rId9">
+          <a:blip r:embed="rId7">
             <a:extLst>
               <a:ext uri="{28A0092B-C50C-407E-A947-70E740481C1C}">
                 <a14:useLocalDpi xmlns:a14="http://schemas.microsoft.com/office/drawing/2010/main" val="0"/>
@@ -3098,8 +2106,8 @@
         </p:blipFill>
         <p:spPr bwMode="auto">
           <a:xfrm>
-            <a:off x="20046938" y="32093321"/>
-            <a:ext cx="1525519" cy="533742"/>
+            <a:off x="22426776" y="35659245"/>
+            <a:ext cx="1695021" cy="593047"/>
           </a:xfrm>
           <a:prstGeom prst="rect">
             <a:avLst/>
@@ -3130,8 +2138,8 @@
         </p:nvSpPr>
         <p:spPr>
           <a:xfrm>
-            <a:off x="16580935" y="32087654"/>
-            <a:ext cx="3466003" cy="535517"/>
+            <a:off x="18575662" y="35652949"/>
+            <a:ext cx="3851114" cy="595083"/>
           </a:xfrm>
           <a:prstGeom prst="rect">
             <a:avLst/>
@@ -3157,21 +2165,21 @@
           <a:fontRef idx="none"/>
         </p:style>
         <p:txBody>
-          <a:bodyPr rot="0" spcFirstLastPara="1" vertOverflow="overflow" horzOverflow="overflow" vert="horz" wrap="square" lIns="33140" tIns="33140" rIns="33140" bIns="33140" numCol="1" spcCol="38100" rtlCol="0" anchor="t">
+          <a:bodyPr rot="0" spcFirstLastPara="1" vertOverflow="overflow" horzOverflow="overflow" vert="horz" wrap="square" lIns="36822" tIns="36822" rIns="36822" bIns="36822" numCol="1" spcCol="38100" rtlCol="0" anchor="t">
             <a:spAutoFit/>
           </a:bodyPr>
           <a:lstStyle/>
           <a:p>
-            <a:pPr defTabSz="236703"/>
+            <a:pPr defTabSz="263001"/>
             <a:r>
-              <a:rPr lang="en-NL" sz="1015" b="1" dirty="0">
+              <a:rPr lang="en-NL" sz="1128" b="1" dirty="0">
                 <a:latin typeface="Arial" panose="020B0604020202020204" pitchFamily="34" charset="0"/>
                 <a:cs typeface="Arial" panose="020B0604020202020204" pitchFamily="34" charset="0"/>
               </a:rPr>
               <a:t>Disclaimer: </a:t>
             </a:r>
             <a:r>
-              <a:rPr lang="en-NL" sz="1015" dirty="0">
+              <a:rPr lang="en-NL" sz="1128" dirty="0">
                 <a:latin typeface="Arial" panose="020B0604020202020204" pitchFamily="34" charset="0"/>
                 <a:cs typeface="Arial" panose="020B0604020202020204" pitchFamily="34" charset="0"/>
               </a:rPr>
@@ -3180,126 +2188,6 @@
           </a:p>
         </p:txBody>
       </p:sp>
-      <p:grpSp>
-        <p:nvGrpSpPr>
-          <p:cNvPr id="20" name="Group 19">
-            <a:extLst>
-              <a:ext uri="{FF2B5EF4-FFF2-40B4-BE49-F238E27FC236}">
-                <a16:creationId xmlns:a16="http://schemas.microsoft.com/office/drawing/2014/main" id="{32440A5D-2DC2-06B8-354F-7647747F8206}"/>
-              </a:ext>
-            </a:extLst>
-          </p:cNvPr>
-          <p:cNvGrpSpPr/>
-          <p:nvPr/>
-        </p:nvGrpSpPr>
-        <p:grpSpPr>
-          <a:xfrm>
-            <a:off x="7494178" y="5096281"/>
-            <a:ext cx="7179950" cy="1837831"/>
-            <a:chOff x="10330057" y="4980116"/>
-            <a:chExt cx="9838042" cy="2535392"/>
-          </a:xfrm>
-        </p:grpSpPr>
-        <p:pic>
-          <p:nvPicPr>
-            <p:cNvPr id="12" name="Picture 2">
-              <a:extLst>
-                <a:ext uri="{FF2B5EF4-FFF2-40B4-BE49-F238E27FC236}">
-                  <a16:creationId xmlns:a16="http://schemas.microsoft.com/office/drawing/2014/main" id="{463278D9-4B6F-B406-5D27-274CCC9A79A3}"/>
-                </a:ext>
-              </a:extLst>
-            </p:cNvPr>
-            <p:cNvPicPr>
-              <a:picLocks noChangeAspect="1" noChangeArrowheads="1"/>
-            </p:cNvPicPr>
-            <p:nvPr/>
-          </p:nvPicPr>
-          <p:blipFill>
-            <a:blip r:embed="rId10">
-              <a:extLst>
-                <a:ext uri="{28A0092B-C50C-407E-A947-70E740481C1C}">
-                  <a14:useLocalDpi xmlns:a14="http://schemas.microsoft.com/office/drawing/2010/main" val="0"/>
-                </a:ext>
-              </a:extLst>
-            </a:blip>
-            <a:srcRect/>
-            <a:stretch/>
-          </p:blipFill>
-          <p:spPr bwMode="auto">
-            <a:xfrm>
-              <a:off x="11330346" y="4980116"/>
-              <a:ext cx="7614520" cy="2095500"/>
-            </a:xfrm>
-            <a:prstGeom prst="rect">
-              <a:avLst/>
-            </a:prstGeom>
-            <a:noFill/>
-            <a:extLst>
-              <a:ext uri="{909E8E84-426E-40DD-AFC4-6F175D3DCCD1}">
-                <a14:hiddenFill xmlns:a14="http://schemas.microsoft.com/office/drawing/2010/main">
-                  <a:solidFill>
-                    <a:srgbClr val="FFFFFF"/>
-                  </a:solidFill>
-                </a14:hiddenFill>
-              </a:ext>
-            </a:extLst>
-          </p:spPr>
-        </p:pic>
-        <p:sp>
-          <p:nvSpPr>
-            <p:cNvPr id="15" name="TextBox 56">
-              <a:extLst>
-                <a:ext uri="{FF2B5EF4-FFF2-40B4-BE49-F238E27FC236}">
-                  <a16:creationId xmlns:a16="http://schemas.microsoft.com/office/drawing/2014/main" id="{F746EA50-B3E7-9734-D08E-57917C840D8A}"/>
-                </a:ext>
-              </a:extLst>
-            </p:cNvPr>
-            <p:cNvSpPr txBox="1"/>
-            <p:nvPr/>
-          </p:nvSpPr>
-          <p:spPr>
-            <a:xfrm>
-              <a:off x="10330057" y="7080298"/>
-              <a:ext cx="9838042" cy="435210"/>
-            </a:xfrm>
-            <a:prstGeom prst="rect">
-              <a:avLst/>
-            </a:prstGeom>
-            <a:ln w="12700">
-              <a:miter lim="400000"/>
-            </a:ln>
-            <a:extLst>
-              <a:ext uri="{C572A759-6A51-4108-AA02-DFA0A04FC94B}">
-                <ma14:wrappingTextBoxFlag xmlns="" xmlns:m="http://schemas.openxmlformats.org/officeDocument/2006/math" xmlns:a14="http://schemas.microsoft.com/office/drawing/2010/main" xmlns:ma14="http://schemas.microsoft.com/office/mac/drawingml/2011/main" val="1"/>
-              </a:ext>
-            </a:extLst>
-          </p:spPr>
-          <p:txBody>
-            <a:bodyPr wrap="square" lIns="30480" rIns="30480">
-              <a:spAutoFit/>
-            </a:bodyPr>
-            <a:lstStyle>
-              <a:lvl1pPr algn="ctr">
-                <a:defRPr sz="1300">
-                  <a:solidFill>
-                    <a:srgbClr val="344854"/>
-                  </a:solidFill>
-                  <a:latin typeface="Arial"/>
-                  <a:ea typeface="Arial"/>
-                  <a:cs typeface="Arial"/>
-                  <a:sym typeface="Arial"/>
-                </a:defRPr>
-              </a:lvl1pPr>
-            </a:lstStyle>
-            <a:p>
-              <a:r>
-                <a:rPr lang="en-GB" sz="1450" dirty="0"/>
-                <a:t>Figure 1: Dynamics in Algorithmic Recourse. Individuals in target class marked in blue.</a:t>
-              </a:r>
-            </a:p>
-          </p:txBody>
-        </p:sp>
-      </p:grpSp>
       <p:sp>
         <p:nvSpPr>
           <p:cNvPr id="26" name="TextBox 35">
@@ -3314,8 +2202,8 @@
         </p:nvSpPr>
         <p:spPr>
           <a:xfrm>
-            <a:off x="653922" y="1590153"/>
-            <a:ext cx="9961090" cy="449354"/>
+            <a:off x="878980" y="1766837"/>
+            <a:ext cx="11067878" cy="489045"/>
           </a:xfrm>
           <a:prstGeom prst="rect">
             <a:avLst/>
@@ -3325,12 +2213,12 @@
           </a:ln>
           <a:extLst>
             <a:ext uri="{C572A759-6A51-4108-AA02-DFA0A04FC94B}">
-              <ma14:wrappingTextBoxFlag xmlns="" xmlns:m="http://schemas.openxmlformats.org/officeDocument/2006/math" xmlns:a14="http://schemas.microsoft.com/office/drawing/2010/main" xmlns:ma14="http://schemas.microsoft.com/office/mac/drawingml/2011/main" val="1"/>
+              <ma14:wrappingTextBoxFlag xmlns:ma14="http://schemas.microsoft.com/office/mac/drawingml/2011/main" xmlns:a14="http://schemas.microsoft.com/office/drawing/2010/main" xmlns:m="http://schemas.openxmlformats.org/officeDocument/2006/math" xmlns="" val="1"/>
             </a:ext>
           </a:extLst>
         </p:spPr>
         <p:txBody>
-          <a:bodyPr wrap="square" lIns="30480" rIns="30480">
+          <a:bodyPr wrap="square" lIns="33867" rIns="33867">
             <a:spAutoFit/>
           </a:bodyPr>
           <a:lstStyle>
@@ -3345,12 +2233,12 @@
           </a:lstStyle>
           <a:p>
             <a:r>
-              <a:rPr lang="en-GB" sz="2320" i="1" dirty="0">
+              <a:rPr lang="en-US" sz="2578" i="1" dirty="0">
                 <a:solidFill>
                   <a:srgbClr val="344854"/>
                 </a:solidFill>
               </a:rPr>
-              <a:t>First IEEE Conference on Secure and Trustworthy Machine Learning</a:t>
+              <a:t>The 38th Annual AAAI Conference on Artificial Intelligence</a:t>
             </a:r>
           </a:p>
         </p:txBody>
@@ -3369,8 +2257,8 @@
         </p:nvSpPr>
         <p:spPr>
           <a:xfrm>
-            <a:off x="7553960" y="14630763"/>
-            <a:ext cx="66992" cy="200810"/>
+            <a:off x="8355579" y="15309967"/>
+            <a:ext cx="74428" cy="223186"/>
           </a:xfrm>
           <a:prstGeom prst="rect">
             <a:avLst/>
@@ -3396,13 +2284,13 @@
           <a:fontRef idx="none"/>
         </p:style>
         <p:txBody>
-          <a:bodyPr rot="0" spcFirstLastPara="1" vertOverflow="overflow" horzOverflow="overflow" vert="horz" wrap="none" lIns="33140" tIns="33140" rIns="33140" bIns="33140" numCol="1" spcCol="38100" rtlCol="0" anchor="t">
+          <a:bodyPr rot="0" spcFirstLastPara="1" vertOverflow="overflow" horzOverflow="overflow" vert="horz" wrap="none" lIns="36822" tIns="36822" rIns="36822" bIns="36822" numCol="1" spcCol="38100" rtlCol="0" anchor="t">
             <a:spAutoFit/>
           </a:bodyPr>
           <a:lstStyle/>
           <a:p>
-            <a:pPr defTabSz="236703"/>
-            <a:endParaRPr lang="en-NL" sz="870" dirty="0"/>
+            <a:pPr defTabSz="263001"/>
+            <a:endParaRPr lang="en-NL" sz="967" dirty="0"/>
           </a:p>
         </p:txBody>
       </p:sp>
@@ -3420,8 +2308,8 @@
         </p:nvSpPr>
         <p:spPr>
           <a:xfrm>
-            <a:off x="11641370" y="7744161"/>
-            <a:ext cx="9931089" cy="538609"/>
+            <a:off x="13087256" y="8604623"/>
+            <a:ext cx="11034543" cy="588174"/>
           </a:xfrm>
           <a:prstGeom prst="rect">
             <a:avLst/>
@@ -3431,12 +2319,12 @@
           </a:ln>
           <a:extLst>
             <a:ext uri="{C572A759-6A51-4108-AA02-DFA0A04FC94B}">
-              <ma14:wrappingTextBoxFlag xmlns="" xmlns:m="http://schemas.openxmlformats.org/officeDocument/2006/math" xmlns:a14="http://schemas.microsoft.com/office/drawing/2010/main" xmlns:ma14="http://schemas.microsoft.com/office/mac/drawingml/2011/main" val="1"/>
+              <ma14:wrappingTextBoxFlag xmlns:ma14="http://schemas.microsoft.com/office/mac/drawingml/2011/main" xmlns:a14="http://schemas.microsoft.com/office/drawing/2010/main" xmlns:m="http://schemas.openxmlformats.org/officeDocument/2006/math" xmlns="" val="1"/>
             </a:ext>
           </a:extLst>
         </p:spPr>
         <p:txBody>
-          <a:bodyPr lIns="30480" rIns="30480">
+          <a:bodyPr lIns="33867" rIns="33867">
             <a:spAutoFit/>
           </a:bodyPr>
           <a:lstStyle>
@@ -3451,19 +2339,19 @@
           </a:lstStyle>
           <a:p>
             <a:r>
-              <a:rPr lang="en-US" sz="2900" dirty="0"/>
-              <a:t>MODELLING RECOURSE DYNAMICS</a:t>
+              <a:rPr lang="en-US" sz="3222" dirty="0"/>
+              <a:t>BACKGROUND</a:t>
             </a:r>
-            <a:endParaRPr sz="2900" dirty="0"/>
+            <a:endParaRPr sz="3222" dirty="0"/>
           </a:p>
         </p:txBody>
       </p:sp>
       <p:sp>
         <p:nvSpPr>
-          <p:cNvPr id="93" name="TextBox 43">
+          <p:cNvPr id="123" name="TextBox 43">
             <a:extLst>
               <a:ext uri="{FF2B5EF4-FFF2-40B4-BE49-F238E27FC236}">
-                <a16:creationId xmlns:a16="http://schemas.microsoft.com/office/drawing/2014/main" id="{449FCC93-83B0-CD4F-F9BD-64C3FE83DC6D}"/>
+                <a16:creationId xmlns:a16="http://schemas.microsoft.com/office/drawing/2014/main" id="{FBCF131E-5B54-E87C-1D5C-71F7D6F044EE}"/>
               </a:ext>
             </a:extLst>
           </p:cNvPr>
@@ -3472,8 +2360,8 @@
         </p:nvSpPr>
         <p:spPr>
           <a:xfrm>
-            <a:off x="11641370" y="8447913"/>
-            <a:ext cx="9931089" cy="441211"/>
+            <a:off x="12897144" y="25274604"/>
+            <a:ext cx="11034543" cy="588174"/>
           </a:xfrm>
           <a:prstGeom prst="rect">
             <a:avLst/>
@@ -3483,12 +2371,12 @@
           </a:ln>
           <a:extLst>
             <a:ext uri="{C572A759-6A51-4108-AA02-DFA0A04FC94B}">
-              <ma14:wrappingTextBoxFlag xmlns="" xmlns:m="http://schemas.openxmlformats.org/officeDocument/2006/math" xmlns:a14="http://schemas.microsoft.com/office/drawing/2010/main" xmlns:ma14="http://schemas.microsoft.com/office/mac/drawingml/2011/main" val="1"/>
+              <ma14:wrappingTextBoxFlag xmlns:ma14="http://schemas.microsoft.com/office/mac/drawingml/2011/main" xmlns:a14="http://schemas.microsoft.com/office/drawing/2010/main" xmlns:m="http://schemas.openxmlformats.org/officeDocument/2006/math" xmlns="" val="1"/>
             </a:ext>
           </a:extLst>
         </p:spPr>
         <p:txBody>
-          <a:bodyPr lIns="30480" rIns="30480">
+          <a:bodyPr lIns="33867" rIns="33867">
             <a:spAutoFit/>
           </a:bodyPr>
           <a:lstStyle>
@@ -3503,648 +2391,13 @@
           </a:lstStyle>
           <a:p>
             <a:r>
-              <a:rPr lang="en-US" sz="2267" dirty="0"/>
-              <a:t>Research Questions</a:t>
+              <a:rPr lang="en-US" sz="3222" dirty="0"/>
+              <a:t>RESULTS</a:t>
             </a:r>
-            <a:endParaRPr sz="2267" dirty="0"/>
+            <a:endParaRPr sz="3222" dirty="0"/>
           </a:p>
         </p:txBody>
       </p:sp>
-      <p:grpSp>
-        <p:nvGrpSpPr>
-          <p:cNvPr id="105" name="Group 104">
-            <a:extLst>
-              <a:ext uri="{FF2B5EF4-FFF2-40B4-BE49-F238E27FC236}">
-                <a16:creationId xmlns:a16="http://schemas.microsoft.com/office/drawing/2014/main" id="{627D4553-F4BF-2589-AF1A-6F12E62AC90E}"/>
-              </a:ext>
-            </a:extLst>
-          </p:cNvPr>
-          <p:cNvGrpSpPr/>
-          <p:nvPr/>
-        </p:nvGrpSpPr>
-        <p:grpSpPr>
-          <a:xfrm>
-            <a:off x="11641370" y="13879160"/>
-            <a:ext cx="9827443" cy="6351745"/>
-            <a:chOff x="16059936" y="18432273"/>
-            <a:chExt cx="13557520" cy="8762596"/>
-          </a:xfrm>
-        </p:grpSpPr>
-        <p:sp>
-          <p:nvSpPr>
-            <p:cNvPr id="98" name="TextBox 47">
-              <a:extLst>
-                <a:ext uri="{FF2B5EF4-FFF2-40B4-BE49-F238E27FC236}">
-                  <a16:creationId xmlns:a16="http://schemas.microsoft.com/office/drawing/2014/main" id="{C35D3344-B9E0-E828-7EE0-6C83C55D8015}"/>
-                </a:ext>
-              </a:extLst>
-            </p:cNvPr>
-            <p:cNvSpPr txBox="1"/>
-            <p:nvPr/>
-          </p:nvSpPr>
-          <p:spPr>
-            <a:xfrm>
-              <a:off x="23111488" y="24260207"/>
-              <a:ext cx="6146799" cy="2934662"/>
-            </a:xfrm>
-            <a:prstGeom prst="rect">
-              <a:avLst/>
-            </a:prstGeom>
-            <a:ln w="12700">
-              <a:miter lim="400000"/>
-            </a:ln>
-            <a:extLst>
-              <a:ext uri="{C572A759-6A51-4108-AA02-DFA0A04FC94B}">
-                <ma14:wrappingTextBoxFlag xmlns="" xmlns:m="http://schemas.openxmlformats.org/officeDocument/2006/math" xmlns:a14="http://schemas.microsoft.com/office/drawing/2010/main" xmlns:ma14="http://schemas.microsoft.com/office/mac/drawingml/2011/main" val="1"/>
-              </a:ext>
-            </a:extLst>
-          </p:spPr>
-          <p:txBody>
-            <a:bodyPr wrap="square" lIns="30480" rIns="30480">
-              <a:spAutoFit/>
-            </a:bodyPr>
-            <a:lstStyle>
-              <a:lvl1pPr>
-                <a:lnSpc>
-                  <a:spcPct val="120000"/>
-                </a:lnSpc>
-                <a:defRPr sz="2100">
-                  <a:solidFill>
-                    <a:srgbClr val="344854"/>
-                  </a:solidFill>
-                  <a:latin typeface="Arial"/>
-                  <a:ea typeface="Arial"/>
-                  <a:cs typeface="Arial"/>
-                  <a:sym typeface="Arial"/>
-                </a:defRPr>
-              </a:lvl1pPr>
-            </a:lstStyle>
-            <a:p>
-              <a:pPr marL="331424" indent="-331424">
-                <a:buSzPct val="125000"/>
-                <a:buBlip>
-                  <a:blip r:embed="rId11"/>
-                </a:buBlip>
-              </a:pPr>
-              <a:r>
-                <a:rPr lang="en-US" sz="2030" dirty="0"/>
-                <a:t>Endogenous Shifts</a:t>
-              </a:r>
-            </a:p>
-            <a:p>
-              <a:pPr marL="331424" indent="-331424">
-                <a:buSzPct val="125000"/>
-                <a:buBlip>
-                  <a:blip r:embed="rId11"/>
-                </a:buBlip>
-              </a:pPr>
-              <a:r>
-                <a:rPr lang="en-US" sz="2030" dirty="0"/>
-                <a:t>Costs</a:t>
-              </a:r>
-            </a:p>
-            <a:p>
-              <a:pPr marL="331424" indent="-331424">
-                <a:buSzPct val="125000"/>
-                <a:buBlip>
-                  <a:blip r:embed="rId11"/>
-                </a:buBlip>
-              </a:pPr>
-              <a:r>
-                <a:rPr lang="en-US" sz="2030" dirty="0"/>
-                <a:t>Heterogeneity</a:t>
-              </a:r>
-            </a:p>
-            <a:p>
-              <a:pPr marL="331424" indent="-331424">
-                <a:buSzPct val="125000"/>
-                <a:buBlip>
-                  <a:blip r:embed="rId11"/>
-                </a:buBlip>
-              </a:pPr>
-              <a:r>
-                <a:rPr lang="en-US" sz="2030" dirty="0"/>
-                <a:t>Drivers</a:t>
-              </a:r>
-            </a:p>
-            <a:p>
-              <a:pPr marL="515549" lvl="4" indent="0"/>
-              <a:r>
-                <a:rPr lang="en-US" sz="1740" dirty="0">
-                  <a:solidFill>
-                    <a:srgbClr val="344854"/>
-                  </a:solidFill>
-                  <a:latin typeface="Arial"/>
-                  <a:cs typeface="Arial"/>
-                  <a:sym typeface="Arial"/>
-                </a:rPr>
-                <a:t>Minimizing private costs vs. complying with data </a:t>
-              </a:r>
-              <a:r>
-                <a:rPr lang="en-US" sz="1740" dirty="0">
-                  <a:solidFill>
-                    <a:srgbClr val="344854"/>
-                  </a:solidFill>
-                  <a:latin typeface="Segoe UI Emoji" panose="020F0502020204030204" pitchFamily="34" charset="0"/>
-                  <a:cs typeface="Segoe UI Emoji" panose="020F0502020204030204" pitchFamily="34" charset="0"/>
-                  <a:sym typeface="Arial"/>
-                </a:rPr>
-                <a:t>generating</a:t>
-              </a:r>
-              <a:r>
-                <a:rPr lang="en-US" sz="1740" dirty="0">
-                  <a:solidFill>
-                    <a:srgbClr val="344854"/>
-                  </a:solidFill>
-                  <a:latin typeface="Arial"/>
-                  <a:cs typeface="Arial"/>
-                  <a:sym typeface="Arial"/>
-                </a:rPr>
-                <a:t> process</a:t>
-              </a:r>
-            </a:p>
-          </p:txBody>
-        </p:sp>
-        <p:grpSp>
-          <p:nvGrpSpPr>
-            <p:cNvPr id="102" name="Group 101">
-              <a:extLst>
-                <a:ext uri="{FF2B5EF4-FFF2-40B4-BE49-F238E27FC236}">
-                  <a16:creationId xmlns:a16="http://schemas.microsoft.com/office/drawing/2014/main" id="{457A29D8-F372-96BC-6750-BF459C736474}"/>
-                </a:ext>
-              </a:extLst>
-            </p:cNvPr>
-            <p:cNvGrpSpPr/>
-            <p:nvPr/>
-          </p:nvGrpSpPr>
-          <p:grpSpPr>
-            <a:xfrm>
-              <a:off x="16059936" y="18432273"/>
-              <a:ext cx="13557520" cy="8605284"/>
-              <a:chOff x="16059936" y="18432273"/>
-              <a:chExt cx="13557520" cy="8605284"/>
-            </a:xfrm>
-          </p:grpSpPr>
-          <p:grpSp>
-            <p:nvGrpSpPr>
-              <p:cNvPr id="100" name="Group 99">
-                <a:extLst>
-                  <a:ext uri="{FF2B5EF4-FFF2-40B4-BE49-F238E27FC236}">
-                    <a16:creationId xmlns:a16="http://schemas.microsoft.com/office/drawing/2014/main" id="{8573ABCC-4E77-BF2E-CEAE-193789372535}"/>
-                  </a:ext>
-                </a:extLst>
-              </p:cNvPr>
-              <p:cNvGrpSpPr/>
-              <p:nvPr/>
-            </p:nvGrpSpPr>
-            <p:grpSpPr>
-              <a:xfrm>
-                <a:off x="16059936" y="18432273"/>
-                <a:ext cx="13555454" cy="8605284"/>
-                <a:chOff x="16059936" y="18432273"/>
-                <a:chExt cx="13555454" cy="8605284"/>
-              </a:xfrm>
-            </p:grpSpPr>
-            <p:grpSp>
-              <p:nvGrpSpPr>
-                <p:cNvPr id="96" name="Group 95">
-                  <a:extLst>
-                    <a:ext uri="{FF2B5EF4-FFF2-40B4-BE49-F238E27FC236}">
-                      <a16:creationId xmlns:a16="http://schemas.microsoft.com/office/drawing/2014/main" id="{2B2B199B-50CB-5A2F-1E9C-AF2C657B33C3}"/>
-                    </a:ext>
-                  </a:extLst>
-                </p:cNvPr>
-                <p:cNvGrpSpPr/>
-                <p:nvPr/>
-              </p:nvGrpSpPr>
-              <p:grpSpPr>
-                <a:xfrm>
-                  <a:off x="16059936" y="18432273"/>
-                  <a:ext cx="13555454" cy="8127967"/>
-                  <a:chOff x="16059936" y="17803022"/>
-                  <a:chExt cx="13555454" cy="8127967"/>
-                </a:xfrm>
-              </p:grpSpPr>
-              <p:pic>
-                <p:nvPicPr>
-                  <p:cNvPr id="94" name="Picture 4">
-                    <a:extLst>
-                      <a:ext uri="{FF2B5EF4-FFF2-40B4-BE49-F238E27FC236}">
-                        <a16:creationId xmlns:a16="http://schemas.microsoft.com/office/drawing/2014/main" id="{CD496F0A-E41F-AA7F-2A41-08D0FBAD49BD}"/>
-                      </a:ext>
-                    </a:extLst>
-                  </p:cNvPr>
-                  <p:cNvPicPr>
-                    <a:picLocks noChangeAspect="1" noChangeArrowheads="1"/>
-                  </p:cNvPicPr>
-                  <p:nvPr/>
-                </p:nvPicPr>
-                <p:blipFill>
-                  <a:blip r:embed="rId12">
-                    <a:extLst>
-                      <a:ext uri="{28A0092B-C50C-407E-A947-70E740481C1C}">
-                        <a14:useLocalDpi xmlns:a14="http://schemas.microsoft.com/office/drawing/2010/main" val="0"/>
-                      </a:ext>
-                    </a:extLst>
-                  </a:blip>
-                  <a:srcRect/>
-                  <a:stretch/>
-                </p:blipFill>
-                <p:spPr bwMode="auto">
-                  <a:xfrm>
-                    <a:off x="16059936" y="17804201"/>
-                    <a:ext cx="6507215" cy="8126788"/>
-                  </a:xfrm>
-                  <a:prstGeom prst="rect">
-                    <a:avLst/>
-                  </a:prstGeom>
-                  <a:noFill/>
-                  <a:extLst>
-                    <a:ext uri="{909E8E84-426E-40DD-AFC4-6F175D3DCCD1}">
-                      <a14:hiddenFill xmlns:a14="http://schemas.microsoft.com/office/drawing/2010/main">
-                        <a:solidFill>
-                          <a:srgbClr val="FFFFFF"/>
-                        </a:solidFill>
-                      </a14:hiddenFill>
-                    </a:ext>
-                  </a:extLst>
-                </p:spPr>
-              </p:pic>
-              <p:pic>
-                <p:nvPicPr>
-                  <p:cNvPr id="1032" name="Picture 8">
-                    <a:extLst>
-                      <a:ext uri="{FF2B5EF4-FFF2-40B4-BE49-F238E27FC236}">
-                        <a16:creationId xmlns:a16="http://schemas.microsoft.com/office/drawing/2014/main" id="{EA0C5A03-C00F-C2E5-3EFD-D0798621FFE5}"/>
-                      </a:ext>
-                    </a:extLst>
-                  </p:cNvPr>
-                  <p:cNvPicPr>
-                    <a:picLocks noChangeAspect="1" noChangeArrowheads="1"/>
-                  </p:cNvPicPr>
-                  <p:nvPr/>
-                </p:nvPicPr>
-                <p:blipFill>
-                  <a:blip r:embed="rId13">
-                    <a:extLst>
-                      <a:ext uri="{28A0092B-C50C-407E-A947-70E740481C1C}">
-                        <a14:useLocalDpi xmlns:a14="http://schemas.microsoft.com/office/drawing/2010/main" val="0"/>
-                      </a:ext>
-                    </a:extLst>
-                  </a:blip>
-                  <a:srcRect/>
-                  <a:stretch/>
-                </p:blipFill>
-                <p:spPr bwMode="auto">
-                  <a:xfrm>
-                    <a:off x="23112307" y="17803022"/>
-                    <a:ext cx="6503083" cy="5205772"/>
-                  </a:xfrm>
-                  <a:prstGeom prst="rect">
-                    <a:avLst/>
-                  </a:prstGeom>
-                  <a:noFill/>
-                  <a:extLst>
-                    <a:ext uri="{909E8E84-426E-40DD-AFC4-6F175D3DCCD1}">
-                      <a14:hiddenFill xmlns:a14="http://schemas.microsoft.com/office/drawing/2010/main">
-                        <a:solidFill>
-                          <a:srgbClr val="FFFFFF"/>
-                        </a:solidFill>
-                      </a14:hiddenFill>
-                    </a:ext>
-                  </a:extLst>
-                </p:spPr>
-              </p:pic>
-            </p:grpSp>
-            <p:sp>
-              <p:nvSpPr>
-                <p:cNvPr id="99" name="TextBox 56">
-                  <a:extLst>
-                    <a:ext uri="{FF2B5EF4-FFF2-40B4-BE49-F238E27FC236}">
-                      <a16:creationId xmlns:a16="http://schemas.microsoft.com/office/drawing/2014/main" id="{4CB3F959-C61C-6089-EAD8-186F0B9F506A}"/>
-                    </a:ext>
-                  </a:extLst>
-                </p:cNvPr>
-                <p:cNvSpPr txBox="1"/>
-                <p:nvPr/>
-              </p:nvSpPr>
-              <p:spPr>
-                <a:xfrm>
-                  <a:off x="16059936" y="26602347"/>
-                  <a:ext cx="6507214" cy="435210"/>
-                </a:xfrm>
-                <a:prstGeom prst="rect">
-                  <a:avLst/>
-                </a:prstGeom>
-                <a:ln w="12700">
-                  <a:miter lim="400000"/>
-                </a:ln>
-                <a:extLst>
-                  <a:ext uri="{C572A759-6A51-4108-AA02-DFA0A04FC94B}">
-                    <ma14:wrappingTextBoxFlag xmlns="" xmlns:m="http://schemas.openxmlformats.org/officeDocument/2006/math" xmlns:a14="http://schemas.microsoft.com/office/drawing/2010/main" xmlns:ma14="http://schemas.microsoft.com/office/mac/drawingml/2011/main" val="1"/>
-                  </a:ext>
-                </a:extLst>
-              </p:spPr>
-              <p:txBody>
-                <a:bodyPr wrap="square" lIns="30480" rIns="30480">
-                  <a:spAutoFit/>
-                </a:bodyPr>
-                <a:lstStyle>
-                  <a:lvl1pPr algn="ctr">
-                    <a:defRPr sz="1300">
-                      <a:solidFill>
-                        <a:srgbClr val="344854"/>
-                      </a:solidFill>
-                      <a:latin typeface="Arial"/>
-                      <a:ea typeface="Arial"/>
-                      <a:cs typeface="Arial"/>
-                      <a:sym typeface="Arial"/>
-                    </a:defRPr>
-                  </a:lvl1pPr>
-                </a:lstStyle>
-                <a:p>
-                  <a:r>
-                    <a:rPr lang="en-GB" sz="1450" dirty="0"/>
-                    <a:t>Figure 4: Results for synthetic data.</a:t>
-                  </a:r>
-                </a:p>
-              </p:txBody>
-            </p:sp>
-          </p:grpSp>
-          <p:sp>
-            <p:nvSpPr>
-              <p:cNvPr id="101" name="TextBox 56">
-                <a:extLst>
-                  <a:ext uri="{FF2B5EF4-FFF2-40B4-BE49-F238E27FC236}">
-                    <a16:creationId xmlns:a16="http://schemas.microsoft.com/office/drawing/2014/main" id="{CC308AE7-1E7E-3BEC-9B1E-385A0E1F2F7C}"/>
-                  </a:ext>
-                </a:extLst>
-              </p:cNvPr>
-              <p:cNvSpPr txBox="1"/>
-              <p:nvPr/>
-            </p:nvSpPr>
-            <p:spPr>
-              <a:xfrm>
-                <a:off x="23110240" y="23686455"/>
-                <a:ext cx="6507216" cy="435210"/>
-              </a:xfrm>
-              <a:prstGeom prst="rect">
-                <a:avLst/>
-              </a:prstGeom>
-              <a:ln w="12700">
-                <a:miter lim="400000"/>
-              </a:ln>
-              <a:extLst>
-                <a:ext uri="{C572A759-6A51-4108-AA02-DFA0A04FC94B}">
-                  <ma14:wrappingTextBoxFlag xmlns="" xmlns:m="http://schemas.openxmlformats.org/officeDocument/2006/math" xmlns:a14="http://schemas.microsoft.com/office/drawing/2010/main" xmlns:ma14="http://schemas.microsoft.com/office/mac/drawingml/2011/main" val="1"/>
-                </a:ext>
-              </a:extLst>
-            </p:spPr>
-            <p:txBody>
-              <a:bodyPr wrap="square" lIns="30480" rIns="30480">
-                <a:spAutoFit/>
-              </a:bodyPr>
-              <a:lstStyle>
-                <a:lvl1pPr algn="ctr">
-                  <a:defRPr sz="1300">
-                    <a:solidFill>
-                      <a:srgbClr val="344854"/>
-                    </a:solidFill>
-                    <a:latin typeface="Arial"/>
-                    <a:ea typeface="Arial"/>
-                    <a:cs typeface="Arial"/>
-                    <a:sym typeface="Arial"/>
-                  </a:defRPr>
-                </a:lvl1pPr>
-              </a:lstStyle>
-              <a:p>
-                <a:r>
-                  <a:rPr lang="en-GB" sz="1450" dirty="0"/>
-                  <a:t>Figure 5: Results for real-world data.</a:t>
-                </a:r>
-              </a:p>
-            </p:txBody>
-          </p:sp>
-        </p:grpSp>
-      </p:grpSp>
-      <p:sp>
-        <p:nvSpPr>
-          <p:cNvPr id="122" name="TextBox 56">
-            <a:extLst>
-              <a:ext uri="{FF2B5EF4-FFF2-40B4-BE49-F238E27FC236}">
-                <a16:creationId xmlns:a16="http://schemas.microsoft.com/office/drawing/2014/main" id="{388D244B-2604-E67C-9ABD-9E0557637305}"/>
-              </a:ext>
-            </a:extLst>
-          </p:cNvPr>
-          <p:cNvSpPr txBox="1"/>
-          <p:nvPr/>
-        </p:nvSpPr>
-        <p:spPr>
-          <a:xfrm>
-            <a:off x="16751926" y="24047589"/>
-            <a:ext cx="4716886" cy="538609"/>
-          </a:xfrm>
-          <a:prstGeom prst="rect">
-            <a:avLst/>
-          </a:prstGeom>
-          <a:ln w="12700">
-            <a:miter lim="400000"/>
-          </a:ln>
-          <a:extLst>
-            <a:ext uri="{C572A759-6A51-4108-AA02-DFA0A04FC94B}">
-              <ma14:wrappingTextBoxFlag xmlns="" xmlns:m="http://schemas.openxmlformats.org/officeDocument/2006/math" xmlns:a14="http://schemas.microsoft.com/office/drawing/2010/main" xmlns:ma14="http://schemas.microsoft.com/office/mac/drawingml/2011/main" val="1"/>
-            </a:ext>
-          </a:extLst>
-        </p:spPr>
-        <p:txBody>
-          <a:bodyPr wrap="square" lIns="30480" rIns="30480">
-            <a:spAutoFit/>
-          </a:bodyPr>
-          <a:lstStyle>
-            <a:lvl1pPr algn="ctr">
-              <a:defRPr sz="1300">
-                <a:solidFill>
-                  <a:srgbClr val="344854"/>
-                </a:solidFill>
-                <a:latin typeface="Arial"/>
-                <a:ea typeface="Arial"/>
-                <a:cs typeface="Arial"/>
-                <a:sym typeface="Arial"/>
-              </a:defRPr>
-            </a:lvl1pPr>
-          </a:lstStyle>
-          <a:p>
-            <a:r>
-              <a:rPr lang="en-GB" sz="1450" dirty="0"/>
-              <a:t>Figure 7: Results for real-world data using mitigation strategies.</a:t>
-            </a:r>
-          </a:p>
-        </p:txBody>
-      </p:sp>
-      <p:grpSp>
-        <p:nvGrpSpPr>
-          <p:cNvPr id="125" name="Group 124">
-            <a:extLst>
-              <a:ext uri="{FF2B5EF4-FFF2-40B4-BE49-F238E27FC236}">
-                <a16:creationId xmlns:a16="http://schemas.microsoft.com/office/drawing/2014/main" id="{F5A01D60-441B-59E1-0A3A-A0E29DB4CD9F}"/>
-              </a:ext>
-            </a:extLst>
-          </p:cNvPr>
-          <p:cNvGrpSpPr/>
-          <p:nvPr/>
-        </p:nvGrpSpPr>
-        <p:grpSpPr>
-          <a:xfrm>
-            <a:off x="11641368" y="25971823"/>
-            <a:ext cx="9931089" cy="2158346"/>
-            <a:chOff x="16059934" y="34525095"/>
-            <a:chExt cx="13700506" cy="2977562"/>
-          </a:xfrm>
-        </p:grpSpPr>
-        <p:sp>
-          <p:nvSpPr>
-            <p:cNvPr id="123" name="TextBox 43">
-              <a:extLst>
-                <a:ext uri="{FF2B5EF4-FFF2-40B4-BE49-F238E27FC236}">
-                  <a16:creationId xmlns:a16="http://schemas.microsoft.com/office/drawing/2014/main" id="{FBCF131E-5B54-E87C-1D5C-71F7D6F044EE}"/>
-                </a:ext>
-              </a:extLst>
-            </p:cNvPr>
-            <p:cNvSpPr txBox="1"/>
-            <p:nvPr/>
-          </p:nvSpPr>
-          <p:spPr>
-            <a:xfrm>
-              <a:off x="16059934" y="34525095"/>
-              <a:ext cx="13700506" cy="743042"/>
-            </a:xfrm>
-            <a:prstGeom prst="rect">
-              <a:avLst/>
-            </a:prstGeom>
-            <a:ln w="12700">
-              <a:miter lim="400000"/>
-            </a:ln>
-            <a:extLst>
-              <a:ext uri="{C572A759-6A51-4108-AA02-DFA0A04FC94B}">
-                <ma14:wrappingTextBoxFlag xmlns="" xmlns:m="http://schemas.openxmlformats.org/officeDocument/2006/math" xmlns:a14="http://schemas.microsoft.com/office/drawing/2010/main" xmlns:ma14="http://schemas.microsoft.com/office/mac/drawingml/2011/main" val="1"/>
-              </a:ext>
-            </a:extLst>
-          </p:spPr>
-          <p:txBody>
-            <a:bodyPr lIns="30480" rIns="30480">
-              <a:spAutoFit/>
-            </a:bodyPr>
-            <a:lstStyle>
-              <a:lvl1pPr>
-                <a:defRPr sz="3400">
-                  <a:latin typeface="Arial"/>
-                  <a:ea typeface="Arial"/>
-                  <a:cs typeface="Arial"/>
-                  <a:sym typeface="Arial"/>
-                </a:defRPr>
-              </a:lvl1pPr>
-            </a:lstStyle>
-            <a:p>
-              <a:r>
-                <a:rPr lang="en-US" sz="2900" dirty="0"/>
-                <a:t>LIMITATIONS &amp; FUTURE WORK</a:t>
-              </a:r>
-              <a:endParaRPr sz="2900" dirty="0"/>
-            </a:p>
-          </p:txBody>
-        </p:sp>
-        <p:sp>
-          <p:nvSpPr>
-            <p:cNvPr id="124" name="TextBox 47">
-              <a:extLst>
-                <a:ext uri="{FF2B5EF4-FFF2-40B4-BE49-F238E27FC236}">
-                  <a16:creationId xmlns:a16="http://schemas.microsoft.com/office/drawing/2014/main" id="{18CC20CD-CC3A-6235-641C-EE927F4DFF31}"/>
-                </a:ext>
-              </a:extLst>
-            </p:cNvPr>
-            <p:cNvSpPr txBox="1"/>
-            <p:nvPr/>
-          </p:nvSpPr>
-          <p:spPr>
-            <a:xfrm>
-              <a:off x="16059935" y="35354292"/>
-              <a:ext cx="13557520" cy="2148365"/>
-            </a:xfrm>
-            <a:prstGeom prst="rect">
-              <a:avLst/>
-            </a:prstGeom>
-            <a:ln w="12700">
-              <a:miter lim="400000"/>
-            </a:ln>
-            <a:extLst>
-              <a:ext uri="{C572A759-6A51-4108-AA02-DFA0A04FC94B}">
-                <ma14:wrappingTextBoxFlag xmlns="" xmlns:m="http://schemas.openxmlformats.org/officeDocument/2006/math" xmlns:a14="http://schemas.microsoft.com/office/drawing/2010/main" xmlns:ma14="http://schemas.microsoft.com/office/mac/drawingml/2011/main" val="1"/>
-              </a:ext>
-            </a:extLst>
-          </p:spPr>
-          <p:txBody>
-            <a:bodyPr lIns="30480" rIns="30480">
-              <a:spAutoFit/>
-            </a:bodyPr>
-            <a:lstStyle>
-              <a:lvl1pPr>
-                <a:lnSpc>
-                  <a:spcPct val="120000"/>
-                </a:lnSpc>
-                <a:defRPr sz="2100">
-                  <a:solidFill>
-                    <a:srgbClr val="344854"/>
-                  </a:solidFill>
-                  <a:latin typeface="Arial"/>
-                  <a:ea typeface="Arial"/>
-                  <a:cs typeface="Arial"/>
-                  <a:sym typeface="Arial"/>
-                </a:defRPr>
-              </a:lvl1pPr>
-            </a:lstStyle>
-            <a:p>
-              <a:pPr marL="331424" indent="-331424">
-                <a:buFont typeface=".Apple Color Emoji UI"/>
-                <a:buChar char="🎯"/>
-              </a:pPr>
-              <a:r>
-                <a:rPr lang="en-US" sz="2030" dirty="0"/>
-                <a:t>Ad-hoc solution to tradeoff between private vs. external costs.</a:t>
-              </a:r>
-            </a:p>
-            <a:p>
-              <a:pPr marL="331424" indent="-331424">
-                <a:buFont typeface=".Apple Color Emoji UI"/>
-                <a:buChar char="🎯"/>
-              </a:pPr>
-              <a:r>
-                <a:rPr lang="en-US" sz="2030" dirty="0"/>
-                <a:t>Experimental design is a vast over-simplification of potential real-world scenarios.</a:t>
-              </a:r>
-            </a:p>
-            <a:p>
-              <a:pPr marL="331424" indent="-331424">
-                <a:buFont typeface=".Apple Color Emoji UI"/>
-                <a:buChar char="🎯"/>
-              </a:pPr>
-              <a:r>
-                <a:rPr lang="en-US" sz="2030" dirty="0"/>
-                <a:t>We have omitted recourse generators that incorporate causal knowledge.</a:t>
-              </a:r>
-            </a:p>
-            <a:p>
-              <a:pPr marL="331424" indent="-331424">
-                <a:buFont typeface=".Apple Color Emoji UI"/>
-                <a:buChar char="🎯"/>
-              </a:pPr>
-              <a:r>
-                <a:rPr lang="en-US" sz="2030" dirty="0"/>
-                <a:t>Analysis limited to differentiable linear and non-linear classifiers, no trees. </a:t>
-              </a:r>
-            </a:p>
-          </p:txBody>
-        </p:sp>
-      </p:grpSp>
       <p:sp>
         <p:nvSpPr>
           <p:cNvPr id="126" name="TextBox 43">
@@ -4159,8 +2412,8 @@
         </p:nvSpPr>
         <p:spPr>
           <a:xfrm>
-            <a:off x="11641368" y="28356285"/>
-            <a:ext cx="9931089" cy="538609"/>
+            <a:off x="737798" y="32341737"/>
+            <a:ext cx="11034543" cy="588174"/>
           </a:xfrm>
           <a:prstGeom prst="rect">
             <a:avLst/>
@@ -4170,12 +2423,12 @@
           </a:ln>
           <a:extLst>
             <a:ext uri="{C572A759-6A51-4108-AA02-DFA0A04FC94B}">
-              <ma14:wrappingTextBoxFlag xmlns="" xmlns:m="http://schemas.openxmlformats.org/officeDocument/2006/math" xmlns:a14="http://schemas.microsoft.com/office/drawing/2010/main" xmlns:ma14="http://schemas.microsoft.com/office/mac/drawingml/2011/main" val="1"/>
+              <ma14:wrappingTextBoxFlag xmlns:ma14="http://schemas.microsoft.com/office/mac/drawingml/2011/main" xmlns:a14="http://schemas.microsoft.com/office/drawing/2010/main" xmlns:m="http://schemas.openxmlformats.org/officeDocument/2006/math" xmlns="" val="1"/>
             </a:ext>
           </a:extLst>
         </p:spPr>
         <p:txBody>
-          <a:bodyPr lIns="30480" rIns="30480">
+          <a:bodyPr lIns="33867" rIns="33867">
             <a:spAutoFit/>
           </a:bodyPr>
           <a:lstStyle>
@@ -4190,10 +2443,10 @@
           </a:lstStyle>
           <a:p>
             <a:r>
-              <a:rPr lang="en-US" sz="2900" dirty="0"/>
+              <a:rPr lang="en-US" sz="3222" dirty="0"/>
               <a:t>RESOURCES</a:t>
             </a:r>
-            <a:endParaRPr sz="2900" dirty="0"/>
+            <a:endParaRPr sz="3222" dirty="0"/>
           </a:p>
         </p:txBody>
       </p:sp>
@@ -4211,8 +2464,8 @@
         </p:nvGrpSpPr>
         <p:grpSpPr>
           <a:xfrm>
-            <a:off x="13009658" y="28952141"/>
-            <a:ext cx="6697193" cy="1577451"/>
+            <a:off x="2258120" y="33003800"/>
+            <a:ext cx="7441326" cy="1752723"/>
             <a:chOff x="16979538" y="38732921"/>
             <a:chExt cx="11747773" cy="2767060"/>
           </a:xfrm>
@@ -4232,7 +2485,7 @@
             <p:nvPr/>
           </p:nvPicPr>
           <p:blipFill>
-            <a:blip r:embed="rId14">
+            <a:blip r:embed="rId8">
               <a:extLst>
                 <a:ext uri="{28A0092B-C50C-407E-A947-70E740481C1C}">
                   <a14:useLocalDpi xmlns:a14="http://schemas.microsoft.com/office/drawing/2010/main" val="0"/>
@@ -4267,7 +2520,7 @@
             <p:nvPr/>
           </p:nvPicPr>
           <p:blipFill>
-            <a:blip r:embed="rId15">
+            <a:blip r:embed="rId9">
               <a:extLst>
                 <a:ext uri="{28A0092B-C50C-407E-A947-70E740481C1C}">
                   <a14:useLocalDpi xmlns:a14="http://schemas.microsoft.com/office/drawing/2010/main" val="0"/>
@@ -4290,7 +2543,7 @@
         <p:pic>
           <p:nvPicPr>
             <p:cNvPr id="1041" name="Picture 1040">
-              <a:hlinkClick r:id="rId16"/>
+              <a:hlinkClick r:id="rId10"/>
               <a:extLst>
                 <a:ext uri="{FF2B5EF4-FFF2-40B4-BE49-F238E27FC236}">
                   <a16:creationId xmlns:a16="http://schemas.microsoft.com/office/drawing/2014/main" id="{445191B8-6752-D16E-34FB-5FEA53A59BBB}"/>
@@ -4303,7 +2556,7 @@
             <p:nvPr/>
           </p:nvPicPr>
           <p:blipFill>
-            <a:blip r:embed="rId17">
+            <a:blip r:embed="rId11">
               <a:extLst>
                 <a:ext uri="{28A0092B-C50C-407E-A947-70E740481C1C}">
                   <a14:useLocalDpi xmlns:a14="http://schemas.microsoft.com/office/drawing/2010/main" val="0"/>
@@ -4326,7 +2579,7 @@
         <p:pic>
           <p:nvPicPr>
             <p:cNvPr id="1042" name="Picture 1041" descr="Qr code&#10;&#10;Description automatically generated">
-              <a:hlinkClick r:id="rId16"/>
+              <a:hlinkClick r:id="rId10"/>
               <a:extLst>
                 <a:ext uri="{FF2B5EF4-FFF2-40B4-BE49-F238E27FC236}">
                   <a16:creationId xmlns:a16="http://schemas.microsoft.com/office/drawing/2014/main" id="{C33A7FC4-F6FE-46BF-CF5B-C93AC4CB9AF5}"/>
@@ -4339,7 +2592,7 @@
             <p:nvPr/>
           </p:nvPicPr>
           <p:blipFill>
-            <a:blip r:embed="rId18">
+            <a:blip r:embed="rId12">
               <a:extLst>
                 <a:ext uri="{28A0092B-C50C-407E-A947-70E740481C1C}">
                   <a14:useLocalDpi xmlns:a14="http://schemas.microsoft.com/office/drawing/2010/main" val="0"/>
@@ -4375,8 +2628,8 @@
         </p:nvSpPr>
         <p:spPr>
           <a:xfrm>
-            <a:off x="524108" y="25953014"/>
-            <a:ext cx="9931089" cy="538609"/>
+            <a:off x="737798" y="25275359"/>
+            <a:ext cx="11034543" cy="588174"/>
           </a:xfrm>
           <a:prstGeom prst="rect">
             <a:avLst/>
@@ -4386,12 +2639,12 @@
           </a:ln>
           <a:extLst>
             <a:ext uri="{C572A759-6A51-4108-AA02-DFA0A04FC94B}">
-              <ma14:wrappingTextBoxFlag xmlns="" xmlns:m="http://schemas.openxmlformats.org/officeDocument/2006/math" xmlns:a14="http://schemas.microsoft.com/office/drawing/2010/main" xmlns:ma14="http://schemas.microsoft.com/office/mac/drawingml/2011/main" val="1"/>
+              <ma14:wrappingTextBoxFlag xmlns:ma14="http://schemas.microsoft.com/office/mac/drawingml/2011/main" xmlns:a14="http://schemas.microsoft.com/office/drawing/2010/main" xmlns:m="http://schemas.openxmlformats.org/officeDocument/2006/math" xmlns="" val="1"/>
             </a:ext>
           </a:extLst>
         </p:spPr>
         <p:txBody>
-          <a:bodyPr lIns="30480" rIns="30480">
+          <a:bodyPr lIns="33867" rIns="33867">
             <a:spAutoFit/>
           </a:bodyPr>
           <a:lstStyle>
@@ -4406,10 +2659,10 @@
           </a:lstStyle>
           <a:p>
             <a:r>
-              <a:rPr lang="en-US" sz="2900" dirty="0"/>
-              <a:t>TOWARDS COLLECTIVE RECOURSE</a:t>
+              <a:rPr lang="en-US" sz="3222" dirty="0" err="1"/>
+              <a:t>ECCCo</a:t>
             </a:r>
-            <a:endParaRPr sz="2900" dirty="0"/>
+            <a:endParaRPr sz="3222" dirty="0"/>
           </a:p>
         </p:txBody>
       </p:sp>
@@ -4428,7 +2681,7 @@
           <p:nvPr/>
         </p:nvPicPr>
         <p:blipFill>
-          <a:blip r:embed="rId19">
+          <a:blip r:embed="rId13">
             <a:extLst>
               <a:ext uri="{28A0092B-C50C-407E-A947-70E740481C1C}">
                 <a14:useLocalDpi xmlns:a14="http://schemas.microsoft.com/office/drawing/2010/main" val="0"/>
@@ -4440,8 +2693,8 @@
         </p:blipFill>
         <p:spPr bwMode="auto">
           <a:xfrm>
-            <a:off x="2196844" y="28355941"/>
-            <a:ext cx="6481971" cy="1728526"/>
+            <a:off x="681793" y="27901096"/>
+            <a:ext cx="11146551" cy="2786637"/>
           </a:xfrm>
           <a:prstGeom prst="rect">
             <a:avLst/>
@@ -4472,8 +2725,8 @@
         </p:nvSpPr>
         <p:spPr>
           <a:xfrm>
-            <a:off x="524108" y="26466140"/>
-            <a:ext cx="9827443" cy="432747"/>
+            <a:off x="737798" y="25845500"/>
+            <a:ext cx="10919381" cy="470642"/>
           </a:xfrm>
           <a:prstGeom prst="rect">
             <a:avLst/>
@@ -4483,12 +2736,12 @@
           </a:ln>
           <a:extLst>
             <a:ext uri="{C572A759-6A51-4108-AA02-DFA0A04FC94B}">
-              <ma14:wrappingTextBoxFlag xmlns="" xmlns:m="http://schemas.openxmlformats.org/officeDocument/2006/math" xmlns:a14="http://schemas.microsoft.com/office/drawing/2010/main" xmlns:ma14="http://schemas.microsoft.com/office/mac/drawingml/2011/main" val="1"/>
+              <ma14:wrappingTextBoxFlag xmlns:ma14="http://schemas.microsoft.com/office/mac/drawingml/2011/main" xmlns:a14="http://schemas.microsoft.com/office/drawing/2010/main" xmlns:m="http://schemas.openxmlformats.org/officeDocument/2006/math" xmlns="" val="1"/>
             </a:ext>
           </a:extLst>
         </p:spPr>
         <p:txBody>
-          <a:bodyPr lIns="30480" rIns="30480">
+          <a:bodyPr lIns="33867" rIns="33867">
             <a:spAutoFit/>
           </a:bodyPr>
           <a:lstStyle>
@@ -4509,19 +2762,19 @@
           </a:lstStyle>
           <a:p>
             <a:r>
-              <a:rPr lang="en-US" sz="2030" dirty="0"/>
+              <a:rPr lang="en-US" sz="2256" dirty="0"/>
               <a:t>By introducing a second penalty term, we can explicitly penalize external costs:</a:t>
             </a:r>
-            <a:endParaRPr lang="en-GB" sz="1829" dirty="0"/>
+            <a:endParaRPr lang="en-GB" sz="2032" dirty="0"/>
           </a:p>
         </p:txBody>
       </p:sp>
       <p:sp>
         <p:nvSpPr>
-          <p:cNvPr id="1048" name="TextBox 56">
+          <p:cNvPr id="31" name="TextBox 43">
             <a:extLst>
               <a:ext uri="{FF2B5EF4-FFF2-40B4-BE49-F238E27FC236}">
-                <a16:creationId xmlns:a16="http://schemas.microsoft.com/office/drawing/2014/main" id="{51D43400-A646-15B1-1647-3C5A09631286}"/>
+                <a16:creationId xmlns:a16="http://schemas.microsoft.com/office/drawing/2014/main" id="{D0BA039F-4F04-26CD-4765-EC1B4F69CA6E}"/>
               </a:ext>
             </a:extLst>
           </p:cNvPr>
@@ -4530,8 +2783,8 @@
         </p:nvSpPr>
         <p:spPr>
           <a:xfrm>
-            <a:off x="707530" y="30052231"/>
-            <a:ext cx="8872537" cy="1208023"/>
+            <a:off x="737798" y="8604708"/>
+            <a:ext cx="11034543" cy="588174"/>
           </a:xfrm>
           <a:prstGeom prst="rect">
             <a:avLst/>
@@ -4541,20 +2794,17 @@
           </a:ln>
           <a:extLst>
             <a:ext uri="{C572A759-6A51-4108-AA02-DFA0A04FC94B}">
-              <ma14:wrappingTextBoxFlag xmlns="" xmlns:m="http://schemas.openxmlformats.org/officeDocument/2006/math" xmlns:a14="http://schemas.microsoft.com/office/drawing/2010/main" xmlns:ma14="http://schemas.microsoft.com/office/mac/drawingml/2011/main" val="1"/>
+              <ma14:wrappingTextBoxFlag xmlns:ma14="http://schemas.microsoft.com/office/mac/drawingml/2011/main" xmlns:a14="http://schemas.microsoft.com/office/drawing/2010/main" xmlns:m="http://schemas.openxmlformats.org/officeDocument/2006/math" xmlns="" val="1"/>
             </a:ext>
           </a:extLst>
         </p:spPr>
         <p:txBody>
-          <a:bodyPr wrap="square" lIns="30480" rIns="30480">
+          <a:bodyPr lIns="33867" rIns="33867">
             <a:spAutoFit/>
           </a:bodyPr>
           <a:lstStyle>
-            <a:lvl1pPr algn="ctr">
-              <a:defRPr sz="1300">
-                <a:solidFill>
-                  <a:srgbClr val="344854"/>
-                </a:solidFill>
+            <a:lvl1pPr>
+              <a:defRPr sz="3400">
                 <a:latin typeface="Arial"/>
                 <a:ea typeface="Arial"/>
                 <a:cs typeface="Arial"/>
@@ -4564,319 +2814,13 @@
           </a:lstStyle>
           <a:p>
             <a:r>
-              <a:rPr lang="en-GB" sz="1450" dirty="0"/>
-              <a:t>Figure 3: Mitigation strategies compared to the baseline approach, that is, Wachter (Generic) with </a:t>
+              <a:rPr lang="en-US" sz="3222" dirty="0"/>
+              <a:t>MOTIVATION</a:t>
             </a:r>
-            <a:r>
-              <a:rPr lang="el-GR" sz="1450" dirty="0"/>
-              <a:t>γ = 0.5</a:t>
-            </a:r>
-            <a:r>
-              <a:rPr lang="en-US" sz="1450" dirty="0"/>
-              <a:t>; choosing a higher decision threshold pushes the counterfactual a little further into the target domain; this effect is even stronger for </a:t>
-            </a:r>
-            <a:r>
-              <a:rPr lang="en-US" sz="1450" dirty="0" err="1"/>
-              <a:t>ClaPROAR</a:t>
-            </a:r>
-            <a:r>
-              <a:rPr lang="en-US" sz="1450" dirty="0"/>
-              <a:t>; finally, using the Gravitational generator the counterfactual ends up all the way inside the target domain. </a:t>
-            </a:r>
-          </a:p>
-          <a:p>
-            <a:r>
-              <a:rPr lang="el-GR" sz="1450" dirty="0"/>
-              <a:t> </a:t>
-            </a:r>
+            <a:endParaRPr sz="3222" dirty="0"/>
           </a:p>
         </p:txBody>
       </p:sp>
-      <p:grpSp>
-        <p:nvGrpSpPr>
-          <p:cNvPr id="18" name="Group 17">
-            <a:extLst>
-              <a:ext uri="{FF2B5EF4-FFF2-40B4-BE49-F238E27FC236}">
-                <a16:creationId xmlns:a16="http://schemas.microsoft.com/office/drawing/2014/main" id="{2C3A6CEA-2306-8092-2D46-08D7E1330944}"/>
-              </a:ext>
-            </a:extLst>
-          </p:cNvPr>
-          <p:cNvGrpSpPr/>
-          <p:nvPr/>
-        </p:nvGrpSpPr>
-        <p:grpSpPr>
-          <a:xfrm>
-            <a:off x="526858" y="7744237"/>
-            <a:ext cx="10619669" cy="9341134"/>
-            <a:chOff x="526858" y="8241108"/>
-            <a:chExt cx="10619669" cy="9341134"/>
-          </a:xfrm>
-        </p:grpSpPr>
-        <p:grpSp>
-          <p:nvGrpSpPr>
-            <p:cNvPr id="85" name="Group 84">
-              <a:extLst>
-                <a:ext uri="{FF2B5EF4-FFF2-40B4-BE49-F238E27FC236}">
-                  <a16:creationId xmlns:a16="http://schemas.microsoft.com/office/drawing/2014/main" id="{BC8E1FC8-EDA2-79F7-1263-2423BCF72217}"/>
-                </a:ext>
-              </a:extLst>
-            </p:cNvPr>
-            <p:cNvGrpSpPr/>
-            <p:nvPr/>
-          </p:nvGrpSpPr>
-          <p:grpSpPr>
-            <a:xfrm>
-              <a:off x="526858" y="8241108"/>
-              <a:ext cx="10619669" cy="5695399"/>
-              <a:chOff x="726831" y="10064552"/>
-              <a:chExt cx="14650442" cy="7857130"/>
-            </a:xfrm>
-          </p:grpSpPr>
-          <p:sp>
-            <p:nvSpPr>
-              <p:cNvPr id="71" name="TextBox 43">
-                <a:extLst>
-                  <a:ext uri="{FF2B5EF4-FFF2-40B4-BE49-F238E27FC236}">
-                    <a16:creationId xmlns:a16="http://schemas.microsoft.com/office/drawing/2014/main" id="{6E4C3A16-ABFD-7ABA-95E9-A39DE3994F34}"/>
-                  </a:ext>
-                </a:extLst>
-              </p:cNvPr>
-              <p:cNvSpPr txBox="1"/>
-              <p:nvPr/>
-            </p:nvSpPr>
-            <p:spPr>
-              <a:xfrm>
-                <a:off x="1676767" y="11050393"/>
-                <a:ext cx="13700506" cy="608676"/>
-              </a:xfrm>
-              <a:prstGeom prst="rect">
-                <a:avLst/>
-              </a:prstGeom>
-              <a:ln w="12700">
-                <a:miter lim="400000"/>
-              </a:ln>
-              <a:extLst>
-                <a:ext uri="{C572A759-6A51-4108-AA02-DFA0A04FC94B}">
-                  <ma14:wrappingTextBoxFlag xmlns="" xmlns:m="http://schemas.openxmlformats.org/officeDocument/2006/math" xmlns:a14="http://schemas.microsoft.com/office/drawing/2010/main" xmlns:ma14="http://schemas.microsoft.com/office/mac/drawingml/2011/main" val="1"/>
-                </a:ext>
-              </a:extLst>
-            </p:spPr>
-            <p:txBody>
-              <a:bodyPr lIns="30480" rIns="30480">
-                <a:spAutoFit/>
-              </a:bodyPr>
-              <a:lstStyle>
-                <a:lvl1pPr>
-                  <a:defRPr sz="3400">
-                    <a:latin typeface="Arial"/>
-                    <a:ea typeface="Arial"/>
-                    <a:cs typeface="Arial"/>
-                    <a:sym typeface="Arial"/>
-                  </a:defRPr>
-                </a:lvl1pPr>
-              </a:lstStyle>
-              <a:p>
-                <a:r>
-                  <a:rPr lang="en-US" sz="2267" dirty="0">
-                    <a:solidFill>
-                      <a:srgbClr val="4F6591"/>
-                    </a:solidFill>
-                  </a:rPr>
-                  <a:t>Example 1 (Consumer Credit)</a:t>
-                </a:r>
-                <a:endParaRPr sz="2267" dirty="0">
-                  <a:solidFill>
-                    <a:srgbClr val="4F6591"/>
-                  </a:solidFill>
-                </a:endParaRPr>
-              </a:p>
-            </p:txBody>
-          </p:sp>
-          <p:sp>
-            <p:nvSpPr>
-              <p:cNvPr id="31" name="TextBox 43">
-                <a:extLst>
-                  <a:ext uri="{FF2B5EF4-FFF2-40B4-BE49-F238E27FC236}">
-                    <a16:creationId xmlns:a16="http://schemas.microsoft.com/office/drawing/2014/main" id="{D0BA039F-4F04-26CD-4765-EC1B4F69CA6E}"/>
-                  </a:ext>
-                </a:extLst>
-              </p:cNvPr>
-              <p:cNvSpPr txBox="1"/>
-              <p:nvPr/>
-            </p:nvSpPr>
-            <p:spPr>
-              <a:xfrm>
-                <a:off x="726831" y="10064552"/>
-                <a:ext cx="13700506" cy="743042"/>
-              </a:xfrm>
-              <a:prstGeom prst="rect">
-                <a:avLst/>
-              </a:prstGeom>
-              <a:ln w="12700">
-                <a:miter lim="400000"/>
-              </a:ln>
-              <a:extLst>
-                <a:ext uri="{C572A759-6A51-4108-AA02-DFA0A04FC94B}">
-                  <ma14:wrappingTextBoxFlag xmlns="" xmlns:m="http://schemas.openxmlformats.org/officeDocument/2006/math" xmlns:a14="http://schemas.microsoft.com/office/drawing/2010/main" xmlns:ma14="http://schemas.microsoft.com/office/mac/drawingml/2011/main" val="1"/>
-                </a:ext>
-              </a:extLst>
-            </p:spPr>
-            <p:txBody>
-              <a:bodyPr lIns="30480" rIns="30480">
-                <a:spAutoFit/>
-              </a:bodyPr>
-              <a:lstStyle>
-                <a:lvl1pPr>
-                  <a:defRPr sz="3400">
-                    <a:latin typeface="Arial"/>
-                    <a:ea typeface="Arial"/>
-                    <a:cs typeface="Arial"/>
-                    <a:sym typeface="Arial"/>
-                  </a:defRPr>
-                </a:lvl1pPr>
-              </a:lstStyle>
-              <a:p>
-                <a:r>
-                  <a:rPr lang="en-US" sz="2900" dirty="0"/>
-                  <a:t>MOTIVATION</a:t>
-                </a:r>
-                <a:endParaRPr sz="2900" dirty="0"/>
-              </a:p>
-            </p:txBody>
-          </p:sp>
-          <p:sp>
-            <p:nvSpPr>
-              <p:cNvPr id="75" name="TextBox 43">
-                <a:extLst>
-                  <a:ext uri="{FF2B5EF4-FFF2-40B4-BE49-F238E27FC236}">
-                    <a16:creationId xmlns:a16="http://schemas.microsoft.com/office/drawing/2014/main" id="{9F35110C-6B56-8526-005F-5FA2FC94E8A1}"/>
-                  </a:ext>
-                </a:extLst>
-              </p:cNvPr>
-              <p:cNvSpPr txBox="1"/>
-              <p:nvPr/>
-            </p:nvSpPr>
-            <p:spPr>
-              <a:xfrm>
-                <a:off x="1676767" y="17313006"/>
-                <a:ext cx="13700506" cy="608676"/>
-              </a:xfrm>
-              <a:prstGeom prst="rect">
-                <a:avLst/>
-              </a:prstGeom>
-              <a:ln w="12700">
-                <a:miter lim="400000"/>
-              </a:ln>
-              <a:extLst>
-                <a:ext uri="{C572A759-6A51-4108-AA02-DFA0A04FC94B}">
-                  <ma14:wrappingTextBoxFlag xmlns="" xmlns:m="http://schemas.openxmlformats.org/officeDocument/2006/math" xmlns:a14="http://schemas.microsoft.com/office/drawing/2010/main" xmlns:ma14="http://schemas.microsoft.com/office/mac/drawingml/2011/main" val="1"/>
-                </a:ext>
-              </a:extLst>
-            </p:spPr>
-            <p:txBody>
-              <a:bodyPr lIns="30480" rIns="30480">
-                <a:spAutoFit/>
-              </a:bodyPr>
-              <a:lstStyle>
-                <a:lvl1pPr>
-                  <a:defRPr sz="3400">
-                    <a:latin typeface="Arial"/>
-                    <a:ea typeface="Arial"/>
-                    <a:cs typeface="Arial"/>
-                    <a:sym typeface="Arial"/>
-                  </a:defRPr>
-                </a:lvl1pPr>
-              </a:lstStyle>
-              <a:p>
-                <a:r>
-                  <a:rPr lang="en-US" sz="2267" dirty="0">
-                    <a:solidFill>
-                      <a:srgbClr val="4F6591"/>
-                    </a:solidFill>
-                  </a:rPr>
-                  <a:t>Example 2 (Student Admission)</a:t>
-                </a:r>
-                <a:endParaRPr sz="2267" dirty="0">
-                  <a:solidFill>
-                    <a:srgbClr val="4F6591"/>
-                  </a:solidFill>
-                </a:endParaRPr>
-              </a:p>
-            </p:txBody>
-          </p:sp>
-        </p:grpSp>
-        <p:pic>
-          <p:nvPicPr>
-            <p:cNvPr id="16" name="Picture 15" descr="A picture containing text, blackboard&#10;&#10;Description automatically generated">
-              <a:extLst>
-                <a:ext uri="{FF2B5EF4-FFF2-40B4-BE49-F238E27FC236}">
-                  <a16:creationId xmlns:a16="http://schemas.microsoft.com/office/drawing/2014/main" id="{A31E2D18-1464-BF1D-84CD-1DB5DC72C98A}"/>
-                </a:ext>
-              </a:extLst>
-            </p:cNvPr>
-            <p:cNvPicPr>
-              <a:picLocks noChangeAspect="1"/>
-            </p:cNvPicPr>
-            <p:nvPr/>
-          </p:nvPicPr>
-          <p:blipFill>
-            <a:blip r:embed="rId20">
-              <a:extLst>
-                <a:ext uri="{28A0092B-C50C-407E-A947-70E740481C1C}">
-                  <a14:useLocalDpi xmlns:a14="http://schemas.microsoft.com/office/drawing/2010/main" val="0"/>
-                </a:ext>
-              </a:extLst>
-            </a:blip>
-            <a:stretch>
-              <a:fillRect/>
-            </a:stretch>
-          </p:blipFill>
-          <p:spPr>
-            <a:xfrm>
-              <a:off x="1655472" y="9549645"/>
-              <a:ext cx="7924595" cy="3566068"/>
-            </a:xfrm>
-            <a:prstGeom prst="rect">
-              <a:avLst/>
-            </a:prstGeom>
-          </p:spPr>
-        </p:pic>
-        <p:pic>
-          <p:nvPicPr>
-            <p:cNvPr id="17" name="Picture 16">
-              <a:extLst>
-                <a:ext uri="{FF2B5EF4-FFF2-40B4-BE49-F238E27FC236}">
-                  <a16:creationId xmlns:a16="http://schemas.microsoft.com/office/drawing/2014/main" id="{D02FBB4A-0209-2F4C-FFC7-34CE44CB873A}"/>
-                </a:ext>
-              </a:extLst>
-            </p:cNvPr>
-            <p:cNvPicPr>
-              <a:picLocks noChangeAspect="1"/>
-            </p:cNvPicPr>
-            <p:nvPr/>
-          </p:nvPicPr>
-          <p:blipFill>
-            <a:blip r:embed="rId21">
-              <a:extLst>
-                <a:ext uri="{28A0092B-C50C-407E-A947-70E740481C1C}">
-                  <a14:useLocalDpi xmlns:a14="http://schemas.microsoft.com/office/drawing/2010/main" val="0"/>
-                </a:ext>
-              </a:extLst>
-            </a:blip>
-            <a:srcRect/>
-            <a:stretch/>
-          </p:blipFill>
-          <p:spPr>
-            <a:xfrm>
-              <a:off x="1655472" y="14043397"/>
-              <a:ext cx="7924595" cy="3538845"/>
-            </a:xfrm>
-            <a:prstGeom prst="rect">
-              <a:avLst/>
-            </a:prstGeom>
-          </p:spPr>
-        </p:pic>
-      </p:grpSp>
       <p:sp>
         <p:nvSpPr>
           <p:cNvPr id="11" name="AutoShape 8" descr="equation">
@@ -4893,8 +2837,8 @@
         </p:nvSpPr>
         <p:spPr bwMode="auto">
           <a:xfrm>
-            <a:off x="10861755" y="16348155"/>
-            <a:ext cx="220940" cy="220940"/>
+            <a:off x="12053309" y="15524116"/>
+            <a:ext cx="245489" cy="245489"/>
           </a:xfrm>
           <a:prstGeom prst="rect">
             <a:avLst/>
@@ -4911,14 +2855,14 @@
           </a:extLst>
         </p:spPr>
         <p:txBody>
-          <a:bodyPr vert="horz" wrap="square" lIns="66282" tIns="33141" rIns="66282" bIns="33141" numCol="1" anchor="t" anchorCtr="0" compatLnSpc="1">
+          <a:bodyPr vert="horz" wrap="square" lIns="73647" tIns="36823" rIns="73647" bIns="36823" numCol="1" anchor="t" anchorCtr="0" compatLnSpc="1">
             <a:prstTxWarp prst="textNoShape">
               <a:avLst/>
             </a:prstTxWarp>
           </a:bodyPr>
           <a:lstStyle/>
           <a:p>
-            <a:endParaRPr lang="en-NL" sz="870"/>
+            <a:endParaRPr lang="en-NL" sz="967"/>
           </a:p>
         </p:txBody>
       </p:sp>
@@ -4937,7 +2881,7 @@
           <p:nvPr/>
         </p:nvPicPr>
         <p:blipFill>
-          <a:blip r:embed="rId22">
+          <a:blip r:embed="rId14">
             <a:extLst>
               <a:ext uri="{28A0092B-C50C-407E-A947-70E740481C1C}">
                 <a14:useLocalDpi xmlns:a14="http://schemas.microsoft.com/office/drawing/2010/main" val="0"/>
@@ -4951,8 +2895,8 @@
         </p:blipFill>
         <p:spPr bwMode="auto">
           <a:xfrm>
-            <a:off x="2873280" y="27092340"/>
-            <a:ext cx="4636793" cy="884018"/>
+            <a:off x="3347989" y="26541277"/>
+            <a:ext cx="5151992" cy="982242"/>
           </a:xfrm>
           <a:prstGeom prst="rect">
             <a:avLst/>
@@ -4983,8 +2927,8 @@
         </p:nvSpPr>
         <p:spPr>
           <a:xfrm>
-            <a:off x="13026135" y="30525689"/>
-            <a:ext cx="1494039" cy="538609"/>
+            <a:off x="2220300" y="34781968"/>
+            <a:ext cx="1660043" cy="588110"/>
           </a:xfrm>
           <a:prstGeom prst="rect">
             <a:avLst/>
@@ -4994,12 +2938,12 @@
           </a:ln>
           <a:extLst>
             <a:ext uri="{C572A759-6A51-4108-AA02-DFA0A04FC94B}">
-              <ma14:wrappingTextBoxFlag xmlns="" xmlns:m="http://schemas.openxmlformats.org/officeDocument/2006/math" xmlns:a14="http://schemas.microsoft.com/office/drawing/2010/main" xmlns:ma14="http://schemas.microsoft.com/office/mac/drawingml/2011/main" val="1"/>
+              <ma14:wrappingTextBoxFlag xmlns:ma14="http://schemas.microsoft.com/office/mac/drawingml/2011/main" xmlns:a14="http://schemas.microsoft.com/office/drawing/2010/main" xmlns:m="http://schemas.openxmlformats.org/officeDocument/2006/math" xmlns="" val="1"/>
             </a:ext>
           </a:extLst>
         </p:spPr>
         <p:txBody>
-          <a:bodyPr wrap="square" lIns="30480" rIns="30480">
+          <a:bodyPr wrap="square" lIns="33867" rIns="33867">
             <a:spAutoFit/>
           </a:bodyPr>
           <a:lstStyle>
@@ -5017,10 +2961,10 @@
           </a:lstStyle>
           <a:p>
             <a:r>
-              <a:rPr lang="en-GB" sz="1450" dirty="0"/>
+              <a:rPr lang="en-GB" sz="1611" dirty="0"/>
               <a:t>Online Companion</a:t>
             </a:r>
-            <a:endParaRPr lang="el-GR" sz="1450" dirty="0"/>
+            <a:endParaRPr lang="el-GR" sz="1611" dirty="0"/>
           </a:p>
         </p:txBody>
       </p:sp>
@@ -5038,8 +2982,8 @@
         </p:nvSpPr>
         <p:spPr>
           <a:xfrm>
-            <a:off x="14738549" y="30504611"/>
-            <a:ext cx="1494039" cy="538609"/>
+            <a:off x="4122982" y="34758548"/>
+            <a:ext cx="1660043" cy="588110"/>
           </a:xfrm>
           <a:prstGeom prst="rect">
             <a:avLst/>
@@ -5049,12 +2993,12 @@
           </a:ln>
           <a:extLst>
             <a:ext uri="{C572A759-6A51-4108-AA02-DFA0A04FC94B}">
-              <ma14:wrappingTextBoxFlag xmlns="" xmlns:m="http://schemas.openxmlformats.org/officeDocument/2006/math" xmlns:a14="http://schemas.microsoft.com/office/drawing/2010/main" xmlns:ma14="http://schemas.microsoft.com/office/mac/drawingml/2011/main" val="1"/>
+              <ma14:wrappingTextBoxFlag xmlns:ma14="http://schemas.microsoft.com/office/mac/drawingml/2011/main" xmlns:a14="http://schemas.microsoft.com/office/drawing/2010/main" xmlns:m="http://schemas.openxmlformats.org/officeDocument/2006/math" xmlns="" val="1"/>
             </a:ext>
           </a:extLst>
         </p:spPr>
         <p:txBody>
-          <a:bodyPr wrap="square" lIns="30480" rIns="30480">
+          <a:bodyPr wrap="square" lIns="33867" rIns="33867">
             <a:spAutoFit/>
           </a:bodyPr>
           <a:lstStyle>
@@ -5072,10 +3016,10 @@
           </a:lstStyle>
           <a:p>
             <a:r>
-              <a:rPr lang="en-GB" sz="1450" dirty="0"/>
+              <a:rPr lang="en-GB" sz="1611" dirty="0"/>
               <a:t>GitHub Repository</a:t>
             </a:r>
-            <a:endParaRPr lang="el-GR" sz="1450" dirty="0"/>
+            <a:endParaRPr lang="el-GR" sz="1611" dirty="0"/>
           </a:p>
         </p:txBody>
       </p:sp>
@@ -5093,8 +3037,8 @@
         </p:nvSpPr>
         <p:spPr>
           <a:xfrm>
-            <a:off x="16483921" y="30498431"/>
-            <a:ext cx="1494039" cy="315471"/>
+            <a:off x="6062285" y="34751682"/>
+            <a:ext cx="1660043" cy="340221"/>
           </a:xfrm>
           <a:prstGeom prst="rect">
             <a:avLst/>
@@ -5104,12 +3048,12 @@
           </a:ln>
           <a:extLst>
             <a:ext uri="{C572A759-6A51-4108-AA02-DFA0A04FC94B}">
-              <ma14:wrappingTextBoxFlag xmlns="" xmlns:m="http://schemas.openxmlformats.org/officeDocument/2006/math" xmlns:a14="http://schemas.microsoft.com/office/drawing/2010/main" xmlns:ma14="http://schemas.microsoft.com/office/mac/drawingml/2011/main" val="1"/>
+              <ma14:wrappingTextBoxFlag xmlns:ma14="http://schemas.microsoft.com/office/mac/drawingml/2011/main" xmlns:a14="http://schemas.microsoft.com/office/drawing/2010/main" xmlns:m="http://schemas.openxmlformats.org/officeDocument/2006/math" xmlns="" val="1"/>
             </a:ext>
           </a:extLst>
         </p:spPr>
         <p:txBody>
-          <a:bodyPr wrap="square" lIns="30480" rIns="30480">
+          <a:bodyPr wrap="square" lIns="33867" rIns="33867">
             <a:spAutoFit/>
           </a:bodyPr>
           <a:lstStyle>
@@ -5127,10 +3071,10 @@
           </a:lstStyle>
           <a:p>
             <a:r>
-              <a:rPr lang="en-GB" sz="1450" dirty="0"/>
+              <a:rPr lang="en-GB" sz="1611" dirty="0"/>
               <a:t>Julia Package</a:t>
             </a:r>
-            <a:endParaRPr lang="el-GR" sz="1450" dirty="0"/>
+            <a:endParaRPr lang="el-GR" sz="1611" dirty="0"/>
           </a:p>
         </p:txBody>
       </p:sp>
@@ -5148,8 +3092,8 @@
         </p:nvSpPr>
         <p:spPr>
           <a:xfrm>
-            <a:off x="18196335" y="30525689"/>
-            <a:ext cx="1494039" cy="538609"/>
+            <a:off x="7964967" y="34781968"/>
+            <a:ext cx="1660043" cy="588110"/>
           </a:xfrm>
           <a:prstGeom prst="rect">
             <a:avLst/>
@@ -5159,12 +3103,12 @@
           </a:ln>
           <a:extLst>
             <a:ext uri="{C572A759-6A51-4108-AA02-DFA0A04FC94B}">
-              <ma14:wrappingTextBoxFlag xmlns="" xmlns:m="http://schemas.openxmlformats.org/officeDocument/2006/math" xmlns:a14="http://schemas.microsoft.com/office/drawing/2010/main" xmlns:ma14="http://schemas.microsoft.com/office/mac/drawingml/2011/main" val="1"/>
+              <ma14:wrappingTextBoxFlag xmlns:ma14="http://schemas.microsoft.com/office/mac/drawingml/2011/main" xmlns:a14="http://schemas.microsoft.com/office/drawing/2010/main" xmlns:m="http://schemas.openxmlformats.org/officeDocument/2006/math" xmlns="" val="1"/>
             </a:ext>
           </a:extLst>
         </p:spPr>
         <p:txBody>
-          <a:bodyPr wrap="square" lIns="30480" rIns="30480">
+          <a:bodyPr wrap="square" lIns="33867" rIns="33867">
             <a:spAutoFit/>
           </a:bodyPr>
           <a:lstStyle>
@@ -5182,19 +3126,55 @@
           </a:lstStyle>
           <a:p>
             <a:r>
-              <a:rPr lang="en-GB" sz="1450" dirty="0"/>
+              <a:rPr lang="en-GB" sz="1611" dirty="0"/>
               <a:t>Personal Website</a:t>
             </a:r>
-            <a:endParaRPr lang="el-GR" sz="1450" dirty="0"/>
+            <a:endParaRPr lang="el-GR" sz="1611" dirty="0"/>
           </a:p>
         </p:txBody>
       </p:sp>
+      <p:pic>
+        <p:nvPicPr>
+          <p:cNvPr id="36" name="Picture 35" descr="Logo of Taija: https://github.com/JuliaTrustworthyAI">
+            <a:extLst>
+              <a:ext uri="{FF2B5EF4-FFF2-40B4-BE49-F238E27FC236}">
+                <a16:creationId xmlns:a16="http://schemas.microsoft.com/office/drawing/2014/main" id="{4AEAF7A8-705F-866E-CBDC-A4012224D146}"/>
+              </a:ext>
+            </a:extLst>
+          </p:cNvPr>
+          <p:cNvPicPr>
+            <a:picLocks noChangeAspect="1"/>
+          </p:cNvPicPr>
+          <p:nvPr/>
+        </p:nvPicPr>
+        <p:blipFill>
+          <a:blip r:embed="rId15">
+            <a:extLst>
+              <a:ext uri="{28A0092B-C50C-407E-A947-70E740481C1C}">
+                <a14:useLocalDpi xmlns:a14="http://schemas.microsoft.com/office/drawing/2010/main" val="0"/>
+              </a:ext>
+            </a:extLst>
+          </a:blip>
+          <a:stretch>
+            <a:fillRect/>
+          </a:stretch>
+        </p:blipFill>
+        <p:spPr>
+          <a:xfrm>
+            <a:off x="17387287" y="680843"/>
+            <a:ext cx="3407407" cy="1344145"/>
+          </a:xfrm>
+          <a:prstGeom prst="rect">
+            <a:avLst/>
+          </a:prstGeom>
+        </p:spPr>
+      </p:pic>
       <p:grpSp>
         <p:nvGrpSpPr>
-          <p:cNvPr id="28" name="Group 27">
+          <p:cNvPr id="45" name="Group 44">
             <a:extLst>
               <a:ext uri="{FF2B5EF4-FFF2-40B4-BE49-F238E27FC236}">
-                <a16:creationId xmlns:a16="http://schemas.microsoft.com/office/drawing/2014/main" id="{B3D9E4E9-8B23-FDF0-1D48-4729E188CDB8}"/>
+                <a16:creationId xmlns:a16="http://schemas.microsoft.com/office/drawing/2014/main" id="{6476B4C8-28E7-B4A3-7C44-A820447581E6}"/>
               </a:ext>
             </a:extLst>
           </p:cNvPr>
@@ -5203,18 +3183,462 @@
         </p:nvGrpSpPr>
         <p:grpSpPr>
           <a:xfrm>
-            <a:off x="11641368" y="20706675"/>
-            <a:ext cx="9931089" cy="4933425"/>
-            <a:chOff x="11641368" y="20472415"/>
-            <a:chExt cx="9931089" cy="4933425"/>
+            <a:off x="9842620" y="2710348"/>
+            <a:ext cx="13874736" cy="5459481"/>
+            <a:chOff x="9842620" y="2710348"/>
+            <a:chExt cx="13874736" cy="5459481"/>
           </a:xfrm>
         </p:grpSpPr>
+        <p:pic>
+          <p:nvPicPr>
+            <p:cNvPr id="37" name="Picture 36">
+              <a:extLst>
+                <a:ext uri="{FF2B5EF4-FFF2-40B4-BE49-F238E27FC236}">
+                  <a16:creationId xmlns:a16="http://schemas.microsoft.com/office/drawing/2014/main" id="{A6FE03F0-52A7-4ADB-35B8-763925D67015}"/>
+                </a:ext>
+              </a:extLst>
+            </p:cNvPr>
+            <p:cNvPicPr>
+              <a:picLocks noChangeAspect="1"/>
+            </p:cNvPicPr>
+            <p:nvPr/>
+          </p:nvPicPr>
+          <p:blipFill>
+            <a:blip r:embed="rId16"/>
+            <a:stretch>
+              <a:fillRect/>
+            </a:stretch>
+          </p:blipFill>
+          <p:spPr>
+            <a:xfrm>
+              <a:off x="9842620" y="2710348"/>
+              <a:ext cx="13874736" cy="5459481"/>
+            </a:xfrm>
+            <a:prstGeom prst="rect">
+              <a:avLst/>
+            </a:prstGeom>
+            <a:noFill/>
+          </p:spPr>
+        </p:pic>
+        <p:sp>
+          <p:nvSpPr>
+            <p:cNvPr id="43" name="TextBox 35">
+              <a:extLst>
+                <a:ext uri="{FF2B5EF4-FFF2-40B4-BE49-F238E27FC236}">
+                  <a16:creationId xmlns:a16="http://schemas.microsoft.com/office/drawing/2014/main" id="{9E06FBDD-7F97-1B4D-7285-CD16078C488D}"/>
+                </a:ext>
+              </a:extLst>
+            </p:cNvPr>
+            <p:cNvSpPr txBox="1"/>
+            <p:nvPr/>
+          </p:nvSpPr>
+          <p:spPr>
+            <a:xfrm>
+              <a:off x="17681576" y="5497475"/>
+              <a:ext cx="6035780" cy="2308324"/>
+            </a:xfrm>
+            <a:prstGeom prst="rect">
+              <a:avLst/>
+            </a:prstGeom>
+            <a:ln w="12700">
+              <a:miter lim="400000"/>
+            </a:ln>
+            <a:extLst>
+              <a:ext uri="{C572A759-6A51-4108-AA02-DFA0A04FC94B}">
+                <ma14:wrappingTextBoxFlag xmlns:ma14="http://schemas.microsoft.com/office/mac/drawingml/2011/main" xmlns:a14="http://schemas.microsoft.com/office/drawing/2010/main" xmlns:m="http://schemas.openxmlformats.org/officeDocument/2006/math" xmlns="" val="1"/>
+              </a:ext>
+            </a:extLst>
+          </p:spPr>
+          <p:txBody>
+            <a:bodyPr wrap="square" lIns="33867" rIns="33867">
+              <a:spAutoFit/>
+            </a:bodyPr>
+            <a:lstStyle>
+              <a:lvl1pPr>
+                <a:defRPr sz="5500">
+                  <a:latin typeface="Arial"/>
+                  <a:ea typeface="Arial"/>
+                  <a:cs typeface="Arial"/>
+                  <a:sym typeface="Arial"/>
+                </a:defRPr>
+              </a:lvl1pPr>
+            </a:lstStyle>
+            <a:p>
+              <a:r>
+                <a:rPr lang="en-GB" sz="7200" dirty="0" err="1">
+                  <a:latin typeface="STCaiyun" panose="020B0400000000000000" pitchFamily="34" charset="-122"/>
+                  <a:ea typeface="STCaiyun" panose="020B0400000000000000" pitchFamily="34" charset="-122"/>
+                  <a:cs typeface="Dreaming Outloud Pro" panose="020F0502020204030204" pitchFamily="34" charset="0"/>
+                </a:rPr>
+                <a:t>ECCCos</a:t>
+              </a:r>
+              <a:r>
+                <a:rPr lang="en-GB" sz="7200" dirty="0">
+                  <a:latin typeface="STCaiyun" panose="020B0400000000000000" pitchFamily="34" charset="-122"/>
+                  <a:ea typeface="STCaiyun" panose="020B0400000000000000" pitchFamily="34" charset="-122"/>
+                  <a:cs typeface="Dreaming Outloud Pro" panose="020F0502020204030204" pitchFamily="34" charset="0"/>
+                </a:rPr>
+                <a:t> from the Black Box</a:t>
+              </a:r>
+            </a:p>
+          </p:txBody>
+        </p:sp>
+      </p:grpSp>
+      <p:sp>
+        <p:nvSpPr>
+          <p:cNvPr id="48" name="TextBox 53">
+            <a:extLst>
+              <a:ext uri="{FF2B5EF4-FFF2-40B4-BE49-F238E27FC236}">
+                <a16:creationId xmlns:a16="http://schemas.microsoft.com/office/drawing/2014/main" id="{7A42A874-ADD1-2488-2AE7-EA901F04B235}"/>
+              </a:ext>
+            </a:extLst>
+          </p:cNvPr>
+          <p:cNvSpPr txBox="1"/>
+          <p:nvPr/>
+        </p:nvSpPr>
+        <p:spPr>
+          <a:xfrm>
+            <a:off x="878981" y="2799413"/>
+            <a:ext cx="8559198" cy="5831405"/>
+          </a:xfrm>
+          <a:prstGeom prst="rect">
+            <a:avLst/>
+          </a:prstGeom>
+          <a:ln w="12700">
+            <a:miter lim="400000"/>
+          </a:ln>
+          <a:extLst>
+            <a:ext uri="{C572A759-6A51-4108-AA02-DFA0A04FC94B}">
+              <ma14:wrappingTextBoxFlag xmlns:ma14="http://schemas.microsoft.com/office/mac/drawingml/2011/main" xmlns:a14="http://schemas.microsoft.com/office/drawing/2010/main" xmlns:m="http://schemas.openxmlformats.org/officeDocument/2006/math" xmlns="" val="1"/>
+            </a:ext>
+          </a:extLst>
+        </p:spPr>
+        <p:txBody>
+          <a:bodyPr wrap="square" lIns="30480" rIns="30480">
+            <a:spAutoFit/>
+          </a:bodyPr>
+          <a:lstStyle>
+            <a:lvl1pPr>
+              <a:lnSpc>
+                <a:spcPct val="120000"/>
+              </a:lnSpc>
+              <a:defRPr sz="2100">
+                <a:solidFill>
+                  <a:srgbClr val="344854"/>
+                </a:solidFill>
+                <a:latin typeface="Arial"/>
+                <a:ea typeface="Arial"/>
+                <a:cs typeface="Arial"/>
+                <a:sym typeface="Arial"/>
+              </a:defRPr>
+            </a:lvl1pPr>
+          </a:lstStyle>
+          <a:p>
+            <a:r>
+              <a:rPr lang="en-GB" sz="3600" dirty="0">
+                <a:sym typeface="Calibri"/>
+              </a:rPr>
+              <a:t>We propose </a:t>
+            </a:r>
+            <a:r>
+              <a:rPr lang="en-GB" sz="3600" i="1" dirty="0" err="1">
+                <a:sym typeface="Calibri"/>
+              </a:rPr>
+              <a:t>ECCCo</a:t>
+            </a:r>
+            <a:r>
+              <a:rPr lang="en-GB" sz="3600" dirty="0">
+                <a:sym typeface="Calibri"/>
+              </a:rPr>
+              <a:t>: </a:t>
+            </a:r>
+          </a:p>
+          <a:p>
+            <a:endParaRPr lang="en-GB" sz="3200" dirty="0">
+              <a:sym typeface="Calibri"/>
+            </a:endParaRPr>
+          </a:p>
+          <a:p>
+            <a:r>
+              <a:rPr lang="en-GB" sz="4000" dirty="0">
+                <a:sym typeface="Calibri"/>
+              </a:rPr>
+              <a:t>A new way to generate faithful model explanations that are as plausible as the underlying model permits.</a:t>
+            </a:r>
+          </a:p>
+          <a:p>
+            <a:endParaRPr lang="en-GB" sz="3600" dirty="0">
+              <a:sym typeface="Calibri"/>
+            </a:endParaRPr>
+          </a:p>
+          <a:p>
+            <a:pPr>
+              <a:spcBef>
+                <a:spcPts val="742"/>
+              </a:spcBef>
+              <a:defRPr sz="2100">
+                <a:latin typeface="Arial"/>
+                <a:ea typeface="Arial"/>
+                <a:cs typeface="Arial"/>
+                <a:sym typeface="Arial"/>
+              </a:defRPr>
+            </a:pPr>
+            <a:r>
+              <a:rPr lang="en-US" sz="2400" dirty="0"/>
+              <a:t>Patrick Altmeyer </a:t>
+            </a:r>
+            <a:r>
+              <a:rPr lang="en-US" sz="2400" b="1" dirty="0"/>
+              <a:t>(</a:t>
+            </a:r>
+            <a:r>
+              <a:rPr lang="en-US" sz="2400" dirty="0">
+                <a:hlinkClick r:id="rId17"/>
+              </a:rPr>
+              <a:t>p.altmeyer@tudelft.nl</a:t>
+            </a:r>
+            <a:r>
+              <a:rPr lang="en-US" sz="2400" dirty="0"/>
+              <a:t>)</a:t>
+            </a:r>
+          </a:p>
+          <a:p>
+            <a:pPr>
+              <a:spcBef>
+                <a:spcPts val="742"/>
+              </a:spcBef>
+              <a:defRPr sz="2100">
+                <a:latin typeface="Arial"/>
+                <a:ea typeface="Arial"/>
+                <a:cs typeface="Arial"/>
+                <a:sym typeface="Arial"/>
+              </a:defRPr>
+            </a:pPr>
+            <a:r>
+              <a:rPr lang="en-US" sz="2400" dirty="0" err="1"/>
+              <a:t>Mojtaba</a:t>
+            </a:r>
+            <a:r>
+              <a:rPr lang="en-US" sz="2400" dirty="0"/>
+              <a:t> </a:t>
+            </a:r>
+            <a:r>
+              <a:rPr lang="en-US" sz="2400" dirty="0" err="1"/>
+              <a:t>Farmanbar</a:t>
+            </a:r>
+            <a:r>
+              <a:rPr lang="en-US" sz="2400" dirty="0"/>
+              <a:t>, Arie van </a:t>
+            </a:r>
+            <a:r>
+              <a:rPr lang="en-US" sz="2400" dirty="0" err="1"/>
+              <a:t>Deursen</a:t>
+            </a:r>
+            <a:r>
+              <a:rPr lang="en-US" sz="2400" dirty="0"/>
+              <a:t>, Cynthia C. S. </a:t>
+            </a:r>
+            <a:r>
+              <a:rPr lang="en-US" sz="2400" dirty="0" err="1"/>
+              <a:t>Liem</a:t>
+            </a:r>
+            <a:endParaRPr lang="en-US" sz="2400" dirty="0"/>
+          </a:p>
+          <a:p>
+            <a:endParaRPr lang="en-GB" sz="3200" dirty="0">
+              <a:sym typeface="Calibri"/>
+            </a:endParaRPr>
+          </a:p>
+        </p:txBody>
+      </p:sp>
+      <p:pic>
+        <p:nvPicPr>
+          <p:cNvPr id="51" name="Picture 50" descr="A screenshot of a computer game&#10;&#10;Description automatically generated with medium confidence">
+            <a:extLst>
+              <a:ext uri="{FF2B5EF4-FFF2-40B4-BE49-F238E27FC236}">
+                <a16:creationId xmlns:a16="http://schemas.microsoft.com/office/drawing/2014/main" id="{309401DF-7E17-F295-FC47-E855005625F9}"/>
+              </a:ext>
+            </a:extLst>
+          </p:cNvPr>
+          <p:cNvPicPr>
+            <a:picLocks noChangeAspect="1"/>
+          </p:cNvPicPr>
+          <p:nvPr/>
+        </p:nvPicPr>
+        <p:blipFill>
+          <a:blip r:embed="rId18">
+            <a:extLst>
+              <a:ext uri="{28A0092B-C50C-407E-A947-70E740481C1C}">
+                <a14:useLocalDpi xmlns:a14="http://schemas.microsoft.com/office/drawing/2010/main" val="0"/>
+              </a:ext>
+            </a:extLst>
+          </a:blip>
+          <a:stretch>
+            <a:fillRect/>
+          </a:stretch>
+        </p:blipFill>
+        <p:spPr>
+          <a:xfrm>
+            <a:off x="2088066" y="11777845"/>
+            <a:ext cx="8599062" cy="2149765"/>
+          </a:xfrm>
+          <a:prstGeom prst="rect">
+            <a:avLst/>
+          </a:prstGeom>
+        </p:spPr>
+      </p:pic>
+      <p:pic>
+        <p:nvPicPr>
+          <p:cNvPr id="54" name="Picture 53" descr="A colorful image of a rainbow&#10;&#10;Description automatically generated with medium confidence">
+            <a:extLst>
+              <a:ext uri="{FF2B5EF4-FFF2-40B4-BE49-F238E27FC236}">
+                <a16:creationId xmlns:a16="http://schemas.microsoft.com/office/drawing/2014/main" id="{3D6A3F9C-ED3E-94BC-9835-9E006073FBCA}"/>
+              </a:ext>
+            </a:extLst>
+          </p:cNvPr>
+          <p:cNvPicPr>
+            <a:picLocks noChangeAspect="1"/>
+          </p:cNvPicPr>
+          <p:nvPr/>
+        </p:nvPicPr>
+        <p:blipFill>
+          <a:blip r:embed="rId19">
+            <a:extLst>
+              <a:ext uri="{28A0092B-C50C-407E-A947-70E740481C1C}">
+                <a14:useLocalDpi xmlns:a14="http://schemas.microsoft.com/office/drawing/2010/main" val="0"/>
+              </a:ext>
+            </a:extLst>
+          </a:blip>
+          <a:stretch>
+            <a:fillRect/>
+          </a:stretch>
+        </p:blipFill>
+        <p:spPr>
+          <a:xfrm>
+            <a:off x="19452649" y="9199093"/>
+            <a:ext cx="4728517" cy="4728517"/>
+          </a:xfrm>
+          <a:prstGeom prst="rect">
+            <a:avLst/>
+          </a:prstGeom>
+        </p:spPr>
+      </p:pic>
+      <p:grpSp>
+        <p:nvGrpSpPr>
+          <p:cNvPr id="57" name="Group 56">
+            <a:extLst>
+              <a:ext uri="{FF2B5EF4-FFF2-40B4-BE49-F238E27FC236}">
+                <a16:creationId xmlns:a16="http://schemas.microsoft.com/office/drawing/2014/main" id="{3F1429C3-4680-41DA-0DA6-EACD7B322E7E}"/>
+              </a:ext>
+            </a:extLst>
+          </p:cNvPr>
+          <p:cNvGrpSpPr/>
+          <p:nvPr/>
+        </p:nvGrpSpPr>
+        <p:grpSpPr>
+          <a:xfrm>
+            <a:off x="737798" y="16409881"/>
+            <a:ext cx="11034543" cy="8498387"/>
+            <a:chOff x="726831" y="10039801"/>
+            <a:chExt cx="13700506" cy="10551610"/>
+          </a:xfrm>
+        </p:grpSpPr>
+        <p:sp>
+          <p:nvSpPr>
+            <p:cNvPr id="58" name="TextBox 47">
+              <a:extLst>
+                <a:ext uri="{FF2B5EF4-FFF2-40B4-BE49-F238E27FC236}">
+                  <a16:creationId xmlns:a16="http://schemas.microsoft.com/office/drawing/2014/main" id="{9104FB57-86AA-2A5E-8FA6-CA88251AA5A0}"/>
+                </a:ext>
+              </a:extLst>
+            </p:cNvPr>
+            <p:cNvSpPr txBox="1"/>
+            <p:nvPr/>
+          </p:nvSpPr>
+          <p:spPr>
+            <a:xfrm>
+              <a:off x="726831" y="10757232"/>
+              <a:ext cx="5079438" cy="6273955"/>
+            </a:xfrm>
+            <a:prstGeom prst="rect">
+              <a:avLst/>
+            </a:prstGeom>
+            <a:ln w="12700">
+              <a:miter lim="400000"/>
+            </a:ln>
+            <a:extLst>
+              <a:ext uri="{C572A759-6A51-4108-AA02-DFA0A04FC94B}">
+                <ma14:wrappingTextBoxFlag xmlns:ma14="http://schemas.microsoft.com/office/mac/drawingml/2011/main" xmlns:a14="http://schemas.microsoft.com/office/drawing/2010/main" xmlns:m="http://schemas.openxmlformats.org/officeDocument/2006/math" xmlns="" val="1"/>
+              </a:ext>
+            </a:extLst>
+          </p:spPr>
+          <p:txBody>
+            <a:bodyPr wrap="square" lIns="33867" rIns="33867">
+              <a:spAutoFit/>
+            </a:bodyPr>
+            <a:lstStyle>
+              <a:lvl1pPr>
+                <a:lnSpc>
+                  <a:spcPct val="120000"/>
+                </a:lnSpc>
+                <a:defRPr sz="2100">
+                  <a:solidFill>
+                    <a:srgbClr val="344854"/>
+                  </a:solidFill>
+                  <a:latin typeface="Arial"/>
+                  <a:ea typeface="Arial"/>
+                  <a:cs typeface="Arial"/>
+                  <a:sym typeface="Arial"/>
+                </a:defRPr>
+              </a:lvl1pPr>
+            </a:lstStyle>
+            <a:p>
+              <a:pPr marL="368245" indent="-368245" fontAlgn="base">
+                <a:buFont typeface="Arial" panose="020B0604020202020204" pitchFamily="34" charset="0"/>
+                <a:buChar char="•"/>
+              </a:pPr>
+              <a:r>
+                <a:rPr lang="en-GB" sz="2256" b="1" dirty="0"/>
+                <a:t>Counterfactual Explanation </a:t>
+              </a:r>
+              <a:r>
+                <a:rPr lang="en-GB" sz="2256" dirty="0"/>
+                <a:t>(CE) explain how inputs into a model need to change for it to produce different outputs.</a:t>
+              </a:r>
+            </a:p>
+            <a:p>
+              <a:pPr marL="368245" indent="-368245" fontAlgn="base">
+                <a:buFont typeface="Arial" panose="020B0604020202020204" pitchFamily="34" charset="0"/>
+                <a:buChar char="•"/>
+              </a:pPr>
+              <a:r>
+                <a:rPr lang="en-GB" sz="2256" dirty="0"/>
+                <a:t>Counterfactual Explanations that involve realistic and actionable changes can be used for the purpose of </a:t>
+              </a:r>
+              <a:r>
+                <a:rPr lang="en-GB" sz="2256" b="1" dirty="0"/>
+                <a:t>Algorithmic Recourse </a:t>
+              </a:r>
+              <a:r>
+                <a:rPr lang="en-GB" sz="2256" dirty="0"/>
+                <a:t>(AR).</a:t>
+              </a:r>
+            </a:p>
+            <a:p>
+              <a:pPr marL="368245" indent="-368245" fontAlgn="base">
+                <a:buFont typeface="Arial" panose="020B0604020202020204" pitchFamily="34" charset="0"/>
+                <a:buChar char="•"/>
+              </a:pPr>
+              <a:endParaRPr lang="en-GB" sz="2256" dirty="0"/>
+            </a:p>
+          </p:txBody>
+        </p:sp>
         <p:grpSp>
           <p:nvGrpSpPr>
-            <p:cNvPr id="113" name="Group 112">
+            <p:cNvPr id="59" name="Group 58">
               <a:extLst>
                 <a:ext uri="{FF2B5EF4-FFF2-40B4-BE49-F238E27FC236}">
-                  <a16:creationId xmlns:a16="http://schemas.microsoft.com/office/drawing/2014/main" id="{CD182BB9-032B-8494-43C2-6366A1723D57}"/>
+                  <a16:creationId xmlns:a16="http://schemas.microsoft.com/office/drawing/2014/main" id="{4D918337-2F4A-3691-7454-353E3836B8B3}"/>
                 </a:ext>
               </a:extLst>
             </p:cNvPr>
@@ -5223,18 +3647,18 @@
           </p:nvGrpSpPr>
           <p:grpSpPr>
             <a:xfrm>
-              <a:off x="11641368" y="21090215"/>
-              <a:ext cx="9827443" cy="4315625"/>
-              <a:chOff x="16059934" y="18432273"/>
-              <a:chExt cx="13557521" cy="5953652"/>
+              <a:off x="1385503" y="10800127"/>
+              <a:ext cx="12829814" cy="9791284"/>
+              <a:chOff x="16719226" y="7701008"/>
+              <a:chExt cx="12829814" cy="9791284"/>
             </a:xfrm>
           </p:grpSpPr>
           <p:sp>
             <p:nvSpPr>
-              <p:cNvPr id="114" name="TextBox 47">
+              <p:cNvPr id="61" name="TextBox 56">
                 <a:extLst>
                   <a:ext uri="{FF2B5EF4-FFF2-40B4-BE49-F238E27FC236}">
-                    <a16:creationId xmlns:a16="http://schemas.microsoft.com/office/drawing/2014/main" id="{DBFACAD7-88FD-BDD7-DA8D-BB2B931E0848}"/>
+                    <a16:creationId xmlns:a16="http://schemas.microsoft.com/office/drawing/2014/main" id="{696A4505-0046-45D0-A922-5AFD448EE779}"/>
                   </a:ext>
                 </a:extLst>
               </p:cNvPr>
@@ -5243,8 +3667,8 @@
             </p:nvSpPr>
             <p:spPr>
               <a:xfrm>
-                <a:off x="23111487" y="23002629"/>
-                <a:ext cx="6146798" cy="1383296"/>
+                <a:off x="16719226" y="16762094"/>
+                <a:ext cx="12240173" cy="730198"/>
               </a:xfrm>
               <a:prstGeom prst="rect">
                 <a:avLst/>
@@ -5254,20 +3678,17 @@
               </a:ln>
               <a:extLst>
                 <a:ext uri="{C572A759-6A51-4108-AA02-DFA0A04FC94B}">
-                  <ma14:wrappingTextBoxFlag xmlns="" xmlns:m="http://schemas.openxmlformats.org/officeDocument/2006/math" xmlns:a14="http://schemas.microsoft.com/office/drawing/2010/main" xmlns:ma14="http://schemas.microsoft.com/office/mac/drawingml/2011/main" val="1"/>
+                  <ma14:wrappingTextBoxFlag xmlns:ma14="http://schemas.microsoft.com/office/mac/drawingml/2011/main" xmlns:a14="http://schemas.microsoft.com/office/drawing/2010/main" xmlns:m="http://schemas.openxmlformats.org/officeDocument/2006/math" xmlns="" val="1"/>
                 </a:ext>
               </a:extLst>
             </p:spPr>
             <p:txBody>
-              <a:bodyPr wrap="square" lIns="30480" rIns="30480">
+              <a:bodyPr wrap="square" lIns="33867" rIns="33867">
                 <a:spAutoFit/>
               </a:bodyPr>
               <a:lstStyle>
-                <a:lvl1pPr>
-                  <a:lnSpc>
-                    <a:spcPct val="120000"/>
-                  </a:lnSpc>
-                  <a:defRPr sz="2100">
+                <a:lvl1pPr algn="ctr">
+                  <a:defRPr sz="1300">
                     <a:solidFill>
                       <a:srgbClr val="344854"/>
                     </a:solidFill>
@@ -5279,234 +3700,73 @@
                 </a:lvl1pPr>
               </a:lstStyle>
               <a:p>
-                <a:pPr marL="331424" indent="-331424">
-                  <a:buSzPct val="125000"/>
-                  <a:buBlip>
-                    <a:blip r:embed="rId11"/>
-                  </a:buBlip>
-                </a:pPr>
                 <a:r>
-                  <a:rPr lang="en-US" sz="2030" dirty="0"/>
-                  <a:t>Mitigation Strategies</a:t>
+                  <a:rPr lang="en-GB" sz="1611" dirty="0"/>
+                  <a:t>Figure 2: Generating a counterfactual for </a:t>
                 </a:r>
-              </a:p>
-              <a:p>
-                <a:pPr marL="515549" lvl="4" indent="0"/>
                 <a:r>
-                  <a:rPr lang="en-US" sz="1740" dirty="0">
-                    <a:solidFill>
-                      <a:srgbClr val="344854"/>
-                    </a:solidFill>
-                    <a:latin typeface="Arial"/>
-                    <a:cs typeface="Arial"/>
-                    <a:sym typeface="Arial"/>
-                  </a:rPr>
-                  <a:t>Can effectively mitigate shifts by penalizing external costs</a:t>
+                  <a:rPr lang="en-NL" sz="1611" dirty="0"/>
+                  <a:t>🐱 following Wachter et al. (2018)</a:t>
                 </a:r>
-                <a:endParaRPr lang="en-GB" sz="1740" dirty="0">
-                  <a:solidFill>
-                    <a:srgbClr val="344854"/>
-                  </a:solidFill>
-                  <a:latin typeface="Arial"/>
-                  <a:cs typeface="Arial"/>
-                  <a:sym typeface="Arial"/>
-                </a:endParaRPr>
+                <a:r>
+                  <a:rPr lang="en-GB" sz="1611" dirty="0"/>
+                  <a:t>. The contour shows the predictions of a simple multi-layer perceptron (MLP).</a:t>
+                </a:r>
               </a:p>
             </p:txBody>
           </p:sp>
-          <p:grpSp>
-            <p:nvGrpSpPr>
-              <p:cNvPr id="116" name="Group 115">
+          <p:pic>
+            <p:nvPicPr>
+              <p:cNvPr id="62" name="Picture 3">
                 <a:extLst>
                   <a:ext uri="{FF2B5EF4-FFF2-40B4-BE49-F238E27FC236}">
-                    <a16:creationId xmlns:a16="http://schemas.microsoft.com/office/drawing/2014/main" id="{CA80E90D-AB89-AEB5-DE79-4201F9D1F964}"/>
+                    <a16:creationId xmlns:a16="http://schemas.microsoft.com/office/drawing/2014/main" id="{1DC4600B-D18A-77C3-0971-0F08DCDE487C}"/>
                   </a:ext>
                 </a:extLst>
               </p:cNvPr>
-              <p:cNvGrpSpPr/>
+              <p:cNvPicPr>
+                <a:picLocks noChangeAspect="1" noChangeArrowheads="1"/>
+              </p:cNvPicPr>
               <p:nvPr/>
-            </p:nvGrpSpPr>
-            <p:grpSpPr>
-              <a:xfrm>
-                <a:off x="16059934" y="18432273"/>
-                <a:ext cx="13557521" cy="5948813"/>
-                <a:chOff x="16059934" y="18432273"/>
-                <a:chExt cx="13557521" cy="5948813"/>
-              </a:xfrm>
-            </p:grpSpPr>
-            <p:grpSp>
-              <p:nvGrpSpPr>
-                <p:cNvPr id="118" name="Group 117">
-                  <a:extLst>
-                    <a:ext uri="{FF2B5EF4-FFF2-40B4-BE49-F238E27FC236}">
-                      <a16:creationId xmlns:a16="http://schemas.microsoft.com/office/drawing/2014/main" id="{12DF230C-5F1D-A1CD-8283-821E3CAD28CB}"/>
-                    </a:ext>
-                  </a:extLst>
-                </p:cNvPr>
-                <p:cNvGrpSpPr/>
-                <p:nvPr/>
-              </p:nvGrpSpPr>
-              <p:grpSpPr>
-                <a:xfrm>
-                  <a:off x="16059935" y="18432273"/>
-                  <a:ext cx="13557520" cy="5205772"/>
-                  <a:chOff x="16059935" y="17803022"/>
-                  <a:chExt cx="13557520" cy="5205772"/>
-                </a:xfrm>
-              </p:grpSpPr>
-              <p:pic>
-                <p:nvPicPr>
-                  <p:cNvPr id="120" name="Picture 4">
-                    <a:extLst>
-                      <a:ext uri="{FF2B5EF4-FFF2-40B4-BE49-F238E27FC236}">
-                        <a16:creationId xmlns:a16="http://schemas.microsoft.com/office/drawing/2014/main" id="{96E967DE-DC07-2534-134A-B5A75495BF94}"/>
-                      </a:ext>
-                    </a:extLst>
-                  </p:cNvPr>
-                  <p:cNvPicPr>
-                    <a:picLocks noChangeAspect="1" noChangeArrowheads="1"/>
-                  </p:cNvPicPr>
-                  <p:nvPr/>
-                </p:nvPicPr>
-                <p:blipFill>
-                  <a:blip r:embed="rId23">
-                    <a:extLst>
-                      <a:ext uri="{28A0092B-C50C-407E-A947-70E740481C1C}">
-                        <a14:useLocalDpi xmlns:a14="http://schemas.microsoft.com/office/drawing/2010/main" val="0"/>
-                      </a:ext>
-                    </a:extLst>
-                  </a:blip>
-                  <a:srcRect/>
-                  <a:stretch/>
-                </p:blipFill>
-                <p:spPr bwMode="auto">
-                  <a:xfrm>
-                    <a:off x="16059935" y="17803022"/>
-                    <a:ext cx="6507215" cy="5205772"/>
-                  </a:xfrm>
-                  <a:prstGeom prst="rect">
-                    <a:avLst/>
-                  </a:prstGeom>
-                  <a:noFill/>
-                  <a:extLst>
-                    <a:ext uri="{909E8E84-426E-40DD-AFC4-6F175D3DCCD1}">
-                      <a14:hiddenFill xmlns:a14="http://schemas.microsoft.com/office/drawing/2010/main">
-                        <a:solidFill>
-                          <a:srgbClr val="FFFFFF"/>
-                        </a:solidFill>
-                      </a14:hiddenFill>
-                    </a:ext>
-                  </a:extLst>
-                </p:spPr>
-              </p:pic>
-              <p:pic>
-                <p:nvPicPr>
-                  <p:cNvPr id="121" name="Picture 8">
-                    <a:extLst>
-                      <a:ext uri="{FF2B5EF4-FFF2-40B4-BE49-F238E27FC236}">
-                        <a16:creationId xmlns:a16="http://schemas.microsoft.com/office/drawing/2014/main" id="{956C13C8-5861-0886-3C99-EC2CC2606415}"/>
-                      </a:ext>
-                    </a:extLst>
-                  </p:cNvPr>
-                  <p:cNvPicPr>
-                    <a:picLocks noChangeAspect="1" noChangeArrowheads="1"/>
-                  </p:cNvPicPr>
-                  <p:nvPr/>
-                </p:nvPicPr>
-                <p:blipFill>
-                  <a:blip r:embed="rId24">
-                    <a:extLst>
-                      <a:ext uri="{28A0092B-C50C-407E-A947-70E740481C1C}">
-                        <a14:useLocalDpi xmlns:a14="http://schemas.microsoft.com/office/drawing/2010/main" val="0"/>
-                      </a:ext>
-                    </a:extLst>
-                  </a:blip>
-                  <a:srcRect/>
-                  <a:stretch/>
-                </p:blipFill>
-                <p:spPr bwMode="auto">
-                  <a:xfrm>
-                    <a:off x="23110242" y="17803022"/>
-                    <a:ext cx="6507213" cy="3687421"/>
-                  </a:xfrm>
-                  <a:prstGeom prst="rect">
-                    <a:avLst/>
-                  </a:prstGeom>
-                  <a:noFill/>
-                  <a:extLst>
-                    <a:ext uri="{909E8E84-426E-40DD-AFC4-6F175D3DCCD1}">
-                      <a14:hiddenFill xmlns:a14="http://schemas.microsoft.com/office/drawing/2010/main">
-                        <a:solidFill>
-                          <a:srgbClr val="FFFFFF"/>
-                        </a:solidFill>
-                      </a14:hiddenFill>
-                    </a:ext>
-                  </a:extLst>
-                </p:spPr>
-              </p:pic>
-            </p:grpSp>
-            <p:sp>
-              <p:nvSpPr>
-                <p:cNvPr id="119" name="TextBox 56">
-                  <a:extLst>
-                    <a:ext uri="{FF2B5EF4-FFF2-40B4-BE49-F238E27FC236}">
-                      <a16:creationId xmlns:a16="http://schemas.microsoft.com/office/drawing/2014/main" id="{89FF246B-5D3E-9182-D770-554A7227BDBE}"/>
-                    </a:ext>
-                  </a:extLst>
-                </p:cNvPr>
-                <p:cNvSpPr txBox="1"/>
-                <p:nvPr/>
-              </p:nvSpPr>
-              <p:spPr>
-                <a:xfrm>
-                  <a:off x="16059934" y="23638044"/>
-                  <a:ext cx="6507215" cy="743042"/>
-                </a:xfrm>
-                <a:prstGeom prst="rect">
-                  <a:avLst/>
-                </a:prstGeom>
-                <a:ln w="12700">
-                  <a:miter lim="400000"/>
-                </a:ln>
+            </p:nvPicPr>
+            <p:blipFill>
+              <a:blip r:embed="rId20">
                 <a:extLst>
-                  <a:ext uri="{C572A759-6A51-4108-AA02-DFA0A04FC94B}">
-                    <ma14:wrappingTextBoxFlag xmlns="" xmlns:m="http://schemas.openxmlformats.org/officeDocument/2006/math" xmlns:a14="http://schemas.microsoft.com/office/drawing/2010/main" xmlns:ma14="http://schemas.microsoft.com/office/mac/drawingml/2011/main" val="1"/>
+                  <a:ext uri="{28A0092B-C50C-407E-A947-70E740481C1C}">
+                    <a14:useLocalDpi xmlns:a14="http://schemas.microsoft.com/office/drawing/2010/main" val="0"/>
                   </a:ext>
                 </a:extLst>
-              </p:spPr>
-              <p:txBody>
-                <a:bodyPr wrap="square" lIns="30480" rIns="30480">
-                  <a:spAutoFit/>
-                </a:bodyPr>
-                <a:lstStyle>
-                  <a:lvl1pPr algn="ctr">
-                    <a:defRPr sz="1300">
-                      <a:solidFill>
-                        <a:srgbClr val="344854"/>
-                      </a:solidFill>
-                      <a:latin typeface="Arial"/>
-                      <a:ea typeface="Arial"/>
-                      <a:cs typeface="Arial"/>
-                      <a:sym typeface="Arial"/>
-                    </a:defRPr>
-                  </a:lvl1pPr>
-                </a:lstStyle>
-                <a:p>
-                  <a:r>
-                    <a:rPr lang="en-GB" sz="1450" dirty="0"/>
-                    <a:t>Figure 6: Results for synthetic data using mitigation strategies.</a:t>
-                  </a:r>
-                </a:p>
-              </p:txBody>
-            </p:sp>
-          </p:grpSp>
+              </a:blip>
+              <a:srcRect/>
+              <a:stretch/>
+            </p:blipFill>
+            <p:spPr bwMode="auto">
+              <a:xfrm>
+                <a:off x="20937875" y="7701008"/>
+                <a:ext cx="8611165" cy="8611165"/>
+              </a:xfrm>
+              <a:prstGeom prst="rect">
+                <a:avLst/>
+              </a:prstGeom>
+              <a:noFill/>
+              <a:extLst>
+                <a:ext uri="{909E8E84-426E-40DD-AFC4-6F175D3DCCD1}">
+                  <a14:hiddenFill xmlns:a14="http://schemas.microsoft.com/office/drawing/2010/main">
+                    <a:solidFill>
+                      <a:srgbClr val="FFFFFF"/>
+                    </a:solidFill>
+                  </a14:hiddenFill>
+                </a:ext>
+              </a:extLst>
+            </p:spPr>
+          </p:pic>
         </p:grpSp>
         <p:sp>
           <p:nvSpPr>
-            <p:cNvPr id="21" name="TextBox 43">
+            <p:cNvPr id="60" name="TextBox 43">
               <a:extLst>
                 <a:ext uri="{FF2B5EF4-FFF2-40B4-BE49-F238E27FC236}">
-                  <a16:creationId xmlns:a16="http://schemas.microsoft.com/office/drawing/2014/main" id="{1144C930-848A-3E51-2B1E-AF3ADCE1FEAF}"/>
+                  <a16:creationId xmlns:a16="http://schemas.microsoft.com/office/drawing/2014/main" id="{B328D478-64FA-BB44-BD7E-310C81B96A2A}"/>
                 </a:ext>
               </a:extLst>
             </p:cNvPr>
@@ -5515,8 +3775,8 @@
           </p:nvSpPr>
           <p:spPr>
             <a:xfrm>
-              <a:off x="11641368" y="20472415"/>
-              <a:ext cx="9931089" cy="538609"/>
+              <a:off x="726831" y="10039801"/>
+              <a:ext cx="13700506" cy="730278"/>
             </a:xfrm>
             <a:prstGeom prst="rect">
               <a:avLst/>
@@ -5526,12 +3786,12 @@
             </a:ln>
             <a:extLst>
               <a:ext uri="{C572A759-6A51-4108-AA02-DFA0A04FC94B}">
-                <ma14:wrappingTextBoxFlag xmlns="" xmlns:m="http://schemas.openxmlformats.org/officeDocument/2006/math" xmlns:a14="http://schemas.microsoft.com/office/drawing/2010/main" xmlns:ma14="http://schemas.microsoft.com/office/mac/drawingml/2011/main" val="1"/>
+                <ma14:wrappingTextBoxFlag xmlns:ma14="http://schemas.microsoft.com/office/mac/drawingml/2011/main" xmlns:a14="http://schemas.microsoft.com/office/drawing/2010/main" xmlns:m="http://schemas.openxmlformats.org/officeDocument/2006/math" xmlns="" val="1"/>
               </a:ext>
             </a:extLst>
           </p:spPr>
           <p:txBody>
-            <a:bodyPr lIns="30480" rIns="30480">
+            <a:bodyPr lIns="33867" rIns="33867">
               <a:spAutoFit/>
             </a:bodyPr>
             <a:lstStyle>
@@ -5546,20 +3806,277 @@
             </a:lstStyle>
             <a:p>
               <a:r>
-                <a:rPr lang="en-US" sz="2900" dirty="0"/>
-                <a:t>SECONDARY FINDINGS</a:t>
+                <a:rPr lang="en-US" sz="3222" dirty="0"/>
+                <a:t>PLAUSIBILITY</a:t>
               </a:r>
-              <a:endParaRPr sz="2900" dirty="0"/>
+              <a:endParaRPr sz="3222" dirty="0"/>
             </a:p>
           </p:txBody>
         </p:sp>
       </p:grpSp>
+      <p:pic>
+        <p:nvPicPr>
+          <p:cNvPr id="66" name="Picture 65" descr="A group of black squares with white text&#10;&#10;Description automatically generated">
+            <a:extLst>
+              <a:ext uri="{FF2B5EF4-FFF2-40B4-BE49-F238E27FC236}">
+                <a16:creationId xmlns:a16="http://schemas.microsoft.com/office/drawing/2014/main" id="{AC29E8FA-D5D2-C8DA-3998-DC869BFF4301}"/>
+              </a:ext>
+            </a:extLst>
+          </p:cNvPr>
+          <p:cNvPicPr>
+            <a:picLocks noChangeAspect="1"/>
+          </p:cNvPicPr>
+          <p:nvPr/>
+        </p:nvPicPr>
+        <p:blipFill>
+          <a:blip r:embed="rId21">
+            <a:extLst>
+              <a:ext uri="{28A0092B-C50C-407E-A947-70E740481C1C}">
+                <a14:useLocalDpi xmlns:a14="http://schemas.microsoft.com/office/drawing/2010/main" val="0"/>
+              </a:ext>
+            </a:extLst>
+          </a:blip>
+          <a:stretch>
+            <a:fillRect/>
+          </a:stretch>
+        </p:blipFill>
+        <p:spPr>
+          <a:xfrm>
+            <a:off x="19359961" y="25862778"/>
+            <a:ext cx="4571726" cy="4571726"/>
+          </a:xfrm>
+          <a:prstGeom prst="rect">
+            <a:avLst/>
+          </a:prstGeom>
+        </p:spPr>
+      </p:pic>
+      <p:pic>
+        <p:nvPicPr>
+          <p:cNvPr id="68" name="Picture 67" descr="A table with numbers and symbols&#10;&#10;Description automatically generated">
+            <a:extLst>
+              <a:ext uri="{FF2B5EF4-FFF2-40B4-BE49-F238E27FC236}">
+                <a16:creationId xmlns:a16="http://schemas.microsoft.com/office/drawing/2014/main" id="{72A440D0-E54E-BB16-38C1-2EAA8E889900}"/>
+              </a:ext>
+            </a:extLst>
+          </p:cNvPr>
+          <p:cNvPicPr>
+            <a:picLocks noChangeAspect="1"/>
+          </p:cNvPicPr>
+          <p:nvPr/>
+        </p:nvPicPr>
+        <p:blipFill>
+          <a:blip r:embed="rId22">
+            <a:extLst>
+              <a:ext uri="{28A0092B-C50C-407E-A947-70E740481C1C}">
+                <a14:useLocalDpi xmlns:a14="http://schemas.microsoft.com/office/drawing/2010/main" val="0"/>
+              </a:ext>
+            </a:extLst>
+          </a:blip>
+          <a:stretch>
+            <a:fillRect/>
+          </a:stretch>
+        </p:blipFill>
+        <p:spPr>
+          <a:xfrm>
+            <a:off x="13703790" y="31050966"/>
+            <a:ext cx="9421119" cy="3870928"/>
+          </a:xfrm>
+          <a:prstGeom prst="rect">
+            <a:avLst/>
+          </a:prstGeom>
+        </p:spPr>
+      </p:pic>
+      <p:cxnSp>
+        <p:nvCxnSpPr>
+          <p:cNvPr id="76" name="Curved Connector 75">
+            <a:extLst>
+              <a:ext uri="{FF2B5EF4-FFF2-40B4-BE49-F238E27FC236}">
+                <a16:creationId xmlns:a16="http://schemas.microsoft.com/office/drawing/2014/main" id="{6369DE0F-F8AE-ED6F-DA58-6CBA1D977570}"/>
+              </a:ext>
+            </a:extLst>
+          </p:cNvPr>
+          <p:cNvCxnSpPr>
+            <a:cxnSpLocks/>
+          </p:cNvCxnSpPr>
+          <p:nvPr/>
+        </p:nvCxnSpPr>
+        <p:spPr>
+          <a:xfrm>
+            <a:off x="11687776" y="10424977"/>
+            <a:ext cx="1314913" cy="617675"/>
+          </a:xfrm>
+          <a:prstGeom prst="curvedConnector3">
+            <a:avLst>
+              <a:gd name="adj1" fmla="val 44205"/>
+            </a:avLst>
+          </a:prstGeom>
+          <a:noFill/>
+          <a:ln w="101600" cap="flat">
+            <a:solidFill>
+              <a:schemeClr val="accent1"/>
+            </a:solidFill>
+            <a:prstDash val="solid"/>
+            <a:miter lim="800000"/>
+            <a:tailEnd type="triangle"/>
+          </a:ln>
+          <a:effectLst/>
+          <a:sp3d/>
+        </p:spPr>
+        <p:style>
+          <a:lnRef idx="0">
+            <a:scrgbClr r="0" g="0" b="0"/>
+          </a:lnRef>
+          <a:fillRef idx="0">
+            <a:scrgbClr r="0" g="0" b="0"/>
+          </a:fillRef>
+          <a:effectRef idx="0">
+            <a:scrgbClr r="0" g="0" b="0"/>
+          </a:effectRef>
+          <a:fontRef idx="none"/>
+        </p:style>
+      </p:cxnSp>
+      <p:cxnSp>
+        <p:nvCxnSpPr>
+          <p:cNvPr id="86" name="Curved Connector 85">
+            <a:extLst>
+              <a:ext uri="{FF2B5EF4-FFF2-40B4-BE49-F238E27FC236}">
+                <a16:creationId xmlns:a16="http://schemas.microsoft.com/office/drawing/2014/main" id="{F00C270B-D12D-0FC3-B8DE-26C3E21E0DAC}"/>
+              </a:ext>
+            </a:extLst>
+          </p:cNvPr>
+          <p:cNvCxnSpPr>
+            <a:cxnSpLocks/>
+          </p:cNvCxnSpPr>
+          <p:nvPr/>
+        </p:nvCxnSpPr>
+        <p:spPr>
+          <a:xfrm rot="10800000" flipV="1">
+            <a:off x="4179112" y="14092455"/>
+            <a:ext cx="9282888" cy="2562707"/>
+          </a:xfrm>
+          <a:prstGeom prst="curvedConnector3">
+            <a:avLst>
+              <a:gd name="adj1" fmla="val 50000"/>
+            </a:avLst>
+          </a:prstGeom>
+          <a:noFill/>
+          <a:ln w="101600" cap="flat">
+            <a:solidFill>
+              <a:schemeClr val="accent1"/>
+            </a:solidFill>
+            <a:prstDash val="solid"/>
+            <a:miter lim="800000"/>
+            <a:tailEnd type="triangle"/>
+          </a:ln>
+          <a:effectLst/>
+          <a:sp3d/>
+        </p:spPr>
+        <p:style>
+          <a:lnRef idx="0">
+            <a:scrgbClr r="0" g="0" b="0"/>
+          </a:lnRef>
+          <a:fillRef idx="0">
+            <a:scrgbClr r="0" g="0" b="0"/>
+          </a:fillRef>
+          <a:effectRef idx="0">
+            <a:scrgbClr r="0" g="0" b="0"/>
+          </a:effectRef>
+          <a:fontRef idx="none"/>
+        </p:style>
+      </p:cxnSp>
       <p:sp>
         <p:nvSpPr>
-          <p:cNvPr id="22" name="TextBox 43">
+          <p:cNvPr id="89" name="Down Arrow 88">
             <a:extLst>
               <a:ext uri="{FF2B5EF4-FFF2-40B4-BE49-F238E27FC236}">
-                <a16:creationId xmlns:a16="http://schemas.microsoft.com/office/drawing/2014/main" id="{FC82159D-55B0-86CB-B9D9-918FE9CB3009}"/>
+                <a16:creationId xmlns:a16="http://schemas.microsoft.com/office/drawing/2014/main" id="{D7774D3C-6216-36A8-F8BA-8CC3749C666E}"/>
+              </a:ext>
+            </a:extLst>
+          </p:cNvPr>
+          <p:cNvSpPr/>
+          <p:nvPr/>
+        </p:nvSpPr>
+        <p:spPr>
+          <a:xfrm>
+            <a:off x="737798" y="14557824"/>
+            <a:ext cx="23193889" cy="1420012"/>
+          </a:xfrm>
+          <a:prstGeom prst="downArrow">
+            <a:avLst/>
+          </a:prstGeom>
+          <a:solidFill>
+            <a:schemeClr val="accent1">
+              <a:lumMod val="20000"/>
+              <a:lumOff val="80000"/>
+            </a:schemeClr>
+          </a:solidFill>
+          <a:ln w="38100" cap="flat">
+            <a:solidFill>
+              <a:schemeClr val="accent1"/>
+            </a:solidFill>
+            <a:prstDash val="solid"/>
+            <a:miter lim="800000"/>
+          </a:ln>
+          <a:effectLst/>
+          <a:sp3d/>
+        </p:spPr>
+        <p:style>
+          <a:lnRef idx="0">
+            <a:scrgbClr r="0" g="0" b="0"/>
+          </a:lnRef>
+          <a:fillRef idx="0">
+            <a:scrgbClr r="0" g="0" b="0"/>
+          </a:fillRef>
+          <a:effectRef idx="0">
+            <a:scrgbClr r="0" g="0" b="0"/>
+          </a:effectRef>
+          <a:fontRef idx="none"/>
+        </p:style>
+        <p:txBody>
+          <a:bodyPr rot="0" spcFirstLastPara="1" vertOverflow="overflow" horzOverflow="overflow" vert="horz" wrap="square" lIns="45719" tIns="45719" rIns="45719" bIns="45719" numCol="1" spcCol="38100" rtlCol="0" anchor="ctr">
+            <a:spAutoFit/>
+          </a:bodyPr>
+          <a:lstStyle/>
+          <a:p>
+            <a:pPr marL="0" marR="0" indent="0" algn="l" defTabSz="326532" rtl="0" fontAlgn="auto" latinLnBrk="0" hangingPunct="0">
+              <a:lnSpc>
+                <a:spcPct val="100000"/>
+              </a:lnSpc>
+              <a:spcBef>
+                <a:spcPts val="0"/>
+              </a:spcBef>
+              <a:spcAft>
+                <a:spcPts val="0"/>
+              </a:spcAft>
+              <a:buClrTx/>
+              <a:buSzTx/>
+              <a:buFontTx/>
+              <a:buNone/>
+              <a:tabLst/>
+            </a:pPr>
+            <a:endParaRPr kumimoji="0" lang="en-US" sz="1200" b="0" i="0" u="none" strike="noStrike" cap="none" spc="0" normalizeH="0" baseline="0">
+              <a:ln>
+                <a:noFill/>
+              </a:ln>
+              <a:solidFill>
+                <a:srgbClr val="000000"/>
+              </a:solidFill>
+              <a:effectLst/>
+              <a:uFillTx/>
+              <a:latin typeface="+mn-lt"/>
+              <a:ea typeface="+mn-ea"/>
+              <a:cs typeface="+mn-cs"/>
+              <a:sym typeface="Calibri"/>
+            </a:endParaRPr>
+          </a:p>
+        </p:txBody>
+      </p:sp>
+      <p:sp>
+        <p:nvSpPr>
+          <p:cNvPr id="55" name="TextBox 35">
+            <a:extLst>
+              <a:ext uri="{FF2B5EF4-FFF2-40B4-BE49-F238E27FC236}">
+                <a16:creationId xmlns:a16="http://schemas.microsoft.com/office/drawing/2014/main" id="{EA8B7BA5-77CB-8526-5833-526610ECB9CE}"/>
               </a:ext>
             </a:extLst>
           </p:cNvPr>
@@ -5568,8 +4085,8 @@
         </p:nvSpPr>
         <p:spPr>
           <a:xfrm>
-            <a:off x="11641368" y="13271446"/>
-            <a:ext cx="9931089" cy="538609"/>
+            <a:off x="6764858" y="14604657"/>
+            <a:ext cx="11067879" cy="830997"/>
           </a:xfrm>
           <a:prstGeom prst="rect">
             <a:avLst/>
@@ -5579,17 +4096,17 @@
           </a:ln>
           <a:extLst>
             <a:ext uri="{C572A759-6A51-4108-AA02-DFA0A04FC94B}">
-              <ma14:wrappingTextBoxFlag xmlns="" xmlns:m="http://schemas.openxmlformats.org/officeDocument/2006/math" xmlns:a14="http://schemas.microsoft.com/office/drawing/2010/main" xmlns:ma14="http://schemas.microsoft.com/office/mac/drawingml/2011/main" val="1"/>
+              <ma14:wrappingTextBoxFlag xmlns:ma14="http://schemas.microsoft.com/office/mac/drawingml/2011/main" xmlns:a14="http://schemas.microsoft.com/office/drawing/2010/main" xmlns:m="http://schemas.openxmlformats.org/officeDocument/2006/math" xmlns="" val="1"/>
             </a:ext>
           </a:extLst>
         </p:spPr>
         <p:txBody>
-          <a:bodyPr lIns="30480" rIns="30480">
+          <a:bodyPr wrap="square" lIns="33867" rIns="33867">
             <a:spAutoFit/>
           </a:bodyPr>
           <a:lstStyle>
             <a:lvl1pPr>
-              <a:defRPr sz="3400">
+              <a:defRPr sz="5500">
                 <a:latin typeface="Arial"/>
                 <a:ea typeface="Arial"/>
                 <a:cs typeface="Arial"/>
@@ -5599,13 +4116,110 @@
           </a:lstStyle>
           <a:p>
             <a:r>
-              <a:rPr lang="en-US" sz="2900" dirty="0"/>
-              <a:t>PRINCIPAL FINDINGS</a:t>
+              <a:rPr lang="en-GB" sz="4800" dirty="0"/>
+              <a:t>Reconciling Faithfulness and Plausibility</a:t>
             </a:r>
-            <a:endParaRPr sz="2900" dirty="0"/>
           </a:p>
         </p:txBody>
       </p:sp>
+      <p:cxnSp>
+        <p:nvCxnSpPr>
+          <p:cNvPr id="108" name="Curved Connector 107">
+            <a:extLst>
+              <a:ext uri="{FF2B5EF4-FFF2-40B4-BE49-F238E27FC236}">
+                <a16:creationId xmlns:a16="http://schemas.microsoft.com/office/drawing/2014/main" id="{4E0F34DC-E30E-59AF-48A9-BD04276069C2}"/>
+              </a:ext>
+            </a:extLst>
+          </p:cNvPr>
+          <p:cNvCxnSpPr>
+            <a:cxnSpLocks/>
+          </p:cNvCxnSpPr>
+          <p:nvPr/>
+        </p:nvCxnSpPr>
+        <p:spPr>
+          <a:xfrm>
+            <a:off x="11645488" y="27164030"/>
+            <a:ext cx="1314913" cy="617675"/>
+          </a:xfrm>
+          <a:prstGeom prst="curvedConnector3">
+            <a:avLst>
+              <a:gd name="adj1" fmla="val 44205"/>
+            </a:avLst>
+          </a:prstGeom>
+          <a:noFill/>
+          <a:ln w="101600" cap="flat">
+            <a:solidFill>
+              <a:schemeClr val="accent1"/>
+            </a:solidFill>
+            <a:prstDash val="solid"/>
+            <a:miter lim="800000"/>
+            <a:tailEnd type="triangle"/>
+          </a:ln>
+          <a:effectLst/>
+          <a:sp3d/>
+        </p:spPr>
+        <p:style>
+          <a:lnRef idx="0">
+            <a:scrgbClr r="0" g="0" b="0"/>
+          </a:lnRef>
+          <a:fillRef idx="0">
+            <a:scrgbClr r="0" g="0" b="0"/>
+          </a:fillRef>
+          <a:effectRef idx="0">
+            <a:scrgbClr r="0" g="0" b="0"/>
+          </a:effectRef>
+          <a:fontRef idx="none"/>
+        </p:style>
+      </p:cxnSp>
+      <p:cxnSp>
+        <p:nvCxnSpPr>
+          <p:cNvPr id="95" name="Curved Connector 94">
+            <a:extLst>
+              <a:ext uri="{FF2B5EF4-FFF2-40B4-BE49-F238E27FC236}">
+                <a16:creationId xmlns:a16="http://schemas.microsoft.com/office/drawing/2014/main" id="{D59E8589-50A8-7286-2C50-C8ECD71C0F03}"/>
+              </a:ext>
+            </a:extLst>
+          </p:cNvPr>
+          <p:cNvCxnSpPr>
+            <a:cxnSpLocks/>
+          </p:cNvCxnSpPr>
+          <p:nvPr/>
+        </p:nvCxnSpPr>
+        <p:spPr>
+          <a:xfrm>
+            <a:off x="11686943" y="18165457"/>
+            <a:ext cx="1314913" cy="617675"/>
+          </a:xfrm>
+          <a:prstGeom prst="curvedConnector3">
+            <a:avLst>
+              <a:gd name="adj1" fmla="val 44205"/>
+            </a:avLst>
+          </a:prstGeom>
+          <a:noFill/>
+          <a:ln w="101600" cap="flat">
+            <a:solidFill>
+              <a:schemeClr val="accent1"/>
+            </a:solidFill>
+            <a:prstDash val="solid"/>
+            <a:miter lim="800000"/>
+            <a:tailEnd type="triangle"/>
+          </a:ln>
+          <a:effectLst/>
+          <a:sp3d/>
+        </p:spPr>
+        <p:style>
+          <a:lnRef idx="0">
+            <a:scrgbClr r="0" g="0" b="0"/>
+          </a:lnRef>
+          <a:fillRef idx="0">
+            <a:scrgbClr r="0" g="0" b="0"/>
+          </a:fillRef>
+          <a:effectRef idx="0">
+            <a:scrgbClr r="0" g="0" b="0"/>
+          </a:effectRef>
+          <a:fontRef idx="none"/>
+        </p:style>
+      </p:cxnSp>
     </p:spTree>
   </p:cSld>
   <p:clrMapOvr>

--- a/content/talks/posts/2024-aaai/poster.pptx
+++ b/content/talks/posts/2024-aaai/poster.pptx
@@ -1565,55 +1565,6 @@
           <a:chExt cx="0" cy="0"/>
         </a:xfrm>
       </p:grpSpPr>
-      <p:cxnSp>
-        <p:nvCxnSpPr>
-          <p:cNvPr id="103" name="Curved Connector 102">
-            <a:extLst>
-              <a:ext uri="{FF2B5EF4-FFF2-40B4-BE49-F238E27FC236}">
-                <a16:creationId xmlns:a16="http://schemas.microsoft.com/office/drawing/2014/main" id="{61D42071-3931-2F8B-FA72-ECB058251272}"/>
-              </a:ext>
-            </a:extLst>
-          </p:cNvPr>
-          <p:cNvCxnSpPr>
-            <a:cxnSpLocks/>
-          </p:cNvCxnSpPr>
-          <p:nvPr/>
-        </p:nvCxnSpPr>
-        <p:spPr>
-          <a:xfrm rot="10800000" flipV="1">
-            <a:off x="6412919" y="22854347"/>
-            <a:ext cx="9257566" cy="2714344"/>
-          </a:xfrm>
-          <a:prstGeom prst="curvedConnector3">
-            <a:avLst>
-              <a:gd name="adj1" fmla="val 30520"/>
-            </a:avLst>
-          </a:prstGeom>
-          <a:noFill/>
-          <a:ln w="101600" cap="flat">
-            <a:solidFill>
-              <a:schemeClr val="accent1"/>
-            </a:solidFill>
-            <a:prstDash val="solid"/>
-            <a:miter lim="800000"/>
-            <a:tailEnd type="triangle"/>
-          </a:ln>
-          <a:effectLst/>
-          <a:sp3d/>
-        </p:spPr>
-        <p:style>
-          <a:lnRef idx="0">
-            <a:scrgbClr r="0" g="0" b="0"/>
-          </a:lnRef>
-          <a:fillRef idx="0">
-            <a:scrgbClr r="0" g="0" b="0"/>
-          </a:fillRef>
-          <a:effectRef idx="0">
-            <a:scrgbClr r="0" g="0" b="0"/>
-          </a:effectRef>
-          <a:fontRef idx="none"/>
-        </p:style>
-      </p:cxnSp>
       <p:sp>
         <p:nvSpPr>
           <p:cNvPr id="47" name="Rectangle 46">
@@ -1636,16 +1587,15 @@
           </a:prstGeom>
           <a:solidFill>
             <a:schemeClr val="accent5">
-              <a:lumMod val="20000"/>
-              <a:lumOff val="80000"/>
+              <a:lumMod val="40000"/>
+              <a:lumOff val="60000"/>
               <a:alpha val="50000"/>
             </a:schemeClr>
           </a:solidFill>
-          <a:ln>
+          <a:ln w="25400">
             <a:solidFill>
               <a:schemeClr val="accent5">
-                <a:lumMod val="60000"/>
-                <a:lumOff val="40000"/>
+                <a:lumMod val="75000"/>
               </a:schemeClr>
             </a:solidFill>
           </a:ln>
@@ -1679,51 +1629,728 @@
           </a:p>
         </p:txBody>
       </p:sp>
-      <p:sp>
-        <p:nvSpPr>
-          <p:cNvPr id="30" name="TextBox 35"/>
-          <p:cNvSpPr txBox="1"/>
+      <p:grpSp>
+        <p:nvGrpSpPr>
+          <p:cNvPr id="1043" name="Group 1042">
+            <a:extLst>
+              <a:ext uri="{FF2B5EF4-FFF2-40B4-BE49-F238E27FC236}">
+                <a16:creationId xmlns:a16="http://schemas.microsoft.com/office/drawing/2014/main" id="{B1AF5637-73CD-30F0-AA3D-7EB4E569E859}"/>
+              </a:ext>
+            </a:extLst>
+          </p:cNvPr>
+          <p:cNvGrpSpPr/>
           <p:nvPr/>
-        </p:nvSpPr>
+        </p:nvGrpSpPr>
+        <p:grpSpPr>
+          <a:xfrm>
+            <a:off x="12634075" y="8704087"/>
+            <a:ext cx="11486306" cy="7289446"/>
+            <a:chOff x="567001" y="8604177"/>
+            <a:chExt cx="11486306" cy="6693067"/>
+          </a:xfrm>
+        </p:grpSpPr>
+        <p:sp>
+          <p:nvSpPr>
+            <p:cNvPr id="1044" name="Rectangle 1043">
+              <a:extLst>
+                <a:ext uri="{FF2B5EF4-FFF2-40B4-BE49-F238E27FC236}">
+                  <a16:creationId xmlns:a16="http://schemas.microsoft.com/office/drawing/2014/main" id="{DDE1A60E-F891-4796-E213-180B22267F70}"/>
+                </a:ext>
+              </a:extLst>
+            </p:cNvPr>
+            <p:cNvSpPr/>
+            <p:nvPr/>
+          </p:nvSpPr>
+          <p:spPr>
+            <a:xfrm>
+              <a:off x="567001" y="8604177"/>
+              <a:ext cx="11486306" cy="6693067"/>
+            </a:xfrm>
+            <a:prstGeom prst="rect">
+              <a:avLst/>
+            </a:prstGeom>
+            <a:solidFill>
+              <a:schemeClr val="accent5">
+                <a:lumMod val="20000"/>
+                <a:lumOff val="80000"/>
+                <a:alpha val="50000"/>
+              </a:schemeClr>
+            </a:solidFill>
+            <a:ln>
+              <a:solidFill>
+                <a:schemeClr val="accent5">
+                  <a:lumMod val="60000"/>
+                  <a:lumOff val="40000"/>
+                </a:schemeClr>
+              </a:solidFill>
+            </a:ln>
+          </p:spPr>
+          <p:style>
+            <a:lnRef idx="0">
+              <a:scrgbClr r="0" g="0" b="0"/>
+            </a:lnRef>
+            <a:fillRef idx="0">
+              <a:scrgbClr r="0" g="0" b="0"/>
+            </a:fillRef>
+            <a:effectRef idx="0">
+              <a:scrgbClr r="0" g="0" b="0"/>
+            </a:effectRef>
+            <a:fontRef idx="minor">
+              <a:schemeClr val="lt1"/>
+            </a:fontRef>
+          </p:style>
+          <p:txBody>
+            <a:bodyPr rot="0" spcFirstLastPara="1" vertOverflow="overflow" horzOverflow="overflow" vert="horz" wrap="square" lIns="33140" tIns="33140" rIns="33140" bIns="33140" numCol="1" spcCol="38100" rtlCol="0" anchor="ctr">
+              <a:spAutoFit/>
+            </a:bodyPr>
+            <a:lstStyle/>
+            <a:p>
+              <a:pPr defTabSz="236703"/>
+              <a:endParaRPr lang="en-NL" sz="870" dirty="0">
+                <a:solidFill>
+                  <a:srgbClr val="000000"/>
+                </a:solidFill>
+              </a:endParaRPr>
+            </a:p>
+          </p:txBody>
+        </p:sp>
+        <p:sp>
+          <p:nvSpPr>
+            <p:cNvPr id="1049" name="TextBox 43">
+              <a:extLst>
+                <a:ext uri="{FF2B5EF4-FFF2-40B4-BE49-F238E27FC236}">
+                  <a16:creationId xmlns:a16="http://schemas.microsoft.com/office/drawing/2014/main" id="{70B6170D-192B-AEC2-46BC-052A6C63CA14}"/>
+                </a:ext>
+              </a:extLst>
+            </p:cNvPr>
+            <p:cNvSpPr txBox="1"/>
+            <p:nvPr/>
+          </p:nvSpPr>
+          <p:spPr>
+            <a:xfrm>
+              <a:off x="737798" y="8604708"/>
+              <a:ext cx="11202662" cy="588174"/>
+            </a:xfrm>
+            <a:prstGeom prst="rect">
+              <a:avLst/>
+            </a:prstGeom>
+            <a:ln w="12700">
+              <a:miter lim="400000"/>
+            </a:ln>
+            <a:extLst>
+              <a:ext uri="{C572A759-6A51-4108-AA02-DFA0A04FC94B}">
+                <ma14:wrappingTextBoxFlag xmlns:ma14="http://schemas.microsoft.com/office/mac/drawingml/2011/main" xmlns:a14="http://schemas.microsoft.com/office/drawing/2010/main" xmlns:m="http://schemas.openxmlformats.org/officeDocument/2006/math" xmlns="" val="1"/>
+              </a:ext>
+            </a:extLst>
+          </p:spPr>
+          <p:txBody>
+            <a:bodyPr wrap="square" lIns="33867" rIns="33867">
+              <a:spAutoFit/>
+            </a:bodyPr>
+            <a:lstStyle>
+              <a:lvl1pPr>
+                <a:defRPr sz="3400">
+                  <a:latin typeface="Arial"/>
+                  <a:ea typeface="Arial"/>
+                  <a:cs typeface="Arial"/>
+                  <a:sym typeface="Arial"/>
+                </a:defRPr>
+              </a:lvl1pPr>
+            </a:lstStyle>
+            <a:p>
+              <a:pPr algn="r"/>
+              <a:r>
+                <a:rPr lang="en-US" sz="3222" dirty="0"/>
+                <a:t>BACKGROUND</a:t>
+              </a:r>
+              <a:endParaRPr sz="3222" dirty="0"/>
+            </a:p>
+          </p:txBody>
+        </p:sp>
+      </p:grpSp>
+      <p:pic>
+        <p:nvPicPr>
+          <p:cNvPr id="1071" name="Picture 1070">
+            <a:extLst>
+              <a:ext uri="{FF2B5EF4-FFF2-40B4-BE49-F238E27FC236}">
+                <a16:creationId xmlns:a16="http://schemas.microsoft.com/office/drawing/2014/main" id="{5A2B6010-530A-97E0-EAD0-CBD1CE8E2137}"/>
+              </a:ext>
+            </a:extLst>
+          </p:cNvPr>
+          <p:cNvPicPr>
+            <a:picLocks noChangeAspect="1"/>
+          </p:cNvPicPr>
+          <p:nvPr/>
+        </p:nvPicPr>
+        <p:blipFill>
+          <a:blip r:embed="rId3"/>
+          <a:stretch>
+            <a:fillRect/>
+          </a:stretch>
+        </p:blipFill>
         <p:spPr>
           <a:xfrm>
-            <a:off x="872581" y="443376"/>
-            <a:ext cx="11067879" cy="1346266"/>
+            <a:off x="6851364" y="2624017"/>
+            <a:ext cx="17101057" cy="5596556"/>
           </a:xfrm>
           <a:prstGeom prst="rect">
             <a:avLst/>
           </a:prstGeom>
-          <a:ln w="12700">
-            <a:miter lim="400000"/>
-          </a:ln>
-          <a:extLst>
-            <a:ext uri="{C572A759-6A51-4108-AA02-DFA0A04FC94B}">
-              <ma14:wrappingTextBoxFlag xmlns:ma14="http://schemas.microsoft.com/office/mac/drawingml/2011/main" xmlns:a14="http://schemas.microsoft.com/office/drawing/2010/main" xmlns:m="http://schemas.openxmlformats.org/officeDocument/2006/math" xmlns="" val="1"/>
-            </a:ext>
-          </a:extLst>
         </p:spPr>
-        <p:txBody>
-          <a:bodyPr wrap="square" lIns="33867" rIns="33867">
-            <a:spAutoFit/>
-          </a:bodyPr>
-          <a:lstStyle>
-            <a:lvl1pPr>
-              <a:defRPr sz="5500">
-                <a:latin typeface="Arial"/>
-                <a:ea typeface="Arial"/>
-                <a:cs typeface="Arial"/>
-                <a:sym typeface="Arial"/>
-              </a:defRPr>
-            </a:lvl1pPr>
-          </a:lstStyle>
-          <a:p>
-            <a:r>
-              <a:rPr lang="en-GB" sz="4074" dirty="0"/>
-              <a:t>Faithful Model Explanations through Energy-Constrained Conformal Counterfactuals</a:t>
-            </a:r>
-          </a:p>
-        </p:txBody>
-      </p:sp>
+      </p:pic>
+      <p:grpSp>
+        <p:nvGrpSpPr>
+          <p:cNvPr id="1056" name="Group 1055">
+            <a:extLst>
+              <a:ext uri="{FF2B5EF4-FFF2-40B4-BE49-F238E27FC236}">
+                <a16:creationId xmlns:a16="http://schemas.microsoft.com/office/drawing/2014/main" id="{EA75A440-6BB3-48DC-72A1-FE469A730371}"/>
+              </a:ext>
+            </a:extLst>
+          </p:cNvPr>
+          <p:cNvGrpSpPr/>
+          <p:nvPr/>
+        </p:nvGrpSpPr>
+        <p:grpSpPr>
+          <a:xfrm>
+            <a:off x="12634075" y="24691441"/>
+            <a:ext cx="11487722" cy="10821303"/>
+            <a:chOff x="565585" y="8604177"/>
+            <a:chExt cx="11487722" cy="8264169"/>
+          </a:xfrm>
+        </p:grpSpPr>
+        <p:sp>
+          <p:nvSpPr>
+            <p:cNvPr id="1057" name="Rectangle 1056">
+              <a:extLst>
+                <a:ext uri="{FF2B5EF4-FFF2-40B4-BE49-F238E27FC236}">
+                  <a16:creationId xmlns:a16="http://schemas.microsoft.com/office/drawing/2014/main" id="{7B7FC753-1F61-605F-9FE0-E364A42F1697}"/>
+                </a:ext>
+              </a:extLst>
+            </p:cNvPr>
+            <p:cNvSpPr/>
+            <p:nvPr/>
+          </p:nvSpPr>
+          <p:spPr>
+            <a:xfrm>
+              <a:off x="565585" y="8604177"/>
+              <a:ext cx="11487722" cy="8264169"/>
+            </a:xfrm>
+            <a:prstGeom prst="rect">
+              <a:avLst/>
+            </a:prstGeom>
+            <a:solidFill>
+              <a:schemeClr val="accent5">
+                <a:lumMod val="20000"/>
+                <a:lumOff val="80000"/>
+                <a:alpha val="50000"/>
+              </a:schemeClr>
+            </a:solidFill>
+            <a:ln>
+              <a:solidFill>
+                <a:schemeClr val="accent5">
+                  <a:lumMod val="60000"/>
+                  <a:lumOff val="40000"/>
+                </a:schemeClr>
+              </a:solidFill>
+            </a:ln>
+          </p:spPr>
+          <p:style>
+            <a:lnRef idx="0">
+              <a:scrgbClr r="0" g="0" b="0"/>
+            </a:lnRef>
+            <a:fillRef idx="0">
+              <a:scrgbClr r="0" g="0" b="0"/>
+            </a:fillRef>
+            <a:effectRef idx="0">
+              <a:scrgbClr r="0" g="0" b="0"/>
+            </a:effectRef>
+            <a:fontRef idx="minor">
+              <a:schemeClr val="lt1"/>
+            </a:fontRef>
+          </p:style>
+          <p:txBody>
+            <a:bodyPr rot="0" spcFirstLastPara="1" vertOverflow="overflow" horzOverflow="overflow" vert="horz" wrap="square" lIns="33140" tIns="33140" rIns="33140" bIns="33140" numCol="1" spcCol="38100" rtlCol="0" anchor="ctr">
+              <a:spAutoFit/>
+            </a:bodyPr>
+            <a:lstStyle/>
+            <a:p>
+              <a:pPr defTabSz="236703"/>
+              <a:endParaRPr lang="en-NL" sz="870" dirty="0">
+                <a:solidFill>
+                  <a:srgbClr val="000000"/>
+                </a:solidFill>
+              </a:endParaRPr>
+            </a:p>
+          </p:txBody>
+        </p:sp>
+        <p:sp>
+          <p:nvSpPr>
+            <p:cNvPr id="1058" name="TextBox 43">
+              <a:extLst>
+                <a:ext uri="{FF2B5EF4-FFF2-40B4-BE49-F238E27FC236}">
+                  <a16:creationId xmlns:a16="http://schemas.microsoft.com/office/drawing/2014/main" id="{7F9E7929-BEC1-6628-A864-9CF745270BEB}"/>
+                </a:ext>
+              </a:extLst>
+            </p:cNvPr>
+            <p:cNvSpPr txBox="1"/>
+            <p:nvPr/>
+          </p:nvSpPr>
+          <p:spPr>
+            <a:xfrm>
+              <a:off x="737798" y="8604708"/>
+              <a:ext cx="11202662" cy="588174"/>
+            </a:xfrm>
+            <a:prstGeom prst="rect">
+              <a:avLst/>
+            </a:prstGeom>
+            <a:ln w="12700">
+              <a:miter lim="400000"/>
+            </a:ln>
+            <a:extLst>
+              <a:ext uri="{C572A759-6A51-4108-AA02-DFA0A04FC94B}">
+                <ma14:wrappingTextBoxFlag xmlns:ma14="http://schemas.microsoft.com/office/mac/drawingml/2011/main" xmlns:a14="http://schemas.microsoft.com/office/drawing/2010/main" xmlns:m="http://schemas.openxmlformats.org/officeDocument/2006/math" xmlns="" val="1"/>
+              </a:ext>
+            </a:extLst>
+          </p:spPr>
+          <p:txBody>
+            <a:bodyPr wrap="square" lIns="33867" rIns="33867">
+              <a:spAutoFit/>
+            </a:bodyPr>
+            <a:lstStyle>
+              <a:lvl1pPr>
+                <a:defRPr sz="3400">
+                  <a:latin typeface="Arial"/>
+                  <a:ea typeface="Arial"/>
+                  <a:cs typeface="Arial"/>
+                  <a:sym typeface="Arial"/>
+                </a:defRPr>
+              </a:lvl1pPr>
+            </a:lstStyle>
+            <a:p>
+              <a:pPr algn="r"/>
+              <a:r>
+                <a:rPr lang="en-US" sz="3222" dirty="0"/>
+                <a:t>RESULTS</a:t>
+              </a:r>
+              <a:endParaRPr sz="3222" dirty="0"/>
+            </a:p>
+          </p:txBody>
+        </p:sp>
+      </p:grpSp>
+      <p:grpSp>
+        <p:nvGrpSpPr>
+          <p:cNvPr id="1053" name="Group 1052">
+            <a:extLst>
+              <a:ext uri="{FF2B5EF4-FFF2-40B4-BE49-F238E27FC236}">
+                <a16:creationId xmlns:a16="http://schemas.microsoft.com/office/drawing/2014/main" id="{90F299CD-258F-B8F8-E7B4-0BFE6E012923}"/>
+              </a:ext>
+            </a:extLst>
+          </p:cNvPr>
+          <p:cNvGrpSpPr/>
+          <p:nvPr/>
+        </p:nvGrpSpPr>
+        <p:grpSpPr>
+          <a:xfrm>
+            <a:off x="566687" y="24691441"/>
+            <a:ext cx="11483429" cy="7371801"/>
+            <a:chOff x="567001" y="8604177"/>
+            <a:chExt cx="11483429" cy="8267742"/>
+          </a:xfrm>
+        </p:grpSpPr>
+        <p:sp>
+          <p:nvSpPr>
+            <p:cNvPr id="1054" name="Rectangle 1053">
+              <a:extLst>
+                <a:ext uri="{FF2B5EF4-FFF2-40B4-BE49-F238E27FC236}">
+                  <a16:creationId xmlns:a16="http://schemas.microsoft.com/office/drawing/2014/main" id="{CBB704DB-4A46-028D-9ECD-F505EA288A49}"/>
+                </a:ext>
+              </a:extLst>
+            </p:cNvPr>
+            <p:cNvSpPr/>
+            <p:nvPr/>
+          </p:nvSpPr>
+          <p:spPr>
+            <a:xfrm>
+              <a:off x="567001" y="8604177"/>
+              <a:ext cx="11483429" cy="8267742"/>
+            </a:xfrm>
+            <a:prstGeom prst="rect">
+              <a:avLst/>
+            </a:prstGeom>
+            <a:solidFill>
+              <a:schemeClr val="accent5">
+                <a:lumMod val="20000"/>
+                <a:lumOff val="80000"/>
+                <a:alpha val="50000"/>
+              </a:schemeClr>
+            </a:solidFill>
+            <a:ln>
+              <a:solidFill>
+                <a:schemeClr val="accent5">
+                  <a:lumMod val="60000"/>
+                  <a:lumOff val="40000"/>
+                </a:schemeClr>
+              </a:solidFill>
+            </a:ln>
+          </p:spPr>
+          <p:style>
+            <a:lnRef idx="0">
+              <a:scrgbClr r="0" g="0" b="0"/>
+            </a:lnRef>
+            <a:fillRef idx="0">
+              <a:scrgbClr r="0" g="0" b="0"/>
+            </a:fillRef>
+            <a:effectRef idx="0">
+              <a:scrgbClr r="0" g="0" b="0"/>
+            </a:effectRef>
+            <a:fontRef idx="minor">
+              <a:schemeClr val="lt1"/>
+            </a:fontRef>
+          </p:style>
+          <p:txBody>
+            <a:bodyPr rot="0" spcFirstLastPara="1" vertOverflow="overflow" horzOverflow="overflow" vert="horz" wrap="square" lIns="33140" tIns="33140" rIns="33140" bIns="33140" numCol="1" spcCol="38100" rtlCol="0" anchor="ctr">
+              <a:spAutoFit/>
+            </a:bodyPr>
+            <a:lstStyle/>
+            <a:p>
+              <a:pPr defTabSz="236703"/>
+              <a:endParaRPr lang="en-NL" sz="870" dirty="0">
+                <a:solidFill>
+                  <a:srgbClr val="000000"/>
+                </a:solidFill>
+              </a:endParaRPr>
+            </a:p>
+          </p:txBody>
+        </p:sp>
+        <p:sp>
+          <p:nvSpPr>
+            <p:cNvPr id="1055" name="TextBox 43">
+              <a:extLst>
+                <a:ext uri="{FF2B5EF4-FFF2-40B4-BE49-F238E27FC236}">
+                  <a16:creationId xmlns:a16="http://schemas.microsoft.com/office/drawing/2014/main" id="{98ECCBD5-450A-9568-7E60-BC7FD71EC43D}"/>
+                </a:ext>
+              </a:extLst>
+            </p:cNvPr>
+            <p:cNvSpPr txBox="1"/>
+            <p:nvPr/>
+          </p:nvSpPr>
+          <p:spPr>
+            <a:xfrm>
+              <a:off x="737798" y="8604708"/>
+              <a:ext cx="11202662" cy="721756"/>
+            </a:xfrm>
+            <a:prstGeom prst="rect">
+              <a:avLst/>
+            </a:prstGeom>
+            <a:ln w="12700">
+              <a:miter lim="400000"/>
+            </a:ln>
+            <a:extLst>
+              <a:ext uri="{C572A759-6A51-4108-AA02-DFA0A04FC94B}">
+                <ma14:wrappingTextBoxFlag xmlns:ma14="http://schemas.microsoft.com/office/mac/drawingml/2011/main" xmlns:a14="http://schemas.microsoft.com/office/drawing/2010/main" xmlns:m="http://schemas.openxmlformats.org/officeDocument/2006/math" xmlns="" val="1"/>
+              </a:ext>
+            </a:extLst>
+          </p:spPr>
+          <p:txBody>
+            <a:bodyPr wrap="square" lIns="33867" rIns="33867">
+              <a:spAutoFit/>
+            </a:bodyPr>
+            <a:lstStyle>
+              <a:lvl1pPr>
+                <a:defRPr sz="3400">
+                  <a:latin typeface="Arial"/>
+                  <a:ea typeface="Arial"/>
+                  <a:cs typeface="Arial"/>
+                  <a:sym typeface="Arial"/>
+                </a:defRPr>
+              </a:lvl1pPr>
+            </a:lstStyle>
+            <a:p>
+              <a:r>
+                <a:rPr lang="en-US" sz="3222" dirty="0"/>
+                <a:t>METHOD</a:t>
+              </a:r>
+            </a:p>
+          </p:txBody>
+        </p:sp>
+      </p:grpSp>
+      <p:grpSp>
+        <p:nvGrpSpPr>
+          <p:cNvPr id="1050" name="Group 1049">
+            <a:extLst>
+              <a:ext uri="{FF2B5EF4-FFF2-40B4-BE49-F238E27FC236}">
+                <a16:creationId xmlns:a16="http://schemas.microsoft.com/office/drawing/2014/main" id="{B3F55BB7-58BA-3EA3-C4AF-DE69941A80D1}"/>
+              </a:ext>
+            </a:extLst>
+          </p:cNvPr>
+          <p:cNvGrpSpPr/>
+          <p:nvPr/>
+        </p:nvGrpSpPr>
+        <p:grpSpPr>
+          <a:xfrm>
+            <a:off x="12634075" y="16266934"/>
+            <a:ext cx="11487722" cy="8264169"/>
+            <a:chOff x="565585" y="8604177"/>
+            <a:chExt cx="11487722" cy="8264169"/>
+          </a:xfrm>
+        </p:grpSpPr>
+        <p:sp>
+          <p:nvSpPr>
+            <p:cNvPr id="1051" name="Rectangle 1050">
+              <a:extLst>
+                <a:ext uri="{FF2B5EF4-FFF2-40B4-BE49-F238E27FC236}">
+                  <a16:creationId xmlns:a16="http://schemas.microsoft.com/office/drawing/2014/main" id="{2C0A7BB9-A79F-1678-0E81-642A3BFA1610}"/>
+                </a:ext>
+              </a:extLst>
+            </p:cNvPr>
+            <p:cNvSpPr/>
+            <p:nvPr/>
+          </p:nvSpPr>
+          <p:spPr>
+            <a:xfrm>
+              <a:off x="565585" y="8604177"/>
+              <a:ext cx="11487722" cy="8264169"/>
+            </a:xfrm>
+            <a:prstGeom prst="rect">
+              <a:avLst/>
+            </a:prstGeom>
+            <a:solidFill>
+              <a:schemeClr val="accent5">
+                <a:lumMod val="20000"/>
+                <a:lumOff val="80000"/>
+                <a:alpha val="50000"/>
+              </a:schemeClr>
+            </a:solidFill>
+            <a:ln>
+              <a:solidFill>
+                <a:schemeClr val="accent5">
+                  <a:lumMod val="60000"/>
+                  <a:lumOff val="40000"/>
+                </a:schemeClr>
+              </a:solidFill>
+            </a:ln>
+          </p:spPr>
+          <p:style>
+            <a:lnRef idx="0">
+              <a:scrgbClr r="0" g="0" b="0"/>
+            </a:lnRef>
+            <a:fillRef idx="0">
+              <a:scrgbClr r="0" g="0" b="0"/>
+            </a:fillRef>
+            <a:effectRef idx="0">
+              <a:scrgbClr r="0" g="0" b="0"/>
+            </a:effectRef>
+            <a:fontRef idx="minor">
+              <a:schemeClr val="lt1"/>
+            </a:fontRef>
+          </p:style>
+          <p:txBody>
+            <a:bodyPr rot="0" spcFirstLastPara="1" vertOverflow="overflow" horzOverflow="overflow" vert="horz" wrap="square" lIns="33140" tIns="33140" rIns="33140" bIns="33140" numCol="1" spcCol="38100" rtlCol="0" anchor="ctr">
+              <a:spAutoFit/>
+            </a:bodyPr>
+            <a:lstStyle/>
+            <a:p>
+              <a:pPr defTabSz="236703"/>
+              <a:endParaRPr lang="en-NL" sz="870" dirty="0">
+                <a:solidFill>
+                  <a:srgbClr val="000000"/>
+                </a:solidFill>
+              </a:endParaRPr>
+            </a:p>
+          </p:txBody>
+        </p:sp>
+        <p:sp>
+          <p:nvSpPr>
+            <p:cNvPr id="1052" name="TextBox 43">
+              <a:extLst>
+                <a:ext uri="{FF2B5EF4-FFF2-40B4-BE49-F238E27FC236}">
+                  <a16:creationId xmlns:a16="http://schemas.microsoft.com/office/drawing/2014/main" id="{41D6C9AE-F1B6-0DC7-3605-233F908FD30E}"/>
+                </a:ext>
+              </a:extLst>
+            </p:cNvPr>
+            <p:cNvSpPr txBox="1"/>
+            <p:nvPr/>
+          </p:nvSpPr>
+          <p:spPr>
+            <a:xfrm>
+              <a:off x="737798" y="8604708"/>
+              <a:ext cx="11202662" cy="588174"/>
+            </a:xfrm>
+            <a:prstGeom prst="rect">
+              <a:avLst/>
+            </a:prstGeom>
+            <a:ln w="12700">
+              <a:miter lim="400000"/>
+            </a:ln>
+            <a:extLst>
+              <a:ext uri="{C572A759-6A51-4108-AA02-DFA0A04FC94B}">
+                <ma14:wrappingTextBoxFlag xmlns:ma14="http://schemas.microsoft.com/office/mac/drawingml/2011/main" xmlns:a14="http://schemas.microsoft.com/office/drawing/2010/main" xmlns:m="http://schemas.openxmlformats.org/officeDocument/2006/math" xmlns="" val="1"/>
+              </a:ext>
+            </a:extLst>
+          </p:spPr>
+          <p:txBody>
+            <a:bodyPr wrap="square" lIns="33867" rIns="33867">
+              <a:spAutoFit/>
+            </a:bodyPr>
+            <a:lstStyle>
+              <a:lvl1pPr>
+                <a:defRPr sz="3400">
+                  <a:latin typeface="Arial"/>
+                  <a:ea typeface="Arial"/>
+                  <a:cs typeface="Arial"/>
+                  <a:sym typeface="Arial"/>
+                </a:defRPr>
+              </a:lvl1pPr>
+            </a:lstStyle>
+            <a:p>
+              <a:pPr algn="r"/>
+              <a:r>
+                <a:rPr lang="en-US" sz="3222" dirty="0"/>
+                <a:t>FAITHFULNESS</a:t>
+              </a:r>
+              <a:endParaRPr sz="3222" dirty="0"/>
+            </a:p>
+          </p:txBody>
+        </p:sp>
+      </p:grpSp>
+      <p:grpSp>
+        <p:nvGrpSpPr>
+          <p:cNvPr id="1038" name="Group 1037">
+            <a:extLst>
+              <a:ext uri="{FF2B5EF4-FFF2-40B4-BE49-F238E27FC236}">
+                <a16:creationId xmlns:a16="http://schemas.microsoft.com/office/drawing/2014/main" id="{BAB18967-B8AD-5460-9A11-7C5FB996A4BB}"/>
+              </a:ext>
+            </a:extLst>
+          </p:cNvPr>
+          <p:cNvGrpSpPr/>
+          <p:nvPr/>
+        </p:nvGrpSpPr>
+        <p:grpSpPr>
+          <a:xfrm>
+            <a:off x="566687" y="16264202"/>
+            <a:ext cx="11483429" cy="8267742"/>
+            <a:chOff x="567001" y="8604177"/>
+            <a:chExt cx="11483429" cy="8267742"/>
+          </a:xfrm>
+        </p:grpSpPr>
+        <p:sp>
+          <p:nvSpPr>
+            <p:cNvPr id="1039" name="Rectangle 1038">
+              <a:extLst>
+                <a:ext uri="{FF2B5EF4-FFF2-40B4-BE49-F238E27FC236}">
+                  <a16:creationId xmlns:a16="http://schemas.microsoft.com/office/drawing/2014/main" id="{3DC87C68-D726-FA8C-6BA6-9468CD6601E9}"/>
+                </a:ext>
+              </a:extLst>
+            </p:cNvPr>
+            <p:cNvSpPr/>
+            <p:nvPr/>
+          </p:nvSpPr>
+          <p:spPr>
+            <a:xfrm>
+              <a:off x="567001" y="8604177"/>
+              <a:ext cx="11483429" cy="8267742"/>
+            </a:xfrm>
+            <a:prstGeom prst="rect">
+              <a:avLst/>
+            </a:prstGeom>
+            <a:solidFill>
+              <a:schemeClr val="accent5">
+                <a:lumMod val="20000"/>
+                <a:lumOff val="80000"/>
+                <a:alpha val="50000"/>
+              </a:schemeClr>
+            </a:solidFill>
+            <a:ln>
+              <a:solidFill>
+                <a:schemeClr val="accent5">
+                  <a:lumMod val="60000"/>
+                  <a:lumOff val="40000"/>
+                </a:schemeClr>
+              </a:solidFill>
+            </a:ln>
+          </p:spPr>
+          <p:style>
+            <a:lnRef idx="0">
+              <a:scrgbClr r="0" g="0" b="0"/>
+            </a:lnRef>
+            <a:fillRef idx="0">
+              <a:scrgbClr r="0" g="0" b="0"/>
+            </a:fillRef>
+            <a:effectRef idx="0">
+              <a:scrgbClr r="0" g="0" b="0"/>
+            </a:effectRef>
+            <a:fontRef idx="minor">
+              <a:schemeClr val="lt1"/>
+            </a:fontRef>
+          </p:style>
+          <p:txBody>
+            <a:bodyPr rot="0" spcFirstLastPara="1" vertOverflow="overflow" horzOverflow="overflow" vert="horz" wrap="square" lIns="33140" tIns="33140" rIns="33140" bIns="33140" numCol="1" spcCol="38100" rtlCol="0" anchor="ctr">
+              <a:spAutoFit/>
+            </a:bodyPr>
+            <a:lstStyle/>
+            <a:p>
+              <a:pPr defTabSz="236703"/>
+              <a:endParaRPr lang="en-NL" sz="870" dirty="0">
+                <a:solidFill>
+                  <a:srgbClr val="000000"/>
+                </a:solidFill>
+              </a:endParaRPr>
+            </a:p>
+          </p:txBody>
+        </p:sp>
+        <p:sp>
+          <p:nvSpPr>
+            <p:cNvPr id="1040" name="TextBox 43">
+              <a:extLst>
+                <a:ext uri="{FF2B5EF4-FFF2-40B4-BE49-F238E27FC236}">
+                  <a16:creationId xmlns:a16="http://schemas.microsoft.com/office/drawing/2014/main" id="{E538C469-6E4E-87E2-809E-CA85EB574BBC}"/>
+                </a:ext>
+              </a:extLst>
+            </p:cNvPr>
+            <p:cNvSpPr txBox="1"/>
+            <p:nvPr/>
+          </p:nvSpPr>
+          <p:spPr>
+            <a:xfrm>
+              <a:off x="737798" y="8604708"/>
+              <a:ext cx="11202662" cy="588174"/>
+            </a:xfrm>
+            <a:prstGeom prst="rect">
+              <a:avLst/>
+            </a:prstGeom>
+            <a:ln w="12700">
+              <a:miter lim="400000"/>
+            </a:ln>
+            <a:extLst>
+              <a:ext uri="{C572A759-6A51-4108-AA02-DFA0A04FC94B}">
+                <ma14:wrappingTextBoxFlag xmlns:ma14="http://schemas.microsoft.com/office/mac/drawingml/2011/main" xmlns:a14="http://schemas.microsoft.com/office/drawing/2010/main" xmlns:m="http://schemas.openxmlformats.org/officeDocument/2006/math" xmlns="" val="1"/>
+              </a:ext>
+            </a:extLst>
+          </p:spPr>
+          <p:txBody>
+            <a:bodyPr wrap="square" lIns="33867" rIns="33867">
+              <a:spAutoFit/>
+            </a:bodyPr>
+            <a:lstStyle>
+              <a:lvl1pPr>
+                <a:defRPr sz="3400">
+                  <a:latin typeface="Arial"/>
+                  <a:ea typeface="Arial"/>
+                  <a:cs typeface="Arial"/>
+                  <a:sym typeface="Arial"/>
+                </a:defRPr>
+              </a:lvl1pPr>
+            </a:lstStyle>
+            <a:p>
+              <a:r>
+                <a:rPr lang="en-US" sz="3222" dirty="0"/>
+                <a:t>PLAUSIBILITY</a:t>
+              </a:r>
+              <a:endParaRPr sz="3222" dirty="0"/>
+            </a:p>
+          </p:txBody>
+        </p:sp>
+      </p:grpSp>
       <p:pic>
         <p:nvPicPr>
           <p:cNvPr id="9" name="Picture 8">
@@ -1739,7 +2366,7 @@
           <p:nvPr/>
         </p:nvPicPr>
         <p:blipFill rotWithShape="1">
-          <a:blip r:embed="rId3">
+          <a:blip r:embed="rId4">
             <a:extLst>
               <a:ext uri="{28A0092B-C50C-407E-A947-70E740481C1C}">
                 <a14:useLocalDpi xmlns:a14="http://schemas.microsoft.com/office/drawing/2010/main" val="0"/>
@@ -1774,13 +2401,13 @@
           <p:nvPr/>
         </p:nvPicPr>
         <p:blipFill>
-          <a:blip r:embed="rId4">
+          <a:blip r:embed="rId5">
             <a:extLst>
               <a:ext uri="{28A0092B-C50C-407E-A947-70E740481C1C}">
                 <a14:useLocalDpi xmlns:a14="http://schemas.microsoft.com/office/drawing/2010/main" val="0"/>
               </a:ext>
               <a:ext uri="{96DAC541-7B7A-43D3-8B79-37D633B846F1}">
-                <asvg:svgBlip xmlns:asvg="http://schemas.microsoft.com/office/drawing/2016/SVG/main" r:embed="rId5"/>
+                <asvg:svgBlip xmlns:asvg="http://schemas.microsoft.com/office/drawing/2016/SVG/main" r:embed="rId6"/>
               </a:ext>
             </a:extLst>
           </a:blip>
@@ -1800,10 +2427,10 @@
       </p:pic>
       <p:grpSp>
         <p:nvGrpSpPr>
-          <p:cNvPr id="29" name="Group 28">
+          <p:cNvPr id="6" name="Group 5">
             <a:extLst>
               <a:ext uri="{FF2B5EF4-FFF2-40B4-BE49-F238E27FC236}">
-                <a16:creationId xmlns:a16="http://schemas.microsoft.com/office/drawing/2014/main" id="{5B6D1B4B-2446-B519-EFA2-2CFE9741E95D}"/>
+                <a16:creationId xmlns:a16="http://schemas.microsoft.com/office/drawing/2014/main" id="{15ED29F7-9FE3-DDBD-CC16-BF98E683BA50}"/>
               </a:ext>
             </a:extLst>
           </p:cNvPr>
@@ -1812,22 +2439,22 @@
         </p:nvGrpSpPr>
         <p:grpSpPr>
           <a:xfrm>
-            <a:off x="12611656" y="16354258"/>
-            <a:ext cx="11430520" cy="8498387"/>
-            <a:chOff x="726830" y="10039801"/>
-            <a:chExt cx="14192152" cy="10551610"/>
+            <a:off x="12881338" y="16558820"/>
+            <a:ext cx="6950234" cy="7782295"/>
+            <a:chOff x="16302212" y="7741507"/>
+            <a:chExt cx="8629421" cy="9662511"/>
           </a:xfrm>
         </p:grpSpPr>
         <p:sp>
           <p:nvSpPr>
-            <p:cNvPr id="41" name="TextBox 47"/>
+            <p:cNvPr id="46" name="TextBox 56"/>
             <p:cNvSpPr txBox="1"/>
             <p:nvPr/>
           </p:nvSpPr>
           <p:spPr>
             <a:xfrm>
-              <a:off x="9412593" y="11243581"/>
-              <a:ext cx="5506389" cy="6273955"/>
+              <a:off x="16674493" y="16366041"/>
+              <a:ext cx="7635598" cy="1037977"/>
             </a:xfrm>
             <a:prstGeom prst="rect">
               <a:avLst/>
@@ -1846,11 +2473,8 @@
               <a:spAutoFit/>
             </a:bodyPr>
             <a:lstStyle>
-              <a:lvl1pPr>
-                <a:lnSpc>
-                  <a:spcPct val="120000"/>
-                </a:lnSpc>
-                <a:defRPr sz="2100">
+              <a:lvl1pPr algn="ctr">
+                <a:defRPr sz="1300">
                   <a:solidFill>
                     <a:srgbClr val="344854"/>
                   </a:solidFill>
@@ -1862,220 +2486,66 @@
               </a:lvl1pPr>
             </a:lstStyle>
             <a:p>
-              <a:pPr marL="368245" indent="-368245" fontAlgn="base">
-                <a:buFont typeface="Arial" panose="020B0604020202020204" pitchFamily="34" charset="0"/>
-                <a:buChar char="•"/>
-              </a:pPr>
               <a:r>
-                <a:rPr lang="en-GB" sz="2256" b="1" dirty="0"/>
-                <a:t>Counterfactual Explanation </a:t>
+                <a:rPr lang="en-GB" sz="1611" dirty="0"/>
+                <a:t>Figure 2: Generating a counterfactual for </a:t>
               </a:r>
               <a:r>
-                <a:rPr lang="en-GB" sz="2256" dirty="0"/>
-                <a:t>(CE) explain how inputs into a model need to change for it to produce different outputs.</a:t>
-              </a:r>
-            </a:p>
-            <a:p>
-              <a:pPr marL="368245" indent="-368245" fontAlgn="base">
-                <a:buFont typeface="Arial" panose="020B0604020202020204" pitchFamily="34" charset="0"/>
-                <a:buChar char="•"/>
-              </a:pPr>
-              <a:r>
-                <a:rPr lang="en-GB" sz="2256" dirty="0"/>
-                <a:t>Counterfactual Explanations that involve realistic and actionable changes can be used for the purpose of </a:t>
+                <a:rPr lang="en-NL" sz="1611" dirty="0"/>
+                <a:t>🐱 following Wachter et al. (2018)</a:t>
               </a:r>
               <a:r>
-                <a:rPr lang="en-GB" sz="2256" b="1" dirty="0"/>
-                <a:t>Algorithmic Recourse </a:t>
+                <a:rPr lang="en-GB" sz="1611" dirty="0"/>
+                <a:t>. The contour shows the predictions of a simple multi-layer perceptron (MLP).</a:t>
               </a:r>
-              <a:r>
-                <a:rPr lang="en-GB" sz="2256" dirty="0"/>
-                <a:t>(AR).</a:t>
-              </a:r>
-            </a:p>
-            <a:p>
-              <a:pPr marL="368245" indent="-368245" fontAlgn="base">
-                <a:buFont typeface="Arial" panose="020B0604020202020204" pitchFamily="34" charset="0"/>
-                <a:buChar char="•"/>
-              </a:pPr>
-              <a:endParaRPr lang="en-GB" sz="2256" dirty="0"/>
             </a:p>
           </p:txBody>
         </p:sp>
-        <p:grpSp>
-          <p:nvGrpSpPr>
-            <p:cNvPr id="6" name="Group 5">
+        <p:pic>
+          <p:nvPicPr>
+            <p:cNvPr id="1027" name="Picture 3">
               <a:extLst>
                 <a:ext uri="{FF2B5EF4-FFF2-40B4-BE49-F238E27FC236}">
-                  <a16:creationId xmlns:a16="http://schemas.microsoft.com/office/drawing/2014/main" id="{15ED29F7-9FE3-DDBD-CC16-BF98E683BA50}"/>
+                  <a16:creationId xmlns:a16="http://schemas.microsoft.com/office/drawing/2014/main" id="{1380E7DC-4C80-4E4C-8C15-86419506E7A4}"/>
                 </a:ext>
               </a:extLst>
             </p:cNvPr>
-            <p:cNvGrpSpPr/>
+            <p:cNvPicPr>
+              <a:picLocks noChangeAspect="1" noChangeArrowheads="1"/>
+            </p:cNvPicPr>
             <p:nvPr/>
-          </p:nvGrpSpPr>
-          <p:grpSpPr>
-            <a:xfrm>
-              <a:off x="726830" y="10846872"/>
-              <a:ext cx="12898846" cy="9744539"/>
-              <a:chOff x="16060553" y="7747753"/>
-              <a:chExt cx="12898846" cy="9744539"/>
-            </a:xfrm>
-          </p:grpSpPr>
-          <p:sp>
-            <p:nvSpPr>
-              <p:cNvPr id="46" name="TextBox 56"/>
-              <p:cNvSpPr txBox="1"/>
-              <p:nvPr/>
-            </p:nvSpPr>
-            <p:spPr>
-              <a:xfrm>
-                <a:off x="16719226" y="16762094"/>
-                <a:ext cx="12240173" cy="730198"/>
-              </a:xfrm>
-              <a:prstGeom prst="rect">
-                <a:avLst/>
-              </a:prstGeom>
-              <a:ln w="12700">
-                <a:miter lim="400000"/>
-              </a:ln>
+          </p:nvPicPr>
+          <p:blipFill>
+            <a:blip r:embed="rId7">
               <a:extLst>
-                <a:ext uri="{C572A759-6A51-4108-AA02-DFA0A04FC94B}">
-                  <ma14:wrappingTextBoxFlag xmlns:ma14="http://schemas.microsoft.com/office/mac/drawingml/2011/main" xmlns:a14="http://schemas.microsoft.com/office/drawing/2010/main" xmlns:m="http://schemas.openxmlformats.org/officeDocument/2006/math" xmlns="" val="1"/>
+                <a:ext uri="{28A0092B-C50C-407E-A947-70E740481C1C}">
+                  <a14:useLocalDpi xmlns:a14="http://schemas.microsoft.com/office/drawing/2010/main" val="0"/>
                 </a:ext>
               </a:extLst>
-            </p:spPr>
-            <p:txBody>
-              <a:bodyPr wrap="square" lIns="33867" rIns="33867">
-                <a:spAutoFit/>
-              </a:bodyPr>
-              <a:lstStyle>
-                <a:lvl1pPr algn="ctr">
-                  <a:defRPr sz="1300">
-                    <a:solidFill>
-                      <a:srgbClr val="344854"/>
-                    </a:solidFill>
-                    <a:latin typeface="Arial"/>
-                    <a:ea typeface="Arial"/>
-                    <a:cs typeface="Arial"/>
-                    <a:sym typeface="Arial"/>
-                  </a:defRPr>
-                </a:lvl1pPr>
-              </a:lstStyle>
-              <a:p>
-                <a:r>
-                  <a:rPr lang="en-GB" sz="1611" dirty="0"/>
-                  <a:t>Figure 2: Generating a counterfactual for </a:t>
-                </a:r>
-                <a:r>
-                  <a:rPr lang="en-NL" sz="1611" dirty="0"/>
-                  <a:t>🐱 following Wachter et al. (2018)</a:t>
-                </a:r>
-                <a:r>
-                  <a:rPr lang="en-GB" sz="1611" dirty="0"/>
-                  <a:t>. The contour shows the predictions of a simple multi-layer perceptron (MLP).</a:t>
-                </a:r>
-              </a:p>
-            </p:txBody>
-          </p:sp>
-          <p:pic>
-            <p:nvPicPr>
-              <p:cNvPr id="1027" name="Picture 3">
-                <a:extLst>
-                  <a:ext uri="{FF2B5EF4-FFF2-40B4-BE49-F238E27FC236}">
-                    <a16:creationId xmlns:a16="http://schemas.microsoft.com/office/drawing/2014/main" id="{1380E7DC-4C80-4E4C-8C15-86419506E7A4}"/>
-                  </a:ext>
-                </a:extLst>
-              </p:cNvPr>
-              <p:cNvPicPr>
-                <a:picLocks noChangeAspect="1" noChangeArrowheads="1"/>
-              </p:cNvPicPr>
-              <p:nvPr/>
-            </p:nvPicPr>
-            <p:blipFill>
-              <a:blip r:embed="rId6">
-                <a:extLst>
-                  <a:ext uri="{28A0092B-C50C-407E-A947-70E740481C1C}">
-                    <a14:useLocalDpi xmlns:a14="http://schemas.microsoft.com/office/drawing/2010/main" val="0"/>
-                  </a:ext>
-                </a:extLst>
-              </a:blip>
-              <a:srcRect/>
-              <a:stretch/>
-            </p:blipFill>
-            <p:spPr bwMode="auto">
-              <a:xfrm>
-                <a:off x="16060553" y="7747753"/>
-                <a:ext cx="8629422" cy="8629421"/>
-              </a:xfrm>
-              <a:prstGeom prst="rect">
-                <a:avLst/>
-              </a:prstGeom>
-              <a:noFill/>
-              <a:extLst>
-                <a:ext uri="{909E8E84-426E-40DD-AFC4-6F175D3DCCD1}">
-                  <a14:hiddenFill xmlns:a14="http://schemas.microsoft.com/office/drawing/2010/main">
-                    <a:solidFill>
-                      <a:srgbClr val="FFFFFF"/>
-                    </a:solidFill>
-                  </a14:hiddenFill>
-                </a:ext>
-              </a:extLst>
-            </p:spPr>
-          </p:pic>
-        </p:grpSp>
-        <p:sp>
-          <p:nvSpPr>
-            <p:cNvPr id="53" name="TextBox 43">
-              <a:extLst>
-                <a:ext uri="{FF2B5EF4-FFF2-40B4-BE49-F238E27FC236}">
-                  <a16:creationId xmlns:a16="http://schemas.microsoft.com/office/drawing/2014/main" id="{9403F12C-06F8-0340-BED1-F966AED7C9C7}"/>
-                </a:ext>
-              </a:extLst>
-            </p:cNvPr>
-            <p:cNvSpPr txBox="1"/>
-            <p:nvPr/>
-          </p:nvSpPr>
-          <p:spPr>
+            </a:blip>
+            <a:srcRect/>
+            <a:stretch/>
+          </p:blipFill>
+          <p:spPr bwMode="auto">
             <a:xfrm>
-              <a:off x="726831" y="10039801"/>
-              <a:ext cx="13700506" cy="730278"/>
+              <a:off x="16302212" y="7741507"/>
+              <a:ext cx="8629421" cy="8629421"/>
             </a:xfrm>
             <a:prstGeom prst="rect">
               <a:avLst/>
             </a:prstGeom>
-            <a:ln w="12700">
-              <a:miter lim="400000"/>
-            </a:ln>
+            <a:noFill/>
             <a:extLst>
-              <a:ext uri="{C572A759-6A51-4108-AA02-DFA0A04FC94B}">
-                <ma14:wrappingTextBoxFlag xmlns:ma14="http://schemas.microsoft.com/office/mac/drawingml/2011/main" xmlns:a14="http://schemas.microsoft.com/office/drawing/2010/main" xmlns:m="http://schemas.openxmlformats.org/officeDocument/2006/math" xmlns="" val="1"/>
+              <a:ext uri="{909E8E84-426E-40DD-AFC4-6F175D3DCCD1}">
+                <a14:hiddenFill xmlns:a14="http://schemas.microsoft.com/office/drawing/2010/main">
+                  <a:solidFill>
+                    <a:srgbClr val="FFFFFF"/>
+                  </a:solidFill>
+                </a14:hiddenFill>
               </a:ext>
             </a:extLst>
           </p:spPr>
-          <p:txBody>
-            <a:bodyPr lIns="33867" rIns="33867">
-              <a:spAutoFit/>
-            </a:bodyPr>
-            <a:lstStyle>
-              <a:lvl1pPr>
-                <a:defRPr sz="3400">
-                  <a:latin typeface="Arial"/>
-                  <a:ea typeface="Arial"/>
-                  <a:cs typeface="Arial"/>
-                  <a:sym typeface="Arial"/>
-                </a:defRPr>
-              </a:lvl1pPr>
-            </a:lstStyle>
-            <a:p>
-              <a:r>
-                <a:rPr lang="en-US" sz="3222" dirty="0"/>
-                <a:t>FAITHFULNESS</a:t>
-              </a:r>
-              <a:endParaRPr sz="3222" dirty="0"/>
-            </a:p>
-          </p:txBody>
-        </p:sp>
+        </p:pic>
       </p:grpSp>
       <p:pic>
         <p:nvPicPr>
@@ -2092,7 +2562,7 @@
           <p:nvPr/>
         </p:nvPicPr>
         <p:blipFill>
-          <a:blip r:embed="rId7">
+          <a:blip r:embed="rId8">
             <a:extLst>
               <a:ext uri="{28A0092B-C50C-407E-A947-70E740481C1C}">
                 <a14:useLocalDpi xmlns:a14="http://schemas.microsoft.com/office/drawing/2010/main" val="0"/>
@@ -2183,7 +2653,21 @@
                 <a:latin typeface="Arial" panose="020B0604020202020204" pitchFamily="34" charset="0"/>
                 <a:cs typeface="Arial" panose="020B0604020202020204" pitchFamily="34" charset="0"/>
               </a:rPr>
-              <a:t>This poster was created by Patrick Altmeyer for the First IEEE Conference on Secure and Trustworthy Machine Learning. Images produced by author.</a:t>
+              <a:t>This poster was created by Patrick Altmeyer </a:t>
+            </a:r>
+            <a:r>
+              <a:rPr lang="en-NL" sz="1128">
+                <a:latin typeface="Arial" panose="020B0604020202020204" pitchFamily="34" charset="0"/>
+                <a:cs typeface="Arial" panose="020B0604020202020204" pitchFamily="34" charset="0"/>
+              </a:rPr>
+              <a:t>for the 38th Annual AAAI Conference on Artificial Intelligence. </a:t>
+            </a:r>
+            <a:r>
+              <a:rPr lang="en-NL" sz="1128" dirty="0">
+                <a:latin typeface="Arial" panose="020B0604020202020204" pitchFamily="34" charset="0"/>
+                <a:cs typeface="Arial" panose="020B0604020202020204" pitchFamily="34" charset="0"/>
+              </a:rPr>
+              <a:t>Images produced by author.</a:t>
             </a:r>
           </a:p>
         </p:txBody>
@@ -2202,8 +2686,8 @@
         </p:nvSpPr>
         <p:spPr>
           <a:xfrm>
-            <a:off x="878980" y="1766837"/>
-            <a:ext cx="11067878" cy="489045"/>
+            <a:off x="2619757" y="758645"/>
+            <a:ext cx="3304228" cy="1282467"/>
           </a:xfrm>
           <a:prstGeom prst="rect">
             <a:avLst/>
@@ -2257,7 +2741,7 @@
         </p:nvSpPr>
         <p:spPr>
           <a:xfrm>
-            <a:off x="8355579" y="15309967"/>
+            <a:off x="8354160" y="16701931"/>
             <a:ext cx="74428" cy="223186"/>
           </a:xfrm>
           <a:prstGeom prst="rect">
@@ -2291,110 +2775,6 @@
           <a:p>
             <a:pPr defTabSz="263001"/>
             <a:endParaRPr lang="en-NL" sz="967" dirty="0"/>
-          </a:p>
-        </p:txBody>
-      </p:sp>
-      <p:sp>
-        <p:nvSpPr>
-          <p:cNvPr id="87" name="TextBox 43">
-            <a:extLst>
-              <a:ext uri="{FF2B5EF4-FFF2-40B4-BE49-F238E27FC236}">
-                <a16:creationId xmlns:a16="http://schemas.microsoft.com/office/drawing/2014/main" id="{54275914-7F7B-517F-A8CF-40525146146E}"/>
-              </a:ext>
-            </a:extLst>
-          </p:cNvPr>
-          <p:cNvSpPr txBox="1"/>
-          <p:nvPr/>
-        </p:nvSpPr>
-        <p:spPr>
-          <a:xfrm>
-            <a:off x="13087256" y="8604623"/>
-            <a:ext cx="11034543" cy="588174"/>
-          </a:xfrm>
-          <a:prstGeom prst="rect">
-            <a:avLst/>
-          </a:prstGeom>
-          <a:ln w="12700">
-            <a:miter lim="400000"/>
-          </a:ln>
-          <a:extLst>
-            <a:ext uri="{C572A759-6A51-4108-AA02-DFA0A04FC94B}">
-              <ma14:wrappingTextBoxFlag xmlns:ma14="http://schemas.microsoft.com/office/mac/drawingml/2011/main" xmlns:a14="http://schemas.microsoft.com/office/drawing/2010/main" xmlns:m="http://schemas.openxmlformats.org/officeDocument/2006/math" xmlns="" val="1"/>
-            </a:ext>
-          </a:extLst>
-        </p:spPr>
-        <p:txBody>
-          <a:bodyPr lIns="33867" rIns="33867">
-            <a:spAutoFit/>
-          </a:bodyPr>
-          <a:lstStyle>
-            <a:lvl1pPr>
-              <a:defRPr sz="3400">
-                <a:latin typeface="Arial"/>
-                <a:ea typeface="Arial"/>
-                <a:cs typeface="Arial"/>
-                <a:sym typeface="Arial"/>
-              </a:defRPr>
-            </a:lvl1pPr>
-          </a:lstStyle>
-          <a:p>
-            <a:r>
-              <a:rPr lang="en-US" sz="3222" dirty="0"/>
-              <a:t>BACKGROUND</a:t>
-            </a:r>
-            <a:endParaRPr sz="3222" dirty="0"/>
-          </a:p>
-        </p:txBody>
-      </p:sp>
-      <p:sp>
-        <p:nvSpPr>
-          <p:cNvPr id="123" name="TextBox 43">
-            <a:extLst>
-              <a:ext uri="{FF2B5EF4-FFF2-40B4-BE49-F238E27FC236}">
-                <a16:creationId xmlns:a16="http://schemas.microsoft.com/office/drawing/2014/main" id="{FBCF131E-5B54-E87C-1D5C-71F7D6F044EE}"/>
-              </a:ext>
-            </a:extLst>
-          </p:cNvPr>
-          <p:cNvSpPr txBox="1"/>
-          <p:nvPr/>
-        </p:nvSpPr>
-        <p:spPr>
-          <a:xfrm>
-            <a:off x="12897144" y="25274604"/>
-            <a:ext cx="11034543" cy="588174"/>
-          </a:xfrm>
-          <a:prstGeom prst="rect">
-            <a:avLst/>
-          </a:prstGeom>
-          <a:ln w="12700">
-            <a:miter lim="400000"/>
-          </a:ln>
-          <a:extLst>
-            <a:ext uri="{C572A759-6A51-4108-AA02-DFA0A04FC94B}">
-              <ma14:wrappingTextBoxFlag xmlns:ma14="http://schemas.microsoft.com/office/mac/drawingml/2011/main" xmlns:a14="http://schemas.microsoft.com/office/drawing/2010/main" xmlns:m="http://schemas.openxmlformats.org/officeDocument/2006/math" xmlns="" val="1"/>
-            </a:ext>
-          </a:extLst>
-        </p:spPr>
-        <p:txBody>
-          <a:bodyPr lIns="33867" rIns="33867">
-            <a:spAutoFit/>
-          </a:bodyPr>
-          <a:lstStyle>
-            <a:lvl1pPr>
-              <a:defRPr sz="3400">
-                <a:latin typeface="Arial"/>
-                <a:ea typeface="Arial"/>
-                <a:cs typeface="Arial"/>
-                <a:sym typeface="Arial"/>
-              </a:defRPr>
-            </a:lvl1pPr>
-          </a:lstStyle>
-          <a:p>
-            <a:r>
-              <a:rPr lang="en-US" sz="3222" dirty="0"/>
-              <a:t>RESULTS</a:t>
-            </a:r>
-            <a:endParaRPr sz="3222" dirty="0"/>
           </a:p>
         </p:txBody>
       </p:sp>
@@ -2485,7 +2865,7 @@
             <p:nvPr/>
           </p:nvPicPr>
           <p:blipFill>
-            <a:blip r:embed="rId8">
+            <a:blip r:embed="rId9">
               <a:extLst>
                 <a:ext uri="{28A0092B-C50C-407E-A947-70E740481C1C}">
                   <a14:useLocalDpi xmlns:a14="http://schemas.microsoft.com/office/drawing/2010/main" val="0"/>
@@ -2520,7 +2900,7 @@
             <p:nvPr/>
           </p:nvPicPr>
           <p:blipFill>
-            <a:blip r:embed="rId9">
+            <a:blip r:embed="rId10">
               <a:extLst>
                 <a:ext uri="{28A0092B-C50C-407E-A947-70E740481C1C}">
                   <a14:useLocalDpi xmlns:a14="http://schemas.microsoft.com/office/drawing/2010/main" val="0"/>
@@ -2543,7 +2923,7 @@
         <p:pic>
           <p:nvPicPr>
             <p:cNvPr id="1041" name="Picture 1040">
-              <a:hlinkClick r:id="rId10"/>
+              <a:hlinkClick r:id="rId11"/>
               <a:extLst>
                 <a:ext uri="{FF2B5EF4-FFF2-40B4-BE49-F238E27FC236}">
                   <a16:creationId xmlns:a16="http://schemas.microsoft.com/office/drawing/2014/main" id="{445191B8-6752-D16E-34FB-5FEA53A59BBB}"/>
@@ -2556,7 +2936,7 @@
             <p:nvPr/>
           </p:nvPicPr>
           <p:blipFill>
-            <a:blip r:embed="rId11">
+            <a:blip r:embed="rId12">
               <a:extLst>
                 <a:ext uri="{28A0092B-C50C-407E-A947-70E740481C1C}">
                   <a14:useLocalDpi xmlns:a14="http://schemas.microsoft.com/office/drawing/2010/main" val="0"/>
@@ -2579,7 +2959,7 @@
         <p:pic>
           <p:nvPicPr>
             <p:cNvPr id="1042" name="Picture 1041" descr="Qr code&#10;&#10;Description automatically generated">
-              <a:hlinkClick r:id="rId10"/>
+              <a:hlinkClick r:id="rId11"/>
               <a:extLst>
                 <a:ext uri="{FF2B5EF4-FFF2-40B4-BE49-F238E27FC236}">
                   <a16:creationId xmlns:a16="http://schemas.microsoft.com/office/drawing/2014/main" id="{C33A7FC4-F6FE-46BF-CF5B-C93AC4CB9AF5}"/>
@@ -2592,7 +2972,7 @@
             <p:nvPr/>
           </p:nvPicPr>
           <p:blipFill>
-            <a:blip r:embed="rId12">
+            <a:blip r:embed="rId13">
               <a:extLst>
                 <a:ext uri="{28A0092B-C50C-407E-A947-70E740481C1C}">
                   <a14:useLocalDpi xmlns:a14="http://schemas.microsoft.com/office/drawing/2010/main" val="0"/>
@@ -2614,58 +2994,6 @@
           </p:spPr>
         </p:pic>
       </p:grpSp>
-      <p:sp>
-        <p:nvSpPr>
-          <p:cNvPr id="1045" name="TextBox 43">
-            <a:extLst>
-              <a:ext uri="{FF2B5EF4-FFF2-40B4-BE49-F238E27FC236}">
-                <a16:creationId xmlns:a16="http://schemas.microsoft.com/office/drawing/2014/main" id="{A87E2A29-24B1-569F-64E8-D11B237E5205}"/>
-              </a:ext>
-            </a:extLst>
-          </p:cNvPr>
-          <p:cNvSpPr txBox="1"/>
-          <p:nvPr/>
-        </p:nvSpPr>
-        <p:spPr>
-          <a:xfrm>
-            <a:off x="737798" y="25275359"/>
-            <a:ext cx="11034543" cy="588174"/>
-          </a:xfrm>
-          <a:prstGeom prst="rect">
-            <a:avLst/>
-          </a:prstGeom>
-          <a:ln w="12700">
-            <a:miter lim="400000"/>
-          </a:ln>
-          <a:extLst>
-            <a:ext uri="{C572A759-6A51-4108-AA02-DFA0A04FC94B}">
-              <ma14:wrappingTextBoxFlag xmlns:ma14="http://schemas.microsoft.com/office/mac/drawingml/2011/main" xmlns:a14="http://schemas.microsoft.com/office/drawing/2010/main" xmlns:m="http://schemas.openxmlformats.org/officeDocument/2006/math" xmlns="" val="1"/>
-            </a:ext>
-          </a:extLst>
-        </p:spPr>
-        <p:txBody>
-          <a:bodyPr lIns="33867" rIns="33867">
-            <a:spAutoFit/>
-          </a:bodyPr>
-          <a:lstStyle>
-            <a:lvl1pPr>
-              <a:defRPr sz="3400">
-                <a:latin typeface="Arial"/>
-                <a:ea typeface="Arial"/>
-                <a:cs typeface="Arial"/>
-                <a:sym typeface="Arial"/>
-              </a:defRPr>
-            </a:lvl1pPr>
-          </a:lstStyle>
-          <a:p>
-            <a:r>
-              <a:rPr lang="en-US" sz="3222" dirty="0" err="1"/>
-              <a:t>ECCCo</a:t>
-            </a:r>
-            <a:endParaRPr sz="3222" dirty="0"/>
-          </a:p>
-        </p:txBody>
-      </p:sp>
       <p:pic>
         <p:nvPicPr>
           <p:cNvPr id="1046" name="Picture 10">
@@ -2681,7 +3009,7 @@
           <p:nvPr/>
         </p:nvPicPr>
         <p:blipFill>
-          <a:blip r:embed="rId13">
+          <a:blip r:embed="rId14">
             <a:extLst>
               <a:ext uri="{28A0092B-C50C-407E-A947-70E740481C1C}">
                 <a14:useLocalDpi xmlns:a14="http://schemas.microsoft.com/office/drawing/2010/main" val="0"/>
@@ -2693,7 +3021,7 @@
         </p:blipFill>
         <p:spPr bwMode="auto">
           <a:xfrm>
-            <a:off x="681793" y="27901096"/>
+            <a:off x="812842" y="28850589"/>
             <a:ext cx="11146551" cy="2786637"/>
           </a:xfrm>
           <a:prstGeom prst="rect">
@@ -2769,58 +3097,144 @@
           </a:p>
         </p:txBody>
       </p:sp>
-      <p:sp>
-        <p:nvSpPr>
-          <p:cNvPr id="31" name="TextBox 43">
+      <p:grpSp>
+        <p:nvGrpSpPr>
+          <p:cNvPr id="1029" name="Group 1028">
             <a:extLst>
               <a:ext uri="{FF2B5EF4-FFF2-40B4-BE49-F238E27FC236}">
-                <a16:creationId xmlns:a16="http://schemas.microsoft.com/office/drawing/2014/main" id="{D0BA039F-4F04-26CD-4765-EC1B4F69CA6E}"/>
+                <a16:creationId xmlns:a16="http://schemas.microsoft.com/office/drawing/2014/main" id="{44ADE65C-C234-6841-AF70-A415458D37E1}"/>
               </a:ext>
             </a:extLst>
           </p:cNvPr>
-          <p:cNvSpPr txBox="1"/>
+          <p:cNvGrpSpPr/>
           <p:nvPr/>
-        </p:nvSpPr>
-        <p:spPr>
+        </p:nvGrpSpPr>
+        <p:grpSpPr>
           <a:xfrm>
-            <a:off x="737798" y="8604708"/>
-            <a:ext cx="11034543" cy="588174"/>
+            <a:off x="565582" y="8708980"/>
+            <a:ext cx="11486306" cy="7289446"/>
+            <a:chOff x="567001" y="8604177"/>
+            <a:chExt cx="11486306" cy="6693067"/>
           </a:xfrm>
-          <a:prstGeom prst="rect">
-            <a:avLst/>
-          </a:prstGeom>
-          <a:ln w="12700">
-            <a:miter lim="400000"/>
-          </a:ln>
-          <a:extLst>
-            <a:ext uri="{C572A759-6A51-4108-AA02-DFA0A04FC94B}">
-              <ma14:wrappingTextBoxFlag xmlns:ma14="http://schemas.microsoft.com/office/mac/drawingml/2011/main" xmlns:a14="http://schemas.microsoft.com/office/drawing/2010/main" xmlns:m="http://schemas.openxmlformats.org/officeDocument/2006/math" xmlns="" val="1"/>
-            </a:ext>
-          </a:extLst>
-        </p:spPr>
-        <p:txBody>
-          <a:bodyPr lIns="33867" rIns="33867">
-            <a:spAutoFit/>
-          </a:bodyPr>
-          <a:lstStyle>
-            <a:lvl1pPr>
-              <a:defRPr sz="3400">
-                <a:latin typeface="Arial"/>
-                <a:ea typeface="Arial"/>
-                <a:cs typeface="Arial"/>
-                <a:sym typeface="Arial"/>
-              </a:defRPr>
-            </a:lvl1pPr>
-          </a:lstStyle>
-          <a:p>
-            <a:r>
-              <a:rPr lang="en-US" sz="3222" dirty="0"/>
-              <a:t>MOTIVATION</a:t>
-            </a:r>
-            <a:endParaRPr sz="3222" dirty="0"/>
-          </a:p>
-        </p:txBody>
-      </p:sp>
+        </p:grpSpPr>
+        <p:sp>
+          <p:nvSpPr>
+            <p:cNvPr id="117" name="Rectangle 116">
+              <a:extLst>
+                <a:ext uri="{FF2B5EF4-FFF2-40B4-BE49-F238E27FC236}">
+                  <a16:creationId xmlns:a16="http://schemas.microsoft.com/office/drawing/2014/main" id="{3DE30334-13CA-2729-5457-CA36B6BACAA8}"/>
+                </a:ext>
+              </a:extLst>
+            </p:cNvPr>
+            <p:cNvSpPr/>
+            <p:nvPr/>
+          </p:nvSpPr>
+          <p:spPr>
+            <a:xfrm>
+              <a:off x="567001" y="8604177"/>
+              <a:ext cx="11486306" cy="6693067"/>
+            </a:xfrm>
+            <a:prstGeom prst="rect">
+              <a:avLst/>
+            </a:prstGeom>
+            <a:solidFill>
+              <a:schemeClr val="accent5">
+                <a:lumMod val="20000"/>
+                <a:lumOff val="80000"/>
+                <a:alpha val="50000"/>
+              </a:schemeClr>
+            </a:solidFill>
+            <a:ln>
+              <a:solidFill>
+                <a:schemeClr val="accent5">
+                  <a:lumMod val="60000"/>
+                  <a:lumOff val="40000"/>
+                </a:schemeClr>
+              </a:solidFill>
+            </a:ln>
+          </p:spPr>
+          <p:style>
+            <a:lnRef idx="0">
+              <a:scrgbClr r="0" g="0" b="0"/>
+            </a:lnRef>
+            <a:fillRef idx="0">
+              <a:scrgbClr r="0" g="0" b="0"/>
+            </a:fillRef>
+            <a:effectRef idx="0">
+              <a:scrgbClr r="0" g="0" b="0"/>
+            </a:effectRef>
+            <a:fontRef idx="minor">
+              <a:schemeClr val="lt1"/>
+            </a:fontRef>
+          </p:style>
+          <p:txBody>
+            <a:bodyPr rot="0" spcFirstLastPara="1" vertOverflow="overflow" horzOverflow="overflow" vert="horz" wrap="square" lIns="33140" tIns="33140" rIns="33140" bIns="33140" numCol="1" spcCol="38100" rtlCol="0" anchor="ctr">
+              <a:spAutoFit/>
+            </a:bodyPr>
+            <a:lstStyle/>
+            <a:p>
+              <a:pPr defTabSz="236703"/>
+              <a:endParaRPr lang="en-NL" sz="870" dirty="0">
+                <a:solidFill>
+                  <a:srgbClr val="000000"/>
+                </a:solidFill>
+              </a:endParaRPr>
+            </a:p>
+          </p:txBody>
+        </p:sp>
+        <p:sp>
+          <p:nvSpPr>
+            <p:cNvPr id="31" name="TextBox 43">
+              <a:extLst>
+                <a:ext uri="{FF2B5EF4-FFF2-40B4-BE49-F238E27FC236}">
+                  <a16:creationId xmlns:a16="http://schemas.microsoft.com/office/drawing/2014/main" id="{D0BA039F-4F04-26CD-4765-EC1B4F69CA6E}"/>
+                </a:ext>
+              </a:extLst>
+            </p:cNvPr>
+            <p:cNvSpPr txBox="1"/>
+            <p:nvPr/>
+          </p:nvSpPr>
+          <p:spPr>
+            <a:xfrm>
+              <a:off x="737798" y="8604708"/>
+              <a:ext cx="11202662" cy="588174"/>
+            </a:xfrm>
+            <a:prstGeom prst="rect">
+              <a:avLst/>
+            </a:prstGeom>
+            <a:ln w="12700">
+              <a:miter lim="400000"/>
+            </a:ln>
+            <a:extLst>
+              <a:ext uri="{C572A759-6A51-4108-AA02-DFA0A04FC94B}">
+                <ma14:wrappingTextBoxFlag xmlns:ma14="http://schemas.microsoft.com/office/mac/drawingml/2011/main" xmlns:a14="http://schemas.microsoft.com/office/drawing/2010/main" xmlns:m="http://schemas.openxmlformats.org/officeDocument/2006/math" xmlns="" val="1"/>
+              </a:ext>
+            </a:extLst>
+          </p:spPr>
+          <p:txBody>
+            <a:bodyPr wrap="square" lIns="33867" rIns="33867">
+              <a:spAutoFit/>
+            </a:bodyPr>
+            <a:lstStyle>
+              <a:lvl1pPr>
+                <a:defRPr sz="3400">
+                  <a:latin typeface="Arial"/>
+                  <a:ea typeface="Arial"/>
+                  <a:cs typeface="Arial"/>
+                  <a:sym typeface="Arial"/>
+                </a:defRPr>
+              </a:lvl1pPr>
+            </a:lstStyle>
+            <a:p>
+              <a:r>
+                <a:rPr lang="en-US" sz="3222" dirty="0"/>
+                <a:t>MOTIVATION</a:t>
+              </a:r>
+              <a:endParaRPr sz="3222" dirty="0"/>
+            </a:p>
+          </p:txBody>
+        </p:sp>
+      </p:grpSp>
       <p:sp>
         <p:nvSpPr>
           <p:cNvPr id="11" name="AutoShape 8" descr="equation">
@@ -2837,7 +3251,7 @@
         </p:nvSpPr>
         <p:spPr bwMode="auto">
           <a:xfrm>
-            <a:off x="12053309" y="15524116"/>
+            <a:off x="12051890" y="16916080"/>
             <a:ext cx="245489" cy="245489"/>
           </a:xfrm>
           <a:prstGeom prst="rect">
@@ -2881,7 +3295,7 @@
           <p:nvPr/>
         </p:nvPicPr>
         <p:blipFill>
-          <a:blip r:embed="rId14">
+          <a:blip r:embed="rId15">
             <a:extLst>
               <a:ext uri="{28A0092B-C50C-407E-A947-70E740481C1C}">
                 <a14:useLocalDpi xmlns:a14="http://schemas.microsoft.com/office/drawing/2010/main" val="0"/>
@@ -3148,7 +3562,7 @@
           <p:nvPr/>
         </p:nvPicPr>
         <p:blipFill>
-          <a:blip r:embed="rId15">
+          <a:blip r:embed="rId16">
             <a:extLst>
               <a:ext uri="{28A0092B-C50C-407E-A947-70E740481C1C}">
                 <a14:useLocalDpi xmlns:a14="http://schemas.microsoft.com/office/drawing/2010/main" val="0"/>
@@ -3169,12 +3583,147 @@
           </a:prstGeom>
         </p:spPr>
       </p:pic>
+      <p:sp>
+        <p:nvSpPr>
+          <p:cNvPr id="43" name="TextBox 35">
+            <a:extLst>
+              <a:ext uri="{FF2B5EF4-FFF2-40B4-BE49-F238E27FC236}">
+                <a16:creationId xmlns:a16="http://schemas.microsoft.com/office/drawing/2014/main" id="{9E06FBDD-7F97-1B4D-7285-CD16078C488D}"/>
+              </a:ext>
+            </a:extLst>
+          </p:cNvPr>
+          <p:cNvSpPr txBox="1"/>
+          <p:nvPr/>
+        </p:nvSpPr>
+        <p:spPr>
+          <a:xfrm>
+            <a:off x="774462" y="2755688"/>
+            <a:ext cx="6035780" cy="2308324"/>
+          </a:xfrm>
+          <a:prstGeom prst="rect">
+            <a:avLst/>
+          </a:prstGeom>
+          <a:ln w="12700">
+            <a:miter lim="400000"/>
+          </a:ln>
+          <a:extLst>
+            <a:ext uri="{C572A759-6A51-4108-AA02-DFA0A04FC94B}">
+              <ma14:wrappingTextBoxFlag xmlns:ma14="http://schemas.microsoft.com/office/mac/drawingml/2011/main" xmlns:a14="http://schemas.microsoft.com/office/drawing/2010/main" xmlns:m="http://schemas.openxmlformats.org/officeDocument/2006/math" xmlns="" val="1"/>
+            </a:ext>
+          </a:extLst>
+        </p:spPr>
+        <p:txBody>
+          <a:bodyPr wrap="square" lIns="33867" rIns="33867">
+            <a:spAutoFit/>
+          </a:bodyPr>
+          <a:lstStyle>
+            <a:lvl1pPr>
+              <a:defRPr sz="5500">
+                <a:latin typeface="Arial"/>
+                <a:ea typeface="Arial"/>
+                <a:cs typeface="Arial"/>
+                <a:sym typeface="Arial"/>
+              </a:defRPr>
+            </a:lvl1pPr>
+          </a:lstStyle>
+          <a:p>
+            <a:r>
+              <a:rPr lang="en-GB" sz="7200" dirty="0" err="1">
+                <a:latin typeface="STCaiyun" panose="020B0400000000000000" pitchFamily="34" charset="-122"/>
+                <a:ea typeface="STCaiyun" panose="020B0400000000000000" pitchFamily="34" charset="-122"/>
+                <a:cs typeface="Dreaming Outloud Pro" panose="020F0502020204030204" pitchFamily="34" charset="0"/>
+              </a:rPr>
+              <a:t>ECCCos</a:t>
+            </a:r>
+            <a:r>
+              <a:rPr lang="en-GB" sz="7200" dirty="0">
+                <a:latin typeface="STCaiyun" panose="020B0400000000000000" pitchFamily="34" charset="-122"/>
+                <a:ea typeface="STCaiyun" panose="020B0400000000000000" pitchFamily="34" charset="-122"/>
+                <a:cs typeface="Dreaming Outloud Pro" panose="020F0502020204030204" pitchFamily="34" charset="0"/>
+              </a:rPr>
+              <a:t> from the Black Box</a:t>
+            </a:r>
+          </a:p>
+        </p:txBody>
+      </p:sp>
+      <p:pic>
+        <p:nvPicPr>
+          <p:cNvPr id="51" name="Picture 50" descr="A screenshot of a computer game&#10;&#10;Description automatically generated with medium confidence">
+            <a:extLst>
+              <a:ext uri="{FF2B5EF4-FFF2-40B4-BE49-F238E27FC236}">
+                <a16:creationId xmlns:a16="http://schemas.microsoft.com/office/drawing/2014/main" id="{309401DF-7E17-F295-FC47-E855005625F9}"/>
+              </a:ext>
+            </a:extLst>
+          </p:cNvPr>
+          <p:cNvPicPr>
+            <a:picLocks noChangeAspect="1"/>
+          </p:cNvPicPr>
+          <p:nvPr/>
+        </p:nvPicPr>
+        <p:blipFill>
+          <a:blip r:embed="rId17">
+            <a:extLst>
+              <a:ext uri="{28A0092B-C50C-407E-A947-70E740481C1C}">
+                <a14:useLocalDpi xmlns:a14="http://schemas.microsoft.com/office/drawing/2010/main" val="0"/>
+              </a:ext>
+            </a:extLst>
+          </a:blip>
+          <a:stretch>
+            <a:fillRect/>
+          </a:stretch>
+        </p:blipFill>
+        <p:spPr>
+          <a:xfrm>
+            <a:off x="1610818" y="13302889"/>
+            <a:ext cx="9588566" cy="2397141"/>
+          </a:xfrm>
+          <a:prstGeom prst="rect">
+            <a:avLst/>
+          </a:prstGeom>
+        </p:spPr>
+      </p:pic>
+      <p:pic>
+        <p:nvPicPr>
+          <p:cNvPr id="54" name="Picture 53" descr="A colorful image of a rainbow&#10;&#10;Description automatically generated with medium confidence">
+            <a:extLst>
+              <a:ext uri="{FF2B5EF4-FFF2-40B4-BE49-F238E27FC236}">
+                <a16:creationId xmlns:a16="http://schemas.microsoft.com/office/drawing/2014/main" id="{3D6A3F9C-ED3E-94BC-9835-9E006073FBCA}"/>
+              </a:ext>
+            </a:extLst>
+          </p:cNvPr>
+          <p:cNvPicPr>
+            <a:picLocks noChangeAspect="1"/>
+          </p:cNvPicPr>
+          <p:nvPr/>
+        </p:nvPicPr>
+        <p:blipFill>
+          <a:blip r:embed="rId18">
+            <a:extLst>
+              <a:ext uri="{28A0092B-C50C-407E-A947-70E740481C1C}">
+                <a14:useLocalDpi xmlns:a14="http://schemas.microsoft.com/office/drawing/2010/main" val="0"/>
+              </a:ext>
+            </a:extLst>
+          </a:blip>
+          <a:stretch>
+            <a:fillRect/>
+          </a:stretch>
+        </p:blipFill>
+        <p:spPr>
+          <a:xfrm>
+            <a:off x="12882079" y="10938631"/>
+            <a:ext cx="4728517" cy="4728517"/>
+          </a:xfrm>
+          <a:prstGeom prst="rect">
+            <a:avLst/>
+          </a:prstGeom>
+        </p:spPr>
+      </p:pic>
       <p:grpSp>
         <p:nvGrpSpPr>
-          <p:cNvPr id="45" name="Group 44">
+          <p:cNvPr id="59" name="Group 58">
             <a:extLst>
               <a:ext uri="{FF2B5EF4-FFF2-40B4-BE49-F238E27FC236}">
-                <a16:creationId xmlns:a16="http://schemas.microsoft.com/office/drawing/2014/main" id="{6476B4C8-28E7-B4A3-7C44-A820447581E6}"/>
+                <a16:creationId xmlns:a16="http://schemas.microsoft.com/office/drawing/2014/main" id="{4D918337-2F4A-3691-7454-353E3836B8B3}"/>
               </a:ext>
             </a:extLst>
           </p:cNvPr>
@@ -3183,49 +3732,18 @@
         </p:nvGrpSpPr>
         <p:grpSpPr>
           <a:xfrm>
-            <a:off x="9842620" y="2710348"/>
-            <a:ext cx="13874736" cy="5459481"/>
-            <a:chOff x="9842620" y="2710348"/>
-            <a:chExt cx="13874736" cy="5459481"/>
+            <a:off x="4969819" y="16542434"/>
+            <a:ext cx="6935530" cy="7771529"/>
+            <a:chOff x="21366575" y="7699413"/>
+            <a:chExt cx="8611165" cy="9649141"/>
           </a:xfrm>
         </p:grpSpPr>
-        <p:pic>
-          <p:nvPicPr>
-            <p:cNvPr id="37" name="Picture 36">
+        <p:sp>
+          <p:nvSpPr>
+            <p:cNvPr id="61" name="TextBox 56">
               <a:extLst>
                 <a:ext uri="{FF2B5EF4-FFF2-40B4-BE49-F238E27FC236}">
-                  <a16:creationId xmlns:a16="http://schemas.microsoft.com/office/drawing/2014/main" id="{A6FE03F0-52A7-4ADB-35B8-763925D67015}"/>
-                </a:ext>
-              </a:extLst>
-            </p:cNvPr>
-            <p:cNvPicPr>
-              <a:picLocks noChangeAspect="1"/>
-            </p:cNvPicPr>
-            <p:nvPr/>
-          </p:nvPicPr>
-          <p:blipFill>
-            <a:blip r:embed="rId16"/>
-            <a:stretch>
-              <a:fillRect/>
-            </a:stretch>
-          </p:blipFill>
-          <p:spPr>
-            <a:xfrm>
-              <a:off x="9842620" y="2710348"/>
-              <a:ext cx="13874736" cy="5459481"/>
-            </a:xfrm>
-            <a:prstGeom prst="rect">
-              <a:avLst/>
-            </a:prstGeom>
-            <a:noFill/>
-          </p:spPr>
-        </p:pic>
-        <p:sp>
-          <p:nvSpPr>
-            <p:cNvPr id="43" name="TextBox 35">
-              <a:extLst>
-                <a:ext uri="{FF2B5EF4-FFF2-40B4-BE49-F238E27FC236}">
-                  <a16:creationId xmlns:a16="http://schemas.microsoft.com/office/drawing/2014/main" id="{9E06FBDD-7F97-1B4D-7285-CD16078C488D}"/>
+                  <a16:creationId xmlns:a16="http://schemas.microsoft.com/office/drawing/2014/main" id="{696A4505-0046-45D0-A922-5AFD448EE779}"/>
                 </a:ext>
               </a:extLst>
             </p:cNvPr>
@@ -3234,8 +3752,8 @@
           </p:nvSpPr>
           <p:spPr>
             <a:xfrm>
-              <a:off x="17681576" y="5497475"/>
-              <a:ext cx="6035780" cy="2308324"/>
+              <a:off x="21858900" y="16310578"/>
+              <a:ext cx="7319807" cy="1037976"/>
             </a:xfrm>
             <a:prstGeom prst="rect">
               <a:avLst/>
@@ -3254,8 +3772,11 @@
               <a:spAutoFit/>
             </a:bodyPr>
             <a:lstStyle>
-              <a:lvl1pPr>
-                <a:defRPr sz="5500">
+              <a:lvl1pPr algn="ctr">
+                <a:defRPr sz="1300">
+                  <a:solidFill>
+                    <a:srgbClr val="344854"/>
+                  </a:solidFill>
                   <a:latin typeface="Arial"/>
                   <a:ea typeface="Arial"/>
                   <a:cs typeface="Arial"/>
@@ -3265,31 +3786,340 @@
             </a:lstStyle>
             <a:p>
               <a:r>
-                <a:rPr lang="en-GB" sz="7200" dirty="0" err="1">
-                  <a:latin typeface="STCaiyun" panose="020B0400000000000000" pitchFamily="34" charset="-122"/>
-                  <a:ea typeface="STCaiyun" panose="020B0400000000000000" pitchFamily="34" charset="-122"/>
-                  <a:cs typeface="Dreaming Outloud Pro" panose="020F0502020204030204" pitchFamily="34" charset="0"/>
-                </a:rPr>
-                <a:t>ECCCos</a:t>
+                <a:rPr lang="en-GB" sz="1611" dirty="0"/>
+                <a:t>Figure 2: Generating a counterfactual for </a:t>
               </a:r>
               <a:r>
-                <a:rPr lang="en-GB" sz="7200" dirty="0">
-                  <a:latin typeface="STCaiyun" panose="020B0400000000000000" pitchFamily="34" charset="-122"/>
-                  <a:ea typeface="STCaiyun" panose="020B0400000000000000" pitchFamily="34" charset="-122"/>
-                  <a:cs typeface="Dreaming Outloud Pro" panose="020F0502020204030204" pitchFamily="34" charset="0"/>
-                </a:rPr>
-                <a:t> from the Black Box</a:t>
+                <a:rPr lang="en-NL" sz="1611" dirty="0"/>
+                <a:t>🐱 following Wachter et al. (2018)</a:t>
+              </a:r>
+              <a:r>
+                <a:rPr lang="en-GB" sz="1611" dirty="0"/>
+                <a:t>. The contour shows the predictions of a simple multi-layer perceptron (MLP).</a:t>
               </a:r>
             </a:p>
           </p:txBody>
         </p:sp>
+        <p:pic>
+          <p:nvPicPr>
+            <p:cNvPr id="62" name="Picture 3">
+              <a:extLst>
+                <a:ext uri="{FF2B5EF4-FFF2-40B4-BE49-F238E27FC236}">
+                  <a16:creationId xmlns:a16="http://schemas.microsoft.com/office/drawing/2014/main" id="{1DC4600B-D18A-77C3-0971-0F08DCDE487C}"/>
+                </a:ext>
+              </a:extLst>
+            </p:cNvPr>
+            <p:cNvPicPr>
+              <a:picLocks noChangeAspect="1" noChangeArrowheads="1"/>
+            </p:cNvPicPr>
+            <p:nvPr/>
+          </p:nvPicPr>
+          <p:blipFill>
+            <a:blip r:embed="rId19">
+              <a:extLst>
+                <a:ext uri="{28A0092B-C50C-407E-A947-70E740481C1C}">
+                  <a14:useLocalDpi xmlns:a14="http://schemas.microsoft.com/office/drawing/2010/main" val="0"/>
+                </a:ext>
+              </a:extLst>
+            </a:blip>
+            <a:srcRect/>
+            <a:stretch/>
+          </p:blipFill>
+          <p:spPr bwMode="auto">
+            <a:xfrm>
+              <a:off x="21366575" y="7699413"/>
+              <a:ext cx="8611165" cy="8611165"/>
+            </a:xfrm>
+            <a:prstGeom prst="rect">
+              <a:avLst/>
+            </a:prstGeom>
+            <a:noFill/>
+            <a:extLst>
+              <a:ext uri="{909E8E84-426E-40DD-AFC4-6F175D3DCCD1}">
+                <a14:hiddenFill xmlns:a14="http://schemas.microsoft.com/office/drawing/2010/main">
+                  <a:solidFill>
+                    <a:srgbClr val="FFFFFF"/>
+                  </a:solidFill>
+                </a14:hiddenFill>
+              </a:ext>
+            </a:extLst>
+          </p:spPr>
+        </p:pic>
       </p:grpSp>
+      <p:pic>
+        <p:nvPicPr>
+          <p:cNvPr id="66" name="Picture 65" descr="A group of black squares with white text&#10;&#10;Description automatically generated">
+            <a:extLst>
+              <a:ext uri="{FF2B5EF4-FFF2-40B4-BE49-F238E27FC236}">
+                <a16:creationId xmlns:a16="http://schemas.microsoft.com/office/drawing/2014/main" id="{AC29E8FA-D5D2-C8DA-3998-DC869BFF4301}"/>
+              </a:ext>
+            </a:extLst>
+          </p:cNvPr>
+          <p:cNvPicPr>
+            <a:picLocks noChangeAspect="1"/>
+          </p:cNvPicPr>
+          <p:nvPr/>
+        </p:nvPicPr>
+        <p:blipFill>
+          <a:blip r:embed="rId20">
+            <a:extLst>
+              <a:ext uri="{28A0092B-C50C-407E-A947-70E740481C1C}">
+                <a14:useLocalDpi xmlns:a14="http://schemas.microsoft.com/office/drawing/2010/main" val="0"/>
+              </a:ext>
+            </a:extLst>
+          </a:blip>
+          <a:stretch>
+            <a:fillRect/>
+          </a:stretch>
+        </p:blipFill>
+        <p:spPr>
+          <a:xfrm>
+            <a:off x="13004285" y="25990651"/>
+            <a:ext cx="4571726" cy="4571726"/>
+          </a:xfrm>
+          <a:prstGeom prst="rect">
+            <a:avLst/>
+          </a:prstGeom>
+        </p:spPr>
+      </p:pic>
+      <p:pic>
+        <p:nvPicPr>
+          <p:cNvPr id="68" name="Picture 67" descr="A table with numbers and symbols&#10;&#10;Description automatically generated">
+            <a:extLst>
+              <a:ext uri="{FF2B5EF4-FFF2-40B4-BE49-F238E27FC236}">
+                <a16:creationId xmlns:a16="http://schemas.microsoft.com/office/drawing/2014/main" id="{72A440D0-E54E-BB16-38C1-2EAA8E889900}"/>
+              </a:ext>
+            </a:extLst>
+          </p:cNvPr>
+          <p:cNvPicPr>
+            <a:picLocks noChangeAspect="1"/>
+          </p:cNvPicPr>
+          <p:nvPr/>
+        </p:nvPicPr>
+        <p:blipFill>
+          <a:blip r:embed="rId21">
+            <a:extLst>
+              <a:ext uri="{28A0092B-C50C-407E-A947-70E740481C1C}">
+                <a14:useLocalDpi xmlns:a14="http://schemas.microsoft.com/office/drawing/2010/main" val="0"/>
+              </a:ext>
+            </a:extLst>
+          </a:blip>
+          <a:stretch>
+            <a:fillRect/>
+          </a:stretch>
+        </p:blipFill>
+        <p:spPr>
+          <a:xfrm>
+            <a:off x="13703855" y="30914028"/>
+            <a:ext cx="9421119" cy="3870928"/>
+          </a:xfrm>
+          <a:prstGeom prst="rect">
+            <a:avLst/>
+          </a:prstGeom>
+        </p:spPr>
+      </p:pic>
+      <p:cxnSp>
+        <p:nvCxnSpPr>
+          <p:cNvPr id="76" name="Curved Connector 75">
+            <a:extLst>
+              <a:ext uri="{FF2B5EF4-FFF2-40B4-BE49-F238E27FC236}">
+                <a16:creationId xmlns:a16="http://schemas.microsoft.com/office/drawing/2014/main" id="{6369DE0F-F8AE-ED6F-DA58-6CBA1D977570}"/>
+              </a:ext>
+            </a:extLst>
+          </p:cNvPr>
+          <p:cNvCxnSpPr>
+            <a:cxnSpLocks/>
+          </p:cNvCxnSpPr>
+          <p:nvPr/>
+        </p:nvCxnSpPr>
+        <p:spPr>
+          <a:xfrm>
+            <a:off x="11898484" y="11823075"/>
+            <a:ext cx="1314913" cy="617675"/>
+          </a:xfrm>
+          <a:prstGeom prst="curvedConnector3">
+            <a:avLst>
+              <a:gd name="adj1" fmla="val 44205"/>
+            </a:avLst>
+          </a:prstGeom>
+          <a:noFill/>
+          <a:ln w="101600" cap="flat">
+            <a:solidFill>
+              <a:schemeClr val="accent1"/>
+            </a:solidFill>
+            <a:prstDash val="solid"/>
+            <a:miter lim="800000"/>
+            <a:tailEnd type="triangle"/>
+          </a:ln>
+          <a:effectLst/>
+          <a:sp3d/>
+        </p:spPr>
+        <p:style>
+          <a:lnRef idx="0">
+            <a:scrgbClr r="0" g="0" b="0"/>
+          </a:lnRef>
+          <a:fillRef idx="0">
+            <a:scrgbClr r="0" g="0" b="0"/>
+          </a:fillRef>
+          <a:effectRef idx="0">
+            <a:scrgbClr r="0" g="0" b="0"/>
+          </a:effectRef>
+          <a:fontRef idx="none"/>
+        </p:style>
+      </p:cxnSp>
+      <p:cxnSp>
+        <p:nvCxnSpPr>
+          <p:cNvPr id="108" name="Curved Connector 107">
+            <a:extLst>
+              <a:ext uri="{FF2B5EF4-FFF2-40B4-BE49-F238E27FC236}">
+                <a16:creationId xmlns:a16="http://schemas.microsoft.com/office/drawing/2014/main" id="{4E0F34DC-E30E-59AF-48A9-BD04276069C2}"/>
+              </a:ext>
+            </a:extLst>
+          </p:cNvPr>
+          <p:cNvCxnSpPr>
+            <a:cxnSpLocks/>
+          </p:cNvCxnSpPr>
+          <p:nvPr/>
+        </p:nvCxnSpPr>
+        <p:spPr>
+          <a:xfrm>
+            <a:off x="11772341" y="28124463"/>
+            <a:ext cx="1188060" cy="540339"/>
+          </a:xfrm>
+          <a:prstGeom prst="curvedConnector3">
+            <a:avLst>
+              <a:gd name="adj1" fmla="val 50000"/>
+            </a:avLst>
+          </a:prstGeom>
+          <a:noFill/>
+          <a:ln w="101600" cap="flat">
+            <a:solidFill>
+              <a:schemeClr val="accent1"/>
+            </a:solidFill>
+            <a:prstDash val="solid"/>
+            <a:miter lim="800000"/>
+            <a:tailEnd type="triangle"/>
+          </a:ln>
+          <a:effectLst/>
+          <a:sp3d/>
+        </p:spPr>
+        <p:style>
+          <a:lnRef idx="0">
+            <a:scrgbClr r="0" g="0" b="0"/>
+          </a:lnRef>
+          <a:fillRef idx="0">
+            <a:scrgbClr r="0" g="0" b="0"/>
+          </a:fillRef>
+          <a:effectRef idx="0">
+            <a:scrgbClr r="0" g="0" b="0"/>
+          </a:effectRef>
+          <a:fontRef idx="none"/>
+        </p:style>
+      </p:cxnSp>
+      <p:cxnSp>
+        <p:nvCxnSpPr>
+          <p:cNvPr id="95" name="Curved Connector 94">
+            <a:extLst>
+              <a:ext uri="{FF2B5EF4-FFF2-40B4-BE49-F238E27FC236}">
+                <a16:creationId xmlns:a16="http://schemas.microsoft.com/office/drawing/2014/main" id="{D59E8589-50A8-7286-2C50-C8ECD71C0F03}"/>
+              </a:ext>
+            </a:extLst>
+          </p:cNvPr>
+          <p:cNvCxnSpPr>
+            <a:cxnSpLocks/>
+          </p:cNvCxnSpPr>
+          <p:nvPr/>
+        </p:nvCxnSpPr>
+        <p:spPr>
+          <a:xfrm>
+            <a:off x="11686943" y="18165457"/>
+            <a:ext cx="1314913" cy="617675"/>
+          </a:xfrm>
+          <a:prstGeom prst="curvedConnector3">
+            <a:avLst>
+              <a:gd name="adj1" fmla="val 44205"/>
+            </a:avLst>
+          </a:prstGeom>
+          <a:noFill/>
+          <a:ln w="101600" cap="flat">
+            <a:solidFill>
+              <a:schemeClr val="accent1"/>
+            </a:solidFill>
+            <a:prstDash val="solid"/>
+            <a:miter lim="800000"/>
+            <a:tailEnd type="triangle"/>
+          </a:ln>
+          <a:effectLst/>
+          <a:sp3d/>
+        </p:spPr>
+        <p:style>
+          <a:lnRef idx="0">
+            <a:scrgbClr r="0" g="0" b="0"/>
+          </a:lnRef>
+          <a:fillRef idx="0">
+            <a:scrgbClr r="0" g="0" b="0"/>
+          </a:fillRef>
+          <a:effectRef idx="0">
+            <a:scrgbClr r="0" g="0" b="0"/>
+          </a:effectRef>
+          <a:fontRef idx="none"/>
+        </p:style>
+      </p:cxnSp>
+      <p:cxnSp>
+        <p:nvCxnSpPr>
+          <p:cNvPr id="1065" name="Curved Connector 1064">
+            <a:extLst>
+              <a:ext uri="{FF2B5EF4-FFF2-40B4-BE49-F238E27FC236}">
+                <a16:creationId xmlns:a16="http://schemas.microsoft.com/office/drawing/2014/main" id="{555466DD-8DAE-F87F-8CF0-A7C9AD0FAA6D}"/>
+              </a:ext>
+            </a:extLst>
+          </p:cNvPr>
+          <p:cNvCxnSpPr>
+            <a:cxnSpLocks/>
+          </p:cNvCxnSpPr>
+          <p:nvPr/>
+        </p:nvCxnSpPr>
+        <p:spPr>
+          <a:xfrm rot="10800000" flipV="1">
+            <a:off x="11741513" y="24917698"/>
+            <a:ext cx="1196554" cy="655961"/>
+          </a:xfrm>
+          <a:prstGeom prst="curvedConnector3">
+            <a:avLst>
+              <a:gd name="adj1" fmla="val 50000"/>
+            </a:avLst>
+          </a:prstGeom>
+          <a:noFill/>
+          <a:ln w="101600" cap="flat">
+            <a:solidFill>
+              <a:schemeClr val="accent1"/>
+            </a:solidFill>
+            <a:prstDash val="solid"/>
+            <a:miter lim="800000"/>
+            <a:tailEnd type="triangle"/>
+          </a:ln>
+          <a:effectLst/>
+          <a:sp3d/>
+        </p:spPr>
+        <p:style>
+          <a:lnRef idx="0">
+            <a:scrgbClr r="0" g="0" b="0"/>
+          </a:lnRef>
+          <a:fillRef idx="0">
+            <a:scrgbClr r="0" g="0" b="0"/>
+          </a:fillRef>
+          <a:effectRef idx="0">
+            <a:scrgbClr r="0" g="0" b="0"/>
+          </a:effectRef>
+          <a:fontRef idx="none"/>
+        </p:style>
+      </p:cxnSp>
       <p:sp>
         <p:nvSpPr>
-          <p:cNvPr id="48" name="TextBox 53">
+          <p:cNvPr id="1072" name="TextBox 35">
             <a:extLst>
               <a:ext uri="{FF2B5EF4-FFF2-40B4-BE49-F238E27FC236}">
-                <a16:creationId xmlns:a16="http://schemas.microsoft.com/office/drawing/2014/main" id="{7A42A874-ADD1-2488-2AE7-EA901F04B235}"/>
+                <a16:creationId xmlns:a16="http://schemas.microsoft.com/office/drawing/2014/main" id="{1E04EB84-4B8F-FBE5-A35C-4756B341C34F}"/>
               </a:ext>
             </a:extLst>
           </p:cNvPr>
@@ -3298,8 +4128,95 @@
         </p:nvSpPr>
         <p:spPr>
           <a:xfrm>
-            <a:off x="878981" y="2799413"/>
-            <a:ext cx="8559198" cy="5831405"/>
+            <a:off x="774462" y="5206108"/>
+            <a:ext cx="5325642" cy="1569660"/>
+          </a:xfrm>
+          <a:prstGeom prst="rect">
+            <a:avLst/>
+          </a:prstGeom>
+          <a:ln w="12700">
+            <a:miter lim="400000"/>
+          </a:ln>
+          <a:extLst>
+            <a:ext uri="{C572A759-6A51-4108-AA02-DFA0A04FC94B}">
+              <ma14:wrappingTextBoxFlag xmlns:ma14="http://schemas.microsoft.com/office/mac/drawingml/2011/main" xmlns:a14="http://schemas.microsoft.com/office/drawing/2010/main" xmlns:m="http://schemas.openxmlformats.org/officeDocument/2006/math" xmlns="" val="1"/>
+            </a:ext>
+          </a:extLst>
+        </p:spPr>
+        <p:txBody>
+          <a:bodyPr wrap="square" lIns="33867" rIns="33867">
+            <a:spAutoFit/>
+          </a:bodyPr>
+          <a:lstStyle>
+            <a:lvl1pPr>
+              <a:defRPr sz="5500">
+                <a:latin typeface="Arial"/>
+                <a:ea typeface="Arial"/>
+                <a:cs typeface="Arial"/>
+                <a:sym typeface="Arial"/>
+              </a:defRPr>
+            </a:lvl1pPr>
+          </a:lstStyle>
+          <a:p>
+            <a:r>
+              <a:rPr lang="en-GB" sz="3200" dirty="0"/>
+              <a:t>Faithful Model Explanations through Energy-Constrained Conformal Counterfactuals</a:t>
+            </a:r>
+          </a:p>
+        </p:txBody>
+      </p:sp>
+      <p:pic>
+        <p:nvPicPr>
+          <p:cNvPr id="1074" name="Picture 1073" descr="A logo with a yellow circle and black text&#10;&#10;Description automatically generated">
+            <a:extLst>
+              <a:ext uri="{FF2B5EF4-FFF2-40B4-BE49-F238E27FC236}">
+                <a16:creationId xmlns:a16="http://schemas.microsoft.com/office/drawing/2014/main" id="{788B6E94-D1C4-E734-727A-0EBB94C5A2F8}"/>
+              </a:ext>
+            </a:extLst>
+          </p:cNvPr>
+          <p:cNvPicPr>
+            <a:picLocks noChangeAspect="1"/>
+          </p:cNvPicPr>
+          <p:nvPr/>
+        </p:nvPicPr>
+        <p:blipFill>
+          <a:blip r:embed="rId22">
+            <a:extLst>
+              <a:ext uri="{28A0092B-C50C-407E-A947-70E740481C1C}">
+                <a14:useLocalDpi xmlns:a14="http://schemas.microsoft.com/office/drawing/2010/main" val="0"/>
+              </a:ext>
+            </a:extLst>
+          </a:blip>
+          <a:stretch>
+            <a:fillRect/>
+          </a:stretch>
+        </p:blipFill>
+        <p:spPr>
+          <a:xfrm>
+            <a:off x="565582" y="692569"/>
+            <a:ext cx="1828800" cy="1308100"/>
+          </a:xfrm>
+          <a:prstGeom prst="rect">
+            <a:avLst/>
+          </a:prstGeom>
+        </p:spPr>
+      </p:pic>
+      <p:sp>
+        <p:nvSpPr>
+          <p:cNvPr id="1076" name="TextBox 53">
+            <a:extLst>
+              <a:ext uri="{FF2B5EF4-FFF2-40B4-BE49-F238E27FC236}">
+                <a16:creationId xmlns:a16="http://schemas.microsoft.com/office/drawing/2014/main" id="{A2280E72-80C0-601A-A273-A5B4E06C84C2}"/>
+              </a:ext>
+            </a:extLst>
+          </p:cNvPr>
+          <p:cNvSpPr txBox="1"/>
+          <p:nvPr/>
+        </p:nvSpPr>
+        <p:spPr>
+          <a:xfrm>
+            <a:off x="812842" y="6871286"/>
+            <a:ext cx="5869145" cy="2048318"/>
           </a:xfrm>
           <a:prstGeom prst="rect">
             <a:avLst/>
@@ -3334,44 +4251,6 @@
             </a:lvl1pPr>
           </a:lstStyle>
           <a:p>
-            <a:r>
-              <a:rPr lang="en-GB" sz="3600" dirty="0">
-                <a:sym typeface="Calibri"/>
-              </a:rPr>
-              <a:t>We propose </a:t>
-            </a:r>
-            <a:r>
-              <a:rPr lang="en-GB" sz="3600" i="1" dirty="0" err="1">
-                <a:sym typeface="Calibri"/>
-              </a:rPr>
-              <a:t>ECCCo</a:t>
-            </a:r>
-            <a:r>
-              <a:rPr lang="en-GB" sz="3600" dirty="0">
-                <a:sym typeface="Calibri"/>
-              </a:rPr>
-              <a:t>: </a:t>
-            </a:r>
-          </a:p>
-          <a:p>
-            <a:endParaRPr lang="en-GB" sz="3200" dirty="0">
-              <a:sym typeface="Calibri"/>
-            </a:endParaRPr>
-          </a:p>
-          <a:p>
-            <a:r>
-              <a:rPr lang="en-GB" sz="4000" dirty="0">
-                <a:sym typeface="Calibri"/>
-              </a:rPr>
-              <a:t>A new way to generate faithful model explanations that are as plausible as the underlying model permits.</a:t>
-            </a:r>
-          </a:p>
-          <a:p>
-            <a:endParaRPr lang="en-GB" sz="3600" dirty="0">
-              <a:sym typeface="Calibri"/>
-            </a:endParaRPr>
-          </a:p>
-          <a:p>
             <a:pPr>
               <a:spcBef>
                 <a:spcPts val="742"/>
@@ -3393,7 +4272,7 @@
             </a:r>
             <a:r>
               <a:rPr lang="en-US" sz="2400" dirty="0">
-                <a:hlinkClick r:id="rId17"/>
+                <a:hlinkClick r:id="rId23"/>
               </a:rPr>
               <a:t>p.altmeyer@tudelft.nl</a:t>
             </a:r>
@@ -3451,775 +4330,6 @@
           </a:p>
         </p:txBody>
       </p:sp>
-      <p:pic>
-        <p:nvPicPr>
-          <p:cNvPr id="51" name="Picture 50" descr="A screenshot of a computer game&#10;&#10;Description automatically generated with medium confidence">
-            <a:extLst>
-              <a:ext uri="{FF2B5EF4-FFF2-40B4-BE49-F238E27FC236}">
-                <a16:creationId xmlns:a16="http://schemas.microsoft.com/office/drawing/2014/main" id="{309401DF-7E17-F295-FC47-E855005625F9}"/>
-              </a:ext>
-            </a:extLst>
-          </p:cNvPr>
-          <p:cNvPicPr>
-            <a:picLocks noChangeAspect="1"/>
-          </p:cNvPicPr>
-          <p:nvPr/>
-        </p:nvPicPr>
-        <p:blipFill>
-          <a:blip r:embed="rId18">
-            <a:extLst>
-              <a:ext uri="{28A0092B-C50C-407E-A947-70E740481C1C}">
-                <a14:useLocalDpi xmlns:a14="http://schemas.microsoft.com/office/drawing/2010/main" val="0"/>
-              </a:ext>
-            </a:extLst>
-          </a:blip>
-          <a:stretch>
-            <a:fillRect/>
-          </a:stretch>
-        </p:blipFill>
-        <p:spPr>
-          <a:xfrm>
-            <a:off x="2088066" y="11777845"/>
-            <a:ext cx="8599062" cy="2149765"/>
-          </a:xfrm>
-          <a:prstGeom prst="rect">
-            <a:avLst/>
-          </a:prstGeom>
-        </p:spPr>
-      </p:pic>
-      <p:pic>
-        <p:nvPicPr>
-          <p:cNvPr id="54" name="Picture 53" descr="A colorful image of a rainbow&#10;&#10;Description automatically generated with medium confidence">
-            <a:extLst>
-              <a:ext uri="{FF2B5EF4-FFF2-40B4-BE49-F238E27FC236}">
-                <a16:creationId xmlns:a16="http://schemas.microsoft.com/office/drawing/2014/main" id="{3D6A3F9C-ED3E-94BC-9835-9E006073FBCA}"/>
-              </a:ext>
-            </a:extLst>
-          </p:cNvPr>
-          <p:cNvPicPr>
-            <a:picLocks noChangeAspect="1"/>
-          </p:cNvPicPr>
-          <p:nvPr/>
-        </p:nvPicPr>
-        <p:blipFill>
-          <a:blip r:embed="rId19">
-            <a:extLst>
-              <a:ext uri="{28A0092B-C50C-407E-A947-70E740481C1C}">
-                <a14:useLocalDpi xmlns:a14="http://schemas.microsoft.com/office/drawing/2010/main" val="0"/>
-              </a:ext>
-            </a:extLst>
-          </a:blip>
-          <a:stretch>
-            <a:fillRect/>
-          </a:stretch>
-        </p:blipFill>
-        <p:spPr>
-          <a:xfrm>
-            <a:off x="19452649" y="9199093"/>
-            <a:ext cx="4728517" cy="4728517"/>
-          </a:xfrm>
-          <a:prstGeom prst="rect">
-            <a:avLst/>
-          </a:prstGeom>
-        </p:spPr>
-      </p:pic>
-      <p:grpSp>
-        <p:nvGrpSpPr>
-          <p:cNvPr id="57" name="Group 56">
-            <a:extLst>
-              <a:ext uri="{FF2B5EF4-FFF2-40B4-BE49-F238E27FC236}">
-                <a16:creationId xmlns:a16="http://schemas.microsoft.com/office/drawing/2014/main" id="{3F1429C3-4680-41DA-0DA6-EACD7B322E7E}"/>
-              </a:ext>
-            </a:extLst>
-          </p:cNvPr>
-          <p:cNvGrpSpPr/>
-          <p:nvPr/>
-        </p:nvGrpSpPr>
-        <p:grpSpPr>
-          <a:xfrm>
-            <a:off x="737798" y="16409881"/>
-            <a:ext cx="11034543" cy="8498387"/>
-            <a:chOff x="726831" y="10039801"/>
-            <a:chExt cx="13700506" cy="10551610"/>
-          </a:xfrm>
-        </p:grpSpPr>
-        <p:sp>
-          <p:nvSpPr>
-            <p:cNvPr id="58" name="TextBox 47">
-              <a:extLst>
-                <a:ext uri="{FF2B5EF4-FFF2-40B4-BE49-F238E27FC236}">
-                  <a16:creationId xmlns:a16="http://schemas.microsoft.com/office/drawing/2014/main" id="{9104FB57-86AA-2A5E-8FA6-CA88251AA5A0}"/>
-                </a:ext>
-              </a:extLst>
-            </p:cNvPr>
-            <p:cNvSpPr txBox="1"/>
-            <p:nvPr/>
-          </p:nvSpPr>
-          <p:spPr>
-            <a:xfrm>
-              <a:off x="726831" y="10757232"/>
-              <a:ext cx="5079438" cy="6273955"/>
-            </a:xfrm>
-            <a:prstGeom prst="rect">
-              <a:avLst/>
-            </a:prstGeom>
-            <a:ln w="12700">
-              <a:miter lim="400000"/>
-            </a:ln>
-            <a:extLst>
-              <a:ext uri="{C572A759-6A51-4108-AA02-DFA0A04FC94B}">
-                <ma14:wrappingTextBoxFlag xmlns:ma14="http://schemas.microsoft.com/office/mac/drawingml/2011/main" xmlns:a14="http://schemas.microsoft.com/office/drawing/2010/main" xmlns:m="http://schemas.openxmlformats.org/officeDocument/2006/math" xmlns="" val="1"/>
-              </a:ext>
-            </a:extLst>
-          </p:spPr>
-          <p:txBody>
-            <a:bodyPr wrap="square" lIns="33867" rIns="33867">
-              <a:spAutoFit/>
-            </a:bodyPr>
-            <a:lstStyle>
-              <a:lvl1pPr>
-                <a:lnSpc>
-                  <a:spcPct val="120000"/>
-                </a:lnSpc>
-                <a:defRPr sz="2100">
-                  <a:solidFill>
-                    <a:srgbClr val="344854"/>
-                  </a:solidFill>
-                  <a:latin typeface="Arial"/>
-                  <a:ea typeface="Arial"/>
-                  <a:cs typeface="Arial"/>
-                  <a:sym typeface="Arial"/>
-                </a:defRPr>
-              </a:lvl1pPr>
-            </a:lstStyle>
-            <a:p>
-              <a:pPr marL="368245" indent="-368245" fontAlgn="base">
-                <a:buFont typeface="Arial" panose="020B0604020202020204" pitchFamily="34" charset="0"/>
-                <a:buChar char="•"/>
-              </a:pPr>
-              <a:r>
-                <a:rPr lang="en-GB" sz="2256" b="1" dirty="0"/>
-                <a:t>Counterfactual Explanation </a:t>
-              </a:r>
-              <a:r>
-                <a:rPr lang="en-GB" sz="2256" dirty="0"/>
-                <a:t>(CE) explain how inputs into a model need to change for it to produce different outputs.</a:t>
-              </a:r>
-            </a:p>
-            <a:p>
-              <a:pPr marL="368245" indent="-368245" fontAlgn="base">
-                <a:buFont typeface="Arial" panose="020B0604020202020204" pitchFamily="34" charset="0"/>
-                <a:buChar char="•"/>
-              </a:pPr>
-              <a:r>
-                <a:rPr lang="en-GB" sz="2256" dirty="0"/>
-                <a:t>Counterfactual Explanations that involve realistic and actionable changes can be used for the purpose of </a:t>
-              </a:r>
-              <a:r>
-                <a:rPr lang="en-GB" sz="2256" b="1" dirty="0"/>
-                <a:t>Algorithmic Recourse </a:t>
-              </a:r>
-              <a:r>
-                <a:rPr lang="en-GB" sz="2256" dirty="0"/>
-                <a:t>(AR).</a:t>
-              </a:r>
-            </a:p>
-            <a:p>
-              <a:pPr marL="368245" indent="-368245" fontAlgn="base">
-                <a:buFont typeface="Arial" panose="020B0604020202020204" pitchFamily="34" charset="0"/>
-                <a:buChar char="•"/>
-              </a:pPr>
-              <a:endParaRPr lang="en-GB" sz="2256" dirty="0"/>
-            </a:p>
-          </p:txBody>
-        </p:sp>
-        <p:grpSp>
-          <p:nvGrpSpPr>
-            <p:cNvPr id="59" name="Group 58">
-              <a:extLst>
-                <a:ext uri="{FF2B5EF4-FFF2-40B4-BE49-F238E27FC236}">
-                  <a16:creationId xmlns:a16="http://schemas.microsoft.com/office/drawing/2014/main" id="{4D918337-2F4A-3691-7454-353E3836B8B3}"/>
-                </a:ext>
-              </a:extLst>
-            </p:cNvPr>
-            <p:cNvGrpSpPr/>
-            <p:nvPr/>
-          </p:nvGrpSpPr>
-          <p:grpSpPr>
-            <a:xfrm>
-              <a:off x="1385503" y="10800127"/>
-              <a:ext cx="12829814" cy="9791284"/>
-              <a:chOff x="16719226" y="7701008"/>
-              <a:chExt cx="12829814" cy="9791284"/>
-            </a:xfrm>
-          </p:grpSpPr>
-          <p:sp>
-            <p:nvSpPr>
-              <p:cNvPr id="61" name="TextBox 56">
-                <a:extLst>
-                  <a:ext uri="{FF2B5EF4-FFF2-40B4-BE49-F238E27FC236}">
-                    <a16:creationId xmlns:a16="http://schemas.microsoft.com/office/drawing/2014/main" id="{696A4505-0046-45D0-A922-5AFD448EE779}"/>
-                  </a:ext>
-                </a:extLst>
-              </p:cNvPr>
-              <p:cNvSpPr txBox="1"/>
-              <p:nvPr/>
-            </p:nvSpPr>
-            <p:spPr>
-              <a:xfrm>
-                <a:off x="16719226" y="16762094"/>
-                <a:ext cx="12240173" cy="730198"/>
-              </a:xfrm>
-              <a:prstGeom prst="rect">
-                <a:avLst/>
-              </a:prstGeom>
-              <a:ln w="12700">
-                <a:miter lim="400000"/>
-              </a:ln>
-              <a:extLst>
-                <a:ext uri="{C572A759-6A51-4108-AA02-DFA0A04FC94B}">
-                  <ma14:wrappingTextBoxFlag xmlns:ma14="http://schemas.microsoft.com/office/mac/drawingml/2011/main" xmlns:a14="http://schemas.microsoft.com/office/drawing/2010/main" xmlns:m="http://schemas.openxmlformats.org/officeDocument/2006/math" xmlns="" val="1"/>
-                </a:ext>
-              </a:extLst>
-            </p:spPr>
-            <p:txBody>
-              <a:bodyPr wrap="square" lIns="33867" rIns="33867">
-                <a:spAutoFit/>
-              </a:bodyPr>
-              <a:lstStyle>
-                <a:lvl1pPr algn="ctr">
-                  <a:defRPr sz="1300">
-                    <a:solidFill>
-                      <a:srgbClr val="344854"/>
-                    </a:solidFill>
-                    <a:latin typeface="Arial"/>
-                    <a:ea typeface="Arial"/>
-                    <a:cs typeface="Arial"/>
-                    <a:sym typeface="Arial"/>
-                  </a:defRPr>
-                </a:lvl1pPr>
-              </a:lstStyle>
-              <a:p>
-                <a:r>
-                  <a:rPr lang="en-GB" sz="1611" dirty="0"/>
-                  <a:t>Figure 2: Generating a counterfactual for </a:t>
-                </a:r>
-                <a:r>
-                  <a:rPr lang="en-NL" sz="1611" dirty="0"/>
-                  <a:t>🐱 following Wachter et al. (2018)</a:t>
-                </a:r>
-                <a:r>
-                  <a:rPr lang="en-GB" sz="1611" dirty="0"/>
-                  <a:t>. The contour shows the predictions of a simple multi-layer perceptron (MLP).</a:t>
-                </a:r>
-              </a:p>
-            </p:txBody>
-          </p:sp>
-          <p:pic>
-            <p:nvPicPr>
-              <p:cNvPr id="62" name="Picture 3">
-                <a:extLst>
-                  <a:ext uri="{FF2B5EF4-FFF2-40B4-BE49-F238E27FC236}">
-                    <a16:creationId xmlns:a16="http://schemas.microsoft.com/office/drawing/2014/main" id="{1DC4600B-D18A-77C3-0971-0F08DCDE487C}"/>
-                  </a:ext>
-                </a:extLst>
-              </p:cNvPr>
-              <p:cNvPicPr>
-                <a:picLocks noChangeAspect="1" noChangeArrowheads="1"/>
-              </p:cNvPicPr>
-              <p:nvPr/>
-            </p:nvPicPr>
-            <p:blipFill>
-              <a:blip r:embed="rId20">
-                <a:extLst>
-                  <a:ext uri="{28A0092B-C50C-407E-A947-70E740481C1C}">
-                    <a14:useLocalDpi xmlns:a14="http://schemas.microsoft.com/office/drawing/2010/main" val="0"/>
-                  </a:ext>
-                </a:extLst>
-              </a:blip>
-              <a:srcRect/>
-              <a:stretch/>
-            </p:blipFill>
-            <p:spPr bwMode="auto">
-              <a:xfrm>
-                <a:off x="20937875" y="7701008"/>
-                <a:ext cx="8611165" cy="8611165"/>
-              </a:xfrm>
-              <a:prstGeom prst="rect">
-                <a:avLst/>
-              </a:prstGeom>
-              <a:noFill/>
-              <a:extLst>
-                <a:ext uri="{909E8E84-426E-40DD-AFC4-6F175D3DCCD1}">
-                  <a14:hiddenFill xmlns:a14="http://schemas.microsoft.com/office/drawing/2010/main">
-                    <a:solidFill>
-                      <a:srgbClr val="FFFFFF"/>
-                    </a:solidFill>
-                  </a14:hiddenFill>
-                </a:ext>
-              </a:extLst>
-            </p:spPr>
-          </p:pic>
-        </p:grpSp>
-        <p:sp>
-          <p:nvSpPr>
-            <p:cNvPr id="60" name="TextBox 43">
-              <a:extLst>
-                <a:ext uri="{FF2B5EF4-FFF2-40B4-BE49-F238E27FC236}">
-                  <a16:creationId xmlns:a16="http://schemas.microsoft.com/office/drawing/2014/main" id="{B328D478-64FA-BB44-BD7E-310C81B96A2A}"/>
-                </a:ext>
-              </a:extLst>
-            </p:cNvPr>
-            <p:cNvSpPr txBox="1"/>
-            <p:nvPr/>
-          </p:nvSpPr>
-          <p:spPr>
-            <a:xfrm>
-              <a:off x="726831" y="10039801"/>
-              <a:ext cx="13700506" cy="730278"/>
-            </a:xfrm>
-            <a:prstGeom prst="rect">
-              <a:avLst/>
-            </a:prstGeom>
-            <a:ln w="12700">
-              <a:miter lim="400000"/>
-            </a:ln>
-            <a:extLst>
-              <a:ext uri="{C572A759-6A51-4108-AA02-DFA0A04FC94B}">
-                <ma14:wrappingTextBoxFlag xmlns:ma14="http://schemas.microsoft.com/office/mac/drawingml/2011/main" xmlns:a14="http://schemas.microsoft.com/office/drawing/2010/main" xmlns:m="http://schemas.openxmlformats.org/officeDocument/2006/math" xmlns="" val="1"/>
-              </a:ext>
-            </a:extLst>
-          </p:spPr>
-          <p:txBody>
-            <a:bodyPr lIns="33867" rIns="33867">
-              <a:spAutoFit/>
-            </a:bodyPr>
-            <a:lstStyle>
-              <a:lvl1pPr>
-                <a:defRPr sz="3400">
-                  <a:latin typeface="Arial"/>
-                  <a:ea typeface="Arial"/>
-                  <a:cs typeface="Arial"/>
-                  <a:sym typeface="Arial"/>
-                </a:defRPr>
-              </a:lvl1pPr>
-            </a:lstStyle>
-            <a:p>
-              <a:r>
-                <a:rPr lang="en-US" sz="3222" dirty="0"/>
-                <a:t>PLAUSIBILITY</a:t>
-              </a:r>
-              <a:endParaRPr sz="3222" dirty="0"/>
-            </a:p>
-          </p:txBody>
-        </p:sp>
-      </p:grpSp>
-      <p:pic>
-        <p:nvPicPr>
-          <p:cNvPr id="66" name="Picture 65" descr="A group of black squares with white text&#10;&#10;Description automatically generated">
-            <a:extLst>
-              <a:ext uri="{FF2B5EF4-FFF2-40B4-BE49-F238E27FC236}">
-                <a16:creationId xmlns:a16="http://schemas.microsoft.com/office/drawing/2014/main" id="{AC29E8FA-D5D2-C8DA-3998-DC869BFF4301}"/>
-              </a:ext>
-            </a:extLst>
-          </p:cNvPr>
-          <p:cNvPicPr>
-            <a:picLocks noChangeAspect="1"/>
-          </p:cNvPicPr>
-          <p:nvPr/>
-        </p:nvPicPr>
-        <p:blipFill>
-          <a:blip r:embed="rId21">
-            <a:extLst>
-              <a:ext uri="{28A0092B-C50C-407E-A947-70E740481C1C}">
-                <a14:useLocalDpi xmlns:a14="http://schemas.microsoft.com/office/drawing/2010/main" val="0"/>
-              </a:ext>
-            </a:extLst>
-          </a:blip>
-          <a:stretch>
-            <a:fillRect/>
-          </a:stretch>
-        </p:blipFill>
-        <p:spPr>
-          <a:xfrm>
-            <a:off x="19359961" y="25862778"/>
-            <a:ext cx="4571726" cy="4571726"/>
-          </a:xfrm>
-          <a:prstGeom prst="rect">
-            <a:avLst/>
-          </a:prstGeom>
-        </p:spPr>
-      </p:pic>
-      <p:pic>
-        <p:nvPicPr>
-          <p:cNvPr id="68" name="Picture 67" descr="A table with numbers and symbols&#10;&#10;Description automatically generated">
-            <a:extLst>
-              <a:ext uri="{FF2B5EF4-FFF2-40B4-BE49-F238E27FC236}">
-                <a16:creationId xmlns:a16="http://schemas.microsoft.com/office/drawing/2014/main" id="{72A440D0-E54E-BB16-38C1-2EAA8E889900}"/>
-              </a:ext>
-            </a:extLst>
-          </p:cNvPr>
-          <p:cNvPicPr>
-            <a:picLocks noChangeAspect="1"/>
-          </p:cNvPicPr>
-          <p:nvPr/>
-        </p:nvPicPr>
-        <p:blipFill>
-          <a:blip r:embed="rId22">
-            <a:extLst>
-              <a:ext uri="{28A0092B-C50C-407E-A947-70E740481C1C}">
-                <a14:useLocalDpi xmlns:a14="http://schemas.microsoft.com/office/drawing/2010/main" val="0"/>
-              </a:ext>
-            </a:extLst>
-          </a:blip>
-          <a:stretch>
-            <a:fillRect/>
-          </a:stretch>
-        </p:blipFill>
-        <p:spPr>
-          <a:xfrm>
-            <a:off x="13703790" y="31050966"/>
-            <a:ext cx="9421119" cy="3870928"/>
-          </a:xfrm>
-          <a:prstGeom prst="rect">
-            <a:avLst/>
-          </a:prstGeom>
-        </p:spPr>
-      </p:pic>
-      <p:cxnSp>
-        <p:nvCxnSpPr>
-          <p:cNvPr id="76" name="Curved Connector 75">
-            <a:extLst>
-              <a:ext uri="{FF2B5EF4-FFF2-40B4-BE49-F238E27FC236}">
-                <a16:creationId xmlns:a16="http://schemas.microsoft.com/office/drawing/2014/main" id="{6369DE0F-F8AE-ED6F-DA58-6CBA1D977570}"/>
-              </a:ext>
-            </a:extLst>
-          </p:cNvPr>
-          <p:cNvCxnSpPr>
-            <a:cxnSpLocks/>
-          </p:cNvCxnSpPr>
-          <p:nvPr/>
-        </p:nvCxnSpPr>
-        <p:spPr>
-          <a:xfrm>
-            <a:off x="11687776" y="10424977"/>
-            <a:ext cx="1314913" cy="617675"/>
-          </a:xfrm>
-          <a:prstGeom prst="curvedConnector3">
-            <a:avLst>
-              <a:gd name="adj1" fmla="val 44205"/>
-            </a:avLst>
-          </a:prstGeom>
-          <a:noFill/>
-          <a:ln w="101600" cap="flat">
-            <a:solidFill>
-              <a:schemeClr val="accent1"/>
-            </a:solidFill>
-            <a:prstDash val="solid"/>
-            <a:miter lim="800000"/>
-            <a:tailEnd type="triangle"/>
-          </a:ln>
-          <a:effectLst/>
-          <a:sp3d/>
-        </p:spPr>
-        <p:style>
-          <a:lnRef idx="0">
-            <a:scrgbClr r="0" g="0" b="0"/>
-          </a:lnRef>
-          <a:fillRef idx="0">
-            <a:scrgbClr r="0" g="0" b="0"/>
-          </a:fillRef>
-          <a:effectRef idx="0">
-            <a:scrgbClr r="0" g="0" b="0"/>
-          </a:effectRef>
-          <a:fontRef idx="none"/>
-        </p:style>
-      </p:cxnSp>
-      <p:cxnSp>
-        <p:nvCxnSpPr>
-          <p:cNvPr id="86" name="Curved Connector 85">
-            <a:extLst>
-              <a:ext uri="{FF2B5EF4-FFF2-40B4-BE49-F238E27FC236}">
-                <a16:creationId xmlns:a16="http://schemas.microsoft.com/office/drawing/2014/main" id="{F00C270B-D12D-0FC3-B8DE-26C3E21E0DAC}"/>
-              </a:ext>
-            </a:extLst>
-          </p:cNvPr>
-          <p:cNvCxnSpPr>
-            <a:cxnSpLocks/>
-          </p:cNvCxnSpPr>
-          <p:nvPr/>
-        </p:nvCxnSpPr>
-        <p:spPr>
-          <a:xfrm rot="10800000" flipV="1">
-            <a:off x="4179112" y="14092455"/>
-            <a:ext cx="9282888" cy="2562707"/>
-          </a:xfrm>
-          <a:prstGeom prst="curvedConnector3">
-            <a:avLst>
-              <a:gd name="adj1" fmla="val 50000"/>
-            </a:avLst>
-          </a:prstGeom>
-          <a:noFill/>
-          <a:ln w="101600" cap="flat">
-            <a:solidFill>
-              <a:schemeClr val="accent1"/>
-            </a:solidFill>
-            <a:prstDash val="solid"/>
-            <a:miter lim="800000"/>
-            <a:tailEnd type="triangle"/>
-          </a:ln>
-          <a:effectLst/>
-          <a:sp3d/>
-        </p:spPr>
-        <p:style>
-          <a:lnRef idx="0">
-            <a:scrgbClr r="0" g="0" b="0"/>
-          </a:lnRef>
-          <a:fillRef idx="0">
-            <a:scrgbClr r="0" g="0" b="0"/>
-          </a:fillRef>
-          <a:effectRef idx="0">
-            <a:scrgbClr r="0" g="0" b="0"/>
-          </a:effectRef>
-          <a:fontRef idx="none"/>
-        </p:style>
-      </p:cxnSp>
-      <p:sp>
-        <p:nvSpPr>
-          <p:cNvPr id="89" name="Down Arrow 88">
-            <a:extLst>
-              <a:ext uri="{FF2B5EF4-FFF2-40B4-BE49-F238E27FC236}">
-                <a16:creationId xmlns:a16="http://schemas.microsoft.com/office/drawing/2014/main" id="{D7774D3C-6216-36A8-F8BA-8CC3749C666E}"/>
-              </a:ext>
-            </a:extLst>
-          </p:cNvPr>
-          <p:cNvSpPr/>
-          <p:nvPr/>
-        </p:nvSpPr>
-        <p:spPr>
-          <a:xfrm>
-            <a:off x="737798" y="14557824"/>
-            <a:ext cx="23193889" cy="1420012"/>
-          </a:xfrm>
-          <a:prstGeom prst="downArrow">
-            <a:avLst/>
-          </a:prstGeom>
-          <a:solidFill>
-            <a:schemeClr val="accent1">
-              <a:lumMod val="20000"/>
-              <a:lumOff val="80000"/>
-            </a:schemeClr>
-          </a:solidFill>
-          <a:ln w="38100" cap="flat">
-            <a:solidFill>
-              <a:schemeClr val="accent1"/>
-            </a:solidFill>
-            <a:prstDash val="solid"/>
-            <a:miter lim="800000"/>
-          </a:ln>
-          <a:effectLst/>
-          <a:sp3d/>
-        </p:spPr>
-        <p:style>
-          <a:lnRef idx="0">
-            <a:scrgbClr r="0" g="0" b="0"/>
-          </a:lnRef>
-          <a:fillRef idx="0">
-            <a:scrgbClr r="0" g="0" b="0"/>
-          </a:fillRef>
-          <a:effectRef idx="0">
-            <a:scrgbClr r="0" g="0" b="0"/>
-          </a:effectRef>
-          <a:fontRef idx="none"/>
-        </p:style>
-        <p:txBody>
-          <a:bodyPr rot="0" spcFirstLastPara="1" vertOverflow="overflow" horzOverflow="overflow" vert="horz" wrap="square" lIns="45719" tIns="45719" rIns="45719" bIns="45719" numCol="1" spcCol="38100" rtlCol="0" anchor="ctr">
-            <a:spAutoFit/>
-          </a:bodyPr>
-          <a:lstStyle/>
-          <a:p>
-            <a:pPr marL="0" marR="0" indent="0" algn="l" defTabSz="326532" rtl="0" fontAlgn="auto" latinLnBrk="0" hangingPunct="0">
-              <a:lnSpc>
-                <a:spcPct val="100000"/>
-              </a:lnSpc>
-              <a:spcBef>
-                <a:spcPts val="0"/>
-              </a:spcBef>
-              <a:spcAft>
-                <a:spcPts val="0"/>
-              </a:spcAft>
-              <a:buClrTx/>
-              <a:buSzTx/>
-              <a:buFontTx/>
-              <a:buNone/>
-              <a:tabLst/>
-            </a:pPr>
-            <a:endParaRPr kumimoji="0" lang="en-US" sz="1200" b="0" i="0" u="none" strike="noStrike" cap="none" spc="0" normalizeH="0" baseline="0">
-              <a:ln>
-                <a:noFill/>
-              </a:ln>
-              <a:solidFill>
-                <a:srgbClr val="000000"/>
-              </a:solidFill>
-              <a:effectLst/>
-              <a:uFillTx/>
-              <a:latin typeface="+mn-lt"/>
-              <a:ea typeface="+mn-ea"/>
-              <a:cs typeface="+mn-cs"/>
-              <a:sym typeface="Calibri"/>
-            </a:endParaRPr>
-          </a:p>
-        </p:txBody>
-      </p:sp>
-      <p:sp>
-        <p:nvSpPr>
-          <p:cNvPr id="55" name="TextBox 35">
-            <a:extLst>
-              <a:ext uri="{FF2B5EF4-FFF2-40B4-BE49-F238E27FC236}">
-                <a16:creationId xmlns:a16="http://schemas.microsoft.com/office/drawing/2014/main" id="{EA8B7BA5-77CB-8526-5833-526610ECB9CE}"/>
-              </a:ext>
-            </a:extLst>
-          </p:cNvPr>
-          <p:cNvSpPr txBox="1"/>
-          <p:nvPr/>
-        </p:nvSpPr>
-        <p:spPr>
-          <a:xfrm>
-            <a:off x="6764858" y="14604657"/>
-            <a:ext cx="11067879" cy="830997"/>
-          </a:xfrm>
-          <a:prstGeom prst="rect">
-            <a:avLst/>
-          </a:prstGeom>
-          <a:ln w="12700">
-            <a:miter lim="400000"/>
-          </a:ln>
-          <a:extLst>
-            <a:ext uri="{C572A759-6A51-4108-AA02-DFA0A04FC94B}">
-              <ma14:wrappingTextBoxFlag xmlns:ma14="http://schemas.microsoft.com/office/mac/drawingml/2011/main" xmlns:a14="http://schemas.microsoft.com/office/drawing/2010/main" xmlns:m="http://schemas.openxmlformats.org/officeDocument/2006/math" xmlns="" val="1"/>
-            </a:ext>
-          </a:extLst>
-        </p:spPr>
-        <p:txBody>
-          <a:bodyPr wrap="square" lIns="33867" rIns="33867">
-            <a:spAutoFit/>
-          </a:bodyPr>
-          <a:lstStyle>
-            <a:lvl1pPr>
-              <a:defRPr sz="5500">
-                <a:latin typeface="Arial"/>
-                <a:ea typeface="Arial"/>
-                <a:cs typeface="Arial"/>
-                <a:sym typeface="Arial"/>
-              </a:defRPr>
-            </a:lvl1pPr>
-          </a:lstStyle>
-          <a:p>
-            <a:r>
-              <a:rPr lang="en-GB" sz="4800" dirty="0"/>
-              <a:t>Reconciling Faithfulness and Plausibility</a:t>
-            </a:r>
-          </a:p>
-        </p:txBody>
-      </p:sp>
-      <p:cxnSp>
-        <p:nvCxnSpPr>
-          <p:cNvPr id="108" name="Curved Connector 107">
-            <a:extLst>
-              <a:ext uri="{FF2B5EF4-FFF2-40B4-BE49-F238E27FC236}">
-                <a16:creationId xmlns:a16="http://schemas.microsoft.com/office/drawing/2014/main" id="{4E0F34DC-E30E-59AF-48A9-BD04276069C2}"/>
-              </a:ext>
-            </a:extLst>
-          </p:cNvPr>
-          <p:cNvCxnSpPr>
-            <a:cxnSpLocks/>
-          </p:cNvCxnSpPr>
-          <p:nvPr/>
-        </p:nvCxnSpPr>
-        <p:spPr>
-          <a:xfrm>
-            <a:off x="11645488" y="27164030"/>
-            <a:ext cx="1314913" cy="617675"/>
-          </a:xfrm>
-          <a:prstGeom prst="curvedConnector3">
-            <a:avLst>
-              <a:gd name="adj1" fmla="val 44205"/>
-            </a:avLst>
-          </a:prstGeom>
-          <a:noFill/>
-          <a:ln w="101600" cap="flat">
-            <a:solidFill>
-              <a:schemeClr val="accent1"/>
-            </a:solidFill>
-            <a:prstDash val="solid"/>
-            <a:miter lim="800000"/>
-            <a:tailEnd type="triangle"/>
-          </a:ln>
-          <a:effectLst/>
-          <a:sp3d/>
-        </p:spPr>
-        <p:style>
-          <a:lnRef idx="0">
-            <a:scrgbClr r="0" g="0" b="0"/>
-          </a:lnRef>
-          <a:fillRef idx="0">
-            <a:scrgbClr r="0" g="0" b="0"/>
-          </a:fillRef>
-          <a:effectRef idx="0">
-            <a:scrgbClr r="0" g="0" b="0"/>
-          </a:effectRef>
-          <a:fontRef idx="none"/>
-        </p:style>
-      </p:cxnSp>
-      <p:cxnSp>
-        <p:nvCxnSpPr>
-          <p:cNvPr id="95" name="Curved Connector 94">
-            <a:extLst>
-              <a:ext uri="{FF2B5EF4-FFF2-40B4-BE49-F238E27FC236}">
-                <a16:creationId xmlns:a16="http://schemas.microsoft.com/office/drawing/2014/main" id="{D59E8589-50A8-7286-2C50-C8ECD71C0F03}"/>
-              </a:ext>
-            </a:extLst>
-          </p:cNvPr>
-          <p:cNvCxnSpPr>
-            <a:cxnSpLocks/>
-          </p:cNvCxnSpPr>
-          <p:nvPr/>
-        </p:nvCxnSpPr>
-        <p:spPr>
-          <a:xfrm>
-            <a:off x="11686943" y="18165457"/>
-            <a:ext cx="1314913" cy="617675"/>
-          </a:xfrm>
-          <a:prstGeom prst="curvedConnector3">
-            <a:avLst>
-              <a:gd name="adj1" fmla="val 44205"/>
-            </a:avLst>
-          </a:prstGeom>
-          <a:noFill/>
-          <a:ln w="101600" cap="flat">
-            <a:solidFill>
-              <a:schemeClr val="accent1"/>
-            </a:solidFill>
-            <a:prstDash val="solid"/>
-            <a:miter lim="800000"/>
-            <a:tailEnd type="triangle"/>
-          </a:ln>
-          <a:effectLst/>
-          <a:sp3d/>
-        </p:spPr>
-        <p:style>
-          <a:lnRef idx="0">
-            <a:scrgbClr r="0" g="0" b="0"/>
-          </a:lnRef>
-          <a:fillRef idx="0">
-            <a:scrgbClr r="0" g="0" b="0"/>
-          </a:fillRef>
-          <a:effectRef idx="0">
-            <a:scrgbClr r="0" g="0" b="0"/>
-          </a:effectRef>
-          <a:fontRef idx="none"/>
-        </p:style>
-      </p:cxnSp>
     </p:spTree>
   </p:cSld>
   <p:clrMapOvr>

--- a/content/talks/posts/2024-aaai/poster.pptx
+++ b/content/talks/posts/2024-aaai/poster.pptx
@@ -1768,36 +1768,6 @@
           </p:txBody>
         </p:sp>
       </p:grpSp>
-      <p:pic>
-        <p:nvPicPr>
-          <p:cNvPr id="1071" name="Picture 1070">
-            <a:extLst>
-              <a:ext uri="{FF2B5EF4-FFF2-40B4-BE49-F238E27FC236}">
-                <a16:creationId xmlns:a16="http://schemas.microsoft.com/office/drawing/2014/main" id="{5A2B6010-530A-97E0-EAD0-CBD1CE8E2137}"/>
-              </a:ext>
-            </a:extLst>
-          </p:cNvPr>
-          <p:cNvPicPr>
-            <a:picLocks noChangeAspect="1"/>
-          </p:cNvPicPr>
-          <p:nvPr/>
-        </p:nvPicPr>
-        <p:blipFill>
-          <a:blip r:embed="rId3"/>
-          <a:stretch>
-            <a:fillRect/>
-          </a:stretch>
-        </p:blipFill>
-        <p:spPr>
-          <a:xfrm>
-            <a:off x="6851364" y="2624017"/>
-            <a:ext cx="17101057" cy="5596556"/>
-          </a:xfrm>
-          <a:prstGeom prst="rect">
-            <a:avLst/>
-          </a:prstGeom>
-        </p:spPr>
-      </p:pic>
       <p:grpSp>
         <p:nvGrpSpPr>
           <p:cNvPr id="1056" name="Group 1055">
@@ -2366,7 +2336,7 @@
           <p:nvPr/>
         </p:nvPicPr>
         <p:blipFill rotWithShape="1">
-          <a:blip r:embed="rId4">
+          <a:blip r:embed="rId3">
             <a:extLst>
               <a:ext uri="{28A0092B-C50C-407E-A947-70E740481C1C}">
                 <a14:useLocalDpi xmlns:a14="http://schemas.microsoft.com/office/drawing/2010/main" val="0"/>
@@ -2401,13 +2371,13 @@
           <p:nvPr/>
         </p:nvPicPr>
         <p:blipFill>
-          <a:blip r:embed="rId5">
+          <a:blip r:embed="rId4">
             <a:extLst>
               <a:ext uri="{28A0092B-C50C-407E-A947-70E740481C1C}">
                 <a14:useLocalDpi xmlns:a14="http://schemas.microsoft.com/office/drawing/2010/main" val="0"/>
               </a:ext>
               <a:ext uri="{96DAC541-7B7A-43D3-8B79-37D633B846F1}">
-                <asvg:svgBlip xmlns:asvg="http://schemas.microsoft.com/office/drawing/2016/SVG/main" r:embed="rId6"/>
+                <asvg:svgBlip xmlns:asvg="http://schemas.microsoft.com/office/drawing/2016/SVG/main" r:embed="rId5"/>
               </a:ext>
             </a:extLst>
           </a:blip>
@@ -2516,7 +2486,7 @@
             <p:nvPr/>
           </p:nvPicPr>
           <p:blipFill>
-            <a:blip r:embed="rId7">
+            <a:blip r:embed="rId6">
               <a:extLst>
                 <a:ext uri="{28A0092B-C50C-407E-A947-70E740481C1C}">
                   <a14:useLocalDpi xmlns:a14="http://schemas.microsoft.com/office/drawing/2010/main" val="0"/>
@@ -2562,7 +2532,7 @@
           <p:nvPr/>
         </p:nvPicPr>
         <p:blipFill>
-          <a:blip r:embed="rId8">
+          <a:blip r:embed="rId7">
             <a:extLst>
               <a:ext uri="{28A0092B-C50C-407E-A947-70E740481C1C}">
                 <a14:useLocalDpi xmlns:a14="http://schemas.microsoft.com/office/drawing/2010/main" val="0"/>
@@ -2865,7 +2835,7 @@
             <p:nvPr/>
           </p:nvPicPr>
           <p:blipFill>
-            <a:blip r:embed="rId9">
+            <a:blip r:embed="rId8">
               <a:extLst>
                 <a:ext uri="{28A0092B-C50C-407E-A947-70E740481C1C}">
                   <a14:useLocalDpi xmlns:a14="http://schemas.microsoft.com/office/drawing/2010/main" val="0"/>
@@ -2900,7 +2870,7 @@
             <p:nvPr/>
           </p:nvPicPr>
           <p:blipFill>
-            <a:blip r:embed="rId10">
+            <a:blip r:embed="rId9">
               <a:extLst>
                 <a:ext uri="{28A0092B-C50C-407E-A947-70E740481C1C}">
                   <a14:useLocalDpi xmlns:a14="http://schemas.microsoft.com/office/drawing/2010/main" val="0"/>
@@ -2923,7 +2893,7 @@
         <p:pic>
           <p:nvPicPr>
             <p:cNvPr id="1041" name="Picture 1040">
-              <a:hlinkClick r:id="rId11"/>
+              <a:hlinkClick r:id="rId10"/>
               <a:extLst>
                 <a:ext uri="{FF2B5EF4-FFF2-40B4-BE49-F238E27FC236}">
                   <a16:creationId xmlns:a16="http://schemas.microsoft.com/office/drawing/2014/main" id="{445191B8-6752-D16E-34FB-5FEA53A59BBB}"/>
@@ -2936,7 +2906,7 @@
             <p:nvPr/>
           </p:nvPicPr>
           <p:blipFill>
-            <a:blip r:embed="rId12">
+            <a:blip r:embed="rId11">
               <a:extLst>
                 <a:ext uri="{28A0092B-C50C-407E-A947-70E740481C1C}">
                   <a14:useLocalDpi xmlns:a14="http://schemas.microsoft.com/office/drawing/2010/main" val="0"/>
@@ -2959,7 +2929,7 @@
         <p:pic>
           <p:nvPicPr>
             <p:cNvPr id="1042" name="Picture 1041" descr="Qr code&#10;&#10;Description automatically generated">
-              <a:hlinkClick r:id="rId11"/>
+              <a:hlinkClick r:id="rId10"/>
               <a:extLst>
                 <a:ext uri="{FF2B5EF4-FFF2-40B4-BE49-F238E27FC236}">
                   <a16:creationId xmlns:a16="http://schemas.microsoft.com/office/drawing/2014/main" id="{C33A7FC4-F6FE-46BF-CF5B-C93AC4CB9AF5}"/>
@@ -2972,7 +2942,7 @@
             <p:nvPr/>
           </p:nvPicPr>
           <p:blipFill>
-            <a:blip r:embed="rId13">
+            <a:blip r:embed="rId12">
               <a:extLst>
                 <a:ext uri="{28A0092B-C50C-407E-A947-70E740481C1C}">
                   <a14:useLocalDpi xmlns:a14="http://schemas.microsoft.com/office/drawing/2010/main" val="0"/>
@@ -3009,7 +2979,7 @@
           <p:nvPr/>
         </p:nvPicPr>
         <p:blipFill>
-          <a:blip r:embed="rId14">
+          <a:blip r:embed="rId13">
             <a:extLst>
               <a:ext uri="{28A0092B-C50C-407E-A947-70E740481C1C}">
                 <a14:useLocalDpi xmlns:a14="http://schemas.microsoft.com/office/drawing/2010/main" val="0"/>
@@ -3295,7 +3265,7 @@
           <p:nvPr/>
         </p:nvPicPr>
         <p:blipFill>
-          <a:blip r:embed="rId15">
+          <a:blip r:embed="rId14">
             <a:extLst>
               <a:ext uri="{28A0092B-C50C-407E-A947-70E740481C1C}">
                 <a14:useLocalDpi xmlns:a14="http://schemas.microsoft.com/office/drawing/2010/main" val="0"/>
@@ -3562,7 +3532,7 @@
           <p:nvPr/>
         </p:nvPicPr>
         <p:blipFill>
-          <a:blip r:embed="rId16">
+          <a:blip r:embed="rId15">
             <a:extLst>
               <a:ext uri="{28A0092B-C50C-407E-A947-70E740481C1C}">
                 <a14:useLocalDpi xmlns:a14="http://schemas.microsoft.com/office/drawing/2010/main" val="0"/>
@@ -3597,7 +3567,7 @@
         </p:nvSpPr>
         <p:spPr>
           <a:xfrm>
-            <a:off x="774462" y="2755688"/>
+            <a:off x="774461" y="2655116"/>
             <a:ext cx="6035780" cy="2308324"/>
           </a:xfrm>
           <a:prstGeom prst="rect">
@@ -3661,7 +3631,7 @@
           <p:nvPr/>
         </p:nvPicPr>
         <p:blipFill>
-          <a:blip r:embed="rId17">
+          <a:blip r:embed="rId16">
             <a:extLst>
               <a:ext uri="{28A0092B-C50C-407E-A947-70E740481C1C}">
                 <a14:useLocalDpi xmlns:a14="http://schemas.microsoft.com/office/drawing/2010/main" val="0"/>
@@ -3697,7 +3667,7 @@
           <p:nvPr/>
         </p:nvPicPr>
         <p:blipFill>
-          <a:blip r:embed="rId18">
+          <a:blip r:embed="rId17">
             <a:extLst>
               <a:ext uri="{28A0092B-C50C-407E-A947-70E740481C1C}">
                 <a14:useLocalDpi xmlns:a14="http://schemas.microsoft.com/office/drawing/2010/main" val="0"/>
@@ -3815,7 +3785,7 @@
             <p:nvPr/>
           </p:nvPicPr>
           <p:blipFill>
-            <a:blip r:embed="rId19">
+            <a:blip r:embed="rId18">
               <a:extLst>
                 <a:ext uri="{28A0092B-C50C-407E-A947-70E740481C1C}">
                   <a14:useLocalDpi xmlns:a14="http://schemas.microsoft.com/office/drawing/2010/main" val="0"/>
@@ -3861,7 +3831,7 @@
           <p:nvPr/>
         </p:nvPicPr>
         <p:blipFill>
-          <a:blip r:embed="rId20">
+          <a:blip r:embed="rId19">
             <a:extLst>
               <a:ext uri="{28A0092B-C50C-407E-A947-70E740481C1C}">
                 <a14:useLocalDpi xmlns:a14="http://schemas.microsoft.com/office/drawing/2010/main" val="0"/>
@@ -3897,7 +3867,7 @@
           <p:nvPr/>
         </p:nvPicPr>
         <p:blipFill>
-          <a:blip r:embed="rId21">
+          <a:blip r:embed="rId20">
             <a:extLst>
               <a:ext uri="{28A0092B-C50C-407E-A947-70E740481C1C}">
                 <a14:useLocalDpi xmlns:a14="http://schemas.microsoft.com/office/drawing/2010/main" val="0"/>
@@ -4128,7 +4098,7 @@
         </p:nvSpPr>
         <p:spPr>
           <a:xfrm>
-            <a:off x="774462" y="5206108"/>
+            <a:off x="774461" y="5161483"/>
             <a:ext cx="5325642" cy="1569660"/>
           </a:xfrm>
           <a:prstGeom prst="rect">
@@ -4180,7 +4150,7 @@
           <p:nvPr/>
         </p:nvPicPr>
         <p:blipFill>
-          <a:blip r:embed="rId22">
+          <a:blip r:embed="rId21">
             <a:extLst>
               <a:ext uri="{28A0092B-C50C-407E-A947-70E740481C1C}">
                 <a14:useLocalDpi xmlns:a14="http://schemas.microsoft.com/office/drawing/2010/main" val="0"/>
@@ -4215,8 +4185,8 @@
         </p:nvSpPr>
         <p:spPr>
           <a:xfrm>
-            <a:off x="812842" y="6871286"/>
-            <a:ext cx="5869145" cy="2048318"/>
+            <a:off x="774462" y="6993304"/>
+            <a:ext cx="5869145" cy="1958549"/>
           </a:xfrm>
           <a:prstGeom prst="rect">
             <a:avLst/>
@@ -4272,27 +4242,14 @@
             </a:r>
             <a:r>
               <a:rPr lang="en-US" sz="2400" dirty="0">
-                <a:hlinkClick r:id="rId23"/>
+                <a:hlinkClick r:id="rId22"/>
               </a:rPr>
               <a:t>p.altmeyer@tudelft.nl</a:t>
             </a:r>
             <a:r>
               <a:rPr lang="en-US" sz="2400" dirty="0"/>
-              <a:t>)</a:t>
+              <a:t>), </a:t>
             </a:r>
-          </a:p>
-          <a:p>
-            <a:pPr>
-              <a:spcBef>
-                <a:spcPts val="742"/>
-              </a:spcBef>
-              <a:defRPr sz="2100">
-                <a:latin typeface="Arial"/>
-                <a:ea typeface="Arial"/>
-                <a:cs typeface="Arial"/>
-                <a:sym typeface="Arial"/>
-              </a:defRPr>
-            </a:pPr>
             <a:r>
               <a:rPr lang="en-US" sz="2400" dirty="0" err="1"/>
               <a:t>Mojtaba</a:t>
@@ -4330,6 +4287,36 @@
           </a:p>
         </p:txBody>
       </p:sp>
+      <p:pic>
+        <p:nvPicPr>
+          <p:cNvPr id="1077" name="Picture 1076">
+            <a:extLst>
+              <a:ext uri="{FF2B5EF4-FFF2-40B4-BE49-F238E27FC236}">
+                <a16:creationId xmlns:a16="http://schemas.microsoft.com/office/drawing/2014/main" id="{69786562-BFAA-A513-777F-ECE6F5ADBA9F}"/>
+              </a:ext>
+            </a:extLst>
+          </p:cNvPr>
+          <p:cNvPicPr>
+            <a:picLocks noChangeAspect="1"/>
+          </p:cNvPicPr>
+          <p:nvPr/>
+        </p:nvPicPr>
+        <p:blipFill>
+          <a:blip r:embed="rId23"/>
+          <a:stretch>
+            <a:fillRect/>
+          </a:stretch>
+        </p:blipFill>
+        <p:spPr>
+          <a:xfrm>
+            <a:off x="6839600" y="2642789"/>
+            <a:ext cx="16962628" cy="5551254"/>
+          </a:xfrm>
+          <a:prstGeom prst="rect">
+            <a:avLst/>
+          </a:prstGeom>
+        </p:spPr>
+      </p:pic>
     </p:spTree>
   </p:cSld>
   <p:clrMapOvr>

--- a/content/talks/posts/2024-aaai/poster.pptx
+++ b/content/talks/posts/2024-aaai/poster.pptx
@@ -1629,6 +1629,36 @@
           </a:p>
         </p:txBody>
       </p:sp>
+      <p:pic>
+        <p:nvPicPr>
+          <p:cNvPr id="1077" name="Picture 1076">
+            <a:extLst>
+              <a:ext uri="{FF2B5EF4-FFF2-40B4-BE49-F238E27FC236}">
+                <a16:creationId xmlns:a16="http://schemas.microsoft.com/office/drawing/2014/main" id="{69786562-BFAA-A513-777F-ECE6F5ADBA9F}"/>
+              </a:ext>
+            </a:extLst>
+          </p:cNvPr>
+          <p:cNvPicPr>
+            <a:picLocks noChangeAspect="1"/>
+          </p:cNvPicPr>
+          <p:nvPr/>
+        </p:nvPicPr>
+        <p:blipFill>
+          <a:blip r:embed="rId3"/>
+          <a:stretch>
+            <a:fillRect/>
+          </a:stretch>
+        </p:blipFill>
+        <p:spPr>
+          <a:xfrm>
+            <a:off x="6839600" y="2642789"/>
+            <a:ext cx="16962628" cy="5551254"/>
+          </a:xfrm>
+          <a:prstGeom prst="rect">
+            <a:avLst/>
+          </a:prstGeom>
+        </p:spPr>
+      </p:pic>
       <p:grpSp>
         <p:nvGrpSpPr>
           <p:cNvPr id="1043" name="Group 1042">
@@ -2336,7 +2366,7 @@
           <p:nvPr/>
         </p:nvPicPr>
         <p:blipFill rotWithShape="1">
-          <a:blip r:embed="rId3">
+          <a:blip r:embed="rId4">
             <a:extLst>
               <a:ext uri="{28A0092B-C50C-407E-A947-70E740481C1C}">
                 <a14:useLocalDpi xmlns:a14="http://schemas.microsoft.com/office/drawing/2010/main" val="0"/>
@@ -2371,13 +2401,13 @@
           <p:nvPr/>
         </p:nvPicPr>
         <p:blipFill>
-          <a:blip r:embed="rId4">
+          <a:blip r:embed="rId5">
             <a:extLst>
               <a:ext uri="{28A0092B-C50C-407E-A947-70E740481C1C}">
                 <a14:useLocalDpi xmlns:a14="http://schemas.microsoft.com/office/drawing/2010/main" val="0"/>
               </a:ext>
               <a:ext uri="{96DAC541-7B7A-43D3-8B79-37D633B846F1}">
-                <asvg:svgBlip xmlns:asvg="http://schemas.microsoft.com/office/drawing/2016/SVG/main" r:embed="rId5"/>
+                <asvg:svgBlip xmlns:asvg="http://schemas.microsoft.com/office/drawing/2016/SVG/main" r:embed="rId6"/>
               </a:ext>
             </a:extLst>
           </a:blip>
@@ -2409,7 +2439,7 @@
         </p:nvGrpSpPr>
         <p:grpSpPr>
           <a:xfrm>
-            <a:off x="12881338" y="16558820"/>
+            <a:off x="12884147" y="16558820"/>
             <a:ext cx="6950234" cy="7782295"/>
             <a:chOff x="16302212" y="7741507"/>
             <a:chExt cx="8629421" cy="9662511"/>
@@ -2486,7 +2516,7 @@
             <p:nvPr/>
           </p:nvPicPr>
           <p:blipFill>
-            <a:blip r:embed="rId6">
+            <a:blip r:embed="rId7">
               <a:extLst>
                 <a:ext uri="{28A0092B-C50C-407E-A947-70E740481C1C}">
                   <a14:useLocalDpi xmlns:a14="http://schemas.microsoft.com/office/drawing/2010/main" val="0"/>
@@ -2532,7 +2562,7 @@
           <p:nvPr/>
         </p:nvPicPr>
         <p:blipFill>
-          <a:blip r:embed="rId7">
+          <a:blip r:embed="rId8">
             <a:extLst>
               <a:ext uri="{28A0092B-C50C-407E-A947-70E740481C1C}">
                 <a14:useLocalDpi xmlns:a14="http://schemas.microsoft.com/office/drawing/2010/main" val="0"/>
@@ -2835,7 +2865,7 @@
             <p:nvPr/>
           </p:nvPicPr>
           <p:blipFill>
-            <a:blip r:embed="rId8">
+            <a:blip r:embed="rId9">
               <a:extLst>
                 <a:ext uri="{28A0092B-C50C-407E-A947-70E740481C1C}">
                   <a14:useLocalDpi xmlns:a14="http://schemas.microsoft.com/office/drawing/2010/main" val="0"/>
@@ -2870,7 +2900,7 @@
             <p:nvPr/>
           </p:nvPicPr>
           <p:blipFill>
-            <a:blip r:embed="rId9">
+            <a:blip r:embed="rId10">
               <a:extLst>
                 <a:ext uri="{28A0092B-C50C-407E-A947-70E740481C1C}">
                   <a14:useLocalDpi xmlns:a14="http://schemas.microsoft.com/office/drawing/2010/main" val="0"/>
@@ -2893,7 +2923,7 @@
         <p:pic>
           <p:nvPicPr>
             <p:cNvPr id="1041" name="Picture 1040">
-              <a:hlinkClick r:id="rId10"/>
+              <a:hlinkClick r:id="rId11"/>
               <a:extLst>
                 <a:ext uri="{FF2B5EF4-FFF2-40B4-BE49-F238E27FC236}">
                   <a16:creationId xmlns:a16="http://schemas.microsoft.com/office/drawing/2014/main" id="{445191B8-6752-D16E-34FB-5FEA53A59BBB}"/>
@@ -2906,7 +2936,7 @@
             <p:nvPr/>
           </p:nvPicPr>
           <p:blipFill>
-            <a:blip r:embed="rId11">
+            <a:blip r:embed="rId12">
               <a:extLst>
                 <a:ext uri="{28A0092B-C50C-407E-A947-70E740481C1C}">
                   <a14:useLocalDpi xmlns:a14="http://schemas.microsoft.com/office/drawing/2010/main" val="0"/>
@@ -2929,7 +2959,7 @@
         <p:pic>
           <p:nvPicPr>
             <p:cNvPr id="1042" name="Picture 1041" descr="Qr code&#10;&#10;Description automatically generated">
-              <a:hlinkClick r:id="rId10"/>
+              <a:hlinkClick r:id="rId11"/>
               <a:extLst>
                 <a:ext uri="{FF2B5EF4-FFF2-40B4-BE49-F238E27FC236}">
                   <a16:creationId xmlns:a16="http://schemas.microsoft.com/office/drawing/2014/main" id="{C33A7FC4-F6FE-46BF-CF5B-C93AC4CB9AF5}"/>
@@ -2942,7 +2972,7 @@
             <p:nvPr/>
           </p:nvPicPr>
           <p:blipFill>
-            <a:blip r:embed="rId12">
+            <a:blip r:embed="rId13">
               <a:extLst>
                 <a:ext uri="{28A0092B-C50C-407E-A947-70E740481C1C}">
                   <a14:useLocalDpi xmlns:a14="http://schemas.microsoft.com/office/drawing/2010/main" val="0"/>
@@ -2979,7 +3009,7 @@
           <p:nvPr/>
         </p:nvPicPr>
         <p:blipFill>
-          <a:blip r:embed="rId13">
+          <a:blip r:embed="rId14">
             <a:extLst>
               <a:ext uri="{28A0092B-C50C-407E-A947-70E740481C1C}">
                 <a14:useLocalDpi xmlns:a14="http://schemas.microsoft.com/office/drawing/2010/main" val="0"/>
@@ -3009,64 +3039,6 @@
           </a:extLst>
         </p:spPr>
       </p:pic>
-      <p:sp>
-        <p:nvSpPr>
-          <p:cNvPr id="1047" name="TextBox 47">
-            <a:extLst>
-              <a:ext uri="{FF2B5EF4-FFF2-40B4-BE49-F238E27FC236}">
-                <a16:creationId xmlns:a16="http://schemas.microsoft.com/office/drawing/2014/main" id="{9CC7839E-8607-01C0-86B9-C48EEE9C3B65}"/>
-              </a:ext>
-            </a:extLst>
-          </p:cNvPr>
-          <p:cNvSpPr txBox="1"/>
-          <p:nvPr/>
-        </p:nvSpPr>
-        <p:spPr>
-          <a:xfrm>
-            <a:off x="737798" y="25845500"/>
-            <a:ext cx="10919381" cy="470642"/>
-          </a:xfrm>
-          <a:prstGeom prst="rect">
-            <a:avLst/>
-          </a:prstGeom>
-          <a:ln w="12700">
-            <a:miter lim="400000"/>
-          </a:ln>
-          <a:extLst>
-            <a:ext uri="{C572A759-6A51-4108-AA02-DFA0A04FC94B}">
-              <ma14:wrappingTextBoxFlag xmlns:ma14="http://schemas.microsoft.com/office/mac/drawingml/2011/main" xmlns:a14="http://schemas.microsoft.com/office/drawing/2010/main" xmlns:m="http://schemas.openxmlformats.org/officeDocument/2006/math" xmlns="" val="1"/>
-            </a:ext>
-          </a:extLst>
-        </p:spPr>
-        <p:txBody>
-          <a:bodyPr lIns="33867" rIns="33867">
-            <a:spAutoFit/>
-          </a:bodyPr>
-          <a:lstStyle>
-            <a:lvl1pPr>
-              <a:lnSpc>
-                <a:spcPct val="120000"/>
-              </a:lnSpc>
-              <a:defRPr sz="2100">
-                <a:solidFill>
-                  <a:srgbClr val="344854"/>
-                </a:solidFill>
-                <a:latin typeface="Arial"/>
-                <a:ea typeface="Arial"/>
-                <a:cs typeface="Arial"/>
-                <a:sym typeface="Arial"/>
-              </a:defRPr>
-            </a:lvl1pPr>
-          </a:lstStyle>
-          <a:p>
-            <a:r>
-              <a:rPr lang="en-US" sz="2256" dirty="0"/>
-              <a:t>By introducing a second penalty term, we can explicitly penalize external costs:</a:t>
-            </a:r>
-            <a:endParaRPr lang="en-GB" sz="2032" dirty="0"/>
-          </a:p>
-        </p:txBody>
-      </p:sp>
       <p:grpSp>
         <p:nvGrpSpPr>
           <p:cNvPr id="1029" name="Group 1028">
@@ -3250,53 +3222,6 @@
           </a:p>
         </p:txBody>
       </p:sp>
-      <p:pic>
-        <p:nvPicPr>
-          <p:cNvPr id="1034" name="Picture 10">
-            <a:extLst>
-              <a:ext uri="{FF2B5EF4-FFF2-40B4-BE49-F238E27FC236}">
-                <a16:creationId xmlns:a16="http://schemas.microsoft.com/office/drawing/2014/main" id="{B7757BCC-9169-ED2E-1FE3-061EBF035BFC}"/>
-              </a:ext>
-            </a:extLst>
-          </p:cNvPr>
-          <p:cNvPicPr>
-            <a:picLocks noChangeAspect="1" noChangeArrowheads="1"/>
-          </p:cNvPicPr>
-          <p:nvPr/>
-        </p:nvPicPr>
-        <p:blipFill>
-          <a:blip r:embed="rId14">
-            <a:extLst>
-              <a:ext uri="{28A0092B-C50C-407E-A947-70E740481C1C}">
-                <a14:useLocalDpi xmlns:a14="http://schemas.microsoft.com/office/drawing/2010/main" val="0"/>
-              </a:ext>
-            </a:extLst>
-          </a:blip>
-          <a:srcRect/>
-          <a:stretch>
-            <a:fillRect/>
-          </a:stretch>
-        </p:blipFill>
-        <p:spPr bwMode="auto">
-          <a:xfrm>
-            <a:off x="3347989" y="26541277"/>
-            <a:ext cx="5151992" cy="982242"/>
-          </a:xfrm>
-          <a:prstGeom prst="rect">
-            <a:avLst/>
-          </a:prstGeom>
-          <a:noFill/>
-          <a:extLst>
-            <a:ext uri="{909E8E84-426E-40DD-AFC4-6F175D3DCCD1}">
-              <a14:hiddenFill xmlns:a14="http://schemas.microsoft.com/office/drawing/2010/main">
-                <a:solidFill>
-                  <a:srgbClr val="FFFFFF"/>
-                </a:solidFill>
-              </a14:hiddenFill>
-            </a:ext>
-          </a:extLst>
-        </p:spPr>
-      </p:pic>
       <p:sp>
         <p:nvSpPr>
           <p:cNvPr id="5" name="TextBox 56">
@@ -3567,8 +3492,8 @@
         </p:nvSpPr>
         <p:spPr>
           <a:xfrm>
-            <a:off x="774461" y="2655116"/>
-            <a:ext cx="6035780" cy="2308324"/>
+            <a:off x="14558121" y="5464485"/>
+            <a:ext cx="9244107" cy="2722605"/>
           </a:xfrm>
           <a:prstGeom prst="rect">
             <a:avLst/>
@@ -3597,8 +3522,13 @@
             </a:lvl1pPr>
           </a:lstStyle>
           <a:p>
+            <a:pPr algn="r">
+              <a:lnSpc>
+                <a:spcPts val="10000"/>
+              </a:lnSpc>
+            </a:pPr>
             <a:r>
-              <a:rPr lang="en-GB" sz="7200" dirty="0" err="1">
+              <a:rPr lang="en-GB" sz="11500" dirty="0" err="1">
                 <a:latin typeface="STCaiyun" panose="020B0400000000000000" pitchFamily="34" charset="-122"/>
                 <a:ea typeface="STCaiyun" panose="020B0400000000000000" pitchFamily="34" charset="-122"/>
                 <a:cs typeface="Dreaming Outloud Pro" panose="020F0502020204030204" pitchFamily="34" charset="0"/>
@@ -3606,7 +3536,7 @@
               <a:t>ECCCos</a:t>
             </a:r>
             <a:r>
-              <a:rPr lang="en-GB" sz="7200" dirty="0">
+              <a:rPr lang="en-GB" sz="11500" dirty="0">
                 <a:latin typeface="STCaiyun" panose="020B0400000000000000" pitchFamily="34" charset="-122"/>
                 <a:ea typeface="STCaiyun" panose="020B0400000000000000" pitchFamily="34" charset="-122"/>
                 <a:cs typeface="Dreaming Outloud Pro" panose="020F0502020204030204" pitchFamily="34" charset="0"/>
@@ -3644,8 +3574,8 @@
         </p:blipFill>
         <p:spPr>
           <a:xfrm>
-            <a:off x="1610818" y="13302889"/>
-            <a:ext cx="9588566" cy="2397141"/>
+            <a:off x="1706311" y="12968284"/>
+            <a:ext cx="9262797" cy="2315699"/>
           </a:xfrm>
           <a:prstGeom prst="rect">
             <a:avLst/>
@@ -3680,8 +3610,8 @@
         </p:blipFill>
         <p:spPr>
           <a:xfrm>
-            <a:off x="12882079" y="10938631"/>
-            <a:ext cx="4728517" cy="4728517"/>
+            <a:off x="12881339" y="9346265"/>
+            <a:ext cx="5898620" cy="5898620"/>
           </a:xfrm>
           <a:prstGeom prst="rect">
             <a:avLst/>
@@ -3702,7 +3632,7 @@
         </p:nvGrpSpPr>
         <p:grpSpPr>
           <a:xfrm>
-            <a:off x="4969819" y="16542434"/>
+            <a:off x="4841405" y="16589897"/>
             <a:ext cx="6935530" cy="7771529"/>
             <a:chOff x="21366575" y="7699413"/>
             <a:chExt cx="8611165" cy="9649141"/>
@@ -4098,8 +4028,8 @@
         </p:nvSpPr>
         <p:spPr>
           <a:xfrm>
-            <a:off x="774461" y="5161483"/>
-            <a:ext cx="5325642" cy="1569660"/>
+            <a:off x="774461" y="2648998"/>
+            <a:ext cx="5869144" cy="3477875"/>
           </a:xfrm>
           <a:prstGeom prst="rect">
             <a:avLst/>
@@ -4129,8 +4059,40 @@
           </a:lstStyle>
           <a:p>
             <a:r>
-              <a:rPr lang="en-GB" sz="3200" dirty="0"/>
-              <a:t>Faithful Model Explanations through Energy-Constrained Conformal Counterfactuals</a:t>
+              <a:rPr lang="en-GB" sz="4400" dirty="0"/>
+              <a:t>Faithful Model Explanations through </a:t>
+            </a:r>
+            <a:r>
+              <a:rPr lang="en-GB" sz="4400" b="1" dirty="0"/>
+              <a:t>E</a:t>
+            </a:r>
+            <a:r>
+              <a:rPr lang="en-GB" sz="4400" dirty="0"/>
+              <a:t>nergy-</a:t>
+            </a:r>
+            <a:r>
+              <a:rPr lang="en-GB" sz="4400" b="1" dirty="0"/>
+              <a:t>C</a:t>
+            </a:r>
+            <a:r>
+              <a:rPr lang="en-GB" sz="4400" dirty="0"/>
+              <a:t>onstrained </a:t>
+            </a:r>
+            <a:r>
+              <a:rPr lang="en-GB" sz="4400" b="1" dirty="0"/>
+              <a:t>C</a:t>
+            </a:r>
+            <a:r>
+              <a:rPr lang="en-GB" sz="4400" dirty="0"/>
+              <a:t>onformal </a:t>
+            </a:r>
+            <a:r>
+              <a:rPr lang="en-GB" sz="4400" b="1" dirty="0"/>
+              <a:t>Co</a:t>
+            </a:r>
+            <a:r>
+              <a:rPr lang="en-GB" sz="4400" dirty="0"/>
+              <a:t>unterfactuals</a:t>
             </a:r>
           </a:p>
         </p:txBody>
@@ -4185,8 +4147,8 @@
         </p:nvSpPr>
         <p:spPr>
           <a:xfrm>
-            <a:off x="774462" y="6993304"/>
-            <a:ext cx="5869145" cy="1958549"/>
+            <a:off x="774460" y="6145694"/>
+            <a:ext cx="5745569" cy="2786981"/>
           </a:xfrm>
           <a:prstGeom prst="rect">
             <a:avLst/>
@@ -4233,52 +4195,65 @@
               </a:defRPr>
             </a:pPr>
             <a:r>
-              <a:rPr lang="en-US" sz="2400" dirty="0"/>
+              <a:rPr lang="en-US" sz="2800" dirty="0"/>
               <a:t>Patrick Altmeyer </a:t>
             </a:r>
             <a:r>
-              <a:rPr lang="en-US" sz="2400" b="1" dirty="0"/>
+              <a:rPr lang="en-US" sz="2800" b="1" dirty="0"/>
               <a:t>(</a:t>
             </a:r>
             <a:r>
-              <a:rPr lang="en-US" sz="2400" dirty="0">
+              <a:rPr lang="en-US" sz="2800" dirty="0">
                 <a:hlinkClick r:id="rId22"/>
               </a:rPr>
               <a:t>p.altmeyer@tudelft.nl</a:t>
             </a:r>
             <a:r>
-              <a:rPr lang="en-US" sz="2400" dirty="0"/>
+              <a:rPr lang="en-US" sz="2800" dirty="0"/>
               <a:t>), </a:t>
             </a:r>
+          </a:p>
+          <a:p>
+            <a:pPr>
+              <a:spcBef>
+                <a:spcPts val="742"/>
+              </a:spcBef>
+              <a:defRPr sz="2100">
+                <a:latin typeface="Arial"/>
+                <a:ea typeface="Arial"/>
+                <a:cs typeface="Arial"/>
+                <a:sym typeface="Arial"/>
+              </a:defRPr>
+            </a:pPr>
             <a:r>
-              <a:rPr lang="en-US" sz="2400" dirty="0" err="1"/>
+              <a:rPr lang="en-US" sz="2800" dirty="0" err="1"/>
               <a:t>Mojtaba</a:t>
             </a:r>
             <a:r>
-              <a:rPr lang="en-US" sz="2400" dirty="0"/>
+              <a:rPr lang="en-US" sz="2800" dirty="0"/>
               <a:t> </a:t>
             </a:r>
             <a:r>
-              <a:rPr lang="en-US" sz="2400" dirty="0" err="1"/>
+              <a:rPr lang="en-US" sz="2800" dirty="0" err="1"/>
               <a:t>Farmanbar</a:t>
             </a:r>
             <a:r>
-              <a:rPr lang="en-US" sz="2400" dirty="0"/>
+              <a:rPr lang="en-US" sz="2800" dirty="0"/>
               <a:t>, Arie van </a:t>
             </a:r>
             <a:r>
-              <a:rPr lang="en-US" sz="2400" dirty="0" err="1"/>
+              <a:rPr lang="en-US" sz="2800" dirty="0" err="1"/>
               <a:t>Deursen</a:t>
             </a:r>
             <a:r>
-              <a:rPr lang="en-US" sz="2400" dirty="0"/>
+              <a:rPr lang="en-US" sz="2800" dirty="0"/>
               <a:t>, Cynthia C. S. </a:t>
             </a:r>
             <a:r>
-              <a:rPr lang="en-US" sz="2400" dirty="0" err="1"/>
+              <a:rPr lang="en-US" sz="2800" dirty="0" err="1"/>
               <a:t>Liem</a:t>
             </a:r>
-            <a:endParaRPr lang="en-US" sz="2400" dirty="0"/>
+            <a:endParaRPr lang="en-US" sz="2800" dirty="0"/>
           </a:p>
           <a:p>
             <a:endParaRPr lang="en-GB" sz="3200" dirty="0">
@@ -4287,36 +4262,6 @@
           </a:p>
         </p:txBody>
       </p:sp>
-      <p:pic>
-        <p:nvPicPr>
-          <p:cNvPr id="1077" name="Picture 1076">
-            <a:extLst>
-              <a:ext uri="{FF2B5EF4-FFF2-40B4-BE49-F238E27FC236}">
-                <a16:creationId xmlns:a16="http://schemas.microsoft.com/office/drawing/2014/main" id="{69786562-BFAA-A513-777F-ECE6F5ADBA9F}"/>
-              </a:ext>
-            </a:extLst>
-          </p:cNvPr>
-          <p:cNvPicPr>
-            <a:picLocks noChangeAspect="1"/>
-          </p:cNvPicPr>
-          <p:nvPr/>
-        </p:nvPicPr>
-        <p:blipFill>
-          <a:blip r:embed="rId23"/>
-          <a:stretch>
-            <a:fillRect/>
-          </a:stretch>
-        </p:blipFill>
-        <p:spPr>
-          <a:xfrm>
-            <a:off x="6839600" y="2642789"/>
-            <a:ext cx="16962628" cy="5551254"/>
-          </a:xfrm>
-          <a:prstGeom prst="rect">
-            <a:avLst/>
-          </a:prstGeom>
-        </p:spPr>
-      </p:pic>
     </p:spTree>
   </p:cSld>
   <p:clrMapOvr>
